--- a/VHS Mitarbeiterfortbildung.pptx
+++ b/VHS Mitarbeiterfortbildung.pptx
@@ -7,6 +7,10 @@
   <p:sldIdLst>
     <p:sldId id="256" r:id="rId6"/>
     <p:sldId id="258" r:id="rId7"/>
+    <p:sldId id="259" r:id="rId8"/>
+    <p:sldId id="260" r:id="rId9"/>
+    <p:sldId id="261" r:id="rId10"/>
+    <p:sldId id="262" r:id="rId11"/>
   </p:sldIdLst>
   <p:sldSz cx="9144000" cy="6858000"/>
   <p:notesSz cx="6858000" cy="9144000"/>
@@ -237,7 +241,7 @@
             <a:spLocks noGrp="1" noChangeArrowheads="1"/>
             <a:extLst>
               <a:ext uri="smNativeData">
-                <pr:smNativeData xmlns:pr="smNativeData" val="SMDATA_13_lazxXhMAAAAlAAAAZAAAAA8BAAAAkAAAAEgAAACQAAAASAAAAAAAAAABAAAAAAAAAAEAAABQAAAAAAAAAAAA4D8AAAAAAADgPwAAAAAAAOA/AAAAAAAA4D8AAAAAAADgPwAAAAAAAOA/AAAAAAAA4D8AAAAAAADgPwAAAAAAAOA/AAAAAAAA4D8CAAAAjAAAAAAAAAAAAAAAu+DjDP///wgAAAAAAAAAAAAAAAAAAAAAAAAAAAAAAAAAAAAAZAAAAAEAAABAAAAAAAAAAAAAAAAAAAAAAAAAAAAAAAAAAAAAAAAAAAAAAAAAAAAAAAAAAAAAAAAAAAAAAAAAAAAAAAAAAAAAAAAAAAAAAAAAAAAAAAAAAAAAAAAAAAAAFAAAADwAAAAAAAAAAAAAAAAAAAkUAAAAAQAAABQAAAAUAAAAFAAAAAEAAAAAAAAAZAAAAGQAAAAAAAAAZAAAAGQAAAAVAAAAYAAAAAAAAAAAAAAADwAAACADAAAAAAAAAAAAAAEAAACgMgAAVgcAAKr4//8BAAAAf39/AAEAAABkAAAAAAAAABQAAABAHwAAAAAAACYAAAAAAAAAwOD//wAAAAAmAAAAZAAAABYAAABMAAAAAAAAAAAAAAAEAAAAAAAAAAEAAACAgIAKAAAAACgAAAAoAAAAZAAAAGQAAAAAAAAAzMzMAAAAAABQAAAAUAAAAGQAAABkAAAAAAAAABcAAAAUAAAAAAAAAAAAAAD/fwAA/38AAAAAAAAJAAAABAAAAP////8MAAAAEAAAAAAAAAAAAAAAAAAAAAAAAAAeAAAAaAAAAAAAAAAAAAAAAAAAAAAAAAAAAAAAECcAABAnAAAAAAAAAAAAAAAAAAAAAAAAAAAAAAAAAAAAAAAAAAAAABQAAAAAAAAAwMD/AAAAAABkAAAAMgAAAAAAAABkAAAAAAAAAH9/fwAKAAAAHwAAAFQAAAAAAAAFAAAAAQAAAAAAAAAAAAAAAAAAAAAAAAAAAAAAAAAAAAAAAAAAAAAAAn9/fwAAAAADzMzMAMDA/wB/f38AAAAAAAAAAAAAAAAAAAAAAAAAAAAhAAAAGAAAABQAAAA4BAAAGg0AAAg0AAAmFgAAAAAAACYAAAAIAAAAAYAAAAAAAAA="/>
+                <pr:smNativeData xmlns:pr="smNativeData" val="SMDATA_13_pLXxXhMAAAAlAAAAZAAAAA8BAAAAkAAAAEgAAACQAAAASAAAAAAAAAABAAAAAAAAAAEAAABQAAAAAAAAAAAA4D8AAAAAAADgPwAAAAAAAOA/AAAAAAAA4D8AAAAAAADgPwAAAAAAAOA/AAAAAAAA4D8AAAAAAADgPwAAAAAAAOA/AAAAAAAA4D8CAAAAjAAAAAAAAAAAAAAAu+DjDP///wgAAAAAAAAAAAAAAAAAAAAAAAAAAAAAAAAAAAAAZAAAAAEAAABAAAAAAAAAAAAAAAAAAAAAAAAAAAAAAAAAAAAAAAAAAAAAAAAAAAAAAAAAAAAAAAAAAAAAAAAAAAAAAAAAAAAAAAAAAAAAAAAAAAAAAAAAAAAAAAAAAAAAFAAAADwAAAAAAAAAAAAAAAAAAAkUAAAAAQAAABQAAAAUAAAAFAAAAAEAAAAAAAAAZAAAAGQAAAAAAAAAZAAAAGQAAAAVAAAAYAAAAAAAAAAAAAAADwAAACADAAAAAAAAAAAAAAEAAACgMgAAVgcAAKr4//8BAAAAf39/AAEAAABkAAAAAAAAABQAAABAHwAAAAAAACYAAAAAAAAAwOD//wAAAAAmAAAAZAAAABYAAABMAAAAAAAAAAAAAAAEAAAAAAAAAAEAAACAgIAKAAAAACgAAAAoAAAAZAAAAGQAAAAAAAAAzMzMAAAAAABQAAAAUAAAAGQAAABkAAAAAAAAABcAAAAUAAAAAAAAAAAAAAD/fwAA/38AAAAAAAAJAAAABAAAAP////8MAAAAEAAAAAAAAAAAAAAAAAAAAAAAAAAeAAAAaAAAAAAAAAAAAAAAAAAAAAAAAAAAAAAAECcAABAnAAAAAAAAAAAAAAAAAAAAAAAAAAAAAAAAAAAAAAAAAAAAABQAAAAAAAAAwMD/AAAAAABkAAAAMgAAAAAAAABkAAAAAAAAAH9/fwAKAAAAHwAAAFQAAAAAAAAFAAAAAQAAAAAAAAAAAAAAAAAAAAAAAAAAAAAAAAAAAAAAAAAAAAAAAn9/fwAAAAADzMzMAMDA/wB/f38AAAAAAAAAAAAAAAAAAAAAAAAAAAAhAAAAGAAAABQAAAA4BAAAGg0AAAg0AAAmFgAAAAAAACYAAAAIAAAAAYAAAAAAAAA="/>
               </a:ext>
             </a:extLst>
           </p:cNvSpPr>
@@ -269,7 +273,7 @@
             <a:spLocks noGrp="1" noChangeArrowheads="1"/>
             <a:extLst>
               <a:ext uri="smNativeData">
-                <pr:smNativeData xmlns:pr="smNativeData" val="SMDATA_13_lazxXhMAAAAlAAAAZAAAAA8BAAAAkAAAAEgAAACQAAAASAAAAAAAAAAAAAAAAAAAAAEAAABQAAAAAAAAAAAA4D8AAAAAAADgPwAAAAAAAOA/AAAAAAAA4D8AAAAAAADgPwAAAAAAAOA/AAAAAAAA4D8AAAAAAADgPwAAAAAAAOA/AAAAAAAA4D8CAAAAjAAAAAAAAAAAAAAAu+DjDP///wgAAAAAAAAAAAAAAAAAAAAAAAAAAAAAAAAAAAAAZAAAAAEAAABAAAAAAAAAAAAAAAAAAAAAAAAAAAAAAAAAAAAAAAAAAAAAAAAAAAAAAAAAAAAAAAAAAAAAAAAAAAAAAAAAAAAAAAAAAAAAAAAAAAAAAAAAAAAAAAAAAAAAFAAAADwAAAAAAAAAAAAAAAAAAAkUAAAAAQAAABQAAAAUAAAAFAAAAAEAAAAAAAAAZAAAAGQAAAAAAAAAZAAAAGQAAAAVAAAAYAAAAAAAAAAAAAAADwAAACADAAAAAAAAAAAAAAEAAACgMgAAVgcAAKr4//8BAAAAf39/AAEAAABkAAAAAAAAABQAAABAHwAAAAAAACYAAAAAAAAAwOD//wAAAAAmAAAAZAAAABYAAABMAAAAAAAAAAAAAAAEAAAAAAAAAAEAAACAgIAKAAAAACgAAAAoAAAAZAAAAGQAAAAAAAAAzMzMAAAAAABQAAAAUAAAAGQAAABkAAAAAAAAABcAAAAUAAAAAAAAAAAAAAD/fwAA/38AAAAAAAAJAAAABAAAAEwAYQAMAAAAEAAAAAAAAAAAAAAAAAAAAAAAAAAeAAAAaAAAAAAAAAAAAAAAAAAAAAAAAAAAAAAAECcAABAnAAAAAAAAAAAAAAAAAAAAAAAAAAAAAAAAAAAAAAAAAAAAABQAAAAAAAAAwMD/AAAAAABkAAAAMgAAAAAAAABkAAAAAAAAAH9/fwAKAAAAHwAAAFQAAAAAAAAFAAAAAQAAAAAAAAAAAAAAAAAAAAAAAAAAAAAAAAAAAAAAAAAAAAAAAn9/fwAAAAADzMzMAMDA/wB/f38AAAAAAAAAAAAAAAAAAAAAAAAAAAAhAAAAGAAAABQAAABwCAAA6BcAANAvAACwIgAAAAAAACYAAAAIAAAAAYAAAAAAAAA="/>
+                <pr:smNativeData xmlns:pr="smNativeData" val="SMDATA_13_pLXxXhMAAAAlAAAAZAAAAA8BAAAAkAAAAEgAAACQAAAASAAAAAAAAAAAAAAAAAAAAAEAAABQAAAAAAAAAAAA4D8AAAAAAADgPwAAAAAAAOA/AAAAAAAA4D8AAAAAAADgPwAAAAAAAOA/AAAAAAAA4D8AAAAAAADgPwAAAAAAAOA/AAAAAAAA4D8CAAAAjAAAAAAAAAAAAAAAu+DjDP///wgAAAAAAAAAAAAAAAAAAAAAAAAAAAAAAAAAAAAAZAAAAAEAAABAAAAAAAAAAAAAAAAAAAAAAAAAAAAAAAAAAAAAAAAAAAAAAAAAAAAAAAAAAAAAAAAAAAAAAAAAAAAAAAAAAAAAAAAAAAAAAAAAAAAAAAAAAAAAAAAAAAAAFAAAADwAAAAAAAAAAAAAAAAAAAkUAAAAAQAAABQAAAAUAAAAFAAAAAEAAAAAAAAAZAAAAGQAAAAAAAAAZAAAAGQAAAAVAAAAYAAAAAAAAAAAAAAADwAAACADAAAAAAAAAAAAAAEAAACgMgAAVgcAAKr4//8BAAAAf39/AAEAAABkAAAAAAAAABQAAABAHwAAAAAAACYAAAAAAAAAwOD//wAAAAAmAAAAZAAAABYAAABMAAAAAAAAAAAAAAAEAAAAAAAAAAEAAACAgIAKAAAAACgAAAAoAAAAZAAAAGQAAAAAAAAAzMzMAAAAAABQAAAAUAAAAGQAAABkAAAAAAAAABcAAAAUAAAAAAAAAAAAAAD/fwAA/38AAAAAAAAJAAAABAAAAEwAYQAMAAAAEAAAAAAAAAAAAAAAAAAAAAAAAAAeAAAAaAAAAAAAAAAAAAAAAAAAAAAAAAAAAAAAECcAABAnAAAAAAAAAAAAAAAAAAAAAAAAAAAAAAAAAAAAAAAAAAAAABQAAAAAAAAAwMD/AAAAAABkAAAAMgAAAAAAAABkAAAAAAAAAH9/fwAKAAAAHwAAAFQAAAAAAAAFAAAAAQAAAAAAAAAAAAAAAAAAAAAAAAAAAAAAAAAAAAAAAAAAAAAAAn9/fwAAAAADzMzMAMDA/wB/f38AAAAAAAAAAAAAAAAAAAAAAAAAAAAhAAAAGAAAABQAAABwCAAA6BcAANAvAACwIgAAAAAAACYAAAAIAAAAAYAAAAAAAAA="/>
               </a:ext>
             </a:extLst>
           </p:cNvSpPr>
@@ -329,7 +333,7 @@
             <a:spLocks noGrp="1" noChangeArrowheads="1"/>
             <a:extLst>
               <a:ext uri="smNativeData">
-                <pr:smNativeData xmlns:pr="smNativeData" val="SMDATA_13_lazxXhMAAAAlAAAAZAAAAA8BAAAAkAAAAEgAAACQAAAASAAAAAAAAAABAAAAAAAAAAEAAABQAAAAAAAAAAAA4D8AAAAAAADgPwAAAAAAAOA/AAAAAAAA4D8AAAAAAADgPwAAAAAAAOA/AAAAAAAA4D8AAAAAAADgPwAAAAAAAOA/AAAAAAAA4D8CAAAAjAAAAAAAAAAAAAAAu+DjDP///wgAAAAAAAAAAAAAAAAAAAAAAAAAAAAAAAAAAAAAZAAAAAEAAABAAAAAAAAAAAAAAAAAAAAAAAAAAAAAAAAAAAAAAAAAAAAAAAAAAAAAAAAAAAAAAAAAAAAAAAAAAAAAAAAAAAAAAAAAAAAAAAAAAAAAAAAAAAAAAAAAAAAAFAAAADwAAAAAAAAAAAAAAAAAAAkUAAAAAQAAABQAAAAUAAAAFAAAAAEAAAAAAAAAZAAAAGQAAAAAAAAAZAAAAGQAAAAVAAAAYAAAAAAAAAAAAAAADwAAACADAAAAAAAAAAAAAAEAAACgMgAAVgcAAKr4//8BAAAAf39/AAEAAABkAAAAAAAAABQAAABAHwAAAAAAACYAAAAAAAAAwOD//wAAAAAmAAAAZAAAABYAAABMAAAAAAAAAAAAAAAEAAAAAAAAAAEAAACAgIAKAAAAACgAAAAoAAAAZAAAAGQAAAAAAAAAzMzMAAAAAABQAAAAUAAAAGQAAABkAAAAAAAAABcAAAAUAAAAAAAAAAAAAAD/fwAA/38AAAAAAAAJAAAABAAAAAAAAAAMAAAAEAAAAAAAAAAAAAAAAAAAAAAAAAAeAAAAaAAAAAAAAAAAAAAAAAAAAAAAAAAAAAAAECcAABAnAAAAAAAAAAAAAAAAAAAAAAAAAAAAAAAAAAAAAAAAAAAAABQAAAAAAAAAwMD/AAAAAABkAAAAMgAAAAAAAABkAAAAAAAAAH9/fwAKAAAAHwAAAFQAAAAAAAAFAAAAAQAAAAAAAAAAAAAAAAAAAAAAAAAAAAAAAAAAAAAAAAAAAAAAAn9/fwAAAAADzMzMAMDA/wB/f38AAAAAAAAAAAAAAAAAAAAAAAAAAAAhAAAAGAAAABQAAADQAgAAGycAAPAPAABZKQAAAAAAACYAAAAIAAAAAAAAAAAAAAA="/>
+                <pr:smNativeData xmlns:pr="smNativeData" val="SMDATA_13_pLXxXhMAAAAlAAAAZAAAAA8BAAAAkAAAAEgAAACQAAAASAAAAAAAAAABAAAAAAAAAAEAAABQAAAAAAAAAAAA4D8AAAAAAADgPwAAAAAAAOA/AAAAAAAA4D8AAAAAAADgPwAAAAAAAOA/AAAAAAAA4D8AAAAAAADgPwAAAAAAAOA/AAAAAAAA4D8CAAAAjAAAAAAAAAAAAAAAu+DjDP///wgAAAAAAAAAAAAAAAAAAAAAAAAAAAAAAAAAAAAAZAAAAAEAAABAAAAAAAAAAAAAAAAAAAAAAAAAAAAAAAAAAAAAAAAAAAAAAAAAAAAAAAAAAAAAAAAAAAAAAAAAAAAAAAAAAAAAAAAAAAAAAAAAAAAAAAAAAAAAAAAAAAAAFAAAADwAAAAAAAAAAAAAAAAAAAkUAAAAAQAAABQAAAAUAAAAFAAAAAEAAAAAAAAAZAAAAGQAAAAAAAAAZAAAAGQAAAAVAAAAYAAAAAAAAAAAAAAADwAAACADAAAAAAAAAAAAAAEAAACgMgAAVgcAAKr4//8BAAAAf39/AAEAAABkAAAAAAAAABQAAABAHwAAAAAAACYAAAAAAAAAwOD//wAAAAAmAAAAZAAAABYAAABMAAAAAAAAAAAAAAAEAAAAAAAAAAEAAACAgIAKAAAAACgAAAAoAAAAZAAAAGQAAAAAAAAAzMzMAAAAAABQAAAAUAAAAGQAAABkAAAAAAAAABcAAAAUAAAAAAAAAAAAAAD/fwAA/38AAAAAAAAJAAAABAAAAAAAAAAMAAAAEAAAAAAAAAAAAAAAAAAAAAAAAAAeAAAAaAAAAAAAAAAAAAAAAAAAAAAAAAAAAAAAECcAABAnAAAAAAAAAAAAAAAAAAAAAAAAAAAAAAAAAAAAAAAAAAAAABQAAAAAAAAAwMD/AAAAAABkAAAAMgAAAAAAAABkAAAAAAAAAH9/fwAKAAAAHwAAAFQAAAAAAAAFAAAAAQAAAAAAAAAAAAAAAAAAAAAAAAAAAAAAAAAAAAAAAAAAAAAAAn9/fwAAAAADzMzMAMDA/wB/f38AAAAAAAAAAAAAAAAAAAAAAAAAAAAhAAAAGAAAABQAAADQAgAAGycAAPAPAABZKQAAAAAAACYAAAAIAAAAAAAAAAAAAAA="/>
               </a:ext>
             </a:extLst>
           </p:cNvSpPr>
@@ -343,7 +347,7 @@
           <a:lstStyle/>
           <a:p>
             <a:pPr/>
-            <a:fld id="{3F23D3A1-EFD2-7625-9C9B-19709DD56A4C}" type="datetime1">
+            <a:fld id="{3F0FD32C-62D2-5A25-9CB7-94709DF96AC1}" type="datetime1">
               <a:t/>
             </a:fld>
           </a:p>
@@ -356,7 +360,7 @@
             <a:spLocks noGrp="1" noChangeArrowheads="1"/>
             <a:extLst>
               <a:ext uri="smNativeData">
-                <pr:smNativeData xmlns:pr="smNativeData" val="SMDATA_13_lazxXhMAAAAlAAAAZAAAAA8BAAAAkAAAAEgAAACQAAAASAAAAAAAAAABAAAAAAAAAAEAAABQAAAAAAAAAAAA4D8AAAAAAADgPwAAAAAAAOA/AAAAAAAA4D8AAAAAAADgPwAAAAAAAOA/AAAAAAAA4D8AAAAAAADgPwAAAAAAAOA/AAAAAAAA4D8CAAAAjAAAAAAAAAAAAAAAu+DjDP///wgAAAAAAAAAAAAAAAAAAAAAAAAAAAAAAAAAAAAAZAAAAAEAAABAAAAAAAAAAAAAAAAAAAAAAAAAAAAAAAAAAAAAAAAAAAAAAAAAAAAAAAAAAAAAAAAAAAAAAAAAAAAAAAAAAAAAAAAAAAAAAAAAAAAAAAAAAAAAAAAAAAAAFAAAADwAAAAAAAAAAAAAAAAAAAkUAAAAAQAAABQAAAAUAAAAFAAAAAEAAAAAAAAAZAAAAGQAAAAAAAAAZAAAAGQAAAAVAAAAYAAAAAAAAAAAAAAADwAAACADAAAAAAAAAAAAAAEAAACgMgAAVgcAAKr4//8BAAAAf39/AAEAAABkAAAAAAAAABQAAABAHwAAAAAAACYAAAAAAAAAwOD//wAAAAAmAAAAZAAAABYAAABMAAAAAAAAAAAAAAAEAAAAAAAAAAEAAACAgIAKAAAAACgAAAAoAAAAZAAAAGQAAAAAAAAAzMzMAAAAAABQAAAAUAAAAGQAAABkAAAAAAAAABcAAAAUAAAAAAAAAAAAAAD/fwAA/38AAAAAAAAJAAAABAAAAP////8MAAAAEAAAAAAAAAAAAAAAAAAAAAAAAAAeAAAAaAAAAAAAAAAAAAAAAAAAAAAAAAAAAAAAECcAABAnAAAAAAAAAAAAAAAAAAAAAAAAAAAAAAAAAAAAAAAAAAAAABQAAAAAAAAAwMD/AAAAAABkAAAAMgAAAAAAAABkAAAAAAAAAH9/fwAKAAAAHwAAAFQAAAAAAAAFAAAAAQAAAAAAAAAAAAAAAAAAAAAAAAAAAAAAAAAAAAAAAAAAAAAAAn9/fwAAAAADzMzMAMDA/wB/f38AAAAAAAAAAAAAAAAAAAAAAAAAAAAhAAAAGAAAABQAAAA4EwAAGycAAAglAABZKQAAAAAAACYAAAAIAAAAAAAAAAAAAAA="/>
+                <pr:smNativeData xmlns:pr="smNativeData" val="SMDATA_13_pLXxXhMAAAAlAAAAZAAAAA8BAAAAkAAAAEgAAACQAAAASAAAAAAAAAABAAAAAAAAAAEAAABQAAAAAAAAAAAA4D8AAAAAAADgPwAAAAAAAOA/AAAAAAAA4D8AAAAAAADgPwAAAAAAAOA/AAAAAAAA4D8AAAAAAADgPwAAAAAAAOA/AAAAAAAA4D8CAAAAjAAAAAAAAAAAAAAAu+DjDP///wgAAAAAAAAAAAAAAAAAAAAAAAAAAAAAAAAAAAAAZAAAAAEAAABAAAAAAAAAAAAAAAAAAAAAAAAAAAAAAAAAAAAAAAAAAAAAAAAAAAAAAAAAAAAAAAAAAAAAAAAAAAAAAAAAAAAAAAAAAAAAAAAAAAAAAAAAAAAAAAAAAAAAFAAAADwAAAAAAAAAAAAAAAAAAAkUAAAAAQAAABQAAAAUAAAAFAAAAAEAAAAAAAAAZAAAAGQAAAAAAAAAZAAAAGQAAAAVAAAAYAAAAAAAAAAAAAAADwAAACADAAAAAAAAAAAAAAEAAACgMgAAVgcAAKr4//8BAAAAf39/AAEAAABkAAAAAAAAABQAAABAHwAAAAAAACYAAAAAAAAAwOD//wAAAAAmAAAAZAAAABYAAABMAAAAAAAAAAAAAAAEAAAAAAAAAAEAAACAgIAKAAAAACgAAAAoAAAAZAAAAGQAAAAAAAAAzMzMAAAAAABQAAAAUAAAAGQAAABkAAAAAAAAABcAAAAUAAAAAAAAAAAAAAD/fwAA/38AAAAAAAAJAAAABAAAAP////8MAAAAEAAAAAAAAAAAAAAAAAAAAAAAAAAeAAAAaAAAAAAAAAAAAAAAAAAAAAAAAAAAAAAAECcAABAnAAAAAAAAAAAAAAAAAAAAAAAAAAAAAAAAAAAAAAAAAAAAABQAAAAAAAAAwMD/AAAAAABkAAAAMgAAAAAAAABkAAAAAAAAAH9/fwAKAAAAHwAAAFQAAAAAAAAFAAAAAQAAAAAAAAAAAAAAAAAAAAAAAAAAAAAAAAAAAAAAAAAAAAAAAn9/fwAAAAADzMzMAMDA/wB/f38AAAAAAAAAAAAAAAAAAAAAAAAAAAAhAAAAGAAAABQAAAA4EwAAGycAAAglAABZKQAAAAAAACYAAAAIAAAAAAAAAAAAAAA="/>
               </a:ext>
             </a:extLst>
           </p:cNvSpPr>
@@ -383,7 +387,7 @@
             <a:spLocks noGrp="1" noChangeArrowheads="1"/>
             <a:extLst>
               <a:ext uri="smNativeData">
-                <pr:smNativeData xmlns:pr="smNativeData" val="SMDATA_13_lazxXhMAAAAlAAAAZAAAAA8BAAAAkAAAAEgAAACQAAAASAAAAAAAAAABAAAAAAAAAAEAAABQAAAAAAAAAAAA4D8AAAAAAADgPwAAAAAAAOA/AAAAAAAA4D8AAAAAAADgPwAAAAAAAOA/AAAAAAAA4D8AAAAAAADgPwAAAAAAAOA/AAAAAAAA4D8CAAAAjAAAAAAAAAAAAAAAu+DjDP///wgAAAAAAAAAAAAAAAAAAAAAAAAAAAAAAAAAAAAAZAAAAAEAAABAAAAAAAAAAAAAAAAAAAAAAAAAAAAAAAAAAAAAAAAAAAAAAAAAAAAAAAAAAAAAAAAAAAAAAAAAAAAAAAAAAAAAAAAAAAAAAAAAAAAAAAAAAAAAAAAAAAAAFAAAADwAAAAAAAAAAAAAAAAAAAkUAAAAAQAAABQAAAAUAAAAFAAAAAEAAAAAAAAAZAAAAGQAAAAAAAAAZAAAAGQAAAAVAAAAYAAAAAAAAAAAAAAADwAAACADAAAAAAAAAAAAAAEAAACgMgAAVgcAAKr4//8BAAAAf39/AAEAAABkAAAAAAAAABQAAABAHwAAAAAAACYAAAAAAAAAwOD//wAAAAAmAAAAZAAAABYAAABMAAAAAAAAAAAAAAAEAAAAAAAAAAEAAACAgIAKAAAAACgAAAAoAAAAZAAAAGQAAAAAAAAAzMzMAAAAAABQAAAAUAAAAGQAAABkAAAAAAAAABcAAAAUAAAAAAAAAAAAAAD/fwAA/38AAAAAAAAJAAAABAAAAP7+/v8MAAAAEAAAAAAAAAAAAAAAAAAAAAAAAAAeAAAAaAAAAAAAAAAAAAAAAAAAAAAAAAAAAAAAECcAABAnAAAAAAAAAAAAAAAAAAAAAAAAAAAAAAAAAAAAAAAAAAAAABQAAAAAAAAAwMD/AAAAAABkAAAAMgAAAAAAAABkAAAAAAAAAH9/fwAKAAAAHwAAAFQAAAAAAAAFAAAAAQAAAAAAAAAAAAAAAAAAAAAAAAAAAAAAAAAAAAAAAAAAAAAAAn9/fwAAAAADzMzMAMDA/wB/f38AAAAAAAAAAAAAAAAAAAAAAAAAAAAhAAAAGAAAABQAAABQKAAAGycAAHA1AABZKQAAAAAAACYAAAAIAAAAAAAAAAAAAAA="/>
+                <pr:smNativeData xmlns:pr="smNativeData" val="SMDATA_13_pLXxXhMAAAAlAAAAZAAAAA8BAAAAkAAAAEgAAACQAAAASAAAAAAAAAABAAAAAAAAAAEAAABQAAAAAAAAAAAA4D8AAAAAAADgPwAAAAAAAOA/AAAAAAAA4D8AAAAAAADgPwAAAAAAAOA/AAAAAAAA4D8AAAAAAADgPwAAAAAAAOA/AAAAAAAA4D8CAAAAjAAAAAAAAAAAAAAAu+DjDP///wgAAAAAAAAAAAAAAAAAAAAAAAAAAAAAAAAAAAAAZAAAAAEAAABAAAAAAAAAAAAAAAAAAAAAAAAAAAAAAAAAAAAAAAAAAAAAAAAAAAAAAAAAAAAAAAAAAAAAAAAAAAAAAAAAAAAAAAAAAAAAAAAAAAAAAAAAAAAAAAAAAAAAFAAAADwAAAAAAAAAAAAAAAAAAAkUAAAAAQAAABQAAAAUAAAAFAAAAAEAAAAAAAAAZAAAAGQAAAAAAAAAZAAAAGQAAAAVAAAAYAAAAAAAAAAAAAAADwAAACADAAAAAAAAAAAAAAEAAACgMgAAVgcAAKr4//8BAAAAf39/AAEAAABkAAAAAAAAABQAAABAHwAAAAAAACYAAAAAAAAAwOD//wAAAAAmAAAAZAAAABYAAABMAAAAAAAAAAAAAAAEAAAAAAAAAAEAAACAgIAKAAAAACgAAAAoAAAAZAAAAGQAAAAAAAAAzMzMAAAAAABQAAAAUAAAAGQAAABkAAAAAAAAABcAAAAUAAAAAAAAAAAAAAD/fwAA/38AAAAAAAAJAAAABAAAAP7+/v8MAAAAEAAAAAAAAAAAAAAAAAAAAAAAAAAeAAAAaAAAAAAAAAAAAAAAAAAAAAAAAAAAAAAAECcAABAnAAAAAAAAAAAAAAAAAAAAAAAAAAAAAAAAAAAAAAAAAAAAABQAAAAAAAAAwMD/AAAAAABkAAAAMgAAAAAAAABkAAAAAAAAAH9/fwAKAAAAHwAAAFQAAAAAAAAFAAAAAQAAAAAAAAAAAAAAAAAAAAAAAAAAAAAAAAAAAAAAAAAAAAAAAn9/fwAAAAADzMzMAMDA/wB/f38AAAAAAAAAAAAAAAAAAAAAAAAAAAAhAAAAGAAAABQAAABQKAAAGycAAHA1AABZKQAAAAAAACYAAAAIAAAAAAAAAAAAAAA="/>
               </a:ext>
             </a:extLst>
           </p:cNvSpPr>
@@ -397,7 +401,7 @@
           <a:lstStyle/>
           <a:p>
             <a:pPr/>
-            <a:fld id="{3F239F56-18D2-7669-9C9B-EE3CD1D56ABB}" type="slidenum">
+            <a:fld id="{3F0FB649-07D2-5A40-9CB7-F115F8F96AA4}" type="slidenum">
               <a:t/>
             </a:fld>
           </a:p>
@@ -435,7 +439,7 @@
             <a:spLocks noGrp="1" noChangeArrowheads="1"/>
             <a:extLst>
               <a:ext uri="smNativeData">
-                <pr:smNativeData xmlns:pr="smNativeData" val="SMDATA_13_lazxXhMAAAAlAAAAZAAAAA8BAAAAkAAAAEgAAACQAAAASAAAAAAAAAABAAAAAAAAAAEAAABQAAAAAAAAAAAA4D8AAAAAAADgPwAAAAAAAOA/AAAAAAAA4D8AAAAAAADgPwAAAAAAAOA/AAAAAAAA4D8AAAAAAADgPwAAAAAAAOA/AAAAAAAA4D8CAAAAjAAAAAAAAAAAAAAAu+DjDP///wgAAAAAAAAAAAAAAAAAAAAAAAAAAAAAAAAAAAAAZAAAAAEAAABAAAAAAAAAAAAAAAAAAAAAAAAAAAAAAAAAAAAAAAAAAAAAAAAAAAAAAAAAAAAAAAAAAAAAAAAAAAAAAAAAAAAAAAAAAAAAAAAAAAAAAAAAAAAAAAAAAAAAFAAAADwAAAAAAAAAAAAAAAAAAAkUAAAAAQAAABQAAAAUAAAAFAAAAAEAAAAAAAAAZAAAAGQAAAAAAAAAZAAAAGQAAAAVAAAAYAAAAAAAAAAAAAAADwAAACADAAAAAAAAAAAAAAEAAACgMgAAVgcAAKr4//8BAAAAf39/AAEAAABkAAAAAAAAABQAAABAHwAAAAAAACYAAAAAAAAAwOD//wAAAAAmAAAAZAAAABYAAABMAAAAAAAAAAAAAAAEAAAAAAAAAAEAAACAgIAKAAAAACgAAAAoAAAAZAAAAGQAAAAAAAAAzMzMAAAAAABQAAAAUAAAAGQAAABkAAAAAAAAABcAAAAUAAAAAAAAAAAAAAD/fwAA/38AAAAAAAAJAAAABAAAAAAAAAAMAAAAEAAAAAAAAAAAAAAAAAAAAAAAAAAeAAAAaAAAAAAAAAAAAAAAAAAAAAAAAAAAAAAAECcAABAnAAAAAAAAAAAAAAAAAAAAAAAAAAAAAAAAAAAAAAAAAAAAABQAAAAAAAAAwMD/AAAAAABkAAAAMgAAAAAAAABkAAAAAAAAAH9/fwAKAAAAHwAAAFQAAAAAAAAFAAAAAQAAAAAAAAAAAAAAAAAAAAAAAAAAAAAAAAAAAAAAAAAAAAAAAn9/fwAAAAADzMzMAMDA/wB/f38AAAAAAAAAAAAAAAAAAAAAAAAAAAAhAAAAGAAAABQAAADQAgAAsAEAAHA1AAC4CAAAAAAAACYAAAAIAAAAAAAAAAAAAAA="/>
+                <pr:smNativeData xmlns:pr="smNativeData" val="SMDATA_13_pLXxXhMAAAAlAAAAZAAAAA8BAAAAkAAAAEgAAACQAAAASAAAAAAAAAABAAAAAAAAAAEAAABQAAAAAAAAAAAA4D8AAAAAAADgPwAAAAAAAOA/AAAAAAAA4D8AAAAAAADgPwAAAAAAAOA/AAAAAAAA4D8AAAAAAADgPwAAAAAAAOA/AAAAAAAA4D8CAAAAjAAAAAAAAAAAAAAAu+DjDP///wgAAAAAAAAAAAAAAAAAAAAAAAAAAAAAAAAAAAAAZAAAAAEAAABAAAAAAAAAAAAAAAAAAAAAAAAAAAAAAAAAAAAAAAAAAAAAAAAAAAAAAAAAAAAAAAAAAAAAAAAAAAAAAAAAAAAAAAAAAAAAAAAAAAAAAAAAAAAAAAAAAAAAFAAAADwAAAAAAAAAAAAAAAAAAAkUAAAAAQAAABQAAAAUAAAAFAAAAAEAAAAAAAAAZAAAAGQAAAAAAAAAZAAAAGQAAAAVAAAAYAAAAAAAAAAAAAAADwAAACADAAAAAAAAAAAAAAEAAACgMgAAVgcAAKr4//8BAAAAf39/AAEAAABkAAAAAAAAABQAAABAHwAAAAAAACYAAAAAAAAAwOD//wAAAAAmAAAAZAAAABYAAABMAAAAAAAAAAAAAAAEAAAAAAAAAAEAAACAgIAKAAAAACgAAAAoAAAAZAAAAGQAAAAAAAAAzMzMAAAAAABQAAAAUAAAAGQAAABkAAAAAAAAABcAAAAUAAAAAAAAAAAAAAD/fwAA/38AAAAAAAAJAAAABAAAAAAAAAAMAAAAEAAAAAAAAAAAAAAAAAAAAAAAAAAeAAAAaAAAAAAAAAAAAAAAAAAAAAAAAAAAAAAAECcAABAnAAAAAAAAAAAAAAAAAAAAAAAAAAAAAAAAAAAAAAAAAAAAABQAAAAAAAAAwMD/AAAAAABkAAAAMgAAAAAAAABkAAAAAAAAAH9/fwAKAAAAHwAAAFQAAAAAAAAFAAAAAQAAAAAAAAAAAAAAAAAAAAAAAAAAAAAAAAAAAAAAAAAAAAAAAn9/fwAAAAADzMzMAMDA/wB/f38AAAAAAAAAAAAAAAAAAAAAAAAAAAAhAAAAGAAAABQAAADQAgAAsAEAAHA1AAC4CAAAAAAAACYAAAAIAAAAAAAAAAAAAAA="/>
               </a:ext>
             </a:extLst>
           </p:cNvSpPr>
@@ -462,7 +466,7 @@
             <a:spLocks noGrp="1" noChangeArrowheads="1"/>
             <a:extLst>
               <a:ext uri="smNativeData">
-                <pr:smNativeData xmlns:pr="smNativeData" val="SMDATA_13_lazxXhMAAAAlAAAAZAAAAA8BAAAAkAAAAEgAAACQAAAASAAAAAAAAAAAAAAAAQAAAAEAAABQAAAAAAAAAAAA4D8AAAAAAADgPwAAAAAAAOA/AAAAAAAA4D8AAAAAAADgPwAAAAAAAOA/AAAAAAAA4D8AAAAAAADgPwAAAAAAAOA/AAAAAAAA4D8CAAAAjAAAAAAAAAAAAAAAu+DjDP///wgAAAAAAAAAAAAAAAAAAAAAAAAAAAAAAAAAAAAAZAAAAAEAAABAAAAAAAAAAAAAAAAAAAAAAAAAAAAAAAAAAAAAAAAAAAAAAAAAAAAAAAAAAAAAAAAAAAAAAAAAAAAAAAAAAAAAAAAAAAAAAAAAAAAAAAAAAAAAAAAAAAAAFAAAADwAAAAAAAAAAAAAAAAAAAkUAAAAAQAAABQAAAAUAAAAFAAAAAEAAAAAAAAAZAAAAGQAAAAAAAAAZAAAAGQAAAAVAAAAYAAAAAAAAAAAAAAADwAAACADAAAAAAAAAAAAAAEAAACgMgAAVgcAAKr4//8BAAAAf39/AAEAAABkAAAAAAAAABQAAABAHwAAAAAAACYAAAAAAAAAwOD//wAAAAAmAAAAZAAAABYAAABMAAAAAAAAAAAAAAAEAAAAAAAAAAEAAACAgIAKAAAAACgAAAAoAAAAZAAAAGQAAAAAAAAAzMzMAAAAAABQAAAAUAAAAGQAAABkAAAAAAAAABcAAAAUAAAAAAAAAAAAAAD/fwAA/38AAAAAAAAJAAAABAAAAAAAAAAMAAAAEAAAAAAAAAAAAAAAAAAAAAAAAAAeAAAAaAAAAAAAAAAAAAAAAAAAAAAAAAAAAAAAECcAABAnAAAAAAAAAAAAAAAAAAAAAAAAAAAAAAAAAAAAAAAAAAAAABQAAAAAAAAAwMD/AAAAAABkAAAAMgAAAAAAAABkAAAAAAAAAH9/fwAKAAAAHwAAAFQAAAAAAAAFAAAAAQAAAAAAAAAAAAAAAAAAAAAAAAAAAAAAAAAAAAAAAAAAAAAAAn9/fwAAAAADzMzMAMDA/wB/f38AAAAAAAAAAAAAAAAAAAAAAAAAAAAhAAAAGAAAABQAAADQAgAA2AkAAHA1AACwJQAAAAAAACYAAAAIAAAAAgAAAAAAAAA="/>
+                <pr:smNativeData xmlns:pr="smNativeData" val="SMDATA_13_pLXxXhMAAAAlAAAAZAAAAA8BAAAAkAAAAEgAAACQAAAASAAAAAAAAAAAAAAAAQAAAAEAAABQAAAAAAAAAAAA4D8AAAAAAADgPwAAAAAAAOA/AAAAAAAA4D8AAAAAAADgPwAAAAAAAOA/AAAAAAAA4D8AAAAAAADgPwAAAAAAAOA/AAAAAAAA4D8CAAAAjAAAAAAAAAAAAAAAu+DjDP///wgAAAAAAAAAAAAAAAAAAAAAAAAAAAAAAAAAAAAAZAAAAAEAAABAAAAAAAAAAAAAAAAAAAAAAAAAAAAAAAAAAAAAAAAAAAAAAAAAAAAAAAAAAAAAAAAAAAAAAAAAAAAAAAAAAAAAAAAAAAAAAAAAAAAAAAAAAAAAAAAAAAAAFAAAADwAAAAAAAAAAAAAAAAAAAkUAAAAAQAAABQAAAAUAAAAFAAAAAEAAAAAAAAAZAAAAGQAAAAAAAAAZAAAAGQAAAAVAAAAYAAAAAAAAAAAAAAADwAAACADAAAAAAAAAAAAAAEAAACgMgAAVgcAAKr4//8BAAAAf39/AAEAAABkAAAAAAAAABQAAABAHwAAAAAAACYAAAAAAAAAwOD//wAAAAAmAAAAZAAAABYAAABMAAAAAAAAAAAAAAAEAAAAAAAAAAEAAACAgIAKAAAAACgAAAAoAAAAZAAAAGQAAAAAAAAAzMzMAAAAAABQAAAAUAAAAGQAAABkAAAAAAAAABcAAAAUAAAAAAAAAAAAAAD/fwAA/38AAAAAAAAJAAAABAAAAAAAAAAMAAAAEAAAAAAAAAAAAAAAAAAAAAAAAAAeAAAAaAAAAAAAAAAAAAAAAAAAAAAAAAAAAAAAECcAABAnAAAAAAAAAAAAAAAAAAAAAAAAAAAAAAAAAAAAAAAAAAAAABQAAAAAAAAAwMD/AAAAAABkAAAAMgAAAAAAAABkAAAAAAAAAH9/fwAKAAAAHwAAAFQAAAAAAAAFAAAAAQAAAAAAAAAAAAAAAAAAAAAAAAAAAAAAAAAAAAAAAAAAAAAAAn9/fwAAAAADzMzMAMDA/wB/f38AAAAAAAAAAAAAAAAAAAAAAAAAAAAhAAAAGAAAABQAAADQAgAA2AkAAHA1AACwJQAAAAAAACYAAAAIAAAAAgAAAAAAAAA="/>
               </a:ext>
             </a:extLst>
           </p:cNvSpPr>
@@ -517,7 +521,7 @@
             <a:spLocks noGrp="1" noChangeArrowheads="1"/>
             <a:extLst>
               <a:ext uri="smNativeData">
-                <pr:smNativeData xmlns:pr="smNativeData" val="SMDATA_13_lazxXhMAAAAlAAAAZAAAAA8BAAAAkAAAAEgAAACQAAAASAAAAAAAAAABAAAAAAAAAAEAAABQAAAAAAAAAAAA4D8AAAAAAADgPwAAAAAAAOA/AAAAAAAA4D8AAAAAAADgPwAAAAAAAOA/AAAAAAAA4D8AAAAAAADgPwAAAAAAAOA/AAAAAAAA4D8CAAAAjAAAAAAAAAAAAAAAu+DjDP///wgAAAAAAAAAAAAAAAAAAAAAAAAAAAAAAAAAAAAAZAAAAAEAAABAAAAAAAAAAAAAAAAAAAAAAAAAAAAAAAAAAAAAAAAAAAAAAAAAAAAAAAAAAAAAAAAAAAAAAAAAAAAAAAAAAAAAAAAAAAAAAAAAAAAAAAAAAAAAAAAAAAAAFAAAADwAAAAAAAAAAAAAAAAAAAkUAAAAAQAAABQAAAAUAAAAFAAAAAEAAAAAAAAAZAAAAGQAAAAAAAAAZAAAAGQAAAAVAAAAYAAAAAAAAAAAAAAADwAAACADAAAAAAAAAAAAAAEAAACgMgAAVgcAAKr4//8BAAAAf39/AAEAAABkAAAAAAAAABQAAABAHwAAAAAAACYAAAAAAAAAwOD//wAAAAAmAAAAZAAAABYAAABMAAAAAAAAAAAAAAAEAAAAAAAAAAEAAACAgIAKAAAAACgAAAAoAAAAZAAAAGQAAAAAAAAAzMzMAAAAAABQAAAAUAAAAGQAAABkAAAAAAAAABcAAAAUAAAAAAAAAAAAAAD/fwAA/38AAAAAAAAJAAAABAAAAAAAAAAMAAAAEAAAAAAAAAAAAAAAAAAAAAAAAAAeAAAAaAAAAAAAAAAAAAAAAAAAAAAAAAAAAAAAECcAABAnAAAAAAAAAAAAAAAAAAAAAAAAAAAAAAAAAAAAAAAAAAAAABQAAAAAAAAAwMD/AAAAAABkAAAAMgAAAAAAAABkAAAAAAAAAH9/fwAKAAAAHwAAAFQAAAAAAAAFAAAAAQAAAAAAAAAAAAAAAAAAAAAAAAAAAAAAAAAAAAAAAAAAAAAAAn9/fwAAAAADzMzMAMDA/wB/f38AAAAAAAAAAAAAAAAAAAAAAAAAAAAhAAAAGAAAABQAAADQAgAAGycAAPAPAABZKQAAAAAAACYAAAAIAAAAAAAAAAAAAAA="/>
+                <pr:smNativeData xmlns:pr="smNativeData" val="SMDATA_13_pLXxXhMAAAAlAAAAZAAAAA8BAAAAkAAAAEgAAACQAAAASAAAAAAAAAABAAAAAAAAAAEAAABQAAAAAAAAAAAA4D8AAAAAAADgPwAAAAAAAOA/AAAAAAAA4D8AAAAAAADgPwAAAAAAAOA/AAAAAAAA4D8AAAAAAADgPwAAAAAAAOA/AAAAAAAA4D8CAAAAjAAAAAAAAAAAAAAAu+DjDP///wgAAAAAAAAAAAAAAAAAAAAAAAAAAAAAAAAAAAAAZAAAAAEAAABAAAAAAAAAAAAAAAAAAAAAAAAAAAAAAAAAAAAAAAAAAAAAAAAAAAAAAAAAAAAAAAAAAAAAAAAAAAAAAAAAAAAAAAAAAAAAAAAAAAAAAAAAAAAAAAAAAAAAFAAAADwAAAAAAAAAAAAAAAAAAAkUAAAAAQAAABQAAAAUAAAAFAAAAAEAAAAAAAAAZAAAAGQAAAAAAAAAZAAAAGQAAAAVAAAAYAAAAAAAAAAAAAAADwAAACADAAAAAAAAAAAAAAEAAACgMgAAVgcAAKr4//8BAAAAf39/AAEAAABkAAAAAAAAABQAAABAHwAAAAAAACYAAAAAAAAAwOD//wAAAAAmAAAAZAAAABYAAABMAAAAAAAAAAAAAAAEAAAAAAAAAAEAAACAgIAKAAAAACgAAAAoAAAAZAAAAGQAAAAAAAAAzMzMAAAAAABQAAAAUAAAAGQAAABkAAAAAAAAABcAAAAUAAAAAAAAAAAAAAD/fwAA/38AAAAAAAAJAAAABAAAAAAAAAAMAAAAEAAAAAAAAAAAAAAAAAAAAAAAAAAeAAAAaAAAAAAAAAAAAAAAAAAAAAAAAAAAAAAAECcAABAnAAAAAAAAAAAAAAAAAAAAAAAAAAAAAAAAAAAAAAAAAAAAABQAAAAAAAAAwMD/AAAAAABkAAAAMgAAAAAAAABkAAAAAAAAAH9/fwAKAAAAHwAAAFQAAAAAAAAFAAAAAQAAAAAAAAAAAAAAAAAAAAAAAAAAAAAAAAAAAAAAAAAAAAAAAn9/fwAAAAADzMzMAMDA/wB/f38AAAAAAAAAAAAAAAAAAAAAAAAAAAAhAAAAGAAAABQAAADQAgAAGycAAPAPAABZKQAAAAAAACYAAAAIAAAAAAAAAAAAAAA="/>
               </a:ext>
             </a:extLst>
           </p:cNvSpPr>
@@ -531,7 +535,7 @@
           <a:lstStyle/>
           <a:p>
             <a:pPr/>
-            <a:fld id="{3F23EFB8-F6D2-7619-9C9B-004CA1D56A55}" type="datetime1">
+            <a:fld id="{3F0FD937-79D2-5A2F-9CB7-8F7A97F96ADA}" type="datetime1">
               <a:t/>
             </a:fld>
           </a:p>
@@ -544,7 +548,7 @@
             <a:spLocks noGrp="1" noChangeArrowheads="1"/>
             <a:extLst>
               <a:ext uri="smNativeData">
-                <pr:smNativeData xmlns:pr="smNativeData" val="SMDATA_13_lazxXhMAAAAlAAAAZAAAAA8BAAAAkAAAAEgAAACQAAAASAAAAAAAAAABAAAAAAAAAAEAAABQAAAAAAAAAAAA4D8AAAAAAADgPwAAAAAAAOA/AAAAAAAA4D8AAAAAAADgPwAAAAAAAOA/AAAAAAAA4D8AAAAAAADgPwAAAAAAAOA/AAAAAAAA4D8CAAAAjAAAAAAAAAAAAAAAu+DjDP///wgAAAAAAAAAAAAAAAAAAAAAAAAAAAAAAAAAAAAAZAAAAAEAAABAAAAAAAAAAAAAAAAAAAAAAAAAAAAAAAAAAAAAAAAAAAAAAAAAAAAAAAAAAAAAAAAAAAAAAAAAAAAAAAAAAAAAAAAAAAAAAAAAAAAAAAAAAAAAAAAAAAAAFAAAADwAAAAAAAAAAAAAAAAAAAkUAAAAAQAAABQAAAAUAAAAFAAAAAEAAAAAAAAAZAAAAGQAAAAAAAAAZAAAAGQAAAAVAAAAYAAAAAAAAAAAAAAADwAAACADAAAAAAAAAAAAAAEAAACgMgAAVgcAAKr4//8BAAAAf39/AAEAAABkAAAAAAAAABQAAABAHwAAAAAAACYAAAAAAAAAwOD//wAAAAAmAAAAZAAAABYAAABMAAAAAAAAAAAAAAAEAAAAAAAAAAEAAACAgIAKAAAAACgAAAAoAAAAZAAAAGQAAAAAAAAAzMzMAAAAAABQAAAAUAAAAGQAAABkAAAAAAAAABcAAAAUAAAAAAAAAAAAAAD/fwAA/38AAAAAAAAJAAAABAAAAAAAAAAMAAAAEAAAAAAAAAAAAAAAAAAAAAAAAAAeAAAAaAAAAAAAAAAAAAAAAAAAAAAAAAAAAAAAECcAABAnAAAAAAAAAAAAAAAAAAAAAAAAAAAAAAAAAAAAAAAAAAAAABQAAAAAAAAAwMD/AAAAAABkAAAAMgAAAAAAAABkAAAAAAAAAH9/fwAKAAAAHwAAAFQAAAAAAAAFAAAAAQAAAAAAAAAAAAAAAAAAAAAAAAAAAAAAAAAAAAAAAAAAAAAAAn9/fwAAAAADzMzMAMDA/wB/f38AAAAAAAAAAAAAAAAAAAAAAAAAAAAhAAAAGAAAABQAAAA4EwAAGycAAAglAABZKQAAAAAAACYAAAAIAAAAAAAAAAAAAAA="/>
+                <pr:smNativeData xmlns:pr="smNativeData" val="SMDATA_13_pLXxXhMAAAAlAAAAZAAAAA8BAAAAkAAAAEgAAACQAAAASAAAAAAAAAABAAAAAAAAAAEAAABQAAAAAAAAAAAA4D8AAAAAAADgPwAAAAAAAOA/AAAAAAAA4D8AAAAAAADgPwAAAAAAAOA/AAAAAAAA4D8AAAAAAADgPwAAAAAAAOA/AAAAAAAA4D8CAAAAjAAAAAAAAAAAAAAAu+DjDP///wgAAAAAAAAAAAAAAAAAAAAAAAAAAAAAAAAAAAAAZAAAAAEAAABAAAAAAAAAAAAAAAAAAAAAAAAAAAAAAAAAAAAAAAAAAAAAAAAAAAAAAAAAAAAAAAAAAAAAAAAAAAAAAAAAAAAAAAAAAAAAAAAAAAAAAAAAAAAAAAAAAAAAFAAAADwAAAAAAAAAAAAAAAAAAAkUAAAAAQAAABQAAAAUAAAAFAAAAAEAAAAAAAAAZAAAAGQAAAAAAAAAZAAAAGQAAAAVAAAAYAAAAAAAAAAAAAAADwAAACADAAAAAAAAAAAAAAEAAACgMgAAVgcAAKr4//8BAAAAf39/AAEAAABkAAAAAAAAABQAAABAHwAAAAAAACYAAAAAAAAAwOD//wAAAAAmAAAAZAAAABYAAABMAAAAAAAAAAAAAAAEAAAAAAAAAAEAAACAgIAKAAAAACgAAAAoAAAAZAAAAGQAAAAAAAAAzMzMAAAAAABQAAAAUAAAAGQAAABkAAAAAAAAABcAAAAUAAAAAAAAAAAAAAD/fwAA/38AAAAAAAAJAAAABAAAAAAAAAAMAAAAEAAAAAAAAAAAAAAAAAAAAAAAAAAeAAAAaAAAAAAAAAAAAAAAAAAAAAAAAAAAAAAAECcAABAnAAAAAAAAAAAAAAAAAAAAAAAAAAAAAAAAAAAAAAAAAAAAABQAAAAAAAAAwMD/AAAAAABkAAAAMgAAAAAAAABkAAAAAAAAAH9/fwAKAAAAHwAAAFQAAAAAAAAFAAAAAQAAAAAAAAAAAAAAAAAAAAAAAAAAAAAAAAAAAAAAAAAAAAAAAn9/fwAAAAADzMzMAMDA/wB/f38AAAAAAAAAAAAAAAAAAAAAAAAAAAAhAAAAGAAAABQAAAA4EwAAGycAAAglAABZKQAAAAAAACYAAAAIAAAAAAAAAAAAAAA="/>
               </a:ext>
             </a:extLst>
           </p:cNvSpPr>
@@ -571,7 +575,7 @@
             <a:spLocks noGrp="1" noChangeArrowheads="1"/>
             <a:extLst>
               <a:ext uri="smNativeData">
-                <pr:smNativeData xmlns:pr="smNativeData" val="SMDATA_13_lazxXhMAAAAlAAAAZAAAAA8BAAAAkAAAAEgAAACQAAAASAAAAAAAAAABAAAAAAAAAAEAAABQAAAAAAAAAAAA4D8AAAAAAADgPwAAAAAAAOA/AAAAAAAA4D8AAAAAAADgPwAAAAAAAOA/AAAAAAAA4D8AAAAAAADgPwAAAAAAAOA/AAAAAAAA4D8CAAAAjAAAAAAAAAAAAAAAu+DjDP///wgAAAAAAAAAAAAAAAAAAAAAAAAAAAAAAAAAAAAAZAAAAAEAAABAAAAAAAAAAAAAAAAAAAAAAAAAAAAAAAAAAAAAAAAAAAAAAAAAAAAAAAAAAAAAAAAAAAAAAAAAAAAAAAAAAAAAAAAAAAAAAAAAAAAAAAAAAAAAAAAAAAAAFAAAADwAAAAAAAAAAAAAAAAAAAkUAAAAAQAAABQAAAAUAAAAFAAAAAEAAAAAAAAAZAAAAGQAAAAAAAAAZAAAAGQAAAAVAAAAYAAAAAAAAAAAAAAADwAAACADAAAAAAAAAAAAAAEAAACgMgAAVgcAAKr4//8BAAAAf39/AAEAAABkAAAAAAAAABQAAABAHwAAAAAAACYAAAAAAAAAwOD//wAAAAAmAAAAZAAAABYAAABMAAAAAAAAAAAAAAAEAAAAAAAAAAEAAACAgIAKAAAAACgAAAAoAAAAZAAAAGQAAAAAAAAAzMzMAAAAAABQAAAAUAAAAGQAAABkAAAAAAAAABcAAAAUAAAAAAAAAAAAAAD/fwAA/38AAAAAAAAJAAAABAAAAAAAAAAMAAAAEAAAAAAAAAAAAAAAAAAAAAAAAAAeAAAAaAAAAAAAAAAAAAAAAAAAAAAAAAAAAAAAECcAABAnAAAAAAAAAAAAAAAAAAAAAAAAAAAAAAAAAAAAAAAAAAAAABQAAAAAAAAAwMD/AAAAAABkAAAAMgAAAAAAAABkAAAAAAAAAH9/fwAKAAAAHwAAAFQAAAAAAAAFAAAAAQAAAAAAAAAAAAAAAAAAAAAAAAAAAAAAAAAAAAAAAAAAAAAAAn9/fwAAAAADzMzMAMDA/wB/f38AAAAAAAAAAAAAAAAAAAAAAAAAAAAhAAAAGAAAABQAAABQKAAAGycAAHA1AABZKQAAAAAAACYAAAAIAAAAAAAAAAAAAAA="/>
+                <pr:smNativeData xmlns:pr="smNativeData" val="SMDATA_13_pLXxXhMAAAAlAAAAZAAAAA8BAAAAkAAAAEgAAACQAAAASAAAAAAAAAABAAAAAAAAAAEAAABQAAAAAAAAAAAA4D8AAAAAAADgPwAAAAAAAOA/AAAAAAAA4D8AAAAAAADgPwAAAAAAAOA/AAAAAAAA4D8AAAAAAADgPwAAAAAAAOA/AAAAAAAA4D8CAAAAjAAAAAAAAAAAAAAAu+DjDP///wgAAAAAAAAAAAAAAAAAAAAAAAAAAAAAAAAAAAAAZAAAAAEAAABAAAAAAAAAAAAAAAAAAAAAAAAAAAAAAAAAAAAAAAAAAAAAAAAAAAAAAAAAAAAAAAAAAAAAAAAAAAAAAAAAAAAAAAAAAAAAAAAAAAAAAAAAAAAAAAAAAAAAFAAAADwAAAAAAAAAAAAAAAAAAAkUAAAAAQAAABQAAAAUAAAAFAAAAAEAAAAAAAAAZAAAAGQAAAAAAAAAZAAAAGQAAAAVAAAAYAAAAAAAAAAAAAAADwAAACADAAAAAAAAAAAAAAEAAACgMgAAVgcAAKr4//8BAAAAf39/AAEAAABkAAAAAAAAABQAAABAHwAAAAAAACYAAAAAAAAAwOD//wAAAAAmAAAAZAAAABYAAABMAAAAAAAAAAAAAAAEAAAAAAAAAAEAAACAgIAKAAAAACgAAAAoAAAAZAAAAGQAAAAAAAAAzMzMAAAAAABQAAAAUAAAAGQAAABkAAAAAAAAABcAAAAUAAAAAAAAAAAAAAD/fwAA/38AAAAAAAAJAAAABAAAAAAAAAAMAAAAEAAAAAAAAAAAAAAAAAAAAAAAAAAeAAAAaAAAAAAAAAAAAAAAAAAAAAAAAAAAAAAAECcAABAnAAAAAAAAAAAAAAAAAAAAAAAAAAAAAAAAAAAAAAAAAAAAABQAAAAAAAAAwMD/AAAAAABkAAAAMgAAAAAAAABkAAAAAAAAAH9/fwAKAAAAHwAAAFQAAAAAAAAFAAAAAQAAAAAAAAAAAAAAAAAAAAAAAAAAAAAAAAAAAAAAAAAAAAAAAn9/fwAAAAADzMzMAMDA/wB/f38AAAAAAAAAAAAAAAAAAAAAAAAAAAAhAAAAGAAAABQAAABQKAAAGycAAHA1AABZKQAAAAAAACYAAAAIAAAAAAAAAAAAAAA="/>
               </a:ext>
             </a:extLst>
           </p:cNvSpPr>
@@ -585,7 +589,7 @@
           <a:lstStyle/>
           <a:p>
             <a:pPr/>
-            <a:fld id="{3F2386C9-87D2-7670-9C9B-7125C8D56A24}" type="slidenum">
+            <a:fld id="{3F0F8522-6CD2-5A73-9CB7-9A26CBF96ACF}" type="slidenum">
               <a:t/>
             </a:fld>
           </a:p>
@@ -623,7 +627,7 @@
             <a:spLocks noGrp="1" noChangeArrowheads="1"/>
             <a:extLst>
               <a:ext uri="smNativeData">
-                <pr:smNativeData xmlns:pr="smNativeData" val="SMDATA_13_lazxXhMAAAAlAAAAZAAAAA8BAAAAkAAAAEgAAACQAAAASAAAAAAAAAACAAAAAQAAAAEAAABQAAAAAAAAAAAA4D8AAAAAAADgPwAAAAAAAOA/AAAAAAAA4D8AAAAAAADgPwAAAAAAAOA/AAAAAAAA4D8AAAAAAADgPwAAAAAAAOA/AAAAAAAA4D8CAAAAjAAAAAAAAAAAAAAAu+DjDP///wgAAAAAAAAAAAAAAAAAAAAAAAAAAAAAAAAAAAAAZAAAAAEAAABAAAAAAAAAAAAAAAAAAAAAAAAAAAAAAAAAAAAAAAAAAAAAAAAAAAAAAAAAAAAAAAAAAAAAAAAAAAAAAAAAAAAAAAAAAAAAAAAAAAAAAAAAAAAAAAAAAAAAFAAAADwAAAAAAAAAAAAAAAAAAAkUAAAAAQAAABQAAAAUAAAAFAAAAAEAAAAAAAAAZAAAAGQAAAAAAAAAZAAAAGQAAAAVAAAAYAAAAAAAAAAAAAAADwAAACADAAAAAAAAAAAAAAEAAACgMgAAVgcAAKr4//8BAAAAf39/AAEAAABkAAAAAAAAABQAAABAHwAAAAAAACYAAAAAAAAAwOD//wAAAAAmAAAAZAAAABYAAABMAAAAAAAAAAAAAAAEAAAAAAAAAAEAAACAgIAKAAAAACgAAAAoAAAAZAAAAGQAAAAAAAAAzMzMAAAAAABQAAAAUAAAAGQAAABkAAAAAAAAABcAAAAUAAAAAAAAAAAAAAD/fwAA/38AAAAAAAAJAAAABAAAAAAAAAAMAAAAEAAAAAAAAAAAAAAAAAAAAAAAAAAeAAAAaAAAAAAAAAAAAAAAAAAAAAAAAAAAAAAAECcAABAnAAAAAAAAAAAAAAAAAAAAAAAAAAAAAAAAAAAAAAAAAAAAABQAAAAAAAAAwMD/AAAAAABkAAAAMgAAAAAAAABkAAAAAAAAAH9/fwAKAAAAHwAAAFQAAAAAAAAFAAAAAQAAAAAAAAAAAAAAAAAAAAAAAAAAAAAAAAAAAAAAAAAAAAAAAn9/fwAAAAADzMzMAMDA/wB/f38AAAAAAAAAAAAAAAAAAAAAAAAAAAAhAAAAGAAAABQAAADIKAAAsAEAAHA1AACwJQAAAAAAACYAAAAIAAAAgwAAAAAAAAA="/>
+                <pr:smNativeData xmlns:pr="smNativeData" val="SMDATA_13_pLXxXhMAAAAlAAAAZAAAAA8BAAAAkAAAAEgAAACQAAAASAAAAAAAAAACAAAAAQAAAAEAAABQAAAAAAAAAAAA4D8AAAAAAADgPwAAAAAAAOA/AAAAAAAA4D8AAAAAAADgPwAAAAAAAOA/AAAAAAAA4D8AAAAAAADgPwAAAAAAAOA/AAAAAAAA4D8CAAAAjAAAAAAAAAAAAAAAu+DjDP///wgAAAAAAAAAAAAAAAAAAAAAAAAAAAAAAAAAAAAAZAAAAAEAAABAAAAAAAAAAAAAAAAAAAAAAAAAAAAAAAAAAAAAAAAAAAAAAAAAAAAAAAAAAAAAAAAAAAAAAAAAAAAAAAAAAAAAAAAAAAAAAAAAAAAAAAAAAAAAAAAAAAAAFAAAADwAAAAAAAAAAAAAAAAAAAkUAAAAAQAAABQAAAAUAAAAFAAAAAEAAAAAAAAAZAAAAGQAAAAAAAAAZAAAAGQAAAAVAAAAYAAAAAAAAAAAAAAADwAAACADAAAAAAAAAAAAAAEAAACgMgAAVgcAAKr4//8BAAAAf39/AAEAAABkAAAAAAAAABQAAABAHwAAAAAAACYAAAAAAAAAwOD//wAAAAAmAAAAZAAAABYAAABMAAAAAAAAAAAAAAAEAAAAAAAAAAEAAACAgIAKAAAAACgAAAAoAAAAZAAAAGQAAAAAAAAAzMzMAAAAAABQAAAAUAAAAGQAAABkAAAAAAAAABcAAAAUAAAAAAAAAAAAAAD/fwAA/38AAAAAAAAJAAAABAAAAAAAAAAMAAAAEAAAAAAAAAAAAAAAAAAAAAAAAAAeAAAAaAAAAAAAAAAAAAAAAAAAAAAAAAAAAAAAECcAABAnAAAAAAAAAAAAAAAAAAAAAAAAAAAAAAAAAAAAAAAAAAAAABQAAAAAAAAAwMD/AAAAAABkAAAAMgAAAAAAAABkAAAAAAAAAH9/fwAKAAAAHwAAAFQAAAAAAAAFAAAAAQAAAAAAAAAAAAAAAAAAAAAAAAAAAAAAAAAAAAAAAAAAAAAAAn9/fwAAAAADzMzMAMDA/wB/f38AAAAAAAAAAAAAAAAAAAAAAAAAAAAhAAAAGAAAABQAAADIKAAAsAEAAHA1AACwJQAAAAAAACYAAAAIAAAAgwAAAAAAAAA="/>
               </a:ext>
             </a:extLst>
           </p:cNvSpPr>
@@ -659,7 +663,7 @@
             <a:spLocks noGrp="1" noChangeArrowheads="1"/>
             <a:extLst>
               <a:ext uri="smNativeData">
-                <pr:smNativeData xmlns:pr="smNativeData" val="SMDATA_13_lazxXhMAAAAlAAAAZAAAAA8BAAAAkAAAAEgAAACQAAAASAAAAAAAAAAAAAAAAQAAAAEAAABQAAAAAAAAAAAA4D8AAAAAAADgPwAAAAAAAOA/AAAAAAAA4D8AAAAAAADgPwAAAAAAAOA/AAAAAAAA4D8AAAAAAADgPwAAAAAAAOA/AAAAAAAA4D8CAAAAjAAAAAAAAAAAAAAAu+DjDP///wgAAAAAAAAAAAAAAAAAAAAAAAAAAAAAAAAAAAAAZAAAAAEAAABAAAAAAAAAAAAAAAAAAAAAAAAAAAAAAAAAAAAAAAAAAAAAAAAAAAAAAAAAAAAAAAAAAAAAAAAAAAAAAAAAAAAAAAAAAAAAAAAAAAAAAAAAAAAAAAAAAAAAFAAAADwAAAAAAAAAAAAAAAAAAAkUAAAAAQAAABQAAAAUAAAAFAAAAAEAAAAAAAAAZAAAAGQAAAAAAAAAZAAAAGQAAAAVAAAAYAAAAAAAAAAAAAAADwAAACADAAAAAAAAAAAAAAEAAACgMgAAVgcAAKr4//8BAAAAf39/AAEAAABkAAAAAAAAABQAAABAHwAAAAAAACYAAAAAAAAAwOD//wAAAAAmAAAAZAAAABYAAABMAAAAAAAAAAAAAAAEAAAAAAAAAAEAAACAgIAKAAAAACgAAAAoAAAAZAAAAGQAAAAAAAAAzMzMAAAAAABQAAAAUAAAAGQAAABkAAAAAAAAABcAAAAUAAAAAAAAAAAAAAD/fwAA/38AAAAAAAAJAAAABAAAAAAAAAAMAAAAEAAAAAAAAAAAAAAAAAAAAAAAAAAeAAAAaAAAAAAAAAAAAAAAAAAAAAAAAAAAAAAAECcAABAnAAAAAAAAAAAAAAAAAAAAAAAAAAAAAAAAAAAAAAAAAAAAABQAAAAAAAAAwMD/AAAAAABkAAAAMgAAAAAAAABkAAAAAAAAAH9/fwAKAAAAHwAAAFQAAAAAAAAFAAAAAQAAAAAAAAAAAAAAAAAAAAAAAAAAAAAAAAAAAAAAAAAAAAAAAn9/fwAAAAADzMzMAMDA/wB/f38AAAAAAAAAAAAAAAAAAAAAAAAAAAAhAAAAGAAAABQAAADQAgAAsAEAANgnAACwJQAAAAAAACYAAAAIAAAAAwAAAAAAAAA="/>
+                <pr:smNativeData xmlns:pr="smNativeData" val="SMDATA_13_pLXxXhMAAAAlAAAAZAAAAA8BAAAAkAAAAEgAAACQAAAASAAAAAAAAAAAAAAAAQAAAAEAAABQAAAAAAAAAAAA4D8AAAAAAADgPwAAAAAAAOA/AAAAAAAA4D8AAAAAAADgPwAAAAAAAOA/AAAAAAAA4D8AAAAAAADgPwAAAAAAAOA/AAAAAAAA4D8CAAAAjAAAAAAAAAAAAAAAu+DjDP///wgAAAAAAAAAAAAAAAAAAAAAAAAAAAAAAAAAAAAAZAAAAAEAAABAAAAAAAAAAAAAAAAAAAAAAAAAAAAAAAAAAAAAAAAAAAAAAAAAAAAAAAAAAAAAAAAAAAAAAAAAAAAAAAAAAAAAAAAAAAAAAAAAAAAAAAAAAAAAAAAAAAAAFAAAADwAAAAAAAAAAAAAAAAAAAkUAAAAAQAAABQAAAAUAAAAFAAAAAEAAAAAAAAAZAAAAGQAAAAAAAAAZAAAAGQAAAAVAAAAYAAAAAAAAAAAAAAADwAAACADAAAAAAAAAAAAAAEAAACgMgAAVgcAAKr4//8BAAAAf39/AAEAAABkAAAAAAAAABQAAABAHwAAAAAAACYAAAAAAAAAwOD//wAAAAAmAAAAZAAAABYAAABMAAAAAAAAAAAAAAAEAAAAAAAAAAEAAACAgIAKAAAAACgAAAAoAAAAZAAAAGQAAAAAAAAAzMzMAAAAAABQAAAAUAAAAGQAAABkAAAAAAAAABcAAAAUAAAAAAAAAAAAAAD/fwAA/38AAAAAAAAJAAAABAAAAAAAAAAMAAAAEAAAAAAAAAAAAAAAAAAAAAAAAAAeAAAAaAAAAAAAAAAAAAAAAAAAAAAAAAAAAAAAECcAABAnAAAAAAAAAAAAAAAAAAAAAAAAAAAAAAAAAAAAAAAAAAAAABQAAAAAAAAAwMD/AAAAAABkAAAAMgAAAAAAAABkAAAAAAAAAH9/fwAKAAAAHwAAAFQAAAAAAAAFAAAAAQAAAAAAAAAAAAAAAAAAAAAAAAAAAAAAAAAAAAAAAAAAAAAAAn9/fwAAAAADzMzMAMDA/wB/f38AAAAAAAAAAAAAAAAAAAAAAAAAAAAhAAAAGAAAABQAAADQAgAAsAEAANgnAACwJQAAAAAAACYAAAAIAAAAAwAAAAAAAAA="/>
               </a:ext>
             </a:extLst>
           </p:cNvSpPr>
@@ -719,7 +723,7 @@
             <a:spLocks noGrp="1" noChangeArrowheads="1"/>
             <a:extLst>
               <a:ext uri="smNativeData">
-                <pr:smNativeData xmlns:pr="smNativeData" val="SMDATA_13_lazxXhMAAAAlAAAAZAAAAA8BAAAAkAAAAEgAAACQAAAASAAAAAAAAAABAAAAAAAAAAEAAABQAAAAAAAAAAAA4D8AAAAAAADgPwAAAAAAAOA/AAAAAAAA4D8AAAAAAADgPwAAAAAAAOA/AAAAAAAA4D8AAAAAAADgPwAAAAAAAOA/AAAAAAAA4D8CAAAAjAAAAAAAAAAAAAAAu+DjDP///wgAAAAAAAAAAAAAAAAAAAAAAAAAAAAAAAAAAAAAZAAAAAEAAABAAAAAAAAAAAAAAAAAAAAAAAAAAAAAAAAAAAAAAAAAAAAAAAAAAAAAAAAAAAAAAAAAAAAAAAAAAAAAAAAAAAAAAAAAAAAAAAAAAAAAAAAAAAAAAAAAAAAAFAAAADwAAAAAAAAAAAAAAAAAAAkUAAAAAQAAABQAAAAUAAAAFAAAAAEAAAAAAAAAZAAAAGQAAAAAAAAAZAAAAGQAAAAVAAAAYAAAAAAAAAAAAAAADwAAACADAAAAAAAAAAAAAAEAAACgMgAAVgcAAKr4//8BAAAAf39/AAEAAABkAAAAAAAAABQAAABAHwAAAAAAACYAAAAAAAAAwOD//wAAAAAmAAAAZAAAABYAAABMAAAAAAAAAAAAAAAEAAAAAAAAAAEAAACAgIAKAAAAACgAAAAoAAAAZAAAAGQAAAAAAAAAzMzMAAAAAABQAAAAUAAAAGQAAABkAAAAAAAAABcAAAAUAAAAAAAAAAAAAAD/fwAA/38AAAAAAAAJAAAABAAAAGxQSwEMAAAAEAAAAAAAAAAAAAAAAAAAAAAAAAAeAAAAaAAAAAAAAAAAAAAAAAAAAAAAAAAAAAAAECcAABAnAAAAAAAAAAAAAAAAAAAAAAAAAAAAAAAAAAAAAAAAAAAAABQAAAAAAAAAwMD/AAAAAABkAAAAMgAAAAAAAABkAAAAAAAAAH9/fwAKAAAAHwAAAFQAAAAAAAAFAAAAAQAAAAAAAAAAAAAAAAAAAAAAAAAAAAAAAAAAAAAAAAAAAAAAAn9/fwAAAAADzMzMAMDA/wB/f38AAAAAAAAAAAAAAAAAAAAAAAAAAAAhAAAAGAAAABQAAADQAgAAGycAAPAPAABZKQAAAAAAACYAAAAIAAAAAAAAAAAAAAA="/>
+                <pr:smNativeData xmlns:pr="smNativeData" val="SMDATA_13_pLXxXhMAAAAlAAAAZAAAAA8BAAAAkAAAAEgAAACQAAAASAAAAAAAAAABAAAAAAAAAAEAAABQAAAAAAAAAAAA4D8AAAAAAADgPwAAAAAAAOA/AAAAAAAA4D8AAAAAAADgPwAAAAAAAOA/AAAAAAAA4D8AAAAAAADgPwAAAAAAAOA/AAAAAAAA4D8CAAAAjAAAAAAAAAAAAAAAu+DjDP///wgAAAAAAAAAAAAAAAAAAAAAAAAAAAAAAAAAAAAAZAAAAAEAAABAAAAAAAAAAAAAAAAAAAAAAAAAAAAAAAAAAAAAAAAAAAAAAAAAAAAAAAAAAAAAAAAAAAAAAAAAAAAAAAAAAAAAAAAAAAAAAAAAAAAAAAAAAAAAAAAAAAAAFAAAADwAAAAAAAAAAAAAAAAAAAkUAAAAAQAAABQAAAAUAAAAFAAAAAEAAAAAAAAAZAAAAGQAAAAAAAAAZAAAAGQAAAAVAAAAYAAAAAAAAAAAAAAADwAAACADAAAAAAAAAAAAAAEAAACgMgAAVgcAAKr4//8BAAAAf39/AAEAAABkAAAAAAAAABQAAABAHwAAAAAAACYAAAAAAAAAwOD//wAAAAAmAAAAZAAAABYAAABMAAAAAAAAAAAAAAAEAAAAAAAAAAEAAACAgIAKAAAAACgAAAAoAAAAZAAAAGQAAAAAAAAAzMzMAAAAAABQAAAAUAAAAGQAAABkAAAAAAAAABcAAAAUAAAAAAAAAAAAAAD/fwAA/38AAAAAAAAJAAAABAAAAGxQSwEMAAAAEAAAAAAAAAAAAAAAAAAAAAAAAAAeAAAAaAAAAAAAAAAAAAAAAAAAAAAAAAAAAAAAECcAABAnAAAAAAAAAAAAAAAAAAAAAAAAAAAAAAAAAAAAAAAAAAAAABQAAAAAAAAAwMD/AAAAAABkAAAAMgAAAAAAAABkAAAAAAAAAH9/fwAKAAAAHwAAAFQAAAAAAAAFAAAAAQAAAAAAAAAAAAAAAAAAAAAAAAAAAAAAAAAAAAAAAAAAAAAAAn9/fwAAAAADzMzMAMDA/wB/f38AAAAAAAAAAAAAAAAAAAAAAAAAAAAhAAAAGAAAABQAAADQAgAAGycAAPAPAABZKQAAAAAAACYAAAAIAAAAAAAAAAAAAAA="/>
               </a:ext>
             </a:extLst>
           </p:cNvSpPr>
@@ -733,7 +737,7 @@
           <a:lstStyle/>
           <a:p>
             <a:pPr/>
-            <a:fld id="{3F23A42D-63D2-7652-9C9B-9507EAD56AC0}" type="datetime1">
+            <a:fld id="{3F0F9873-3DD2-5A6E-9CB7-CB3BD6F96A9E}" type="datetime1">
               <a:t/>
             </a:fld>
           </a:p>
@@ -746,7 +750,7 @@
             <a:spLocks noGrp="1" noChangeArrowheads="1"/>
             <a:extLst>
               <a:ext uri="smNativeData">
-                <pr:smNativeData xmlns:pr="smNativeData" val="SMDATA_13_lazxXhMAAAAlAAAAZAAAAA8BAAAAkAAAAEgAAACQAAAASAAAAAAAAAABAAAAAAAAAAEAAABQAAAAAAAAAAAA4D8AAAAAAADgPwAAAAAAAOA/AAAAAAAA4D8AAAAAAADgPwAAAAAAAOA/AAAAAAAA4D8AAAAAAADgPwAAAAAAAOA/AAAAAAAA4D8CAAAAjAAAAAAAAAAAAAAAu+DjDP///wgAAAAAAAAAAAAAAAAAAAAAAAAAAAAAAAAAAAAAZAAAAAEAAABAAAAAAAAAAAAAAAAAAAAAAAAAAAAAAAAAAAAAAAAAAAAAAAAAAAAAAAAAAAAAAAAAAAAAAAAAAAAAAAAAAAAAAAAAAAAAAAAAAAAAAAAAAAAAAAAAAAAAFAAAADwAAAAAAAAAAAAAAAAAAAkUAAAAAQAAABQAAAAUAAAAFAAAAAEAAAAAAAAAZAAAAGQAAAAAAAAAZAAAAGQAAAAVAAAAYAAAAAAAAAAAAAAADwAAACADAAAAAAAAAAAAAAEAAACgMgAAVgcAAKr4//8BAAAAf39/AAEAAABkAAAAAAAAABQAAABAHwAAAAAAACYAAAAAAAAAwOD//wAAAAAmAAAAZAAAABYAAABMAAAAAAAAAAAAAAAEAAAAAAAAAAEAAACAgIAKAAAAACgAAAAoAAAAZAAAAGQAAAAAAAAAzMzMAAAAAABQAAAAUAAAAGQAAABkAAAAAAAAABcAAAAUAAAAAAAAAAAAAAD/fwAA/38AAAAAAAAJAAAABAAAAO88CAAMAAAAEAAAAAAAAAAAAAAAAAAAAAAAAAAeAAAAaAAAAAAAAAAAAAAAAAAAAAAAAAAAAAAAECcAABAnAAAAAAAAAAAAAAAAAAAAAAAAAAAAAAAAAAAAAAAAAAAAABQAAAAAAAAAwMD/AAAAAABkAAAAMgAAAAAAAABkAAAAAAAAAH9/fwAKAAAAHwAAAFQAAAAAAAAFAAAAAQAAAAAAAAAAAAAAAAAAAAAAAAAAAAAAAAAAAAAAAAAAAAAAAn9/fwAAAAADzMzMAMDA/wB/f38AAAAAAAAAAAAAAAAAAAAAAAAAAAAhAAAAGAAAABQAAAA4EwAAGycAAAglAABZKQAAAAAAACYAAAAIAAAAAAAAAAAAAAA="/>
+                <pr:smNativeData xmlns:pr="smNativeData" val="SMDATA_13_pLXxXhMAAAAlAAAAZAAAAA8BAAAAkAAAAEgAAACQAAAASAAAAAAAAAABAAAAAAAAAAEAAABQAAAAAAAAAAAA4D8AAAAAAADgPwAAAAAAAOA/AAAAAAAA4D8AAAAAAADgPwAAAAAAAOA/AAAAAAAA4D8AAAAAAADgPwAAAAAAAOA/AAAAAAAA4D8CAAAAjAAAAAAAAAAAAAAAu+DjDP///wgAAAAAAAAAAAAAAAAAAAAAAAAAAAAAAAAAAAAAZAAAAAEAAABAAAAAAAAAAAAAAAAAAAAAAAAAAAAAAAAAAAAAAAAAAAAAAAAAAAAAAAAAAAAAAAAAAAAAAAAAAAAAAAAAAAAAAAAAAAAAAAAAAAAAAAAAAAAAAAAAAAAAFAAAADwAAAAAAAAAAAAAAAAAAAkUAAAAAQAAABQAAAAUAAAAFAAAAAEAAAAAAAAAZAAAAGQAAAAAAAAAZAAAAGQAAAAVAAAAYAAAAAAAAAAAAAAADwAAACADAAAAAAAAAAAAAAEAAACgMgAAVgcAAKr4//8BAAAAf39/AAEAAABkAAAAAAAAABQAAABAHwAAAAAAACYAAAAAAAAAwOD//wAAAAAmAAAAZAAAABYAAABMAAAAAAAAAAAAAAAEAAAAAAAAAAEAAACAgIAKAAAAACgAAAAoAAAAZAAAAGQAAAAAAAAAzMzMAAAAAABQAAAAUAAAAGQAAABkAAAAAAAAABcAAAAUAAAAAAAAAAAAAAD/fwAA/38AAAAAAAAJAAAABAAAAO88CAAMAAAAEAAAAAAAAAAAAAAAAAAAAAAAAAAeAAAAaAAAAAAAAAAAAAAAAAAAAAAAAAAAAAAAECcAABAnAAAAAAAAAAAAAAAAAAAAAAAAAAAAAAAAAAAAAAAAAAAAABQAAAAAAAAAwMD/AAAAAABkAAAAMgAAAAAAAABkAAAAAAAAAH9/fwAKAAAAHwAAAFQAAAAAAAAFAAAAAQAAAAAAAAAAAAAAAAAAAAAAAAAAAAAAAAAAAAAAAAAAAAAAAn9/fwAAAAADzMzMAMDA/wB/f38AAAAAAAAAAAAAAAAAAAAAAAAAAAAhAAAAGAAAABQAAAA4EwAAGycAAAglAABZKQAAAAAAACYAAAAIAAAAAAAAAAAAAAA="/>
               </a:ext>
             </a:extLst>
           </p:cNvSpPr>
@@ -773,7 +777,7 @@
             <a:spLocks noGrp="1" noChangeArrowheads="1"/>
             <a:extLst>
               <a:ext uri="smNativeData">
-                <pr:smNativeData xmlns:pr="smNativeData" val="SMDATA_13_lazxXhMAAAAlAAAAZAAAAA8BAAAAkAAAAEgAAACQAAAASAAAAAAAAAABAAAAAAAAAAEAAABQAAAAAAAAAAAA4D8AAAAAAADgPwAAAAAAAOA/AAAAAAAA4D8AAAAAAADgPwAAAAAAAOA/AAAAAAAA4D8AAAAAAADgPwAAAAAAAOA/AAAAAAAA4D8CAAAAjAAAAAAAAAAAAAAAu+DjDP///wgAAAAAAAAAAAAAAAAAAAAAAAAAAAAAAAAAAAAAZAAAAAEAAABAAAAAAAAAAAAAAAAAAAAAAAAAAAAAAAAAAAAAAAAAAAAAAAAAAAAAAAAAAAAAAAAAAAAAAAAAAAAAAAAAAAAAAAAAAAAAAAAAAAAAAAAAAAAAAAAAAAAAFAAAADwAAAAAAAAAAAAAAAAAAAkUAAAAAQAAABQAAAAUAAAAFAAAAAEAAAAAAAAAZAAAAGQAAAAAAAAAZAAAAGQAAAAVAAAAYAAAAAAAAAAAAAAADwAAACADAAAAAAAAAAAAAAEAAACgMgAAVgcAAKr4//8BAAAAf39/AAEAAABkAAAAAAAAABQAAABAHwAAAAAAACYAAAAAAAAAwOD//wAAAAAmAAAAZAAAABYAAABMAAAAAAAAAAAAAAAEAAAAAAAAAAEAAACAgIAKAAAAACgAAAAoAAAAZAAAAGQAAAAAAAAAzMzMAAAAAABQAAAAUAAAAGQAAABkAAAAAAAAABcAAAAUAAAAAAAAAAAAAAD/fwAA/38AAAAAAAAJAAAABAAAAAAAAAAMAAAAEAAAAAAAAAAAAAAAAAAAAAAAAAAeAAAAaAAAAAAAAAAAAAAAAAAAAAAAAAAAAAAAECcAABAnAAAAAAAAAAAAAAAAAAAAAAAAAAAAAAAAAAAAAAAAAAAAABQAAAAAAAAAwMD/AAAAAABkAAAAMgAAAAAAAABkAAAAAAAAAH9/fwAKAAAAHwAAAFQAAAAAAAAFAAAAAQAAAAAAAAAAAAAAAAAAAAAAAAAAAAAAAAAAAAAAAAAAAAAAAn9/fwAAAAADzMzMAMDA/wB/f38AAAAAAAAAAAAAAAAAAAAAAAAAAAAhAAAAGAAAABQAAABQKAAAGycAAHA1AABZKQAAAAAAACYAAAAIAAAAAAAAAAAAAAA="/>
+                <pr:smNativeData xmlns:pr="smNativeData" val="SMDATA_13_pLXxXhMAAAAlAAAAZAAAAA8BAAAAkAAAAEgAAACQAAAASAAAAAAAAAABAAAAAAAAAAEAAABQAAAAAAAAAAAA4D8AAAAAAADgPwAAAAAAAOA/AAAAAAAA4D8AAAAAAADgPwAAAAAAAOA/AAAAAAAA4D8AAAAAAADgPwAAAAAAAOA/AAAAAAAA4D8CAAAAjAAAAAAAAAAAAAAAu+DjDP///wgAAAAAAAAAAAAAAAAAAAAAAAAAAAAAAAAAAAAAZAAAAAEAAABAAAAAAAAAAAAAAAAAAAAAAAAAAAAAAAAAAAAAAAAAAAAAAAAAAAAAAAAAAAAAAAAAAAAAAAAAAAAAAAAAAAAAAAAAAAAAAAAAAAAAAAAAAAAAAAAAAAAAFAAAADwAAAAAAAAAAAAAAAAAAAkUAAAAAQAAABQAAAAUAAAAFAAAAAEAAAAAAAAAZAAAAGQAAAAAAAAAZAAAAGQAAAAVAAAAYAAAAAAAAAAAAAAADwAAACADAAAAAAAAAAAAAAEAAACgMgAAVgcAAKr4//8BAAAAf39/AAEAAABkAAAAAAAAABQAAABAHwAAAAAAACYAAAAAAAAAwOD//wAAAAAmAAAAZAAAABYAAABMAAAAAAAAAAAAAAAEAAAAAAAAAAEAAACAgIAKAAAAACgAAAAoAAAAZAAAAGQAAAAAAAAAzMzMAAAAAABQAAAAUAAAAGQAAABkAAAAAAAAABcAAAAUAAAAAAAAAAAAAAD/fwAA/38AAAAAAAAJAAAABAAAAAAAAAAMAAAAEAAAAAAAAAAAAAAAAAAAAAAAAAAeAAAAaAAAAAAAAAAAAAAAAAAAAAAAAAAAAAAAECcAABAnAAAAAAAAAAAAAAAAAAAAAAAAAAAAAAAAAAAAAAAAAAAAABQAAAAAAAAAwMD/AAAAAABkAAAAMgAAAAAAAABkAAAAAAAAAH9/fwAKAAAAHwAAAFQAAAAAAAAFAAAAAQAAAAAAAAAAAAAAAAAAAAAAAAAAAAAAAAAAAAAAAAAAAAAAAn9/fwAAAAADzMzMAMDA/wB/f38AAAAAAAAAAAAAAAAAAAAAAAAAAAAhAAAAGAAAABQAAABQKAAAGycAAHA1AABZKQAAAAAAACYAAAAIAAAAAAAAAAAAAAA="/>
               </a:ext>
             </a:extLst>
           </p:cNvSpPr>
@@ -787,7 +791,7 @@
           <a:lstStyle/>
           <a:p>
             <a:pPr/>
-            <a:fld id="{3F23FD80-CED2-760B-9C9B-385EB3D56A6D}" type="slidenum">
+            <a:fld id="{3F0FD37C-32D2-5A25-9CB7-C4709DF96A91}" type="slidenum">
               <a:t/>
             </a:fld>
           </a:p>
@@ -825,7 +829,7 @@
             <a:spLocks noGrp="1" noChangeArrowheads="1"/>
             <a:extLst>
               <a:ext uri="smNativeData">
-                <pr:smNativeData xmlns:pr="smNativeData" val="SMDATA_13_lazxXhMAAAAlAAAAZAAAAA8BAAAAkAAAAEgAAACQAAAASAAAAAAAAAABAAAAAAAAAAEAAABQAAAAAAAAAAAA4D8AAAAAAADgPwAAAAAAAOA/AAAAAAAA4D8AAAAAAADgPwAAAAAAAOA/AAAAAAAA4D8AAAAAAADgPwAAAAAAAOA/AAAAAAAA4D8CAAAAjAAAAAAAAAAAAAAAu+DjDP///wgAAAAAAAAAAAAAAAAAAAAAAAAAAAAAAAAAAAAAZAAAAAEAAABAAAAAAAAAAAAAAAAAAAAAAAAAAAAAAAAAAAAAAAAAAAAAAAAAAAAAAAAAAAAAAAAAAAAAAAAAAAAAAAAAAAAAAAAAAAAAAAAAAAAAAAAAAAAAAAAAAAAAFAAAADwAAAAAAAAAAAAAAAAAAAkUAAAAAQAAABQAAAAUAAAAFAAAAAEAAAAAAAAAZAAAAGQAAAAAAAAAZAAAAGQAAAAVAAAAYAAAAAAAAAAAAAAADwAAACADAAAAAAAAAAAAAAEAAACgMgAAVgcAAKr4//8BAAAAf39/AAEAAABkAAAAAAAAABQAAABAHwAAAAAAACYAAAAAAAAAwOD//wAAAAAmAAAAZAAAABYAAABMAAAAAAAAAAAAAAAEAAAAAAAAAAEAAACAgIAKAAAAACgAAAAoAAAAZAAAAGQAAAAAAAAAzMzMAAAAAABQAAAAUAAAAGQAAABkAAAAAAAAABcAAAAUAAAAAAAAAAAAAAD/fwAA/38AAAAAAAAJAAAABAAAAAAAAAAMAAAAEAAAAAAAAAAAAAAAAAAAAAAAAAAeAAAAaAAAAAAAAAAAAAAAAAAAAAAAAAAAAAAAECcAABAnAAAAAAAAAAAAAAAAAAAAAAAAAAAAAAAAAAAAAAAAAAAAABQAAAAAAAAAwMD/AAAAAABkAAAAMgAAAAAAAABkAAAAAAAAAH9/fwAKAAAAHwAAAFQAAAAAAAAFAAAAAQAAAAAAAAAAAAAAAAAAAAAAAAAAAAAAAAAAAAAAAAAAAAAAAn9/fwAAAAADzMzMAMDA/wB/f38AAAAAAAAAAAAAAAAAAAAAAAAAAAAhAAAAGAAAABQAAADQAgAAsAEAAHA1AAC4CAAAAAAAACYAAAAIAAAAAAAAAAAAAAA="/>
+                <pr:smNativeData xmlns:pr="smNativeData" val="SMDATA_13_pLXxXhMAAAAlAAAAZAAAAA8BAAAAkAAAAEgAAACQAAAASAAAAAAAAAABAAAAAAAAAAEAAABQAAAAAAAAAAAA4D8AAAAAAADgPwAAAAAAAOA/AAAAAAAA4D8AAAAAAADgPwAAAAAAAOA/AAAAAAAA4D8AAAAAAADgPwAAAAAAAOA/AAAAAAAA4D8CAAAAjAAAAAAAAAAAAAAAu+DjDP///wgAAAAAAAAAAAAAAAAAAAAAAAAAAAAAAAAAAAAAZAAAAAEAAABAAAAAAAAAAAAAAAAAAAAAAAAAAAAAAAAAAAAAAAAAAAAAAAAAAAAAAAAAAAAAAAAAAAAAAAAAAAAAAAAAAAAAAAAAAAAAAAAAAAAAAAAAAAAAAAAAAAAAFAAAADwAAAAAAAAAAAAAAAAAAAkUAAAAAQAAABQAAAAUAAAAFAAAAAEAAAAAAAAAZAAAAGQAAAAAAAAAZAAAAGQAAAAVAAAAYAAAAAAAAAAAAAAADwAAACADAAAAAAAAAAAAAAEAAACgMgAAVgcAAKr4//8BAAAAf39/AAEAAABkAAAAAAAAABQAAABAHwAAAAAAACYAAAAAAAAAwOD//wAAAAAmAAAAZAAAABYAAABMAAAAAAAAAAAAAAAEAAAAAAAAAAEAAACAgIAKAAAAACgAAAAoAAAAZAAAAGQAAAAAAAAAzMzMAAAAAABQAAAAUAAAAGQAAABkAAAAAAAAABcAAAAUAAAAAAAAAAAAAAD/fwAA/38AAAAAAAAJAAAABAAAAAAAAAAMAAAAEAAAAAAAAAAAAAAAAAAAAAAAAAAeAAAAaAAAAAAAAAAAAAAAAAAAAAAAAAAAAAAAECcAABAnAAAAAAAAAAAAAAAAAAAAAAAAAAAAAAAAAAAAAAAAAAAAABQAAAAAAAAAwMD/AAAAAABkAAAAMgAAAAAAAABkAAAAAAAAAH9/fwAKAAAAHwAAAFQAAAAAAAAFAAAAAQAAAAAAAAAAAAAAAAAAAAAAAAAAAAAAAAAAAAAAAAAAAAAAAn9/fwAAAAADzMzMAMDA/wB/f38AAAAAAAAAAAAAAAAAAAAAAAAAAAAhAAAAGAAAABQAAADQAgAAsAEAAHA1AAC4CAAAAAAAACYAAAAIAAAAAAAAAAAAAAA="/>
               </a:ext>
             </a:extLst>
           </p:cNvSpPr>
@@ -852,7 +856,7 @@
             <a:spLocks noGrp="1" noChangeArrowheads="1"/>
             <a:extLst>
               <a:ext uri="smNativeData">
-                <pr:smNativeData xmlns:pr="smNativeData" val="SMDATA_13_lazxXhMAAAAlAAAAZAAAAA8BAAAAkAAAAEgAAACQAAAASAAAAAAAAAAAAAAAAAAAAAEAAABQAAAAAAAAAAAA4D8AAAAAAADgPwAAAAAAAOA/AAAAAAAA4D8AAAAAAADgPwAAAAAAAOA/AAAAAAAA4D8AAAAAAADgPwAAAAAAAOA/AAAAAAAA4D8CAAAAjAAAAAAAAAAAAAAAu+DjDP///wgAAAAAAAAAAAAAAAAAAAAAAAAAAAAAAAAAAAAAZAAAAAEAAABAAAAAAAAAAAAAAAAAAAAAAAAAAAAAAAAAAAAAAAAAAAAAAAAAAAAAAAAAAAAAAAAAAAAAAAAAAAAAAAAAAAAAAAAAAAAAAAAAAAAAAAAAAAAAAAAAAAAAFAAAADwAAAAAAAAAAAAAAAAAAAkUAAAAAQAAABQAAAAUAAAAFAAAAAEAAAAAAAAAZAAAAGQAAAAAAAAAZAAAAGQAAAAVAAAAYAAAAAAAAAAAAAAADwAAACADAAAAAAAAAAAAAAEAAACgMgAAVgcAAKr4//8BAAAAf39/AAEAAABkAAAAAAAAABQAAABAHwAAAAAAACYAAAAAAAAAwOD//wAAAAAmAAAAZAAAABYAAABMAAAAAAAAAAAAAAAEAAAAAAAAAAEAAACAgIAKAAAAACgAAAAoAAAAZAAAAGQAAAAAAAAAzMzMAAAAAABQAAAAUAAAAGQAAABkAAAAAAAAABcAAAAUAAAAAAAAAAAAAAD/fwAA/38AAAAAAAAJAAAABAAAAAAAAAAMAAAAEAAAAAAAAAAAAAAAAAAAAAAAAAAeAAAAaAAAAAAAAAAAAAAAAAAAAAAAAAAAAAAAECcAABAnAAAAAAAAAAAAAAAAAAAAAAAAAAAAAAAAAAAAAAAAAAAAABQAAAAAAAAAwMD/AAAAAABkAAAAMgAAAAAAAABkAAAAAAAAAH9/fwAKAAAAHwAAAFQAAAAAAAAFAAAAAQAAAAAAAAAAAAAAAAAAAAAAAAAAAAAAAAAAAAAAAAAAAAAAAn9/fwAAAAADzMzMAMDA/wB/f38AAAAAAAAAAAAAAAAAAAAAAAAAAAAhAAAAGAAAABQAAADQAgAA2AkAAHA1AACwJQAAAAAAACYAAAAIAAAAAAAAAAAAAAA="/>
+                <pr:smNativeData xmlns:pr="smNativeData" val="SMDATA_13_pLXxXhMAAAAlAAAAZAAAAA8BAAAAkAAAAEgAAACQAAAASAAAAAAAAAAAAAAAAAAAAAEAAABQAAAAAAAAAAAA4D8AAAAAAADgPwAAAAAAAOA/AAAAAAAA4D8AAAAAAADgPwAAAAAAAOA/AAAAAAAA4D8AAAAAAADgPwAAAAAAAOA/AAAAAAAA4D8CAAAAjAAAAAAAAAAAAAAAu+DjDP///wgAAAAAAAAAAAAAAAAAAAAAAAAAAAAAAAAAAAAAZAAAAAEAAABAAAAAAAAAAAAAAAAAAAAAAAAAAAAAAAAAAAAAAAAAAAAAAAAAAAAAAAAAAAAAAAAAAAAAAAAAAAAAAAAAAAAAAAAAAAAAAAAAAAAAAAAAAAAAAAAAAAAAFAAAADwAAAAAAAAAAAAAAAAAAAkUAAAAAQAAABQAAAAUAAAAFAAAAAEAAAAAAAAAZAAAAGQAAAAAAAAAZAAAAGQAAAAVAAAAYAAAAAAAAAAAAAAADwAAACADAAAAAAAAAAAAAAEAAACgMgAAVgcAAKr4//8BAAAAf39/AAEAAABkAAAAAAAAABQAAABAHwAAAAAAACYAAAAAAAAAwOD//wAAAAAmAAAAZAAAABYAAABMAAAAAAAAAAAAAAAEAAAAAAAAAAEAAACAgIAKAAAAACgAAAAoAAAAZAAAAGQAAAAAAAAAzMzMAAAAAABQAAAAUAAAAGQAAABkAAAAAAAAABcAAAAUAAAAAAAAAAAAAAD/fwAA/38AAAAAAAAJAAAABAAAAAAAAAAMAAAAEAAAAAAAAAAAAAAAAAAAAAAAAAAeAAAAaAAAAAAAAAAAAAAAAAAAAAAAAAAAAAAAECcAABAnAAAAAAAAAAAAAAAAAAAAAAAAAAAAAAAAAAAAAAAAAAAAABQAAAAAAAAAwMD/AAAAAABkAAAAMgAAAAAAAABkAAAAAAAAAH9/fwAKAAAAHwAAAFQAAAAAAAAFAAAAAQAAAAAAAAAAAAAAAAAAAAAAAAAAAAAAAAAAAAAAAAAAAAAAAn9/fwAAAAADzMzMAMDA/wB/f38AAAAAAAAAAAAAAAAAAAAAAAAAAAAhAAAAGAAAABQAAADQAgAA2AkAAHA1AACwJQAAAAAAACYAAAAIAAAAAAAAAAAAAAA="/>
               </a:ext>
             </a:extLst>
           </p:cNvSpPr>
@@ -903,7 +907,7 @@
             <a:spLocks noGrp="1" noChangeArrowheads="1"/>
             <a:extLst>
               <a:ext uri="smNativeData">
-                <pr:smNativeData xmlns:pr="smNativeData" val="SMDATA_13_lazxXhMAAAAlAAAAZAAAAA8BAAAAkAAAAEgAAACQAAAASAAAAAAAAAABAAAAAAAAAAEAAABQAAAAAAAAAAAA4D8AAAAAAADgPwAAAAAAAOA/AAAAAAAA4D8AAAAAAADgPwAAAAAAAOA/AAAAAAAA4D8AAAAAAADgPwAAAAAAAOA/AAAAAAAA4D8CAAAAjAAAAAAAAAAAAAAAu+DjDP///wgAAAAAAAAAAAAAAAAAAAAAAAAAAAAAAAAAAAAAZAAAAAEAAABAAAAAAAAAAAAAAAAAAAAAAAAAAAAAAAAAAAAAAAAAAAAAAAAAAAAAAAAAAAAAAAAAAAAAAAAAAAAAAAAAAAAAAAAAAAAAAAAAAAAAAAAAAAAAAAAAAAAAFAAAADwAAAAAAAAAAAAAAAAAAAkUAAAAAQAAABQAAAAUAAAAFAAAAAEAAAAAAAAAZAAAAGQAAAAAAAAAZAAAAGQAAAAVAAAAYAAAAAAAAAAAAAAADwAAACADAAAAAAAAAAAAAAEAAACgMgAAVgcAAKr4//8BAAAAf39/AAEAAABkAAAAAAAAABQAAABAHwAAAAAAACYAAAAAAAAAwOD//wAAAAAmAAAAZAAAABYAAABMAAAAAAAAAAAAAAAEAAAAAAAAAAEAAACAgIAKAAAAACgAAAAoAAAAZAAAAGQAAAAAAAAAzMzMAAAAAABQAAAAUAAAAGQAAABkAAAAAAAAABcAAAAUAAAAAAAAAAAAAAD/fwAA/38AAAAAAAAJAAAABAAAAAAAAAAMAAAAEAAAAAAAAAAAAAAAAAAAAAAAAAAeAAAAaAAAAAAAAAAAAAAAAAAAAAAAAAAAAAAAECcAABAnAAAAAAAAAAAAAAAAAAAAAAAAAAAAAAAAAAAAAAAAAAAAABQAAAAAAAAAwMD/AAAAAABkAAAAMgAAAAAAAABkAAAAAAAAAH9/fwAKAAAAHwAAAFQAAAAAAAAFAAAAAQAAAAAAAAAAAAAAAAAAAAAAAAAAAAAAAAAAAAAAAAAAAAAAAn9/fwAAAAADzMzMAMDA/wB/f38AAAAAAAAAAAAAAAAAAAAAAAAAAAAhAAAAGAAAABQAAADQAgAAGycAAPAPAABZKQAAAAAAACYAAAAIAAAAAAAAAAAAAAA="/>
+                <pr:smNativeData xmlns:pr="smNativeData" val="SMDATA_13_pLXxXhMAAAAlAAAAZAAAAA8BAAAAkAAAAEgAAACQAAAASAAAAAAAAAABAAAAAAAAAAEAAABQAAAAAAAAAAAA4D8AAAAAAADgPwAAAAAAAOA/AAAAAAAA4D8AAAAAAADgPwAAAAAAAOA/AAAAAAAA4D8AAAAAAADgPwAAAAAAAOA/AAAAAAAA4D8CAAAAjAAAAAAAAAAAAAAAu+DjDP///wgAAAAAAAAAAAAAAAAAAAAAAAAAAAAAAAAAAAAAZAAAAAEAAABAAAAAAAAAAAAAAAAAAAAAAAAAAAAAAAAAAAAAAAAAAAAAAAAAAAAAAAAAAAAAAAAAAAAAAAAAAAAAAAAAAAAAAAAAAAAAAAAAAAAAAAAAAAAAAAAAAAAAFAAAADwAAAAAAAAAAAAAAAAAAAkUAAAAAQAAABQAAAAUAAAAFAAAAAEAAAAAAAAAZAAAAGQAAAAAAAAAZAAAAGQAAAAVAAAAYAAAAAAAAAAAAAAADwAAACADAAAAAAAAAAAAAAEAAACgMgAAVgcAAKr4//8BAAAAf39/AAEAAABkAAAAAAAAABQAAABAHwAAAAAAACYAAAAAAAAAwOD//wAAAAAmAAAAZAAAABYAAABMAAAAAAAAAAAAAAAEAAAAAAAAAAEAAACAgIAKAAAAACgAAAAoAAAAZAAAAGQAAAAAAAAAzMzMAAAAAABQAAAAUAAAAGQAAABkAAAAAAAAABcAAAAUAAAAAAAAAAAAAAD/fwAA/38AAAAAAAAJAAAABAAAAAAAAAAMAAAAEAAAAAAAAAAAAAAAAAAAAAAAAAAeAAAAaAAAAAAAAAAAAAAAAAAAAAAAAAAAAAAAECcAABAnAAAAAAAAAAAAAAAAAAAAAAAAAAAAAAAAAAAAAAAAAAAAABQAAAAAAAAAwMD/AAAAAABkAAAAMgAAAAAAAABkAAAAAAAAAH9/fwAKAAAAHwAAAFQAAAAAAAAFAAAAAQAAAAAAAAAAAAAAAAAAAAAAAAAAAAAAAAAAAAAAAAAAAAAAAn9/fwAAAAADzMzMAMDA/wB/f38AAAAAAAAAAAAAAAAAAAAAAAAAAAAhAAAAGAAAABQAAADQAgAAGycAAPAPAABZKQAAAAAAACYAAAAIAAAAAAAAAAAAAAA="/>
               </a:ext>
             </a:extLst>
           </p:cNvSpPr>
@@ -917,7 +921,7 @@
           <a:lstStyle/>
           <a:p>
             <a:pPr/>
-            <a:fld id="{3F238F21-6FD2-7679-9C9B-992CC1D56ACC}" type="datetime1">
+            <a:fld id="{3F0FA585-CBD2-5A53-9CB7-3D06EBF96A68}" type="datetime1">
               <a:t/>
             </a:fld>
           </a:p>
@@ -930,7 +934,7 @@
             <a:spLocks noGrp="1" noChangeArrowheads="1"/>
             <a:extLst>
               <a:ext uri="smNativeData">
-                <pr:smNativeData xmlns:pr="smNativeData" val="SMDATA_13_lazxXhMAAAAlAAAAZAAAAA8BAAAAkAAAAEgAAACQAAAASAAAAAAAAAABAAAAAAAAAAEAAABQAAAAAAAAAAAA4D8AAAAAAADgPwAAAAAAAOA/AAAAAAAA4D8AAAAAAADgPwAAAAAAAOA/AAAAAAAA4D8AAAAAAADgPwAAAAAAAOA/AAAAAAAA4D8CAAAAjAAAAAAAAAAAAAAAu+DjDP///wgAAAAAAAAAAAAAAAAAAAAAAAAAAAAAAAAAAAAAZAAAAAEAAABAAAAAAAAAAAAAAAAAAAAAAAAAAAAAAAAAAAAAAAAAAAAAAAAAAAAAAAAAAAAAAAAAAAAAAAAAAAAAAAAAAAAAAAAAAAAAAAAAAAAAAAAAAAAAAAAAAAAAFAAAADwAAAAAAAAAAAAAAAAAAAkUAAAAAQAAABQAAAAUAAAAFAAAAAEAAAAAAAAAZAAAAGQAAAAAAAAAZAAAAGQAAAAVAAAAYAAAAAAAAAAAAAAADwAAACADAAAAAAAAAAAAAAEAAACgMgAAVgcAAKr4//8BAAAAf39/AAEAAABkAAAAAAAAABQAAABAHwAAAAAAACYAAAAAAAAAwOD//wAAAAAmAAAAZAAAABYAAABMAAAAAAAAAAAAAAAEAAAAAAAAAAEAAACAgIAKAAAAACgAAAAoAAAAZAAAAGQAAAAAAAAAzMzMAAAAAABQAAAAUAAAAGQAAABkAAAAAAAAABcAAAAUAAAAAAAAAAAAAAD/fwAA/38AAAAAAAAJAAAABAAAABUAAgAMAAAAEAAAAAAAAAAAAAAAAAAAAAAAAAAeAAAAaAAAAAAAAAAAAAAAAAAAAAAAAAAAAAAAECcAABAnAAAAAAAAAAAAAAAAAAAAAAAAAAAAAAAAAAAAAAAAAAAAABQAAAAAAAAAwMD/AAAAAABkAAAAMgAAAAAAAABkAAAAAAAAAH9/fwAKAAAAHwAAAFQAAAAAAAAFAAAAAQAAAAAAAAAAAAAAAAAAAAAAAAAAAAAAAAAAAAAAAAAAAAAAAn9/fwAAAAADzMzMAMDA/wB/f38AAAAAAAAAAAAAAAAAAAAAAAAAAAAhAAAAGAAAABQAAAA4EwAAGycAAAglAABZKQAAAAAAACYAAAAIAAAAAAAAAAAAAAA="/>
+                <pr:smNativeData xmlns:pr="smNativeData" val="SMDATA_13_pLXxXhMAAAAlAAAAZAAAAA8BAAAAkAAAAEgAAACQAAAASAAAAAAAAAABAAAAAAAAAAEAAABQAAAAAAAAAAAA4D8AAAAAAADgPwAAAAAAAOA/AAAAAAAA4D8AAAAAAADgPwAAAAAAAOA/AAAAAAAA4D8AAAAAAADgPwAAAAAAAOA/AAAAAAAA4D8CAAAAjAAAAAAAAAAAAAAAu+DjDP///wgAAAAAAAAAAAAAAAAAAAAAAAAAAAAAAAAAAAAAZAAAAAEAAABAAAAAAAAAAAAAAAAAAAAAAAAAAAAAAAAAAAAAAAAAAAAAAAAAAAAAAAAAAAAAAAAAAAAAAAAAAAAAAAAAAAAAAAAAAAAAAAAAAAAAAAAAAAAAAAAAAAAAFAAAADwAAAAAAAAAAAAAAAAAAAkUAAAAAQAAABQAAAAUAAAAFAAAAAEAAAAAAAAAZAAAAGQAAAAAAAAAZAAAAGQAAAAVAAAAYAAAAAAAAAAAAAAADwAAACADAAAAAAAAAAAAAAEAAACgMgAAVgcAAKr4//8BAAAAf39/AAEAAABkAAAAAAAAABQAAABAHwAAAAAAACYAAAAAAAAAwOD//wAAAAAmAAAAZAAAABYAAABMAAAAAAAAAAAAAAAEAAAAAAAAAAEAAACAgIAKAAAAACgAAAAoAAAAZAAAAGQAAAAAAAAAzMzMAAAAAABQAAAAUAAAAGQAAABkAAAAAAAAABcAAAAUAAAAAAAAAAAAAAD/fwAA/38AAAAAAAAJAAAABAAAABUAAgAMAAAAEAAAAAAAAAAAAAAAAAAAAAAAAAAeAAAAaAAAAAAAAAAAAAAAAAAAAAAAAAAAAAAAECcAABAnAAAAAAAAAAAAAAAAAAAAAAAAAAAAAAAAAAAAAAAAAAAAABQAAAAAAAAAwMD/AAAAAABkAAAAMgAAAAAAAABkAAAAAAAAAH9/fwAKAAAAHwAAAFQAAAAAAAAFAAAAAQAAAAAAAAAAAAAAAAAAAAAAAAAAAAAAAAAAAAAAAAAAAAAAAn9/fwAAAAADzMzMAMDA/wB/f38AAAAAAAAAAAAAAAAAAAAAAAAAAAAhAAAAGAAAABQAAAA4EwAAGycAAAglAABZKQAAAAAAACYAAAAIAAAAAAAAAAAAAAA="/>
               </a:ext>
             </a:extLst>
           </p:cNvSpPr>
@@ -957,7 +961,7 @@
             <a:spLocks noGrp="1" noChangeArrowheads="1"/>
             <a:extLst>
               <a:ext uri="smNativeData">
-                <pr:smNativeData xmlns:pr="smNativeData" val="SMDATA_13_lazxXhMAAAAlAAAAZAAAAA8BAAAAkAAAAEgAAACQAAAASAAAAAAAAAABAAAAAAAAAAEAAABQAAAAAAAAAAAA4D8AAAAAAADgPwAAAAAAAOA/AAAAAAAA4D8AAAAAAADgPwAAAAAAAOA/AAAAAAAA4D8AAAAAAADgPwAAAAAAAOA/AAAAAAAA4D8CAAAAjAAAAAAAAAAAAAAAu+DjDP///wgAAAAAAAAAAAAAAAAAAAAAAAAAAAAAAAAAAAAAZAAAAAEAAABAAAAAAAAAAAAAAAAAAAAAAAAAAAAAAAAAAAAAAAAAAAAAAAAAAAAAAAAAAAAAAAAAAAAAAAAAAAAAAAAAAAAAAAAAAAAAAAAAAAAAAAAAAAAAAAAAAAAAFAAAADwAAAAAAAAAAAAAAAAAAAkUAAAAAQAAABQAAAAUAAAAFAAAAAEAAAAAAAAAZAAAAGQAAAAAAAAAZAAAAGQAAAAVAAAAYAAAAAAAAAAAAAAADwAAACADAAAAAAAAAAAAAAEAAACgMgAAVgcAAKr4//8BAAAAf39/AAEAAABkAAAAAAAAABQAAABAHwAAAAAAACYAAAAAAAAAwOD//wAAAAAmAAAAZAAAABYAAABMAAAAAAAAAAAAAAAEAAAAAAAAAAEAAACAgIAKAAAAACgAAAAoAAAAZAAAAGQAAAAAAAAAzMzMAAAAAABQAAAAUAAAAGQAAABkAAAAAAAAABcAAAAUAAAAAAAAAAAAAAD/fwAA/38AAAAAAAAJAAAABAAAAGUAcwAMAAAAEAAAAAAAAAAAAAAAAAAAAAAAAAAeAAAAaAAAAAAAAAAAAAAAAAAAAAAAAAAAAAAAECcAABAnAAAAAAAAAAAAAAAAAAAAAAAAAAAAAAAAAAAAAAAAAAAAABQAAAAAAAAAwMD/AAAAAABkAAAAMgAAAAAAAABkAAAAAAAAAH9/fwAKAAAAHwAAAFQAAAAAAAAFAAAAAQAAAAAAAAAAAAAAAAAAAAAAAAAAAAAAAAAAAAAAAAAAAAAAAn9/fwAAAAADzMzMAMDA/wB/f38AAAAAAAAAAAAAAAAAAAAAAAAAAAAhAAAAGAAAABQAAABQKAAAGycAAHA1AABZKQAAAAAAACYAAAAIAAAAAAAAAAAAAAA="/>
+                <pr:smNativeData xmlns:pr="smNativeData" val="SMDATA_13_pLXxXhMAAAAlAAAAZAAAAA8BAAAAkAAAAEgAAACQAAAASAAAAAAAAAABAAAAAAAAAAEAAABQAAAAAAAAAAAA4D8AAAAAAADgPwAAAAAAAOA/AAAAAAAA4D8AAAAAAADgPwAAAAAAAOA/AAAAAAAA4D8AAAAAAADgPwAAAAAAAOA/AAAAAAAA4D8CAAAAjAAAAAAAAAAAAAAAu+DjDP///wgAAAAAAAAAAAAAAAAAAAAAAAAAAAAAAAAAAAAAZAAAAAEAAABAAAAAAAAAAAAAAAAAAAAAAAAAAAAAAAAAAAAAAAAAAAAAAAAAAAAAAAAAAAAAAAAAAAAAAAAAAAAAAAAAAAAAAAAAAAAAAAAAAAAAAAAAAAAAAAAAAAAAFAAAADwAAAAAAAAAAAAAAAAAAAkUAAAAAQAAABQAAAAUAAAAFAAAAAEAAAAAAAAAZAAAAGQAAAAAAAAAZAAAAGQAAAAVAAAAYAAAAAAAAAAAAAAADwAAACADAAAAAAAAAAAAAAEAAACgMgAAVgcAAKr4//8BAAAAf39/AAEAAABkAAAAAAAAABQAAABAHwAAAAAAACYAAAAAAAAAwOD//wAAAAAmAAAAZAAAABYAAABMAAAAAAAAAAAAAAAEAAAAAAAAAAEAAACAgIAKAAAAACgAAAAoAAAAZAAAAGQAAAAAAAAAzMzMAAAAAABQAAAAUAAAAGQAAABkAAAAAAAAABcAAAAUAAAAAAAAAAAAAAD/fwAA/38AAAAAAAAJAAAABAAAAGUAcwAMAAAAEAAAAAAAAAAAAAAAAAAAAAAAAAAeAAAAaAAAAAAAAAAAAAAAAAAAAAAAAAAAAAAAECcAABAnAAAAAAAAAAAAAAAAAAAAAAAAAAAAAAAAAAAAAAAAAAAAABQAAAAAAAAAwMD/AAAAAABkAAAAMgAAAAAAAABkAAAAAAAAAH9/fwAKAAAAHwAAAFQAAAAAAAAFAAAAAQAAAAAAAAAAAAAAAAAAAAAAAAAAAAAAAAAAAAAAAAAAAAAAAn9/fwAAAAADzMzMAMDA/wB/f38AAAAAAAAAAAAAAAAAAAAAAAAAAAAhAAAAGAAAABQAAABQKAAAGycAAHA1AABZKQAAAAAAACYAAAAIAAAAAAAAAAAAAAA="/>
               </a:ext>
             </a:extLst>
           </p:cNvSpPr>
@@ -971,7 +975,7 @@
           <a:lstStyle/>
           <a:p>
             <a:pPr/>
-            <a:fld id="{3F23DEF1-BFD2-7628-9C9B-497D90D56A1C}" type="slidenum">
+            <a:fld id="{3F0F9DEA-A4D2-5A6B-9CB7-523ED3F96A07}" type="slidenum">
               <a:t/>
             </a:fld>
           </a:p>
@@ -1009,7 +1013,7 @@
             <a:spLocks noGrp="1" noChangeArrowheads="1"/>
             <a:extLst>
               <a:ext uri="smNativeData">
-                <pr:smNativeData xmlns:pr="smNativeData" val="SMDATA_13_lazxXhMAAAAlAAAAZAAAAA8BAAAAkAAAAEgAAACQAAAASAAAAAAAAAAAAAAAAAAAAAEAAABQAAAAAAAAAAAA4D8AAAAAAADgPwAAAAAAAOA/AAAAAAAA4D8AAAAAAADgPwAAAAAAAOA/AAAAAAAA4D8AAAAAAADgPwAAAAAAAOA/AAAAAAAA4D8CAAAAjAAAAAAAAAAAAAAAu+DjDP///wgAAAAAAAAAAAAAAAAAAAAAAAAAAAAAAAAAAAAAZAAAAAEAAABAAAAAAAAAAAAAAAAAAAAAAAAAAAAAAAAAAAAAAAAAAAAAAAAAAAAAAAAAAAAAAAAAAAAAAAAAAAAAAAAAAAAAAAAAAAAAAAAAAAAAAAAAAAAAAAAAAAAAFAAAADwAAAAAAAAAAAAAAAAAAAkUAAAAAQAAABQAAAAUAAAAFAAAAAEAAAAAAAAAZAAAAGQAAAAAAAAAZAAAAGQAAAAVAAAAYAAAAAAAAAAAAAAADwAAACADAAAAAAAAAAAAAAEAAACgMgAAVgcAAKr4//8BAAAAf39/AAEAAABkAAAAAAAAABQAAABAHwAAAAAAACYAAAAAAAAAwOD//wAAAAAmAAAAZAAAABYAAABMAAAAAAAAAAAAAAAEAAAAAAAAAAEAAACAgIAKAAAAACgAAAAoAAAAZAAAAGQAAAAAAAAAzMzMAAAAAABQAAAAUAAAAGQAAABkAAAAAAAAABcAAAAUAAAAAAAAAAAAAAD/fwAA/38AAAAAAAAJAAAABAAAAAAAAAAMAAAAEAAAAAAAAAAAAAAAAAAAAAAAAAAeAAAAaAAAAAAAAAAAAAAAAAAAAAAAAAAAAAAAECcAABAnAAAAAAAAAAAAAAAAAAAAAAAAAAAAAAAAAAAAAAAAAAAAABQAAAAAAAAAwMD/AAAAAABkAAAAMgAAAAAAAABkAAAAAAAAAH9/fwAKAAAAHwAAAFQAAAAAAAAFAAAAAQAAAAAAAAAAAAAAAAAAAAAAAAAAAAAAAAAAAAAAAAAAAAAAAn9/fwAAAAADzMzMAMDA/wB/f38AAAAAAAAAAAAAAAAAAAAAAAAAAAAhAAAAGAAAABQAAAByBAAAHBsAAEI0AAB9IwAAAAAAACYAAAAIAAAAgYAAAAAAAAA="/>
+                <pr:smNativeData xmlns:pr="smNativeData" val="SMDATA_13_pLXxXhMAAAAlAAAAZAAAAA8BAAAAkAAAAEgAAACQAAAASAAAAAAAAAAAAAAAAAAAAAEAAABQAAAAAAAAAAAA4D8AAAAAAADgPwAAAAAAAOA/AAAAAAAA4D8AAAAAAADgPwAAAAAAAOA/AAAAAAAA4D8AAAAAAADgPwAAAAAAAOA/AAAAAAAA4D8CAAAAjAAAAAAAAAAAAAAAu+DjDP///wgAAAAAAAAAAAAAAAAAAAAAAAAAAAAAAAAAAAAAZAAAAAEAAABAAAAAAAAAAAAAAAAAAAAAAAAAAAAAAAAAAAAAAAAAAAAAAAAAAAAAAAAAAAAAAAAAAAAAAAAAAAAAAAAAAAAAAAAAAAAAAAAAAAAAAAAAAAAAAAAAAAAAFAAAADwAAAAAAAAAAAAAAAAAAAkUAAAAAQAAABQAAAAUAAAAFAAAAAEAAAAAAAAAZAAAAGQAAAAAAAAAZAAAAGQAAAAVAAAAYAAAAAAAAAAAAAAADwAAACADAAAAAAAAAAAAAAEAAACgMgAAVgcAAKr4//8BAAAAf39/AAEAAABkAAAAAAAAABQAAABAHwAAAAAAACYAAAAAAAAAwOD//wAAAAAmAAAAZAAAABYAAABMAAAAAAAAAAAAAAAEAAAAAAAAAAEAAACAgIAKAAAAACgAAAAoAAAAZAAAAGQAAAAAAAAAzMzMAAAAAABQAAAAUAAAAGQAAABkAAAAAAAAABcAAAAUAAAAAAAAAAAAAAD/fwAA/38AAAAAAAAJAAAABAAAAAAAAAAMAAAAEAAAAAAAAAAAAAAAAAAAAAAAAAAeAAAAaAAAAAAAAAAAAAAAAAAAAAAAAAAAAAAAECcAABAnAAAAAAAAAAAAAAAAAAAAAAAAAAAAAAAAAAAAAAAAAAAAABQAAAAAAAAAwMD/AAAAAABkAAAAMgAAAAAAAABkAAAAAAAAAH9/fwAKAAAAHwAAAFQAAAAAAAAFAAAAAQAAAAAAAAAAAAAAAAAAAAAAAAAAAAAAAAAAAAAAAAAAAAAAAn9/fwAAAAADzMzMAMDA/wB/f38AAAAAAAAAAAAAAAAAAAAAAAAAAAAhAAAAGAAAABQAAAByBAAAHBsAAEI0AAB9IwAAAAAAACYAAAAIAAAAgYAAAAAAAAA="/>
               </a:ext>
             </a:extLst>
           </p:cNvSpPr>
@@ -1051,7 +1055,7 @@
             <a:spLocks noGrp="1" noChangeArrowheads="1"/>
             <a:extLst>
               <a:ext uri="smNativeData">
-                <pr:smNativeData xmlns:pr="smNativeData" val="SMDATA_13_lazxXhMAAAAlAAAAZAAAAA8BAAAAkAAAAEgAAACQAAAASAAAAAAAAAACAAAAAAAAAAEAAABQAAAAAAAAAAAA4D8AAAAAAADgPwAAAAAAAOA/AAAAAAAA4D8AAAAAAADgPwAAAAAAAOA/AAAAAAAA4D8AAAAAAADgPwAAAAAAAOA/AAAAAAAA4D8CAAAAjAAAAAAAAAAAAAAAu+DjDP///wgAAAAAAAAAAAAAAAAAAAAAAAAAAAAAAAAAAAAAZAAAAAEAAABAAAAAAAAAAAAAAAAAAAAAAAAAAAAAAAAAAAAAAAAAAAAAAAAAAAAAAAAAAAAAAAAAAAAAAAAAAAAAAAAAAAAAAAAAAAAAAAAAAAAAAAAAAAAAAAAAAAAAFAAAADwAAAAAAAAAAAAAAAAAAAkUAAAAAQAAABQAAAAUAAAAFAAAAAEAAAAAAAAAZAAAAGQAAAAAAAAAZAAAAGQAAAAVAAAAYAAAAAAAAAAAAAAADwAAACADAAAAAAAAAAAAAAEAAACgMgAAVgcAAKr4//8BAAAAf39/AAEAAABkAAAAAAAAABQAAABAHwAAAAAAACYAAAAAAAAAwOD//wAAAAAmAAAAZAAAABYAAABMAAAAAAAAAAAAAAAEAAAAAAAAAAEAAACAgIAKAAAAACgAAAAoAAAAZAAAAGQAAAAAAAAAzMzMAAAAAABQAAAAUAAAAGQAAABkAAAAAAAAABcAAAAUAAAAAAAAAAAAAAD/fwAA/38AAAAAAAAJAAAABAAAAAAAAAAMAAAAEAAAAAAAAAAAAAAAAAAAAAAAAAAeAAAAaAAAAAAAAAAAAAAAAAAAAAAAAAAAAAAAECcAABAnAAAAAAAAAAAAAAAAAAAAAAAAAAAAAAAAAAAAAAAAAAAAABQAAAAAAAAAwMD/AAAAAABkAAAAMgAAAAAAAABkAAAAAAAAAH9/fwAKAAAAHwAAAFQAAAAAAAAFAAAAAQAAAAAAAAAAAAAAAAAAAAAAAAAAAAAAAAAAAAAAAAAAAAAAAn9/fwAAAAADzMzMAMDA/wB/f38AAAAAAAAAAAAAAAAAAAAAAAAAAAAhAAAAGAAAABQAAAByBAAA4REAAEI0AAAcGwAAAAAAACYAAAAIAAAAgYAAAAAAAAA="/>
+                <pr:smNativeData xmlns:pr="smNativeData" val="SMDATA_13_pLXxXhMAAAAlAAAAZAAAAA8BAAAAkAAAAEgAAACQAAAASAAAAAAAAAACAAAAAAAAAAEAAABQAAAAAAAAAAAA4D8AAAAAAADgPwAAAAAAAOA/AAAAAAAA4D8AAAAAAADgPwAAAAAAAOA/AAAAAAAA4D8AAAAAAADgPwAAAAAAAOA/AAAAAAAA4D8CAAAAjAAAAAAAAAAAAAAAu+DjDP///wgAAAAAAAAAAAAAAAAAAAAAAAAAAAAAAAAAAAAAZAAAAAEAAABAAAAAAAAAAAAAAAAAAAAAAAAAAAAAAAAAAAAAAAAAAAAAAAAAAAAAAAAAAAAAAAAAAAAAAAAAAAAAAAAAAAAAAAAAAAAAAAAAAAAAAAAAAAAAAAAAAAAAFAAAADwAAAAAAAAAAAAAAAAAAAkUAAAAAQAAABQAAAAUAAAAFAAAAAEAAAAAAAAAZAAAAGQAAAAAAAAAZAAAAGQAAAAVAAAAYAAAAAAAAAAAAAAADwAAACADAAAAAAAAAAAAAAEAAACgMgAAVgcAAKr4//8BAAAAf39/AAEAAABkAAAAAAAAABQAAABAHwAAAAAAACYAAAAAAAAAwOD//wAAAAAmAAAAZAAAABYAAABMAAAAAAAAAAAAAAAEAAAAAAAAAAEAAACAgIAKAAAAACgAAAAoAAAAZAAAAGQAAAAAAAAAzMzMAAAAAABQAAAAUAAAAGQAAABkAAAAAAAAABcAAAAUAAAAAAAAAAAAAAD/fwAA/38AAAAAAAAJAAAABAAAAAAAAAAMAAAAEAAAAAAAAAAAAAAAAAAAAAAAAAAeAAAAaAAAAAAAAAAAAAAAAAAAAAAAAAAAAAAAECcAABAnAAAAAAAAAAAAAAAAAAAAAAAAAAAAAAAAAAAAAAAAAAAAABQAAAAAAAAAwMD/AAAAAABkAAAAMgAAAAAAAABkAAAAAAAAAH9/fwAKAAAAHwAAAFQAAAAAAAAFAAAAAQAAAAAAAAAAAAAAAAAAAAAAAAAAAAAAAAAAAAAAAAAAAAAAAn9/fwAAAAADzMzMAMDA/wB/f38AAAAAAAAAAAAAAAAAAAAAAAAAAAAhAAAAGAAAABQAAAByBAAA4REAAEI0AAAcGwAAAAAAACYAAAAIAAAAgYAAAAAAAAA="/>
               </a:ext>
             </a:extLst>
           </p:cNvSpPr>
@@ -1124,7 +1128,7 @@
             <a:spLocks noGrp="1" noChangeArrowheads="1"/>
             <a:extLst>
               <a:ext uri="smNativeData">
-                <pr:smNativeData xmlns:pr="smNativeData" val="SMDATA_13_lazxXhMAAAAlAAAAZAAAAA8BAAAAkAAAAEgAAACQAAAASAAAAAAAAAABAAAAAAAAAAEAAABQAAAAAAAAAAAA4D8AAAAAAADgPwAAAAAAAOA/AAAAAAAA4D8AAAAAAADgPwAAAAAAAOA/AAAAAAAA4D8AAAAAAADgPwAAAAAAAOA/AAAAAAAA4D8CAAAAjAAAAAAAAAAAAAAAu+DjDP///wgAAAAAAAAAAAAAAAAAAAAAAAAAAAAAAAAAAAAAZAAAAAEAAABAAAAAAAAAAAAAAAAAAAAAAAAAAAAAAAAAAAAAAAAAAAAAAAAAAAAAAAAAAAAAAAAAAAAAAAAAAAAAAAAAAAAAAAAAAAAAAAAAAAAAAAAAAAAAAAAAAAAAFAAAADwAAAAAAAAAAAAAAAAAAAkUAAAAAQAAABQAAAAUAAAAFAAAAAEAAAAAAAAAZAAAAGQAAAAAAAAAZAAAAGQAAAAVAAAAYAAAAAAAAAAAAAAADwAAACADAAAAAAAAAAAAAAEAAACgMgAAVgcAAKr4//8BAAAAf39/AAEAAABkAAAAAAAAABQAAABAHwAAAAAAACYAAAAAAAAAwOD//wAAAAAmAAAAZAAAABYAAABMAAAAAAAAAAAAAAAEAAAAAAAAAAEAAACAgIAKAAAAACgAAAAoAAAAZAAAAGQAAAAAAAAAzMzMAAAAAABQAAAAUAAAAGQAAABkAAAAAAAAABcAAAAUAAAAAAAAAAAAAAD/fwAA/38AAAAAAAAJAAAABAAAABBnyv8MAAAAEAAAAAAAAAAAAAAAAAAAAAAAAAAeAAAAaAAAAAAAAAAAAAAAAAAAAAAAAAAAAAAAECcAABAnAAAAAAAAAAAAAAAAAAAAAAAAAAAAAAAAAAAAAAAAAAAAABQAAAAAAAAAwMD/AAAAAABkAAAAMgAAAAAAAABkAAAAAAAAAH9/fwAKAAAAHwAAAFQAAAAAAAAFAAAAAQAAAAAAAAAAAAAAAAAAAAAAAAAAAAAAAAAAAAAAAAAAAAAAAn9/fwAAAAADzMzMAMDA/wB/f38AAAAAAAAAAAAAAAAAAAAAAAAAAAAhAAAAGAAAABQAAADQAgAAGycAAPAPAABZKQAAAAAAACYAAAAIAAAAAAAAAAAAAAA="/>
+                <pr:smNativeData xmlns:pr="smNativeData" val="SMDATA_13_pLXxXhMAAAAlAAAAZAAAAA8BAAAAkAAAAEgAAACQAAAASAAAAAAAAAABAAAAAAAAAAEAAABQAAAAAAAAAAAA4D8AAAAAAADgPwAAAAAAAOA/AAAAAAAA4D8AAAAAAADgPwAAAAAAAOA/AAAAAAAA4D8AAAAAAADgPwAAAAAAAOA/AAAAAAAA4D8CAAAAjAAAAAAAAAAAAAAAu+DjDP///wgAAAAAAAAAAAAAAAAAAAAAAAAAAAAAAAAAAAAAZAAAAAEAAABAAAAAAAAAAAAAAAAAAAAAAAAAAAAAAAAAAAAAAAAAAAAAAAAAAAAAAAAAAAAAAAAAAAAAAAAAAAAAAAAAAAAAAAAAAAAAAAAAAAAAAAAAAAAAAAAAAAAAFAAAADwAAAAAAAAAAAAAAAAAAAkUAAAAAQAAABQAAAAUAAAAFAAAAAEAAAAAAAAAZAAAAGQAAAAAAAAAZAAAAGQAAAAVAAAAYAAAAAAAAAAAAAAADwAAACADAAAAAAAAAAAAAAEAAACgMgAAVgcAAKr4//8BAAAAf39/AAEAAABkAAAAAAAAABQAAABAHwAAAAAAACYAAAAAAAAAwOD//wAAAAAmAAAAZAAAABYAAABMAAAAAAAAAAAAAAAEAAAAAAAAAAEAAACAgIAKAAAAACgAAAAoAAAAZAAAAGQAAAAAAAAAzMzMAAAAAABQAAAAUAAAAGQAAABkAAAAAAAAABcAAAAUAAAAAAAAAAAAAAD/fwAA/38AAAAAAAAJAAAABAAAABBnyv8MAAAAEAAAAAAAAAAAAAAAAAAAAAAAAAAeAAAAaAAAAAAAAAAAAAAAAAAAAAAAAAAAAAAAECcAABAnAAAAAAAAAAAAAAAAAAAAAAAAAAAAAAAAAAAAAAAAAAAAABQAAAAAAAAAwMD/AAAAAABkAAAAMgAAAAAAAABkAAAAAAAAAH9/fwAKAAAAHwAAAFQAAAAAAAAFAAAAAQAAAAAAAAAAAAAAAAAAAAAAAAAAAAAAAAAAAAAAAAAAAAAAAn9/fwAAAAADzMzMAMDA/wB/f38AAAAAAAAAAAAAAAAAAAAAAAAAAAAhAAAAGAAAABQAAADQAgAAGycAAPAPAABZKQAAAAAAACYAAAAIAAAAAAAAAAAAAAA="/>
               </a:ext>
             </a:extLst>
           </p:cNvSpPr>
@@ -1138,7 +1142,7 @@
           <a:lstStyle/>
           <a:p>
             <a:pPr/>
-            <a:fld id="{3F23E751-1FD2-7611-9C9B-E944A9D56ABC}" type="datetime1">
+            <a:fld id="{3F0FC410-5ED2-5A32-9CB7-A8678AF96AFD}" type="datetime1">
               <a:t/>
             </a:fld>
           </a:p>
@@ -1151,7 +1155,7 @@
             <a:spLocks noGrp="1" noChangeArrowheads="1"/>
             <a:extLst>
               <a:ext uri="smNativeData">
-                <pr:smNativeData xmlns:pr="smNativeData" val="SMDATA_13_lazxXhMAAAAlAAAAZAAAAA8BAAAAkAAAAEgAAACQAAAASAAAAAAAAAABAAAAAAAAAAEAAABQAAAAAAAAAAAA4D8AAAAAAADgPwAAAAAAAOA/AAAAAAAA4D8AAAAAAADgPwAAAAAAAOA/AAAAAAAA4D8AAAAAAADgPwAAAAAAAOA/AAAAAAAA4D8CAAAAjAAAAAAAAAAAAAAAu+DjDP///wgAAAAAAAAAAAAAAAAAAAAAAAAAAAAAAAAAAAAAZAAAAAEAAABAAAAAAAAAAAAAAAAAAAAAAAAAAAAAAAAAAAAAAAAAAAAAAAAAAAAAAAAAAAAAAAAAAAAAAAAAAAAAAAAAAAAAAAAAAAAAAAAAAAAAAAAAAAAAAAAAAAAAFAAAADwAAAAAAAAAAAAAAAAAAAkUAAAAAQAAABQAAAAUAAAAFAAAAAEAAAAAAAAAZAAAAGQAAAAAAAAAZAAAAGQAAAAVAAAAYAAAAAAAAAAAAAAADwAAACADAAAAAAAAAAAAAAEAAACgMgAAVgcAAKr4//8BAAAAf39/AAEAAABkAAAAAAAAABQAAABAHwAAAAAAACYAAAAAAAAAwOD//wAAAAAmAAAAZAAAABYAAABMAAAAAAAAAAAAAAAEAAAAAAAAAAEAAACAgIAKAAAAACgAAAAoAAAAZAAAAGQAAAAAAAAAzMzMAAAAAABQAAAAUAAAAGQAAABkAAAAAAAAABcAAAAUAAAAAAAAAAAAAAD/fwAA/38AAAAAAAAJAAAABAAAABBnyv8MAAAAEAAAAAAAAAAAAAAAAAAAAAAAAAAeAAAAaAAAAAAAAAAAAAAAAAAAAAAAAAAAAAAAECcAABAnAAAAAAAAAAAAAAAAAAAAAAAAAAAAAAAAAAAAAAAAAAAAABQAAAAAAAAAwMD/AAAAAABkAAAAMgAAAAAAAABkAAAAAAAAAH9/fwAKAAAAHwAAAFQAAAAAAAAFAAAAAQAAAAAAAAAAAAAAAAAAAAAAAAAAAAAAAAAAAAAAAAAAAAAAAn9/fwAAAAADzMzMAMDA/wB/f38AAAAAAAAAAAAAAAAAAAAAAAAAAAAhAAAAGAAAABQAAAA4EwAAGycAAAglAABZKQAAAAAAACYAAAAIAAAAAAAAAAAAAAA="/>
+                <pr:smNativeData xmlns:pr="smNativeData" val="SMDATA_13_pLXxXhMAAAAlAAAAZAAAAA8BAAAAkAAAAEgAAACQAAAASAAAAAAAAAABAAAAAAAAAAEAAABQAAAAAAAAAAAA4D8AAAAAAADgPwAAAAAAAOA/AAAAAAAA4D8AAAAAAADgPwAAAAAAAOA/AAAAAAAA4D8AAAAAAADgPwAAAAAAAOA/AAAAAAAA4D8CAAAAjAAAAAAAAAAAAAAAu+DjDP///wgAAAAAAAAAAAAAAAAAAAAAAAAAAAAAAAAAAAAAZAAAAAEAAABAAAAAAAAAAAAAAAAAAAAAAAAAAAAAAAAAAAAAAAAAAAAAAAAAAAAAAAAAAAAAAAAAAAAAAAAAAAAAAAAAAAAAAAAAAAAAAAAAAAAAAAAAAAAAAAAAAAAAFAAAADwAAAAAAAAAAAAAAAAAAAkUAAAAAQAAABQAAAAUAAAAFAAAAAEAAAAAAAAAZAAAAGQAAAAAAAAAZAAAAGQAAAAVAAAAYAAAAAAAAAAAAAAADwAAACADAAAAAAAAAAAAAAEAAACgMgAAVgcAAKr4//8BAAAAf39/AAEAAABkAAAAAAAAABQAAABAHwAAAAAAACYAAAAAAAAAwOD//wAAAAAmAAAAZAAAABYAAABMAAAAAAAAAAAAAAAEAAAAAAAAAAEAAACAgIAKAAAAACgAAAAoAAAAZAAAAGQAAAAAAAAAzMzMAAAAAABQAAAAUAAAAGQAAABkAAAAAAAAABcAAAAUAAAAAAAAAAAAAAD/fwAA/38AAAAAAAAJAAAABAAAABBnyv8MAAAAEAAAAAAAAAAAAAAAAAAAAAAAAAAeAAAAaAAAAAAAAAAAAAAAAAAAAAAAAAAAAAAAECcAABAnAAAAAAAAAAAAAAAAAAAAAAAAAAAAAAAAAAAAAAAAAAAAABQAAAAAAAAAwMD/AAAAAABkAAAAMgAAAAAAAABkAAAAAAAAAH9/fwAKAAAAHwAAAFQAAAAAAAAFAAAAAQAAAAAAAAAAAAAAAAAAAAAAAAAAAAAAAAAAAAAAAAAAAAAAAn9/fwAAAAADzMzMAMDA/wB/f38AAAAAAAAAAAAAAAAAAAAAAAAAAAAhAAAAGAAAABQAAAA4EwAAGycAAAglAABZKQAAAAAAACYAAAAIAAAAAAAAAAAAAAA="/>
               </a:ext>
             </a:extLst>
           </p:cNvSpPr>
@@ -1178,7 +1182,7 @@
             <a:spLocks noGrp="1" noChangeArrowheads="1"/>
             <a:extLst>
               <a:ext uri="smNativeData">
-                <pr:smNativeData xmlns:pr="smNativeData" val="SMDATA_13_lazxXhMAAAAlAAAAZAAAAA8BAAAAkAAAAEgAAACQAAAASAAAAAAAAAABAAAAAAAAAAEAAABQAAAAAAAAAAAA4D8AAAAAAADgPwAAAAAAAOA/AAAAAAAA4D8AAAAAAADgPwAAAAAAAOA/AAAAAAAA4D8AAAAAAADgPwAAAAAAAOA/AAAAAAAA4D8CAAAAjAAAAAAAAAAAAAAAu+DjDP///wgAAAAAAAAAAAAAAAAAAAAAAAAAAAAAAAAAAAAAZAAAAAEAAABAAAAAAAAAAAAAAAAAAAAAAAAAAAAAAAAAAAAAAAAAAAAAAAAAAAAAAAAAAAAAAAAAAAAAAAAAAAAAAAAAAAAAAAAAAAAAAAAAAAAAAAAAAAAAAAAAAAAAFAAAADwAAAAAAAAAAAAAAAAAAAkUAAAAAQAAABQAAAAUAAAAFAAAAAEAAAAAAAAAZAAAAGQAAAAAAAAAZAAAAGQAAAAVAAAAYAAAAAAAAAAAAAAADwAAACADAAAAAAAAAAAAAAEAAACgMgAAVgcAAKr4//8BAAAAf39/AAEAAABkAAAAAAAAABQAAABAHwAAAAAAACYAAAAAAAAAwOD//wAAAAAmAAAAZAAAABYAAABMAAAAAAAAAAAAAAAEAAAAAAAAAAEAAACAgIAKAAAAACgAAAAoAAAAZAAAAGQAAAAAAAAAzMzMAAAAAABQAAAAUAAAAGQAAABkAAAAAAAAABcAAAAUAAAAAAAAAAAAAAD/fwAA/38AAAAAAAAJAAAABAAAABBnyv8MAAAAEAAAAAAAAAAAAAAAAAAAAAAAAAAeAAAAaAAAAAAAAAAAAAAAAAAAAAAAAAAAAAAAECcAABAnAAAAAAAAAAAAAAAAAAAAAAAAAAAAAAAAAAAAAAAAAAAAABQAAAAAAAAAwMD/AAAAAABkAAAAMgAAAAAAAABkAAAAAAAAAH9/fwAKAAAAHwAAAFQAAAAAAAAFAAAAAQAAAAAAAAAAAAAAAAAAAAAAAAAAAAAAAAAAAAAAAAAAAAAAAn9/fwAAAAADzMzMAMDA/wB/f38AAAAAAAAAAAAAAAAAAAAAAAAAAAAhAAAAGAAAABQAAABQKAAAGycAAHA1AABZKQAAAAAAACYAAAAIAAAAAAAAAAAAAAA="/>
+                <pr:smNativeData xmlns:pr="smNativeData" val="SMDATA_13_pLXxXhMAAAAlAAAAZAAAAA8BAAAAkAAAAEgAAACQAAAASAAAAAAAAAABAAAAAAAAAAEAAABQAAAAAAAAAAAA4D8AAAAAAADgPwAAAAAAAOA/AAAAAAAA4D8AAAAAAADgPwAAAAAAAOA/AAAAAAAA4D8AAAAAAADgPwAAAAAAAOA/AAAAAAAA4D8CAAAAjAAAAAAAAAAAAAAAu+DjDP///wgAAAAAAAAAAAAAAAAAAAAAAAAAAAAAAAAAAAAAZAAAAAEAAABAAAAAAAAAAAAAAAAAAAAAAAAAAAAAAAAAAAAAAAAAAAAAAAAAAAAAAAAAAAAAAAAAAAAAAAAAAAAAAAAAAAAAAAAAAAAAAAAAAAAAAAAAAAAAAAAAAAAAFAAAADwAAAAAAAAAAAAAAAAAAAkUAAAAAQAAABQAAAAUAAAAFAAAAAEAAAAAAAAAZAAAAGQAAAAAAAAAZAAAAGQAAAAVAAAAYAAAAAAAAAAAAAAADwAAACADAAAAAAAAAAAAAAEAAACgMgAAVgcAAKr4//8BAAAAf39/AAEAAABkAAAAAAAAABQAAABAHwAAAAAAACYAAAAAAAAAwOD//wAAAAAmAAAAZAAAABYAAABMAAAAAAAAAAAAAAAEAAAAAAAAAAEAAACAgIAKAAAAACgAAAAoAAAAZAAAAGQAAAAAAAAAzMzMAAAAAABQAAAAUAAAAGQAAABkAAAAAAAAABcAAAAUAAAAAAAAAAAAAAD/fwAA/38AAAAAAAAJAAAABAAAABBnyv8MAAAAEAAAAAAAAAAAAAAAAAAAAAAAAAAeAAAAaAAAAAAAAAAAAAAAAAAAAAAAAAAAAAAAECcAABAnAAAAAAAAAAAAAAAAAAAAAAAAAAAAAAAAAAAAAAAAAAAAABQAAAAAAAAAwMD/AAAAAABkAAAAMgAAAAAAAABkAAAAAAAAAH9/fwAKAAAAHwAAAFQAAAAAAAAFAAAAAQAAAAAAAAAAAAAAAAAAAAAAAAAAAAAAAAAAAAAAAAAAAAAAAn9/fwAAAAADzMzMAMDA/wB/f38AAAAAAAAAAAAAAAAAAAAAAAAAAAAhAAAAGAAAABQAAABQKAAAGycAAHA1AABZKQAAAAAAACYAAAAIAAAAAAAAAAAAAAA="/>
               </a:ext>
             </a:extLst>
           </p:cNvSpPr>
@@ -1192,7 +1196,7 @@
           <a:lstStyle/>
           <a:p>
             <a:pPr/>
-            <a:fld id="{3F23C581-CFD2-7633-9C9B-39668BD56A6C}" type="slidenum">
+            <a:fld id="{3F0FE95B-15D2-5A1F-9CB7-E34AA7F96AB6}" type="slidenum">
               <a:t/>
             </a:fld>
           </a:p>
@@ -1230,7 +1234,7 @@
             <a:spLocks noGrp="1" noChangeArrowheads="1"/>
             <a:extLst>
               <a:ext uri="smNativeData">
-                <pr:smNativeData xmlns:pr="smNativeData" val="SMDATA_13_lazxXhMAAAAlAAAAZAAAAA8BAAAAkAAAAEgAAACQAAAASAAAAAAAAAABAAAAAAAAAAEAAABQAAAAAAAAAAAA4D8AAAAAAADgPwAAAAAAAOA/AAAAAAAA4D8AAAAAAADgPwAAAAAAAOA/AAAAAAAA4D8AAAAAAADgPwAAAAAAAOA/AAAAAAAA4D8CAAAAjAAAAAAAAAAAAAAAu+DjDP///wgAAAAAAAAAAAAAAAAAAAAAAAAAAAAAAAAAAAAAZAAAAAEAAABAAAAAAAAAAAAAAAAAAAAAAAAAAAAAAAAAAAAAAAAAAAAAAAAAAAAAAAAAAAAAAAAAAAAAAAAAAAAAAAAAAAAAAAAAAAAAAAAAAAAAAAAAAAAAAAAAAAAAFAAAADwAAAAAAAAAAAAAAAAAAAkUAAAAAQAAABQAAAAUAAAAFAAAAAEAAAAAAAAAZAAAAGQAAAAAAAAAZAAAAGQAAAAVAAAAYAAAAAAAAAAAAAAADwAAACADAAAAAAAAAAAAAAEAAACgMgAAVgcAAKr4//8BAAAAf39/AAEAAABkAAAAAAAAABQAAABAHwAAAAAAACYAAAAAAAAAwOD//wAAAAAmAAAAZAAAABYAAABMAAAAAAAAAAAAAAAEAAAAAAAAAAEAAACAgIAKAAAAACgAAAAoAAAAZAAAAGQAAAAAAAAAzMzMAAAAAABQAAAAUAAAAGQAAABkAAAAAAAAABcAAAAUAAAAAAAAAAAAAAD/fwAA/38AAAAAAAAJAAAABAAAABBnyv8MAAAAEAAAAAAAAAAAAAAAAAAAAAAAAAAeAAAAaAAAAAAAAAAAAAAAAAAAAAAAAAAAAAAAECcAABAnAAAAAAAAAAAAAAAAAAAAAAAAAAAAAAAAAAAAAAAAAAAAABQAAAAAAAAAwMD/AAAAAABkAAAAMgAAAAAAAABkAAAAAAAAAH9/fwAKAAAAHwAAAFQAAAAAAAAFAAAAAQAAAAAAAAAAAAAAAAAAAAAAAAAAAAAAAAAAAAAAAAAAAAAAAn9/fwAAAAADzMzMAMDA/wB/f38AAAAAAAAAAAAAAAAAAAAAAAAAAAAhAAAAGAAAABQAAADQAgAAsAEAAHA1AAC4CAAAAAAAACYAAAAIAAAAAAAAAAAAAAA="/>
+                <pr:smNativeData xmlns:pr="smNativeData" val="SMDATA_13_pLXxXhMAAAAlAAAAZAAAAA8BAAAAkAAAAEgAAACQAAAASAAAAAAAAAABAAAAAAAAAAEAAABQAAAAAAAAAAAA4D8AAAAAAADgPwAAAAAAAOA/AAAAAAAA4D8AAAAAAADgPwAAAAAAAOA/AAAAAAAA4D8AAAAAAADgPwAAAAAAAOA/AAAAAAAA4D8CAAAAjAAAAAAAAAAAAAAAu+DjDP///wgAAAAAAAAAAAAAAAAAAAAAAAAAAAAAAAAAAAAAZAAAAAEAAABAAAAAAAAAAAAAAAAAAAAAAAAAAAAAAAAAAAAAAAAAAAAAAAAAAAAAAAAAAAAAAAAAAAAAAAAAAAAAAAAAAAAAAAAAAAAAAAAAAAAAAAAAAAAAAAAAAAAAFAAAADwAAAAAAAAAAAAAAAAAAAkUAAAAAQAAABQAAAAUAAAAFAAAAAEAAAAAAAAAZAAAAGQAAAAAAAAAZAAAAGQAAAAVAAAAYAAAAAAAAAAAAAAADwAAACADAAAAAAAAAAAAAAEAAACgMgAAVgcAAKr4//8BAAAAf39/AAEAAABkAAAAAAAAABQAAABAHwAAAAAAACYAAAAAAAAAwOD//wAAAAAmAAAAZAAAABYAAABMAAAAAAAAAAAAAAAEAAAAAAAAAAEAAACAgIAKAAAAACgAAAAoAAAAZAAAAGQAAAAAAAAAzMzMAAAAAABQAAAAUAAAAGQAAABkAAAAAAAAABcAAAAUAAAAAAAAAAAAAAD/fwAA/38AAAAAAAAJAAAABAAAABBnyv8MAAAAEAAAAAAAAAAAAAAAAAAAAAAAAAAeAAAAaAAAAAAAAAAAAAAAAAAAAAAAAAAAAAAAECcAABAnAAAAAAAAAAAAAAAAAAAAAAAAAAAAAAAAAAAAAAAAAAAAABQAAAAAAAAAwMD/AAAAAABkAAAAMgAAAAAAAABkAAAAAAAAAH9/fwAKAAAAHwAAAFQAAAAAAAAFAAAAAQAAAAAAAAAAAAAAAAAAAAAAAAAAAAAAAAAAAAAAAAAAAAAAAn9/fwAAAAADzMzMAMDA/wB/f38AAAAAAAAAAAAAAAAAAAAAAAAAAAAhAAAAGAAAABQAAADQAgAAsAEAAHA1AAC4CAAAAAAAACYAAAAIAAAAAAAAAAAAAAA="/>
               </a:ext>
             </a:extLst>
           </p:cNvSpPr>
@@ -1257,7 +1261,7 @@
             <a:spLocks noGrp="1" noChangeArrowheads="1"/>
             <a:extLst>
               <a:ext uri="smNativeData">
-                <pr:smNativeData xmlns:pr="smNativeData" val="SMDATA_13_lazxXhMAAAAlAAAAZAAAAA8BAAAAkAAAAEgAAACQAAAASAAAAAAAAAAAAAAAAAAAAAEAAABQAAAAAAAAAAAA4D8AAAAAAADgPwAAAAAAAOA/AAAAAAAA4D8AAAAAAADgPwAAAAAAAOA/AAAAAAAA4D8AAAAAAADgPwAAAAAAAOA/AAAAAAAA4D8CAAAAjAAAAAAAAAAAAAAAu+DjDP///wgAAAAAAAAAAAAAAAAAAAAAAAAAAAAAAAAAAAAAZAAAAAEAAABAAAAAAAAAAAAAAAAAAAAAAAAAAAAAAAAAAAAAAAAAAAAAAAAAAAAAAAAAAAAAAAAAAAAAAAAAAAAAAAAAAAAAAAAAAAAAAAAAAAAAAAAAAAAAAAAAAAAAFAAAADwAAAAAAAAAAAAAAAAAAAkUAAAAAQAAABQAAAAUAAAAFAAAAAEAAAAAAAAAZAAAAGQAAAAAAAAAZAAAAGQAAAAVAAAAYAAAAAAAAAAAAAAADwAAACADAAAAAAAAAAAAAAEAAACgMgAAVgcAAKr4//8BAAAAf39/AAEAAABkAAAAAAAAABQAAABAHwAAAAAAACYAAAAAAAAAwOD//wAAAAAmAAAAZAAAABYAAABMAAAAAAAAAAAAAAAEAAAAAAAAAAEAAACAgIAKAAAAACgAAAAoAAAAZAAAAGQAAAAAAAAAzMzMAAAAAABQAAAAUAAAAGQAAABkAAAAAAAAABcAAAAUAAAAAAAAAAAAAAD/fwAA/38AAAAAAAAJAAAABAAAABBnyv8MAAAAEAAAAAAAAAAAAAAAAAAAAAAAAAAeAAAAaAAAAAAAAAAAAAAAAAAAAAAAAAAAAAAAECcAABAnAAAAAAAAAAAAAAAAAAAAAAAAAAAAAAAAAAAAAAAAAAAAABQAAAAAAAAAwMD/AAAAAABkAAAAMgAAAAAAAABkAAAAAAAAAH9/fwAKAAAAHwAAAFQAAAAAAAAFAAAAAQAAAAAAAAAAAAAAAAAAAAAAAAAAAAAAAAAAAAAAAAAAAAAAAn9/fwAAAAADzMzMAMDA/wB/f38AAAAAAAAAAAAAAAAAAAAAAAAAAAAhAAAAGAAAABQAAADQAgAA2AkAAKgbAACwJQAAAAAAACYAAAAIAAAAAYAAAAAAAAA="/>
+                <pr:smNativeData xmlns:pr="smNativeData" val="SMDATA_13_pLXxXhMAAAAlAAAAZAAAAA8BAAAAkAAAAEgAAACQAAAASAAAAAAAAAAAAAAAAAAAAAEAAABQAAAAAAAAAAAA4D8AAAAAAADgPwAAAAAAAOA/AAAAAAAA4D8AAAAAAADgPwAAAAAAAOA/AAAAAAAA4D8AAAAAAADgPwAAAAAAAOA/AAAAAAAA4D8CAAAAjAAAAAAAAAAAAAAAu+DjDP///wgAAAAAAAAAAAAAAAAAAAAAAAAAAAAAAAAAAAAAZAAAAAEAAABAAAAAAAAAAAAAAAAAAAAAAAAAAAAAAAAAAAAAAAAAAAAAAAAAAAAAAAAAAAAAAAAAAAAAAAAAAAAAAAAAAAAAAAAAAAAAAAAAAAAAAAAAAAAAAAAAAAAAFAAAADwAAAAAAAAAAAAAAAAAAAkUAAAAAQAAABQAAAAUAAAAFAAAAAEAAAAAAAAAZAAAAGQAAAAAAAAAZAAAAGQAAAAVAAAAYAAAAAAAAAAAAAAADwAAACADAAAAAAAAAAAAAAEAAACgMgAAVgcAAKr4//8BAAAAf39/AAEAAABkAAAAAAAAABQAAABAHwAAAAAAACYAAAAAAAAAwOD//wAAAAAmAAAAZAAAABYAAABMAAAAAAAAAAAAAAAEAAAAAAAAAAEAAACAgIAKAAAAACgAAAAoAAAAZAAAAGQAAAAAAAAAzMzMAAAAAABQAAAAUAAAAGQAAABkAAAAAAAAABcAAAAUAAAAAAAAAAAAAAD/fwAA/38AAAAAAAAJAAAABAAAABBnyv8MAAAAEAAAAAAAAAAAAAAAAAAAAAAAAAAeAAAAaAAAAAAAAAAAAAAAAAAAAAAAAAAAAAAAECcAABAnAAAAAAAAAAAAAAAAAAAAAAAAAAAAAAAAAAAAAAAAAAAAABQAAAAAAAAAwMD/AAAAAABkAAAAMgAAAAAAAABkAAAAAAAAAH9/fwAKAAAAHwAAAFQAAAAAAAAFAAAAAQAAAAAAAAAAAAAAAAAAAAAAAAAAAAAAAAAAAAAAAAAAAAAAAn9/fwAAAAADzMzMAMDA/wB/f38AAAAAAAAAAAAAAAAAAAAAAAAAAAAhAAAAGAAAABQAAADQAgAA2AkAAKgbAACwJQAAAAAAACYAAAAIAAAAAYAAAAAAAAA="/>
               </a:ext>
             </a:extLst>
           </p:cNvSpPr>
@@ -1341,7 +1345,7 @@
             <a:spLocks noGrp="1" noChangeArrowheads="1"/>
             <a:extLst>
               <a:ext uri="smNativeData">
-                <pr:smNativeData xmlns:pr="smNativeData" val="SMDATA_13_lazxXhMAAAAlAAAAZAAAAA8BAAAAkAAAAEgAAACQAAAASAAAAAAAAAAAAAAAAAAAAAEAAABQAAAAAAAAAAAA4D8AAAAAAADgPwAAAAAAAOA/AAAAAAAA4D8AAAAAAADgPwAAAAAAAOA/AAAAAAAA4D8AAAAAAADgPwAAAAAAAOA/AAAAAAAA4D8CAAAAjAAAAAAAAAAAAAAAu+DjDP///wgAAAAAAAAAAAAAAAAAAAAAAAAAAAAAAAAAAAAAZAAAAAEAAABAAAAAAAAAAAAAAAAAAAAAAAAAAAAAAAAAAAAAAAAAAAAAAAAAAAAAAAAAAAAAAAAAAAAAAAAAAAAAAAAAAAAAAAAAAAAAAAAAAAAAAAAAAAAAAAAAAAAAFAAAADwAAAAAAAAAAAAAAAAAAAkUAAAAAQAAABQAAAAUAAAAFAAAAAEAAAAAAAAAZAAAAGQAAAAAAAAAZAAAAGQAAAAVAAAAYAAAAAAAAAAAAAAADwAAACADAAAAAAAAAAAAAAEAAACgMgAAVgcAAKr4//8BAAAAf39/AAEAAABkAAAAAAAAABQAAABAHwAAAAAAACYAAAAAAAAAwOD//wAAAAAmAAAAZAAAABYAAABMAAAAAAAAAAAAAAAEAAAAAAAAAAEAAACAgIAKAAAAACgAAAAoAAAAZAAAAGQAAAAAAAAAzMzMAAAAAABQAAAAUAAAAGQAAABkAAAAAAAAABcAAAAUAAAAAAAAAAAAAAD/fwAA/38AAAAAAAAJAAAABAAAABBnyv8MAAAAEAAAAAAAAAAAAAAAAAAAAAAAAAAeAAAAaAAAAAAAAAAAAAAAAAAAAAAAAAAAAAAAECcAABAnAAAAAAAAAAAAAAAAAAAAAAAAAAAAAAAAAAAAAAAAAAAAABQAAAAAAAAAwMD/AAAAAABkAAAAMgAAAAAAAABkAAAAAAAAAH9/fwAKAAAAHwAAAFQAAAAAAAAFAAAAAQAAAAAAAAAAAAAAAAAAAAAAAAAAAAAAAAAAAAAAAAAAAAAAAn9/fwAAAAADzMzMAMDA/wB/f38AAAAAAAAAAAAAAAAAAAAAAAAAAAAhAAAAGAAAABQAAACYHAAA2AkAAHA1AACwJQAAAAAAACYAAAAIAAAAAYAAAAAAAAA="/>
+                <pr:smNativeData xmlns:pr="smNativeData" val="SMDATA_13_pLXxXhMAAAAlAAAAZAAAAA8BAAAAkAAAAEgAAACQAAAASAAAAAAAAAAAAAAAAAAAAAEAAABQAAAAAAAAAAAA4D8AAAAAAADgPwAAAAAAAOA/AAAAAAAA4D8AAAAAAADgPwAAAAAAAOA/AAAAAAAA4D8AAAAAAADgPwAAAAAAAOA/AAAAAAAA4D8CAAAAjAAAAAAAAAAAAAAAu+DjDP///wgAAAAAAAAAAAAAAAAAAAAAAAAAAAAAAAAAAAAAZAAAAAEAAABAAAAAAAAAAAAAAAAAAAAAAAAAAAAAAAAAAAAAAAAAAAAAAAAAAAAAAAAAAAAAAAAAAAAAAAAAAAAAAAAAAAAAAAAAAAAAAAAAAAAAAAAAAAAAAAAAAAAAFAAAADwAAAAAAAAAAAAAAAAAAAkUAAAAAQAAABQAAAAUAAAAFAAAAAEAAAAAAAAAZAAAAGQAAAAAAAAAZAAAAGQAAAAVAAAAYAAAAAAAAAAAAAAADwAAACADAAAAAAAAAAAAAAEAAACgMgAAVgcAAKr4//8BAAAAf39/AAEAAABkAAAAAAAAABQAAABAHwAAAAAAACYAAAAAAAAAwOD//wAAAAAmAAAAZAAAABYAAABMAAAAAAAAAAAAAAAEAAAAAAAAAAEAAACAgIAKAAAAACgAAAAoAAAAZAAAAGQAAAAAAAAAzMzMAAAAAABQAAAAUAAAAGQAAABkAAAAAAAAABcAAAAUAAAAAAAAAAAAAAD/fwAA/38AAAAAAAAJAAAABAAAABBnyv8MAAAAEAAAAAAAAAAAAAAAAAAAAAAAAAAeAAAAaAAAAAAAAAAAAAAAAAAAAAAAAAAAAAAAECcAABAnAAAAAAAAAAAAAAAAAAAAAAAAAAAAAAAAAAAAAAAAAAAAABQAAAAAAAAAwMD/AAAAAABkAAAAMgAAAAAAAABkAAAAAAAAAH9/fwAKAAAAHwAAAFQAAAAAAAAFAAAAAQAAAAAAAAAAAAAAAAAAAAAAAAAAAAAAAAAAAAAAAAAAAAAAAn9/fwAAAAADzMzMAMDA/wB/f38AAAAAAAAAAAAAAAAAAAAAAAAAAAAhAAAAGAAAABQAAACYHAAA2AkAAHA1AACwJQAAAAAAACYAAAAIAAAAAYAAAAAAAAA="/>
               </a:ext>
             </a:extLst>
           </p:cNvSpPr>
@@ -1425,7 +1429,7 @@
             <a:spLocks noGrp="1" noChangeArrowheads="1"/>
             <a:extLst>
               <a:ext uri="smNativeData">
-                <pr:smNativeData xmlns:pr="smNativeData" val="SMDATA_13_lazxXhMAAAAlAAAAZAAAAA8BAAAAkAAAAEgAAACQAAAASAAAAAAAAAABAAAAAAAAAAEAAABQAAAAAAAAAAAA4D8AAAAAAADgPwAAAAAAAOA/AAAAAAAA4D8AAAAAAADgPwAAAAAAAOA/AAAAAAAA4D8AAAAAAADgPwAAAAAAAOA/AAAAAAAA4D8CAAAAjAAAAAAAAAAAAAAAu+DjDP///wgAAAAAAAAAAAAAAAAAAAAAAAAAAAAAAAAAAAAAZAAAAAEAAABAAAAAAAAAAAAAAAAAAAAAAAAAAAAAAAAAAAAAAAAAAAAAAAAAAAAAAAAAAAAAAAAAAAAAAAAAAAAAAAAAAAAAAAAAAAAAAAAAAAAAAAAAAAAAAAAAAAAAFAAAADwAAAAAAAAAAAAAAAAAAAkUAAAAAQAAABQAAAAUAAAAFAAAAAEAAAAAAAAAZAAAAGQAAAAAAAAAZAAAAGQAAAAVAAAAYAAAAAAAAAAAAAAADwAAACADAAAAAAAAAAAAAAEAAACgMgAAVgcAAKr4//8BAAAAf39/AAEAAABkAAAAAAAAABQAAABAHwAAAAAAACYAAAAAAAAAwOD//wAAAAAmAAAAZAAAABYAAABMAAAAAAAAAAAAAAAEAAAAAAAAAAEAAACAgIAKAAAAACgAAAAoAAAAZAAAAGQAAAAAAAAAzMzMAAAAAABQAAAAUAAAAGQAAABkAAAAAAAAABcAAAAUAAAAAAAAAAAAAAD/fwAA/38AAAAAAAAJAAAABAAAABBnyv8MAAAAEAAAAAAAAAAAAAAAAAAAAAAAAAAeAAAAaAAAAAAAAAAAAAAAAAAAAAAAAAAAAAAAECcAABAnAAAAAAAAAAAAAAAAAAAAAAAAAAAAAAAAAAAAAAAAAAAAABQAAAAAAAAAwMD/AAAAAABkAAAAMgAAAAAAAABkAAAAAAAAAH9/fwAKAAAAHwAAAFQAAAAAAAAFAAAAAQAAAAAAAAAAAAAAAAAAAAAAAAAAAAAAAAAAAAAAAAAAAAAAAn9/fwAAAAADzMzMAMDA/wB/f38AAAAAAAAAAAAAAAAAAAAAAAAAAAAhAAAAGAAAABQAAADQAgAAGycAAPAPAABZKQAAAAAAACYAAAAIAAAAAAAAAAAAAAA="/>
+                <pr:smNativeData xmlns:pr="smNativeData" val="SMDATA_13_pLXxXhMAAAAlAAAAZAAAAA8BAAAAkAAAAEgAAACQAAAASAAAAAAAAAABAAAAAAAAAAEAAABQAAAAAAAAAAAA4D8AAAAAAADgPwAAAAAAAOA/AAAAAAAA4D8AAAAAAADgPwAAAAAAAOA/AAAAAAAA4D8AAAAAAADgPwAAAAAAAOA/AAAAAAAA4D8CAAAAjAAAAAAAAAAAAAAAu+DjDP///wgAAAAAAAAAAAAAAAAAAAAAAAAAAAAAAAAAAAAAZAAAAAEAAABAAAAAAAAAAAAAAAAAAAAAAAAAAAAAAAAAAAAAAAAAAAAAAAAAAAAAAAAAAAAAAAAAAAAAAAAAAAAAAAAAAAAAAAAAAAAAAAAAAAAAAAAAAAAAAAAAAAAAFAAAADwAAAAAAAAAAAAAAAAAAAkUAAAAAQAAABQAAAAUAAAAFAAAAAEAAAAAAAAAZAAAAGQAAAAAAAAAZAAAAGQAAAAVAAAAYAAAAAAAAAAAAAAADwAAACADAAAAAAAAAAAAAAEAAACgMgAAVgcAAKr4//8BAAAAf39/AAEAAABkAAAAAAAAABQAAABAHwAAAAAAACYAAAAAAAAAwOD//wAAAAAmAAAAZAAAABYAAABMAAAAAAAAAAAAAAAEAAAAAAAAAAEAAACAgIAKAAAAACgAAAAoAAAAZAAAAGQAAAAAAAAAzMzMAAAAAABQAAAAUAAAAGQAAABkAAAAAAAAABcAAAAUAAAAAAAAAAAAAAD/fwAA/38AAAAAAAAJAAAABAAAABBnyv8MAAAAEAAAAAAAAAAAAAAAAAAAAAAAAAAeAAAAaAAAAAAAAAAAAAAAAAAAAAAAAAAAAAAAECcAABAnAAAAAAAAAAAAAAAAAAAAAAAAAAAAAAAAAAAAAAAAAAAAABQAAAAAAAAAwMD/AAAAAABkAAAAMgAAAAAAAABkAAAAAAAAAH9/fwAKAAAAHwAAAFQAAAAAAAAFAAAAAQAAAAAAAAAAAAAAAAAAAAAAAAAAAAAAAAAAAAAAAAAAAAAAAn9/fwAAAAADzMzMAMDA/wB/f38AAAAAAAAAAAAAAAAAAAAAAAAAAAAhAAAAGAAAABQAAADQAgAAGycAAPAPAABZKQAAAAAAACYAAAAIAAAAAAAAAAAAAAA="/>
               </a:ext>
             </a:extLst>
           </p:cNvSpPr>
@@ -1439,7 +1443,7 @@
           <a:lstStyle/>
           <a:p>
             <a:pPr/>
-            <a:fld id="{3F238215-5BD2-7674-9C9B-AD21CCD56AF8}" type="datetime1">
+            <a:fld id="{3F0FAA5D-13D2-5A5C-9CB7-E509E4F96AB0}" type="datetime1">
               <a:t/>
             </a:fld>
           </a:p>
@@ -1452,7 +1456,7 @@
             <a:spLocks noGrp="1" noChangeArrowheads="1"/>
             <a:extLst>
               <a:ext uri="smNativeData">
-                <pr:smNativeData xmlns:pr="smNativeData" val="SMDATA_13_lazxXhMAAAAlAAAAZAAAAA8BAAAAkAAAAEgAAACQAAAASAAAAAAAAAABAAAAAAAAAAEAAABQAAAAAAAAAAAA4D8AAAAAAADgPwAAAAAAAOA/AAAAAAAA4D8AAAAAAADgPwAAAAAAAOA/AAAAAAAA4D8AAAAAAADgPwAAAAAAAOA/AAAAAAAA4D8CAAAAjAAAAAAAAAAAAAAAu+DjDP///wgAAAAAAAAAAAAAAAAAAAAAAAAAAAAAAAAAAAAAZAAAAAEAAABAAAAAAAAAAAAAAAAAAAAAAAAAAAAAAAAAAAAAAAAAAAAAAAAAAAAAAAAAAAAAAAAAAAAAAAAAAAAAAAAAAAAAAAAAAAAAAAAAAAAAAAAAAAAAAAAAAAAAFAAAADwAAAAAAAAAAAAAAAAAAAkUAAAAAQAAABQAAAAUAAAAFAAAAAEAAAAAAAAAZAAAAGQAAAAAAAAAZAAAAGQAAAAVAAAAYAAAAAAAAAAAAAAADwAAACADAAAAAAAAAAAAAAEAAACgMgAAVgcAAKr4//8BAAAAf39/AAEAAABkAAAAAAAAABQAAABAHwAAAAAAACYAAAAAAAAAwOD//wAAAAAmAAAAZAAAABYAAABMAAAAAAAAAAAAAAAEAAAAAAAAAAEAAACAgIAKAAAAACgAAAAoAAAAZAAAAGQAAAAAAAAAzMzMAAAAAABQAAAAUAAAAGQAAABkAAAAAAAAABcAAAAUAAAAAAAAAAAAAAD/fwAA/38AAAAAAAAJAAAABAAAAAAAAAAMAAAAEAAAAAAAAAAAAAAAAAAAAAAAAAAeAAAAaAAAAAAAAAAAAAAAAAAAAAAAAAAAAAAAECcAABAnAAAAAAAAAAAAAAAAAAAAAAAAAAAAAAAAAAAAAAAAAAAAABQAAAAAAAAAwMD/AAAAAABkAAAAMgAAAAAAAABkAAAAAAAAAH9/fwAKAAAAHwAAAFQAAAAAAAAFAAAAAQAAAAAAAAAAAAAAAAAAAAAAAAAAAAAAAAAAAAAAAAAAAAAAAn9/fwAAAAADzMzMAMDA/wB/f38AAAAAAAAAAAAAAAAAAAAAAAAAAAAhAAAAGAAAABQAAAA4EwAAGycAAAglAABZKQAAAAAAACYAAAAIAAAAAAAAAAAAAAA="/>
+                <pr:smNativeData xmlns:pr="smNativeData" val="SMDATA_13_pLXxXhMAAAAlAAAAZAAAAA8BAAAAkAAAAEgAAACQAAAASAAAAAAAAAABAAAAAAAAAAEAAABQAAAAAAAAAAAA4D8AAAAAAADgPwAAAAAAAOA/AAAAAAAA4D8AAAAAAADgPwAAAAAAAOA/AAAAAAAA4D8AAAAAAADgPwAAAAAAAOA/AAAAAAAA4D8CAAAAjAAAAAAAAAAAAAAAu+DjDP///wgAAAAAAAAAAAAAAAAAAAAAAAAAAAAAAAAAAAAAZAAAAAEAAABAAAAAAAAAAAAAAAAAAAAAAAAAAAAAAAAAAAAAAAAAAAAAAAAAAAAAAAAAAAAAAAAAAAAAAAAAAAAAAAAAAAAAAAAAAAAAAAAAAAAAAAAAAAAAAAAAAAAAFAAAADwAAAAAAAAAAAAAAAAAAAkUAAAAAQAAABQAAAAUAAAAFAAAAAEAAAAAAAAAZAAAAGQAAAAAAAAAZAAAAGQAAAAVAAAAYAAAAAAAAAAAAAAADwAAACADAAAAAAAAAAAAAAEAAACgMgAAVgcAAKr4//8BAAAAf39/AAEAAABkAAAAAAAAABQAAABAHwAAAAAAACYAAAAAAAAAwOD//wAAAAAmAAAAZAAAABYAAABMAAAAAAAAAAAAAAAEAAAAAAAAAAEAAACAgIAKAAAAACgAAAAoAAAAZAAAAGQAAAAAAAAAzMzMAAAAAABQAAAAUAAAAGQAAABkAAAAAAAAABcAAAAUAAAAAAAAAAAAAAD/fwAA/38AAAAAAAAJAAAABAAAAAAAAAAMAAAAEAAAAAAAAAAAAAAAAAAAAAAAAAAeAAAAaAAAAAAAAAAAAAAAAAAAAAAAAAAAAAAAECcAABAnAAAAAAAAAAAAAAAAAAAAAAAAAAAAAAAAAAAAAAAAAAAAABQAAAAAAAAAwMD/AAAAAABkAAAAMgAAAAAAAABkAAAAAAAAAH9/fwAKAAAAHwAAAFQAAAAAAAAFAAAAAQAAAAAAAAAAAAAAAAAAAAAAAAAAAAAAAAAAAAAAAAAAAAAAAn9/fwAAAAADzMzMAMDA/wB/f38AAAAAAAAAAAAAAAAAAAAAAAAAAAAhAAAAGAAAABQAAAA4EwAAGycAAAglAABZKQAAAAAAACYAAAAIAAAAAAAAAAAAAAA="/>
               </a:ext>
             </a:extLst>
           </p:cNvSpPr>
@@ -1479,7 +1483,7 @@
             <a:spLocks noGrp="1" noChangeArrowheads="1"/>
             <a:extLst>
               <a:ext uri="smNativeData">
-                <pr:smNativeData xmlns:pr="smNativeData" val="SMDATA_13_lazxXhMAAAAlAAAAZAAAAA8BAAAAkAAAAEgAAACQAAAASAAAAAAAAAABAAAAAAAAAAEAAABQAAAAAAAAAAAA4D8AAAAAAADgPwAAAAAAAOA/AAAAAAAA4D8AAAAAAADgPwAAAAAAAOA/AAAAAAAA4D8AAAAAAADgPwAAAAAAAOA/AAAAAAAA4D8CAAAAjAAAAAAAAAAAAAAAu+DjDP///wgAAAAAAAAAAAAAAAAAAAAAAAAAAAAAAAAAAAAAZAAAAAEAAABAAAAAAAAAAAAAAAAAAAAAAAAAAAAAAAAAAAAAAAAAAAAAAAAAAAAAAAAAAAAAAAAAAAAAAAAAAAAAAAAAAAAAAAAAAAAAAAAAAAAAAAAAAAAAAAAAAAAAFAAAADwAAAAAAAAAAAAAAAAAAAkUAAAAAQAAABQAAAAUAAAAFAAAAAEAAAAAAAAAZAAAAGQAAAAAAAAAZAAAAGQAAAAVAAAAYAAAAAAAAAAAAAAADwAAACADAAAAAAAAAAAAAAEAAACgMgAAVgcAAKr4//8BAAAAf39/AAEAAABkAAAAAAAAABQAAABAHwAAAAAAACYAAAAAAAAAwOD//wAAAAAmAAAAZAAAABYAAABMAAAAAAAAAAAAAAAEAAAAAAAAAAEAAACAgIAKAAAAACgAAAAoAAAAZAAAAGQAAAAAAAAAzMzMAAAAAABQAAAAUAAAAGQAAABkAAAAAAAAABcAAAAUAAAAAAAAAAAAAAD/fwAA/38AAAAAAAAJAAAABAAAAAAAAAAMAAAAEAAAAAAAAAAAAAAAAAAAAAAAAAAeAAAAaAAAAAAAAAAAAAAAAAAAAAAAAAAAAAAAECcAABAnAAAAAAAAAAAAAAAAAAAAAAAAAAAAAAAAAAAAAAAAAAAAABQAAAAAAAAAwMD/AAAAAABkAAAAMgAAAAAAAABkAAAAAAAAAH9/fwAKAAAAHwAAAFQAAAAAAAAFAAAAAQAAAAAAAAAAAAAAAAAAAAAAAAAAAAAAAAAAAAAAAAAAAAAAAn9/fwAAAAADzMzMAMDA/wB/f38AAAAAAAAAAAAAAAAAAAAAAAAAAAAhAAAAGAAAABQAAABQKAAAGycAAHA1AABZKQAAAAAAACYAAAAIAAAAAAAAAAAAAAA="/>
+                <pr:smNativeData xmlns:pr="smNativeData" val="SMDATA_13_pLXxXhMAAAAlAAAAZAAAAA8BAAAAkAAAAEgAAACQAAAASAAAAAAAAAABAAAAAAAAAAEAAABQAAAAAAAAAAAA4D8AAAAAAADgPwAAAAAAAOA/AAAAAAAA4D8AAAAAAADgPwAAAAAAAOA/AAAAAAAA4D8AAAAAAADgPwAAAAAAAOA/AAAAAAAA4D8CAAAAjAAAAAAAAAAAAAAAu+DjDP///wgAAAAAAAAAAAAAAAAAAAAAAAAAAAAAAAAAAAAAZAAAAAEAAABAAAAAAAAAAAAAAAAAAAAAAAAAAAAAAAAAAAAAAAAAAAAAAAAAAAAAAAAAAAAAAAAAAAAAAAAAAAAAAAAAAAAAAAAAAAAAAAAAAAAAAAAAAAAAAAAAAAAAFAAAADwAAAAAAAAAAAAAAAAAAAkUAAAAAQAAABQAAAAUAAAAFAAAAAEAAAAAAAAAZAAAAGQAAAAAAAAAZAAAAGQAAAAVAAAAYAAAAAAAAAAAAAAADwAAACADAAAAAAAAAAAAAAEAAACgMgAAVgcAAKr4//8BAAAAf39/AAEAAABkAAAAAAAAABQAAABAHwAAAAAAACYAAAAAAAAAwOD//wAAAAAmAAAAZAAAABYAAABMAAAAAAAAAAAAAAAEAAAAAAAAAAEAAACAgIAKAAAAACgAAAAoAAAAZAAAAGQAAAAAAAAAzMzMAAAAAABQAAAAUAAAAGQAAABkAAAAAAAAABcAAAAUAAAAAAAAAAAAAAD/fwAA/38AAAAAAAAJAAAABAAAAAAAAAAMAAAAEAAAAAAAAAAAAAAAAAAAAAAAAAAeAAAAaAAAAAAAAAAAAAAAAAAAAAAAAAAAAAAAECcAABAnAAAAAAAAAAAAAAAAAAAAAAAAAAAAAAAAAAAAAAAAAAAAABQAAAAAAAAAwMD/AAAAAABkAAAAMgAAAAAAAABkAAAAAAAAAH9/fwAKAAAAHwAAAFQAAAAAAAAFAAAAAQAAAAAAAAAAAAAAAAAAAAAAAAAAAAAAAAAAAAAAAAAAAAAAAn9/fwAAAAADzMzMAMDA/wB/f38AAAAAAAAAAAAAAAAAAAAAAAAAAAAhAAAAGAAAABQAAABQKAAAGycAAHA1AABZKQAAAAAAACYAAAAIAAAAAAAAAAAAAAA="/>
               </a:ext>
             </a:extLst>
           </p:cNvSpPr>
@@ -1493,7 +1497,7 @@
           <a:lstStyle/>
           <a:p>
             <a:pPr/>
-            <a:fld id="{3F239E36-78D2-7668-9C9B-8E3DD0D56ADB}" type="slidenum">
+            <a:fld id="{3F0FE8DC-92D2-5A1E-9CB7-644BA6F96A31}" type="slidenum">
               <a:t/>
             </a:fld>
           </a:p>
@@ -1531,7 +1535,7 @@
             <a:spLocks noGrp="1" noChangeArrowheads="1"/>
             <a:extLst>
               <a:ext uri="smNativeData">
-                <pr:smNativeData xmlns:pr="smNativeData" val="SMDATA_13_lazxXhMAAAAlAAAAZAAAAA8BAAAAkAAAAEgAAACQAAAASAAAAAAAAAABAAAAAAAAAAEAAABQAAAAAAAAAAAA4D8AAAAAAADgPwAAAAAAAOA/AAAAAAAA4D8AAAAAAADgPwAAAAAAAOA/AAAAAAAA4D8AAAAAAADgPwAAAAAAAOA/AAAAAAAA4D8CAAAAjAAAAAAAAAAAAAAAu+DjDP///wgAAAAAAAAAAAAAAAAAAAAAAAAAAAAAAAAAAAAAZAAAAAEAAABAAAAAAAAAAAAAAAAAAAAAAAAAAAAAAAAAAAAAAAAAAAAAAAAAAAAAAAAAAAAAAAAAAAAAAAAAAAAAAAAAAAAAAAAAAAAAAAAAAAAAAAAAAAAAAAAAAAAAFAAAADwAAAAAAAAAAAAAAAAAAAkUAAAAAQAAABQAAAAUAAAAFAAAAAEAAAAAAAAAZAAAAGQAAAAAAAAAZAAAAGQAAAAVAAAAYAAAAAAAAAAAAAAADwAAACADAAAAAAAAAAAAAAEAAACgMgAAVgcAAKr4//8BAAAAf39/AAEAAABkAAAAAAAAABQAAABAHwAAAAAAACYAAAAAAAAAwOD//wAAAAAmAAAAZAAAABYAAABMAAAAAAAAAAAAAAAEAAAAAAAAAAEAAACAgIAKAAAAACgAAAAoAAAAZAAAAGQAAAAAAAAAzMzMAAAAAABQAAAAUAAAAGQAAABkAAAAAAAAABcAAAAUAAAAAAAAAAAAAAD/fwAA/38AAAAAAAAJAAAABAAAABBnyv8MAAAAEAAAAAAAAAAAAAAAAAAAAAAAAAAeAAAAaAAAAAAAAAAAAAAAAAAAAAAAAAAAAAAAECcAABAnAAAAAAAAAAAAAAAAAAAAAAAAAAAAAAAAAAAAAAAAAAAAABQAAAAAAAAAwMD/AAAAAABkAAAAMgAAAAAAAABkAAAAAAAAAH9/fwAKAAAAHwAAAFQAAAAAAAAFAAAAAQAAAAAAAAAAAAAAAAAAAAAAAAAAAAAAAAAAAAAAAAAAAAAAAn9/fwAAAAADzMzMAMDA/wB/f38AAAAAAAAAAAAAAAAAAAAAAAAAAAAhAAAAGAAAABQAAADQAgAAsAEAAHA1AAC4CAAAAAAAACYAAAAIAAAAAAAAAAAAAAA="/>
+                <pr:smNativeData xmlns:pr="smNativeData" val="SMDATA_13_pLXxXhMAAAAlAAAAZAAAAA8BAAAAkAAAAEgAAACQAAAASAAAAAAAAAABAAAAAAAAAAEAAABQAAAAAAAAAAAA4D8AAAAAAADgPwAAAAAAAOA/AAAAAAAA4D8AAAAAAADgPwAAAAAAAOA/AAAAAAAA4D8AAAAAAADgPwAAAAAAAOA/AAAAAAAA4D8CAAAAjAAAAAAAAAAAAAAAu+DjDP///wgAAAAAAAAAAAAAAAAAAAAAAAAAAAAAAAAAAAAAZAAAAAEAAABAAAAAAAAAAAAAAAAAAAAAAAAAAAAAAAAAAAAAAAAAAAAAAAAAAAAAAAAAAAAAAAAAAAAAAAAAAAAAAAAAAAAAAAAAAAAAAAAAAAAAAAAAAAAAAAAAAAAAFAAAADwAAAAAAAAAAAAAAAAAAAkUAAAAAQAAABQAAAAUAAAAFAAAAAEAAAAAAAAAZAAAAGQAAAAAAAAAZAAAAGQAAAAVAAAAYAAAAAAAAAAAAAAADwAAACADAAAAAAAAAAAAAAEAAACgMgAAVgcAAKr4//8BAAAAf39/AAEAAABkAAAAAAAAABQAAABAHwAAAAAAACYAAAAAAAAAwOD//wAAAAAmAAAAZAAAABYAAABMAAAAAAAAAAAAAAAEAAAAAAAAAAEAAACAgIAKAAAAACgAAAAoAAAAZAAAAGQAAAAAAAAAzMzMAAAAAABQAAAAUAAAAGQAAABkAAAAAAAAABcAAAAUAAAAAAAAAAAAAAD/fwAA/38AAAAAAAAJAAAABAAAABBnyv8MAAAAEAAAAAAAAAAAAAAAAAAAAAAAAAAeAAAAaAAAAAAAAAAAAAAAAAAAAAAAAAAAAAAAECcAABAnAAAAAAAAAAAAAAAAAAAAAAAAAAAAAAAAAAAAAAAAAAAAABQAAAAAAAAAwMD/AAAAAABkAAAAMgAAAAAAAABkAAAAAAAAAH9/fwAKAAAAHwAAAFQAAAAAAAAFAAAAAQAAAAAAAAAAAAAAAAAAAAAAAAAAAAAAAAAAAAAAAAAAAAAAAn9/fwAAAAADzMzMAMDA/wB/f38AAAAAAAAAAAAAAAAAAAAAAAAAAAAhAAAAGAAAABQAAADQAgAAsAEAAHA1AAC4CAAAAAAAACYAAAAIAAAAAAAAAAAAAAA="/>
               </a:ext>
             </a:extLst>
           </p:cNvSpPr>
@@ -1558,7 +1562,7 @@
             <a:spLocks noGrp="1" noChangeArrowheads="1"/>
             <a:extLst>
               <a:ext uri="smNativeData">
-                <pr:smNativeData xmlns:pr="smNativeData" val="SMDATA_13_lazxXhMAAAAlAAAAZAAAAA8BAAAAkAAAAEgAAACQAAAASAAAAAAAAAACAAAAAAAAAAEAAABQAAAAAAAAAAAA4D8AAAAAAADgPwAAAAAAAOA/AAAAAAAA4D8AAAAAAADgPwAAAAAAAOA/AAAAAAAA4D8AAAAAAADgPwAAAAAAAOA/AAAAAAAA4D8CAAAAjAAAAAAAAAAAAAAAu+DjDP///wgAAAAAAAAAAAAAAAAAAAAAAAAAAAAAAAAAAAAAZAAAAAEAAABAAAAAAAAAAAAAAAAAAAAAAAAAAAAAAAAAAAAAAAAAAAAAAAAAAAAAAAAAAAAAAAAAAAAAAAAAAAAAAAAAAAAAAAAAAAAAAAAAAAAAAAAAAAAAAAAAAAAAFAAAADwAAAAAAAAAAAAAAAAAAAkUAAAAAQAAABQAAAAUAAAAFAAAAAEAAAAAAAAAZAAAAGQAAAAAAAAAZAAAAGQAAAAVAAAAYAAAAAAAAAAAAAAADwAAACADAAAAAAAAAAAAAAEAAACgMgAAVgcAAKr4//8BAAAAf39/AAEAAABkAAAAAAAAABQAAABAHwAAAAAAACYAAAAAAAAAwOD//wAAAAAmAAAAZAAAABYAAABMAAAAAAAAAAAAAAAEAAAAAAAAAAEAAACAgIAKAAAAACgAAAAoAAAAZAAAAGQAAAAAAAAAzMzMAAAAAABQAAAAUAAAAGQAAABkAAAAAAAAABcAAAAUAAAAAAAAAAAAAAD/fwAA/38AAAAAAAAJAAAABAAAAAAAAAAMAAAAEAAAAAAAAAAAAAAAAAAAAAAAAAAeAAAAaAAAAAAAAAAAAAAAAAAAAAAAAAAAAAAAECcAABAnAAAAAAAAAAAAAAAAAAAAAAAAAAAAAAAAAAAAAAAAAAAAABQAAAAAAAAAwMD/AAAAAABkAAAAMgAAAAAAAABkAAAAAAAAAH9/fwAKAAAAHwAAAFQAAAAAAAAFAAAAAQAAAAAAAAAAAAAAAAAAAAAAAAAAAAAAAAAAAAAAAAAAAAAAAn9/fwAAAAADzMzMAMDA/wB/f38AAAAAAAAAAAAAAAAAAAAAAAAAAAAhAAAAGAAAABQAAADQAgAAcQkAAKobAABhDQAAAAAAACYAAAAIAAAAgYAAAAAAAAA="/>
+                <pr:smNativeData xmlns:pr="smNativeData" val="SMDATA_13_pLXxXhMAAAAlAAAAZAAAAA8BAAAAkAAAAEgAAACQAAAASAAAAAAAAAACAAAAAAAAAAEAAABQAAAAAAAAAAAA4D8AAAAAAADgPwAAAAAAAOA/AAAAAAAA4D8AAAAAAADgPwAAAAAAAOA/AAAAAAAA4D8AAAAAAADgPwAAAAAAAOA/AAAAAAAA4D8CAAAAjAAAAAAAAAAAAAAAu+DjDP///wgAAAAAAAAAAAAAAAAAAAAAAAAAAAAAAAAAAAAAZAAAAAEAAABAAAAAAAAAAAAAAAAAAAAAAAAAAAAAAAAAAAAAAAAAAAAAAAAAAAAAAAAAAAAAAAAAAAAAAAAAAAAAAAAAAAAAAAAAAAAAAAAAAAAAAAAAAAAAAAAAAAAAFAAAADwAAAAAAAAAAAAAAAAAAAkUAAAAAQAAABQAAAAUAAAAFAAAAAEAAAAAAAAAZAAAAGQAAAAAAAAAZAAAAGQAAAAVAAAAYAAAAAAAAAAAAAAADwAAACADAAAAAAAAAAAAAAEAAACgMgAAVgcAAKr4//8BAAAAf39/AAEAAABkAAAAAAAAABQAAABAHwAAAAAAACYAAAAAAAAAwOD//wAAAAAmAAAAZAAAABYAAABMAAAAAAAAAAAAAAAEAAAAAAAAAAEAAACAgIAKAAAAACgAAAAoAAAAZAAAAGQAAAAAAAAAzMzMAAAAAABQAAAAUAAAAGQAAABkAAAAAAAAABcAAAAUAAAAAAAAAAAAAAD/fwAA/38AAAAAAAAJAAAABAAAAAAAAAAMAAAAEAAAAAAAAAAAAAAAAAAAAAAAAAAeAAAAaAAAAAAAAAAAAAAAAAAAAAAAAAAAAAAAECcAABAnAAAAAAAAAAAAAAAAAAAAAAAAAAAAAAAAAAAAAAAAAAAAABQAAAAAAAAAwMD/AAAAAABkAAAAMgAAAAAAAABkAAAAAAAAAH9/fwAKAAAAHwAAAFQAAAAAAAAFAAAAAQAAAAAAAAAAAAAAAAAAAAAAAAAAAAAAAAAAAAAAAAAAAAAAAn9/fwAAAAADzMzMAMDA/wB/f38AAAAAAAAAAAAAAAAAAAAAAAAAAAAhAAAAGAAAABQAAADQAgAAcQkAAKobAABhDQAAAAAAACYAAAAIAAAAgYAAAAAAAAA="/>
               </a:ext>
             </a:extLst>
           </p:cNvSpPr>
@@ -1631,7 +1635,7 @@
             <a:spLocks noGrp="1" noChangeArrowheads="1"/>
             <a:extLst>
               <a:ext uri="smNativeData">
-                <pr:smNativeData xmlns:pr="smNativeData" val="SMDATA_13_lazxXhMAAAAlAAAAZAAAAA8BAAAAkAAAAEgAAACQAAAASAAAAAAAAAAAAAAAAAAAAAEAAABQAAAAAAAAAAAA4D8AAAAAAADgPwAAAAAAAOA/AAAAAAAA4D8AAAAAAADgPwAAAAAAAOA/AAAAAAAA4D8AAAAAAADgPwAAAAAAAOA/AAAAAAAA4D8CAAAAjAAAAAAAAAAAAAAAu+DjDP///wgAAAAAAAAAAAAAAAAAAAAAAAAAAAAAAAAAAAAAZAAAAAEAAABAAAAAAAAAAAAAAAAAAAAAAAAAAAAAAAAAAAAAAAAAAAAAAAAAAAAAAAAAAAAAAAAAAAAAAAAAAAAAAAAAAAAAAAAAAAAAAAAAAAAAAAAAAAAAAAAAAAAAFAAAADwAAAAAAAAAAAAAAAAAAAkUAAAAAQAAABQAAAAUAAAAFAAAAAEAAAAAAAAAZAAAAGQAAAAAAAAAZAAAAGQAAAAVAAAAYAAAAAAAAAAAAAAADwAAACADAAAAAAAAAAAAAAEAAACgMgAAVgcAAKr4//8BAAAAf39/AAEAAABkAAAAAAAAABQAAABAHwAAAAAAACYAAAAAAAAAwOD//wAAAAAmAAAAZAAAABYAAABMAAAAAAAAAAAAAAAEAAAAAAAAAAEAAACAgIAKAAAAACgAAAAoAAAAZAAAAGQAAAAAAAAAzMzMAAAAAABQAAAAUAAAAGQAAABkAAAAAAAAABcAAAAUAAAAAAAAAAAAAAD/fwAA/38AAAAAAAAJAAAABAAAAAAAAAAMAAAAEAAAAAAAAAAAAAAAAAAAAAAAAAAeAAAAaAAAAAAAAAAAAAAAAAAAAAAAAAAAAAAAECcAABAnAAAAAAAAAAAAAAAAAAAAAAAAAAAAAAAAAAAAAAAAAAAAABQAAAAAAAAAwMD/AAAAAABkAAAAMgAAAAAAAABkAAAAAAAAAH9/fwAKAAAAHwAAAFQAAAAAAAAFAAAAAQAAAAAAAAAAAAAAAAAAAAAAAAAAAAAAAAAAAAAAAAAAAAAAAn9/fwAAAAADzMzMAMDA/wB/f38AAAAAAAAAAAAAAAAAAAAAAAAAAAAhAAAAGAAAABQAAADQAgAAYQ0AAKobAACwJQAAAAAAACYAAAAIAAAAAYAAAAAAAAA="/>
+                <pr:smNativeData xmlns:pr="smNativeData" val="SMDATA_13_pLXxXhMAAAAlAAAAZAAAAA8BAAAAkAAAAEgAAACQAAAASAAAAAAAAAAAAAAAAAAAAAEAAABQAAAAAAAAAAAA4D8AAAAAAADgPwAAAAAAAOA/AAAAAAAA4D8AAAAAAADgPwAAAAAAAOA/AAAAAAAA4D8AAAAAAADgPwAAAAAAAOA/AAAAAAAA4D8CAAAAjAAAAAAAAAAAAAAAu+DjDP///wgAAAAAAAAAAAAAAAAAAAAAAAAAAAAAAAAAAAAAZAAAAAEAAABAAAAAAAAAAAAAAAAAAAAAAAAAAAAAAAAAAAAAAAAAAAAAAAAAAAAAAAAAAAAAAAAAAAAAAAAAAAAAAAAAAAAAAAAAAAAAAAAAAAAAAAAAAAAAAAAAAAAAFAAAADwAAAAAAAAAAAAAAAAAAAkUAAAAAQAAABQAAAAUAAAAFAAAAAEAAAAAAAAAZAAAAGQAAAAAAAAAZAAAAGQAAAAVAAAAYAAAAAAAAAAAAAAADwAAACADAAAAAAAAAAAAAAEAAACgMgAAVgcAAKr4//8BAAAAf39/AAEAAABkAAAAAAAAABQAAABAHwAAAAAAACYAAAAAAAAAwOD//wAAAAAmAAAAZAAAABYAAABMAAAAAAAAAAAAAAAEAAAAAAAAAAEAAACAgIAKAAAAACgAAAAoAAAAZAAAAGQAAAAAAAAAzMzMAAAAAABQAAAAUAAAAGQAAABkAAAAAAAAABcAAAAUAAAAAAAAAAAAAAD/fwAA/38AAAAAAAAJAAAABAAAAAAAAAAMAAAAEAAAAAAAAAAAAAAAAAAAAAAAAAAeAAAAaAAAAAAAAAAAAAAAAAAAAAAAAAAAAAAAECcAABAnAAAAAAAAAAAAAAAAAAAAAAAAAAAAAAAAAAAAAAAAAAAAABQAAAAAAAAAwMD/AAAAAABkAAAAMgAAAAAAAABkAAAAAAAAAH9/fwAKAAAAHwAAAFQAAAAAAAAFAAAAAQAAAAAAAAAAAAAAAAAAAAAAAAAAAAAAAAAAAAAAAAAAAAAAAn9/fwAAAAADzMzMAMDA/wB/f38AAAAAAAAAAAAAAAAAAAAAAAAAAAAhAAAAGAAAABQAAADQAgAAYQ0AAKobAACwJQAAAAAAACYAAAAIAAAAAYAAAAAAAAA="/>
               </a:ext>
             </a:extLst>
           </p:cNvSpPr>
@@ -1715,7 +1719,7 @@
             <a:spLocks noGrp="1" noChangeArrowheads="1"/>
             <a:extLst>
               <a:ext uri="smNativeData">
-                <pr:smNativeData xmlns:pr="smNativeData" val="SMDATA_13_lazxXhMAAAAlAAAAZAAAAA8BAAAAkAAAAEgAAACQAAAASAAAAAAAAAACAAAAAAAAAAEAAABQAAAAAAAAAAAA4D8AAAAAAADgPwAAAAAAAOA/AAAAAAAA4D8AAAAAAADgPwAAAAAAAOA/AAAAAAAA4D8AAAAAAADgPwAAAAAAAOA/AAAAAAAA4D8CAAAAjAAAAAAAAAAAAAAAu+DjDP///wgAAAAAAAAAAAAAAAAAAAAAAAAAAAAAAAAAAAAAZAAAAAEAAABAAAAAAAAAAAAAAAAAAAAAAAAAAAAAAAAAAAAAAAAAAAAAAAAAAAAAAAAAAAAAAAAAAAAAAAAAAAAAAAAAAAAAAAAAAAAAAAAAAAAAAAAAAAAAAAAAAAAAFAAAADwAAAAAAAAAAAAAAAAAAAkUAAAAAQAAABQAAAAUAAAAFAAAAAEAAAAAAAAAZAAAAGQAAAAAAAAAZAAAAGQAAAAVAAAAYAAAAAAAAAAAAAAADwAAACADAAAAAAAAAAAAAAEAAACgMgAAVgcAAKr4//8BAAAAf39/AAEAAABkAAAAAAAAABQAAABAHwAAAAAAACYAAAAAAAAAwOD//wAAAAAmAAAAZAAAABYAAABMAAAAAAAAAAAAAAAEAAAAAAAAAAEAAACAgIAKAAAAACgAAAAoAAAAZAAAAGQAAAAAAAAAzMzMAAAAAABQAAAAUAAAAGQAAABkAAAAAAAAABcAAAAUAAAAAAAAAAAAAAD/fwAA/38AAAAAAAAJAAAABAAAAAAAAAAMAAAAEAAAAAAAAAAAAAAAAAAAAAAAAAAeAAAAaAAAAAAAAAAAAAAAAAAAAAAAAAAAAAAAECcAABAnAAAAAAAAAAAAAAAAAAAAAAAAAAAAAAAAAAAAAAAAAAAAABQAAAAAAAAAwMD/AAAAAABkAAAAMgAAAAAAAABkAAAAAAAAAH9/fwAKAAAAHwAAAFQAAAAAAAAFAAAAAQAAAAAAAAAAAAAAAAAAAAAAAAAAAAAAAAAAAAAAAAAAAAAAAn9/fwAAAAADzMzMAMDA/wB/f38AAAAAAAAAAAAAAAAAAAAAAAAAAAAhAAAAGAAAABQAAACWHAAAcQkAAHA1AABhDQAAAAAAACYAAAAIAAAAgYAAAAAAAAA="/>
+                <pr:smNativeData xmlns:pr="smNativeData" val="SMDATA_13_pLXxXhMAAAAlAAAAZAAAAA8BAAAAkAAAAEgAAACQAAAASAAAAAAAAAACAAAAAAAAAAEAAABQAAAAAAAAAAAA4D8AAAAAAADgPwAAAAAAAOA/AAAAAAAA4D8AAAAAAADgPwAAAAAAAOA/AAAAAAAA4D8AAAAAAADgPwAAAAAAAOA/AAAAAAAA4D8CAAAAjAAAAAAAAAAAAAAAu+DjDP///wgAAAAAAAAAAAAAAAAAAAAAAAAAAAAAAAAAAAAAZAAAAAEAAABAAAAAAAAAAAAAAAAAAAAAAAAAAAAAAAAAAAAAAAAAAAAAAAAAAAAAAAAAAAAAAAAAAAAAAAAAAAAAAAAAAAAAAAAAAAAAAAAAAAAAAAAAAAAAAAAAAAAAFAAAADwAAAAAAAAAAAAAAAAAAAkUAAAAAQAAABQAAAAUAAAAFAAAAAEAAAAAAAAAZAAAAGQAAAAAAAAAZAAAAGQAAAAVAAAAYAAAAAAAAAAAAAAADwAAACADAAAAAAAAAAAAAAEAAACgMgAAVgcAAKr4//8BAAAAf39/AAEAAABkAAAAAAAAABQAAABAHwAAAAAAACYAAAAAAAAAwOD//wAAAAAmAAAAZAAAABYAAABMAAAAAAAAAAAAAAAEAAAAAAAAAAEAAACAgIAKAAAAACgAAAAoAAAAZAAAAGQAAAAAAAAAzMzMAAAAAABQAAAAUAAAAGQAAABkAAAAAAAAABcAAAAUAAAAAAAAAAAAAAD/fwAA/38AAAAAAAAJAAAABAAAAAAAAAAMAAAAEAAAAAAAAAAAAAAAAAAAAAAAAAAeAAAAaAAAAAAAAAAAAAAAAAAAAAAAAAAAAAAAECcAABAnAAAAAAAAAAAAAAAAAAAAAAAAAAAAAAAAAAAAAAAAAAAAABQAAAAAAAAAwMD/AAAAAABkAAAAMgAAAAAAAABkAAAAAAAAAH9/fwAKAAAAHwAAAFQAAAAAAAAFAAAAAQAAAAAAAAAAAAAAAAAAAAAAAAAAAAAAAAAAAAAAAAAAAAAAAn9/fwAAAAADzMzMAMDA/wB/f38AAAAAAAAAAAAAAAAAAAAAAAAAAAAhAAAAGAAAABQAAACWHAAAcQkAAHA1AABhDQAAAAAAACYAAAAIAAAAgYAAAAAAAAA="/>
               </a:ext>
             </a:extLst>
           </p:cNvSpPr>
@@ -1788,7 +1792,7 @@
             <a:spLocks noGrp="1" noChangeArrowheads="1"/>
             <a:extLst>
               <a:ext uri="smNativeData">
-                <pr:smNativeData xmlns:pr="smNativeData" val="SMDATA_13_lazxXhMAAAAlAAAAZAAAAA8BAAAAkAAAAEgAAACQAAAASAAAAAAAAAAAAAAAAAAAAAEAAABQAAAAAAAAAAAA4D8AAAAAAADgPwAAAAAAAOA/AAAAAAAA4D8AAAAAAADgPwAAAAAAAOA/AAAAAAAA4D8AAAAAAADgPwAAAAAAAOA/AAAAAAAA4D8CAAAAjAAAAAAAAAAAAAAAu+DjDP///wgAAAAAAAAAAAAAAAAAAAAAAAAAAAAAAAAAAAAAZAAAAAEAAABAAAAAAAAAAAAAAAAAAAAAAAAAAAAAAAAAAAAAAAAAAAAAAAAAAAAAAAAAAAAAAAAAAAAAAAAAAAAAAAAAAAAAAAAAAAAAAAAAAAAAAAAAAAAAAAAAAAAAFAAAADwAAAAAAAAAAAAAAAAAAAkUAAAAAQAAABQAAAAUAAAAFAAAAAEAAAAAAAAAZAAAAGQAAAAAAAAAZAAAAGQAAAAVAAAAYAAAAAAAAAAAAAAADwAAACADAAAAAAAAAAAAAAEAAACgMgAAVgcAAKr4//8BAAAAf39/AAEAAABkAAAAAAAAABQAAABAHwAAAAAAACYAAAAAAAAAwOD//wAAAAAmAAAAZAAAABYAAABMAAAAAAAAAAAAAAAEAAAAAAAAAAEAAACAgIAKAAAAACgAAAAoAAAAZAAAAGQAAAAAAAAAzMzMAAAAAABQAAAAUAAAAGQAAABkAAAAAAAAABcAAAAUAAAAAAAAAAAAAAD/fwAA/38AAAAAAAAJAAAABAAAAN0AAAAMAAAAEAAAAAAAAAAAAAAAAAAAAAAAAAAeAAAAaAAAAAAAAAAAAAAAAAAAAAAAAAAAAAAAECcAABAnAAAAAAAAAAAAAAAAAAAAAAAAAAAAAAAAAAAAAAAAAAAAABQAAAAAAAAAwMD/AAAAAABkAAAAMgAAAAAAAABkAAAAAAAAAH9/fwAKAAAAHwAAAFQAAAAAAAAFAAAAAQAAAAAAAAAAAAAAAAAAAAAAAAAAAAAAAAAAAAAAAAAAAAAAAn9/fwAAAAADzMzMAMDA/wB/f38AAAAAAAAAAAAAAAAAAAAAAAAAAAAhAAAAGAAAABQAAACWHAAAYQ0AAHA1AACwJQAAAAAAACYAAAAIAAAAAYAAAAAAAAA="/>
+                <pr:smNativeData xmlns:pr="smNativeData" val="SMDATA_13_pLXxXhMAAAAlAAAAZAAAAA8BAAAAkAAAAEgAAACQAAAASAAAAAAAAAAAAAAAAAAAAAEAAABQAAAAAAAAAAAA4D8AAAAAAADgPwAAAAAAAOA/AAAAAAAA4D8AAAAAAADgPwAAAAAAAOA/AAAAAAAA4D8AAAAAAADgPwAAAAAAAOA/AAAAAAAA4D8CAAAAjAAAAAAAAAAAAAAAu+DjDP///wgAAAAAAAAAAAAAAAAAAAAAAAAAAAAAAAAAAAAAZAAAAAEAAABAAAAAAAAAAAAAAAAAAAAAAAAAAAAAAAAAAAAAAAAAAAAAAAAAAAAAAAAAAAAAAAAAAAAAAAAAAAAAAAAAAAAAAAAAAAAAAAAAAAAAAAAAAAAAAAAAAAAAFAAAADwAAAAAAAAAAAAAAAAAAAkUAAAAAQAAABQAAAAUAAAAFAAAAAEAAAAAAAAAZAAAAGQAAAAAAAAAZAAAAGQAAAAVAAAAYAAAAAAAAAAAAAAADwAAACADAAAAAAAAAAAAAAEAAACgMgAAVgcAAKr4//8BAAAAf39/AAEAAABkAAAAAAAAABQAAABAHwAAAAAAACYAAAAAAAAAwOD//wAAAAAmAAAAZAAAABYAAABMAAAAAAAAAAAAAAAEAAAAAAAAAAEAAACAgIAKAAAAACgAAAAoAAAAZAAAAGQAAAAAAAAAzMzMAAAAAABQAAAAUAAAAGQAAABkAAAAAAAAABcAAAAUAAAAAAAAAAAAAAD/fwAA/38AAAAAAAAJAAAABAAAAN0AAAAMAAAAEAAAAAAAAAAAAAAAAAAAAAAAAAAeAAAAaAAAAAAAAAAAAAAAAAAAAAAAAAAAAAAAECcAABAnAAAAAAAAAAAAAAAAAAAAAAAAAAAAAAAAAAAAAAAAAAAAABQAAAAAAAAAwMD/AAAAAABkAAAAMgAAAAAAAABkAAAAAAAAAH9/fwAKAAAAHwAAAFQAAAAAAAAFAAAAAQAAAAAAAAAAAAAAAAAAAAAAAAAAAAAAAAAAAAAAAAAAAAAAAn9/fwAAAAADzMzMAMDA/wB/f38AAAAAAAAAAAAAAAAAAAAAAAAAAAAhAAAAGAAAABQAAACWHAAAYQ0AAHA1AACwJQAAAAAAACYAAAAIAAAAAYAAAAAAAAA="/>
               </a:ext>
             </a:extLst>
           </p:cNvSpPr>
@@ -1872,7 +1876,7 @@
             <a:spLocks noGrp="1" noChangeArrowheads="1"/>
             <a:extLst>
               <a:ext uri="smNativeData">
-                <pr:smNativeData xmlns:pr="smNativeData" val="SMDATA_13_lazxXhMAAAAlAAAAZAAAAA8BAAAAkAAAAEgAAACQAAAASAAAAAAAAAABAAAAAAAAAAEAAABQAAAAAAAAAAAA4D8AAAAAAADgPwAAAAAAAOA/AAAAAAAA4D8AAAAAAADgPwAAAAAAAOA/AAAAAAAA4D8AAAAAAADgPwAAAAAAAOA/AAAAAAAA4D8CAAAAjAAAAAAAAAAAAAAAu+DjDP///wgAAAAAAAAAAAAAAAAAAAAAAAAAAAAAAAAAAAAAZAAAAAEAAABAAAAAAAAAAAAAAAAAAAAAAAAAAAAAAAAAAAAAAAAAAAAAAAAAAAAAAAAAAAAAAAAAAAAAAAAAAAAAAAAAAAAAAAAAAAAAAAAAAAAAAAAAAAAAAAAAAAAAFAAAADwAAAAAAAAAAAAAAAAAAAkUAAAAAQAAABQAAAAUAAAAFAAAAAEAAAAAAAAAZAAAAGQAAAAAAAAAZAAAAGQAAAAVAAAAYAAAAAAAAAAAAAAADwAAACADAAAAAAAAAAAAAAEAAACgMgAAVgcAAKr4//8BAAAAf39/AAEAAABkAAAAAAAAABQAAABAHwAAAAAAACYAAAAAAAAAwOD//wAAAAAmAAAAZAAAABYAAABMAAAAAAAAAAAAAAAEAAAAAAAAAAEAAACAgIAKAAAAACgAAAAoAAAAZAAAAGQAAAAAAAAAzMzMAAAAAABQAAAAUAAAAGQAAABkAAAAAAAAABcAAAAUAAAAAAAAAAAAAAD/fwAA/38AAAAAAAAJAAAABAAAAAAAAAAMAAAAEAAAAAAAAAAAAAAAAAAAAAAAAAAeAAAAaAAAAAAAAAAAAAAAAAAAAAAAAAAAAAAAECcAABAnAAAAAAAAAAAAAAAAAAAAAAAAAAAAAAAAAAAAAAAAAAAAABQAAAAAAAAAwMD/AAAAAABkAAAAMgAAAAAAAABkAAAAAAAAAH9/fwAKAAAAHwAAAFQAAAAAAAAFAAAAAQAAAAAAAAAAAAAAAAAAAAAAAAAAAAAAAAAAAAAAAAAAAAAAAn9/fwAAAAADzMzMAMDA/wB/f38AAAAAAAAAAAAAAAAAAAAAAAAAAAAhAAAAGAAAABQAAADQAgAAGycAAPAPAABZKQAAAAAAACYAAAAIAAAAAAAAAAAAAAA="/>
+                <pr:smNativeData xmlns:pr="smNativeData" val="SMDATA_13_pLXxXhMAAAAlAAAAZAAAAA8BAAAAkAAAAEgAAACQAAAASAAAAAAAAAABAAAAAAAAAAEAAABQAAAAAAAAAAAA4D8AAAAAAADgPwAAAAAAAOA/AAAAAAAA4D8AAAAAAADgPwAAAAAAAOA/AAAAAAAA4D8AAAAAAADgPwAAAAAAAOA/AAAAAAAA4D8CAAAAjAAAAAAAAAAAAAAAu+DjDP///wgAAAAAAAAAAAAAAAAAAAAAAAAAAAAAAAAAAAAAZAAAAAEAAABAAAAAAAAAAAAAAAAAAAAAAAAAAAAAAAAAAAAAAAAAAAAAAAAAAAAAAAAAAAAAAAAAAAAAAAAAAAAAAAAAAAAAAAAAAAAAAAAAAAAAAAAAAAAAAAAAAAAAFAAAADwAAAAAAAAAAAAAAAAAAAkUAAAAAQAAABQAAAAUAAAAFAAAAAEAAAAAAAAAZAAAAGQAAAAAAAAAZAAAAGQAAAAVAAAAYAAAAAAAAAAAAAAADwAAACADAAAAAAAAAAAAAAEAAACgMgAAVgcAAKr4//8BAAAAf39/AAEAAABkAAAAAAAAABQAAABAHwAAAAAAACYAAAAAAAAAwOD//wAAAAAmAAAAZAAAABYAAABMAAAAAAAAAAAAAAAEAAAAAAAAAAEAAACAgIAKAAAAACgAAAAoAAAAZAAAAGQAAAAAAAAAzMzMAAAAAABQAAAAUAAAAGQAAABkAAAAAAAAABcAAAAUAAAAAAAAAAAAAAD/fwAA/38AAAAAAAAJAAAABAAAAAAAAAAMAAAAEAAAAAAAAAAAAAAAAAAAAAAAAAAeAAAAaAAAAAAAAAAAAAAAAAAAAAAAAAAAAAAAECcAABAnAAAAAAAAAAAAAAAAAAAAAAAAAAAAAAAAAAAAAAAAAAAAABQAAAAAAAAAwMD/AAAAAABkAAAAMgAAAAAAAABkAAAAAAAAAH9/fwAKAAAAHwAAAFQAAAAAAAAFAAAAAQAAAAAAAAAAAAAAAAAAAAAAAAAAAAAAAAAAAAAAAAAAAAAAAn9/fwAAAAADzMzMAMDA/wB/f38AAAAAAAAAAAAAAAAAAAAAAAAAAAAhAAAAGAAAABQAAADQAgAAGycAAPAPAABZKQAAAAAAACYAAAAIAAAAAAAAAAAAAAA="/>
               </a:ext>
             </a:extLst>
           </p:cNvSpPr>
@@ -1886,7 +1890,7 @@
           <a:lstStyle/>
           <a:p>
             <a:pPr/>
-            <a:fld id="{3F23B974-3AD2-764F-9C9B-CC1AF7D56A99}" type="datetime1">
+            <a:fld id="{3F0F9158-16D2-5A67-9CB7-E032DFF96AB5}" type="datetime1">
               <a:t/>
             </a:fld>
           </a:p>
@@ -1899,7 +1903,7 @@
             <a:spLocks noGrp="1" noChangeArrowheads="1"/>
             <a:extLst>
               <a:ext uri="smNativeData">
-                <pr:smNativeData xmlns:pr="smNativeData" val="SMDATA_13_lazxXhMAAAAlAAAAZAAAAA8BAAAAkAAAAEgAAACQAAAASAAAAAAAAAABAAAAAAAAAAEAAABQAAAAAAAAAAAA4D8AAAAAAADgPwAAAAAAAOA/AAAAAAAA4D8AAAAAAADgPwAAAAAAAOA/AAAAAAAA4D8AAAAAAADgPwAAAAAAAOA/AAAAAAAA4D8CAAAAjAAAAAAAAAAAAAAAu+DjDP///wgAAAAAAAAAAAAAAAAAAAAAAAAAAAAAAAAAAAAAZAAAAAEAAABAAAAAAAAAAAAAAAAAAAAAAAAAAAAAAAAAAAAAAAAAAAAAAAAAAAAAAAAAAAAAAAAAAAAAAAAAAAAAAAAAAAAAAAAAAAAAAAAAAAAAAAAAAAAAAAAAAAAAFAAAADwAAAAAAAAAAAAAAAAAAAkUAAAAAQAAABQAAAAUAAAAFAAAAAEAAAAAAAAAZAAAAGQAAAAAAAAAZAAAAGQAAAAVAAAAYAAAAAAAAAAAAAAADwAAACADAAAAAAAAAAAAAAEAAACgMgAAVgcAAKr4//8BAAAAf39/AAEAAABkAAAAAAAAABQAAABAHwAAAAAAACYAAAAAAAAAwOD//wAAAAAmAAAAZAAAABYAAABMAAAAAAAAAAAAAAAEAAAAAAAAAAEAAACAgIAKAAAAACgAAAAoAAAAZAAAAGQAAAAAAAAAzMzMAAAAAABQAAAAUAAAAGQAAABkAAAAAAAAABcAAAAUAAAAAAAAAAAAAAD/fwAA/38AAAAAAAAJAAAABAAAAC4AcgAMAAAAEAAAAAAAAAAAAAAAAAAAAAAAAAAeAAAAaAAAAAAAAAAAAAAAAAAAAAAAAAAAAAAAECcAABAnAAAAAAAAAAAAAAAAAAAAAAAAAAAAAAAAAAAAAAAAAAAAABQAAAAAAAAAwMD/AAAAAABkAAAAMgAAAAAAAABkAAAAAAAAAH9/fwAKAAAAHwAAAFQAAAAAAAAFAAAAAQAAAAAAAAAAAAAAAAAAAAAAAAAAAAAAAAAAAAAAAAAAAAAAAn9/fwAAAAADzMzMAMDA/wB/f38AAAAAAAAAAAAAAAAAAAAAAAAAAAAhAAAAGAAAABQAAAA4EwAAGycAAAglAABZKQAAAAAAACYAAAAIAAAAAAAAAAAAAAA="/>
+                <pr:smNativeData xmlns:pr="smNativeData" val="SMDATA_13_pLXxXhMAAAAlAAAAZAAAAA8BAAAAkAAAAEgAAACQAAAASAAAAAAAAAABAAAAAAAAAAEAAABQAAAAAAAAAAAA4D8AAAAAAADgPwAAAAAAAOA/AAAAAAAA4D8AAAAAAADgPwAAAAAAAOA/AAAAAAAA4D8AAAAAAADgPwAAAAAAAOA/AAAAAAAA4D8CAAAAjAAAAAAAAAAAAAAAu+DjDP///wgAAAAAAAAAAAAAAAAAAAAAAAAAAAAAAAAAAAAAZAAAAAEAAABAAAAAAAAAAAAAAAAAAAAAAAAAAAAAAAAAAAAAAAAAAAAAAAAAAAAAAAAAAAAAAAAAAAAAAAAAAAAAAAAAAAAAAAAAAAAAAAAAAAAAAAAAAAAAAAAAAAAAFAAAADwAAAAAAAAAAAAAAAAAAAkUAAAAAQAAABQAAAAUAAAAFAAAAAEAAAAAAAAAZAAAAGQAAAAAAAAAZAAAAGQAAAAVAAAAYAAAAAAAAAAAAAAADwAAACADAAAAAAAAAAAAAAEAAACgMgAAVgcAAKr4//8BAAAAf39/AAEAAABkAAAAAAAAABQAAABAHwAAAAAAACYAAAAAAAAAwOD//wAAAAAmAAAAZAAAABYAAABMAAAAAAAAAAAAAAAEAAAAAAAAAAEAAACAgIAKAAAAACgAAAAoAAAAZAAAAGQAAAAAAAAAzMzMAAAAAABQAAAAUAAAAGQAAABkAAAAAAAAABcAAAAUAAAAAAAAAAAAAAD/fwAA/38AAAAAAAAJAAAABAAAAC4AcgAMAAAAEAAAAAAAAAAAAAAAAAAAAAAAAAAeAAAAaAAAAAAAAAAAAAAAAAAAAAAAAAAAAAAAECcAABAnAAAAAAAAAAAAAAAAAAAAAAAAAAAAAAAAAAAAAAAAAAAAABQAAAAAAAAAwMD/AAAAAABkAAAAMgAAAAAAAABkAAAAAAAAAH9/fwAKAAAAHwAAAFQAAAAAAAAFAAAAAQAAAAAAAAAAAAAAAAAAAAAAAAAAAAAAAAAAAAAAAAAAAAAAAn9/fwAAAAADzMzMAMDA/wB/f38AAAAAAAAAAAAAAAAAAAAAAAAAAAAhAAAAGAAAABQAAAA4EwAAGycAAAglAABZKQAAAAAAACYAAAAIAAAAAAAAAAAAAAA="/>
               </a:ext>
             </a:extLst>
           </p:cNvSpPr>
@@ -1926,7 +1930,7 @@
             <a:spLocks noGrp="1" noChangeArrowheads="1"/>
             <a:extLst>
               <a:ext uri="smNativeData">
-                <pr:smNativeData xmlns:pr="smNativeData" val="SMDATA_13_lazxXhMAAAAlAAAAZAAAAA8BAAAAkAAAAEgAAACQAAAASAAAAAAAAAABAAAAAAAAAAEAAABQAAAAAAAAAAAA4D8AAAAAAADgPwAAAAAAAOA/AAAAAAAA4D8AAAAAAADgPwAAAAAAAOA/AAAAAAAA4D8AAAAAAADgPwAAAAAAAOA/AAAAAAAA4D8CAAAAjAAAAAAAAAAAAAAAu+DjDP///wgAAAAAAAAAAAAAAAAAAAAAAAAAAAAAAAAAAAAAZAAAAAEAAABAAAAAAAAAAAAAAAAAAAAAAAAAAAAAAAAAAAAAAAAAAAAAAAAAAAAAAAAAAAAAAAAAAAAAAAAAAAAAAAAAAAAAAAAAAAAAAAAAAAAAAAAAAAAAAAAAAAAAFAAAADwAAAAAAAAAAAAAAAAAAAkUAAAAAQAAABQAAAAUAAAAFAAAAAEAAAAAAAAAZAAAAGQAAAAAAAAAZAAAAGQAAAAVAAAAYAAAAAAAAAAAAAAADwAAACADAAAAAAAAAAAAAAEAAACgMgAAVgcAAKr4//8BAAAAf39/AAEAAABkAAAAAAAAABQAAABAHwAAAAAAACYAAAAAAAAAwOD//wAAAAAmAAAAZAAAABYAAABMAAAAAAAAAAAAAAAEAAAAAAAAAAEAAACAgIAKAAAAACgAAAAoAAAAZAAAAGQAAAAAAAAAzMzMAAAAAABQAAAAUAAAAGQAAABkAAAAAAAAABcAAAAUAAAAAAAAAAAAAAD/fwAA/38AAAAAAAAJAAAABAAAAAAAAAAMAAAAEAAAAAAAAAAAAAAAAAAAAAAAAAAeAAAAaAAAAAAAAAAAAAAAAAAAAAAAAAAAAAAAECcAABAnAAAAAAAAAAAAAAAAAAAAAAAAAAAAAAAAAAAAAAAAAAAAABQAAAAAAAAAwMD/AAAAAABkAAAAMgAAAAAAAABkAAAAAAAAAH9/fwAKAAAAHwAAAFQAAAAAAAAFAAAAAQAAAAAAAAAAAAAAAAAAAAAAAAAAAAAAAAAAAAAAAAAAAAAAAn9/fwAAAAADzMzMAMDA/wB/f38AAAAAAAAAAAAAAAAAAAAAAAAAAAAhAAAAGAAAABQAAABQKAAAGycAAHA1AABZKQAAAAAAACYAAAAIAAAAAAAAAAAAAAA="/>
+                <pr:smNativeData xmlns:pr="smNativeData" val="SMDATA_13_pLXxXhMAAAAlAAAAZAAAAA8BAAAAkAAAAEgAAACQAAAASAAAAAAAAAABAAAAAAAAAAEAAABQAAAAAAAAAAAA4D8AAAAAAADgPwAAAAAAAOA/AAAAAAAA4D8AAAAAAADgPwAAAAAAAOA/AAAAAAAA4D8AAAAAAADgPwAAAAAAAOA/AAAAAAAA4D8CAAAAjAAAAAAAAAAAAAAAu+DjDP///wgAAAAAAAAAAAAAAAAAAAAAAAAAAAAAAAAAAAAAZAAAAAEAAABAAAAAAAAAAAAAAAAAAAAAAAAAAAAAAAAAAAAAAAAAAAAAAAAAAAAAAAAAAAAAAAAAAAAAAAAAAAAAAAAAAAAAAAAAAAAAAAAAAAAAAAAAAAAAAAAAAAAAFAAAADwAAAAAAAAAAAAAAAAAAAkUAAAAAQAAABQAAAAUAAAAFAAAAAEAAAAAAAAAZAAAAGQAAAAAAAAAZAAAAGQAAAAVAAAAYAAAAAAAAAAAAAAADwAAACADAAAAAAAAAAAAAAEAAACgMgAAVgcAAKr4//8BAAAAf39/AAEAAABkAAAAAAAAABQAAABAHwAAAAAAACYAAAAAAAAAwOD//wAAAAAmAAAAZAAAABYAAABMAAAAAAAAAAAAAAAEAAAAAAAAAAEAAACAgIAKAAAAACgAAAAoAAAAZAAAAGQAAAAAAAAAzMzMAAAAAABQAAAAUAAAAGQAAABkAAAAAAAAABcAAAAUAAAAAAAAAAAAAAD/fwAA/38AAAAAAAAJAAAABAAAAAAAAAAMAAAAEAAAAAAAAAAAAAAAAAAAAAAAAAAeAAAAaAAAAAAAAAAAAAAAAAAAAAAAAAAAAAAAECcAABAnAAAAAAAAAAAAAAAAAAAAAAAAAAAAAAAAAAAAAAAAAAAAABQAAAAAAAAAwMD/AAAAAABkAAAAMgAAAAAAAABkAAAAAAAAAH9/fwAKAAAAHwAAAFQAAAAAAAAFAAAAAQAAAAAAAAAAAAAAAAAAAAAAAAAAAAAAAAAAAAAAAAAAAAAAAn9/fwAAAAADzMzMAMDA/wB/f38AAAAAAAAAAAAAAAAAAAAAAAAAAAAhAAAAGAAAABQAAABQKAAAGycAAHA1AABZKQAAAAAAACYAAAAIAAAAAAAAAAAAAAA="/>
               </a:ext>
             </a:extLst>
           </p:cNvSpPr>
@@ -1940,7 +1944,7 @@
           <a:lstStyle/>
           <a:p>
             <a:pPr/>
-            <a:fld id="{3F239DEE-A0D2-766B-9C9B-563ED3D56A03}" type="slidenum">
+            <a:fld id="{3F0F9A77-39D2-5A6C-9CB7-CF39D4F96A9A}" type="slidenum">
               <a:t/>
             </a:fld>
           </a:p>
@@ -1978,7 +1982,7 @@
             <a:spLocks noGrp="1" noChangeArrowheads="1"/>
             <a:extLst>
               <a:ext uri="smNativeData">
-                <pr:smNativeData xmlns:pr="smNativeData" val="SMDATA_13_lazxXhMAAAAlAAAAZAAAAA8BAAAAkAAAAEgAAACQAAAASAAAAAAAAAABAAAAAAAAAAEAAABQAAAAAAAAAAAA4D8AAAAAAADgPwAAAAAAAOA/AAAAAAAA4D8AAAAAAADgPwAAAAAAAOA/AAAAAAAA4D8AAAAAAADgPwAAAAAAAOA/AAAAAAAA4D8CAAAAjAAAAAAAAAAAAAAAu+DjDP///wgAAAAAAAAAAAAAAAAAAAAAAAAAAAAAAAAAAAAAZAAAAAEAAABAAAAAAAAAAAAAAAAAAAAAAAAAAAAAAAAAAAAAAAAAAAAAAAAAAAAAAAAAAAAAAAAAAAAAAAAAAAAAAAAAAAAAAAAAAAAAAAAAAAAAAAAAAAAAAAAAAAAAFAAAADwAAAAAAAAAAAAAAAAAAAkUAAAAAQAAABQAAAAUAAAAFAAAAAEAAAAAAAAAZAAAAGQAAAAAAAAAZAAAAGQAAAAVAAAAYAAAAAAAAAAAAAAADwAAACADAAAAAAAAAAAAAAEAAACgMgAAVgcAAKr4//8BAAAAf39/AAEAAABkAAAAAAAAABQAAABAHwAAAAAAACYAAAAAAAAAwOD//wAAAAAmAAAAZAAAABYAAABMAAAAAAAAAAAAAAAEAAAAAAAAAAEAAACAgIAKAAAAACgAAAAoAAAAZAAAAGQAAAAAAAAAzMzMAAAAAABQAAAAUAAAAGQAAABkAAAAAAAAABcAAAAUAAAAAAAAAAAAAAD/fwAA/38AAAAAAAAJAAAABAAAAAAAAAAMAAAAEAAAAAAAAAAAAAAAAAAAAAAAAAAeAAAAaAAAAAAAAAAAAAAAAAAAAAAAAAAAAAAAECcAABAnAAAAAAAAAAAAAAAAAAAAAAAAAAAAAAAAAAAAAAAAAAAAABQAAAAAAAAAwMD/AAAAAABkAAAAMgAAAAAAAABkAAAAAAAAAH9/fwAKAAAAHwAAAFQAAAAAAAAFAAAAAQAAAAAAAAAAAAAAAAAAAAAAAAAAAAAAAAAAAAAAAAAAAAAAAn9/fwAAAAADzMzMAMDA/wB/f38AAAAAAAAAAAAAAAAAAAAAAAAAAAAhAAAAGAAAABQAAADQAgAAsAEAAHA1AAC4CAAAAAAAACYAAAAIAAAAAAAAAAAAAAA="/>
+                <pr:smNativeData xmlns:pr="smNativeData" val="SMDATA_13_pLXxXhMAAAAlAAAAZAAAAA8BAAAAkAAAAEgAAACQAAAASAAAAAAAAAABAAAAAAAAAAEAAABQAAAAAAAAAAAA4D8AAAAAAADgPwAAAAAAAOA/AAAAAAAA4D8AAAAAAADgPwAAAAAAAOA/AAAAAAAA4D8AAAAAAADgPwAAAAAAAOA/AAAAAAAA4D8CAAAAjAAAAAAAAAAAAAAAu+DjDP///wgAAAAAAAAAAAAAAAAAAAAAAAAAAAAAAAAAAAAAZAAAAAEAAABAAAAAAAAAAAAAAAAAAAAAAAAAAAAAAAAAAAAAAAAAAAAAAAAAAAAAAAAAAAAAAAAAAAAAAAAAAAAAAAAAAAAAAAAAAAAAAAAAAAAAAAAAAAAAAAAAAAAAFAAAADwAAAAAAAAAAAAAAAAAAAkUAAAAAQAAABQAAAAUAAAAFAAAAAEAAAAAAAAAZAAAAGQAAAAAAAAAZAAAAGQAAAAVAAAAYAAAAAAAAAAAAAAADwAAACADAAAAAAAAAAAAAAEAAACgMgAAVgcAAKr4//8BAAAAf39/AAEAAABkAAAAAAAAABQAAABAHwAAAAAAACYAAAAAAAAAwOD//wAAAAAmAAAAZAAAABYAAABMAAAAAAAAAAAAAAAEAAAAAAAAAAEAAACAgIAKAAAAACgAAAAoAAAAZAAAAGQAAAAAAAAAzMzMAAAAAABQAAAAUAAAAGQAAABkAAAAAAAAABcAAAAUAAAAAAAAAAAAAAD/fwAA/38AAAAAAAAJAAAABAAAAAAAAAAMAAAAEAAAAAAAAAAAAAAAAAAAAAAAAAAeAAAAaAAAAAAAAAAAAAAAAAAAAAAAAAAAAAAAECcAABAnAAAAAAAAAAAAAAAAAAAAAAAAAAAAAAAAAAAAAAAAAAAAABQAAAAAAAAAwMD/AAAAAABkAAAAMgAAAAAAAABkAAAAAAAAAH9/fwAKAAAAHwAAAFQAAAAAAAAFAAAAAQAAAAAAAAAAAAAAAAAAAAAAAAAAAAAAAAAAAAAAAAAAAAAAAn9/fwAAAAADzMzMAMDA/wB/f38AAAAAAAAAAAAAAAAAAAAAAAAAAAAhAAAAGAAAABQAAADQAgAAsAEAAHA1AAC4CAAAAAAAACYAAAAIAAAAAAAAAAAAAAA="/>
               </a:ext>
             </a:extLst>
           </p:cNvSpPr>
@@ -2005,7 +2009,7 @@
             <a:spLocks noGrp="1" noChangeArrowheads="1"/>
             <a:extLst>
               <a:ext uri="smNativeData">
-                <pr:smNativeData xmlns:pr="smNativeData" val="SMDATA_13_lazxXhMAAAAlAAAAZAAAAA8BAAAAkAAAAEgAAACQAAAASAAAAAAAAAABAAAAAAAAAAEAAABQAAAAAAAAAAAA4D8AAAAAAADgPwAAAAAAAOA/AAAAAAAA4D8AAAAAAADgPwAAAAAAAOA/AAAAAAAA4D8AAAAAAADgPwAAAAAAAOA/AAAAAAAA4D8CAAAAjAAAAAAAAAAAAAAAu+DjDP///wgAAAAAAAAAAAAAAAAAAAAAAAAAAAAAAAAAAAAAZAAAAAEAAABAAAAAAAAAAAAAAAAAAAAAAAAAAAAAAAAAAAAAAAAAAAAAAAAAAAAAAAAAAAAAAAAAAAAAAAAAAAAAAAAAAAAAAAAAAAAAAAAAAAAAAAAAAAAAAAAAAAAAFAAAADwAAAAAAAAAAAAAAAAAAAkUAAAAAQAAABQAAAAUAAAAFAAAAAEAAAAAAAAAZAAAAGQAAAAAAAAAZAAAAGQAAAAVAAAAYAAAAAAAAAAAAAAADwAAACADAAAAAAAAAAAAAAEAAACgMgAAVgcAAKr4//8BAAAAf39/AAEAAABkAAAAAAAAABQAAABAHwAAAAAAACYAAAAAAAAAwOD//wAAAAAmAAAAZAAAABYAAABMAAAAAAAAAAAAAAAEAAAAAAAAAAEAAACAgIAKAAAAACgAAAAoAAAAZAAAAGQAAAAAAAAAzMzMAAAAAABQAAAAUAAAAGQAAABkAAAAAAAAABcAAAAUAAAAAAAAAAAAAAD/fwAA/38AAAAAAAAJAAAABAAAAAAAAAAMAAAAEAAAAAAAAAAAAAAAAAAAAAAAAAAeAAAAaAAAAAAAAAAAAAAAAAAAAAAAAAAAAAAAECcAABAnAAAAAAAAAAAAAAAAAAAAAAAAAAAAAAAAAAAAAAAAAAAAABQAAAAAAAAAwMD/AAAAAABkAAAAMgAAAAAAAABkAAAAAAAAAH9/fwAKAAAAHwAAAFQAAAAAAAAFAAAAAQAAAAAAAAAAAAAAAAAAAAAAAAAAAAAAAAAAAAAAAAAAAAAAAn9/fwAAAAADzMzMAMDA/wB/f38AAAAAAAAAAAAAAAAAAAAAAAAAAAAhAAAAGAAAABQAAADQAgAAGycAAPAPAABZKQAAAAAAACYAAAAIAAAAAAAAAAAAAAA="/>
+                <pr:smNativeData xmlns:pr="smNativeData" val="SMDATA_13_pLXxXhMAAAAlAAAAZAAAAA8BAAAAkAAAAEgAAACQAAAASAAAAAAAAAABAAAAAAAAAAEAAABQAAAAAAAAAAAA4D8AAAAAAADgPwAAAAAAAOA/AAAAAAAA4D8AAAAAAADgPwAAAAAAAOA/AAAAAAAA4D8AAAAAAADgPwAAAAAAAOA/AAAAAAAA4D8CAAAAjAAAAAAAAAAAAAAAu+DjDP///wgAAAAAAAAAAAAAAAAAAAAAAAAAAAAAAAAAAAAAZAAAAAEAAABAAAAAAAAAAAAAAAAAAAAAAAAAAAAAAAAAAAAAAAAAAAAAAAAAAAAAAAAAAAAAAAAAAAAAAAAAAAAAAAAAAAAAAAAAAAAAAAAAAAAAAAAAAAAAAAAAAAAAFAAAADwAAAAAAAAAAAAAAAAAAAkUAAAAAQAAABQAAAAUAAAAFAAAAAEAAAAAAAAAZAAAAGQAAAAAAAAAZAAAAGQAAAAVAAAAYAAAAAAAAAAAAAAADwAAACADAAAAAAAAAAAAAAEAAACgMgAAVgcAAKr4//8BAAAAf39/AAEAAABkAAAAAAAAABQAAABAHwAAAAAAACYAAAAAAAAAwOD//wAAAAAmAAAAZAAAABYAAABMAAAAAAAAAAAAAAAEAAAAAAAAAAEAAACAgIAKAAAAACgAAAAoAAAAZAAAAGQAAAAAAAAAzMzMAAAAAABQAAAAUAAAAGQAAABkAAAAAAAAABcAAAAUAAAAAAAAAAAAAAD/fwAA/38AAAAAAAAJAAAABAAAAAAAAAAMAAAAEAAAAAAAAAAAAAAAAAAAAAAAAAAeAAAAaAAAAAAAAAAAAAAAAAAAAAAAAAAAAAAAECcAABAnAAAAAAAAAAAAAAAAAAAAAAAAAAAAAAAAAAAAAAAAAAAAABQAAAAAAAAAwMD/AAAAAABkAAAAMgAAAAAAAABkAAAAAAAAAH9/fwAKAAAAHwAAAFQAAAAAAAAFAAAAAQAAAAAAAAAAAAAAAAAAAAAAAAAAAAAAAAAAAAAAAAAAAAAAAn9/fwAAAAADzMzMAMDA/wB/f38AAAAAAAAAAAAAAAAAAAAAAAAAAAAhAAAAGAAAABQAAADQAgAAGycAAPAPAABZKQAAAAAAACYAAAAIAAAAAAAAAAAAAAA="/>
               </a:ext>
             </a:extLst>
           </p:cNvSpPr>
@@ -2019,7 +2023,7 @@
           <a:lstStyle/>
           <a:p>
             <a:pPr/>
-            <a:fld id="{3F23B97A-34D2-764F-9C9B-C21AF7D56A97}" type="datetime1">
+            <a:fld id="{3F0FCD40-0ED2-5A3B-9CB7-F86E83F96AAD}" type="datetime1">
               <a:t/>
             </a:fld>
           </a:p>
@@ -2032,7 +2036,7 @@
             <a:spLocks noGrp="1" noChangeArrowheads="1"/>
             <a:extLst>
               <a:ext uri="smNativeData">
-                <pr:smNativeData xmlns:pr="smNativeData" val="SMDATA_13_lazxXhMAAAAlAAAAZAAAAA8BAAAAkAAAAEgAAACQAAAASAAAAAAAAAABAAAAAAAAAAEAAABQAAAAAAAAAAAA4D8AAAAAAADgPwAAAAAAAOA/AAAAAAAA4D8AAAAAAADgPwAAAAAAAOA/AAAAAAAA4D8AAAAAAADgPwAAAAAAAOA/AAAAAAAA4D8CAAAAjAAAAAAAAAAAAAAAu+DjDP///wgAAAAAAAAAAAAAAAAAAAAAAAAAAAAAAAAAAAAAZAAAAAEAAABAAAAAAAAAAAAAAAAAAAAAAAAAAAAAAAAAAAAAAAAAAAAAAAAAAAAAAAAAAAAAAAAAAAAAAAAAAAAAAAAAAAAAAAAAAAAAAAAAAAAAAAAAAAAAAAAAAAAAFAAAADwAAAAAAAAAAAAAAAAAAAkUAAAAAQAAABQAAAAUAAAAFAAAAAEAAAAAAAAAZAAAAGQAAAAAAAAAZAAAAGQAAAAVAAAAYAAAAAAAAAAAAAAADwAAACADAAAAAAAAAAAAAAEAAACgMgAAVgcAAKr4//8BAAAAf39/AAEAAABkAAAAAAAAABQAAABAHwAAAAAAACYAAAAAAAAAwOD//wAAAAAmAAAAZAAAABYAAABMAAAAAAAAAAAAAAAEAAAAAAAAAAEAAACAgIAKAAAAACgAAAAoAAAAZAAAAGQAAAAAAAAAzMzMAAAAAABQAAAAUAAAAGQAAABkAAAAAAAAABcAAAAUAAAAAAAAAAAAAAD/fwAA/38AAAAAAAAJAAAABAAAAAAAAAAMAAAAEAAAAAAAAAAAAAAAAAAAAAAAAAAeAAAAaAAAAAAAAAAAAAAAAAAAAAAAAAAAAAAAECcAABAnAAAAAAAAAAAAAAAAAAAAAAAAAAAAAAAAAAAAAAAAAAAAABQAAAAAAAAAwMD/AAAAAABkAAAAMgAAAAAAAABkAAAAAAAAAH9/fwAKAAAAHwAAAFQAAAAAAAAFAAAAAQAAAAAAAAAAAAAAAAAAAAAAAAAAAAAAAAAAAAAAAAAAAAAAAn9/fwAAAAADzMzMAMDA/wB/f38AAAAAAAAAAAAAAAAAAAAAAAAAAAAhAAAAGAAAABQAAAA4EwAAGycAAAglAABZKQAAAAAAACYAAAAIAAAAAAAAAAAAAAA="/>
+                <pr:smNativeData xmlns:pr="smNativeData" val="SMDATA_13_pLXxXhMAAAAlAAAAZAAAAA8BAAAAkAAAAEgAAACQAAAASAAAAAAAAAABAAAAAAAAAAEAAABQAAAAAAAAAAAA4D8AAAAAAADgPwAAAAAAAOA/AAAAAAAA4D8AAAAAAADgPwAAAAAAAOA/AAAAAAAA4D8AAAAAAADgPwAAAAAAAOA/AAAAAAAA4D8CAAAAjAAAAAAAAAAAAAAAu+DjDP///wgAAAAAAAAAAAAAAAAAAAAAAAAAAAAAAAAAAAAAZAAAAAEAAABAAAAAAAAAAAAAAAAAAAAAAAAAAAAAAAAAAAAAAAAAAAAAAAAAAAAAAAAAAAAAAAAAAAAAAAAAAAAAAAAAAAAAAAAAAAAAAAAAAAAAAAAAAAAAAAAAAAAAFAAAADwAAAAAAAAAAAAAAAAAAAkUAAAAAQAAABQAAAAUAAAAFAAAAAEAAAAAAAAAZAAAAGQAAAAAAAAAZAAAAGQAAAAVAAAAYAAAAAAAAAAAAAAADwAAACADAAAAAAAAAAAAAAEAAACgMgAAVgcAAKr4//8BAAAAf39/AAEAAABkAAAAAAAAABQAAABAHwAAAAAAACYAAAAAAAAAwOD//wAAAAAmAAAAZAAAABYAAABMAAAAAAAAAAAAAAAEAAAAAAAAAAEAAACAgIAKAAAAACgAAAAoAAAAZAAAAGQAAAAAAAAAzMzMAAAAAABQAAAAUAAAAGQAAABkAAAAAAAAABcAAAAUAAAAAAAAAAAAAAD/fwAA/38AAAAAAAAJAAAABAAAAAAAAAAMAAAAEAAAAAAAAAAAAAAAAAAAAAAAAAAeAAAAaAAAAAAAAAAAAAAAAAAAAAAAAAAAAAAAECcAABAnAAAAAAAAAAAAAAAAAAAAAAAAAAAAAAAAAAAAAAAAAAAAABQAAAAAAAAAwMD/AAAAAABkAAAAMgAAAAAAAABkAAAAAAAAAH9/fwAKAAAAHwAAAFQAAAAAAAAFAAAAAQAAAAAAAAAAAAAAAAAAAAAAAAAAAAAAAAAAAAAAAAAAAAAAAn9/fwAAAAADzMzMAMDA/wB/f38AAAAAAAAAAAAAAAAAAAAAAAAAAAAhAAAAGAAAABQAAAA4EwAAGycAAAglAABZKQAAAAAAACYAAAAIAAAAAAAAAAAAAAA="/>
               </a:ext>
             </a:extLst>
           </p:cNvSpPr>
@@ -2059,7 +2063,7 @@
             <a:spLocks noGrp="1" noChangeArrowheads="1"/>
             <a:extLst>
               <a:ext uri="smNativeData">
-                <pr:smNativeData xmlns:pr="smNativeData" val="SMDATA_13_lazxXhMAAAAlAAAAZAAAAA8BAAAAkAAAAEgAAACQAAAASAAAAAAAAAABAAAAAAAAAAEAAABQAAAAAAAAAAAA4D8AAAAAAADgPwAAAAAAAOA/AAAAAAAA4D8AAAAAAADgPwAAAAAAAOA/AAAAAAAA4D8AAAAAAADgPwAAAAAAAOA/AAAAAAAA4D8CAAAAjAAAAAAAAAAAAAAAu+DjDP///wgAAAAAAAAAAAAAAAAAAAAAAAAAAAAAAAAAAAAAZAAAAAEAAABAAAAAAAAAAAAAAAAAAAAAAAAAAAAAAAAAAAAAAAAAAAAAAAAAAAAAAAAAAAAAAAAAAAAAAAAAAAAAAAAAAAAAAAAAAAAAAAAAAAAAAAAAAAAAAAAAAAAAFAAAADwAAAAAAAAAAAAAAAAAAAkUAAAAAQAAABQAAAAUAAAAFAAAAAEAAAAAAAAAZAAAAGQAAAAAAAAAZAAAAGQAAAAVAAAAYAAAAAAAAAAAAAAADwAAACADAAAAAAAAAAAAAAEAAACgMgAAVgcAAKr4//8BAAAAf39/AAEAAABkAAAAAAAAABQAAABAHwAAAAAAACYAAAAAAAAAwOD//wAAAAAmAAAAZAAAABYAAABMAAAAAAAAAAAAAAAEAAAAAAAAAAEAAACAgIAKAAAAACgAAAAoAAAAZAAAAGQAAAAAAAAAzMzMAAAAAABQAAAAUAAAAGQAAABkAAAAAAAAABcAAAAUAAAAAAAAAAAAAAD/fwAA/38AAAAAAAAJAAAABAAAAAAAAAAMAAAAEAAAAAAAAAAAAAAAAAAAAAAAAAAeAAAAaAAAAAAAAAAAAAAAAAAAAAAAAAAAAAAAECcAABAnAAAAAAAAAAAAAAAAAAAAAAAAAAAAAAAAAAAAAAAAAAAAABQAAAAAAAAAwMD/AAAAAABkAAAAMgAAAAAAAABkAAAAAAAAAH9/fwAKAAAAHwAAAFQAAAAAAAAFAAAAAQAAAAAAAAAAAAAAAAAAAAAAAAAAAAAAAAAAAAAAAAAAAAAAAn9/fwAAAAADzMzMAMDA/wB/f38AAAAAAAAAAAAAAAAAAAAAAAAAAAAhAAAAGAAAABQAAABQKAAAGycAAHA1AABZKQAAAAAAACYAAAAIAAAAAAAAAAAAAAA="/>
+                <pr:smNativeData xmlns:pr="smNativeData" val="SMDATA_13_pLXxXhMAAAAlAAAAZAAAAA8BAAAAkAAAAEgAAACQAAAASAAAAAAAAAABAAAAAAAAAAEAAABQAAAAAAAAAAAA4D8AAAAAAADgPwAAAAAAAOA/AAAAAAAA4D8AAAAAAADgPwAAAAAAAOA/AAAAAAAA4D8AAAAAAADgPwAAAAAAAOA/AAAAAAAA4D8CAAAAjAAAAAAAAAAAAAAAu+DjDP///wgAAAAAAAAAAAAAAAAAAAAAAAAAAAAAAAAAAAAAZAAAAAEAAABAAAAAAAAAAAAAAAAAAAAAAAAAAAAAAAAAAAAAAAAAAAAAAAAAAAAAAAAAAAAAAAAAAAAAAAAAAAAAAAAAAAAAAAAAAAAAAAAAAAAAAAAAAAAAAAAAAAAAFAAAADwAAAAAAAAAAAAAAAAAAAkUAAAAAQAAABQAAAAUAAAAFAAAAAEAAAAAAAAAZAAAAGQAAAAAAAAAZAAAAGQAAAAVAAAAYAAAAAAAAAAAAAAADwAAACADAAAAAAAAAAAAAAEAAACgMgAAVgcAAKr4//8BAAAAf39/AAEAAABkAAAAAAAAABQAAABAHwAAAAAAACYAAAAAAAAAwOD//wAAAAAmAAAAZAAAABYAAABMAAAAAAAAAAAAAAAEAAAAAAAAAAEAAACAgIAKAAAAACgAAAAoAAAAZAAAAGQAAAAAAAAAzMzMAAAAAABQAAAAUAAAAGQAAABkAAAAAAAAABcAAAAUAAAAAAAAAAAAAAD/fwAA/38AAAAAAAAJAAAABAAAAAAAAAAMAAAAEAAAAAAAAAAAAAAAAAAAAAAAAAAeAAAAaAAAAAAAAAAAAAAAAAAAAAAAAAAAAAAAECcAABAnAAAAAAAAAAAAAAAAAAAAAAAAAAAAAAAAAAAAAAAAAAAAABQAAAAAAAAAwMD/AAAAAABkAAAAMgAAAAAAAABkAAAAAAAAAH9/fwAKAAAAHwAAAFQAAAAAAAAFAAAAAQAAAAAAAAAAAAAAAAAAAAAAAAAAAAAAAAAAAAAAAAAAAAAAAn9/fwAAAAADzMzMAMDA/wB/f38AAAAAAAAAAAAAAAAAAAAAAAAAAAAhAAAAGAAAABQAAABQKAAAGycAAHA1AABZKQAAAAAAACYAAAAIAAAAAAAAAAAAAAA="/>
               </a:ext>
             </a:extLst>
           </p:cNvSpPr>
@@ -2073,7 +2077,7 @@
           <a:lstStyle/>
           <a:p>
             <a:pPr/>
-            <a:fld id="{3F238C48-06D2-767A-9C9B-F02FC2D56AA5}" type="slidenum">
+            <a:fld id="{3F0FAAF8-B6D2-5A5C-9CB7-4009E4F96A15}" type="slidenum">
               <a:t/>
             </a:fld>
           </a:p>
@@ -2111,7 +2115,7 @@
             <a:spLocks noGrp="1" noChangeArrowheads="1"/>
             <a:extLst>
               <a:ext uri="smNativeData">
-                <pr:smNativeData xmlns:pr="smNativeData" val="SMDATA_13_lazxXhMAAAAlAAAAZAAAAA8BAAAAkAAAAEgAAACQAAAASAAAAAAAAAABAAAAAAAAAAEAAABQAAAAAAAAAAAA4D8AAAAAAADgPwAAAAAAAOA/AAAAAAAA4D8AAAAAAADgPwAAAAAAAOA/AAAAAAAA4D8AAAAAAADgPwAAAAAAAOA/AAAAAAAA4D8CAAAAjAAAAAAAAAAAAAAAu+DjDP///wgAAAAAAAAAAAAAAAAAAAAAAAAAAAAAAAAAAAAAZAAAAAEAAABAAAAAAAAAAAAAAAAAAAAAAAAAAAAAAAAAAAAAAAAAAAAAAAAAAAAAAAAAAAAAAAAAAAAAAAAAAAAAAAAAAAAAAAAAAAAAAAAAAAAAAAAAAAAAAAAAAAAAFAAAADwAAAAAAAAAAAAAAAAAAAkUAAAAAQAAABQAAAAUAAAAFAAAAAEAAAAAAAAAZAAAAGQAAAAAAAAAZAAAAGQAAAAVAAAAYAAAAAAAAAAAAAAADwAAACADAAAAAAAAAAAAAAEAAACgMgAAVgcAAKr4//8BAAAAf39/AAEAAABkAAAAAAAAABQAAABAHwAAAAAAACYAAAAAAAAAwOD//wAAAAAmAAAAZAAAABYAAABMAAAAAAAAAAAAAAAEAAAAAAAAAAEAAACAgIAKAAAAACgAAAAoAAAAZAAAAGQAAAAAAAAAzMzMAAAAAABQAAAAUAAAAGQAAABkAAAAAAAAABcAAAAUAAAAAAAAAAAAAAD/fwAA/38AAAAAAAAJAAAABAAAAAAAAAAMAAAAEAAAAAAAAAAAAAAAAAAAAAAAAAAeAAAAaAAAAAAAAAAAAAAAAAAAAAAAAAAAAAAAECcAABAnAAAAAAAAAAAAAAAAAAAAAAAAAAAAAAAAAAAAAAAAAAAAABQAAAAAAAAAwMD/AAAAAABkAAAAMgAAAAAAAABkAAAAAAAAAH9/fwAKAAAAHwAAAFQAAAAAAAAFAAAAAQAAAAAAAAAAAAAAAAAAAAAAAAAAAAAAAAAAAAAAAAAAAAAAAn9/fwAAAAADzMzMAMDA/wB/f38AAAAAAAAAAAAAAAAAAAAAAAAAAAAhAAAAGAAAABQAAADQAgAAGycAAPAPAABZKQAAAAAAACYAAAAIAAAAAAAAAAAAAAA="/>
+                <pr:smNativeData xmlns:pr="smNativeData" val="SMDATA_13_pLXxXhMAAAAlAAAAZAAAAA8BAAAAkAAAAEgAAACQAAAASAAAAAAAAAABAAAAAAAAAAEAAABQAAAAAAAAAAAA4D8AAAAAAADgPwAAAAAAAOA/AAAAAAAA4D8AAAAAAADgPwAAAAAAAOA/AAAAAAAA4D8AAAAAAADgPwAAAAAAAOA/AAAAAAAA4D8CAAAAjAAAAAAAAAAAAAAAu+DjDP///wgAAAAAAAAAAAAAAAAAAAAAAAAAAAAAAAAAAAAAZAAAAAEAAABAAAAAAAAAAAAAAAAAAAAAAAAAAAAAAAAAAAAAAAAAAAAAAAAAAAAAAAAAAAAAAAAAAAAAAAAAAAAAAAAAAAAAAAAAAAAAAAAAAAAAAAAAAAAAAAAAAAAAFAAAADwAAAAAAAAAAAAAAAAAAAkUAAAAAQAAABQAAAAUAAAAFAAAAAEAAAAAAAAAZAAAAGQAAAAAAAAAZAAAAGQAAAAVAAAAYAAAAAAAAAAAAAAADwAAACADAAAAAAAAAAAAAAEAAACgMgAAVgcAAKr4//8BAAAAf39/AAEAAABkAAAAAAAAABQAAABAHwAAAAAAACYAAAAAAAAAwOD//wAAAAAmAAAAZAAAABYAAABMAAAAAAAAAAAAAAAEAAAAAAAAAAEAAACAgIAKAAAAACgAAAAoAAAAZAAAAGQAAAAAAAAAzMzMAAAAAABQAAAAUAAAAGQAAABkAAAAAAAAABcAAAAUAAAAAAAAAAAAAAD/fwAA/38AAAAAAAAJAAAABAAAAAAAAAAMAAAAEAAAAAAAAAAAAAAAAAAAAAAAAAAeAAAAaAAAAAAAAAAAAAAAAAAAAAAAAAAAAAAAECcAABAnAAAAAAAAAAAAAAAAAAAAAAAAAAAAAAAAAAAAAAAAAAAAABQAAAAAAAAAwMD/AAAAAABkAAAAMgAAAAAAAABkAAAAAAAAAH9/fwAKAAAAHwAAAFQAAAAAAAAFAAAAAQAAAAAAAAAAAAAAAAAAAAAAAAAAAAAAAAAAAAAAAAAAAAAAAn9/fwAAAAADzMzMAMDA/wB/f38AAAAAAAAAAAAAAAAAAAAAAAAAAAAhAAAAGAAAABQAAADQAgAAGycAAPAPAABZKQAAAAAAACYAAAAIAAAAAAAAAAAAAAA="/>
               </a:ext>
             </a:extLst>
           </p:cNvSpPr>
@@ -2125,7 +2129,7 @@
           <a:lstStyle/>
           <a:p>
             <a:pPr/>
-            <a:fld id="{3F23CE60-2ED2-7638-9C9B-D86D80D56A8D}" type="datetime1">
+            <a:fld id="{3F0FC9A8-E6D2-5A3F-9CB7-106A87F96A45}" type="datetime1">
               <a:t/>
             </a:fld>
           </a:p>
@@ -2138,7 +2142,7 @@
             <a:spLocks noGrp="1" noChangeArrowheads="1"/>
             <a:extLst>
               <a:ext uri="smNativeData">
-                <pr:smNativeData xmlns:pr="smNativeData" val="SMDATA_13_lazxXhMAAAAlAAAAZAAAAA8BAAAAkAAAAEgAAACQAAAASAAAAAAAAAABAAAAAAAAAAEAAABQAAAAAAAAAAAA4D8AAAAAAADgPwAAAAAAAOA/AAAAAAAA4D8AAAAAAADgPwAAAAAAAOA/AAAAAAAA4D8AAAAAAADgPwAAAAAAAOA/AAAAAAAA4D8CAAAAjAAAAAAAAAAAAAAAu+DjDP///wgAAAAAAAAAAAAAAAAAAAAAAAAAAAAAAAAAAAAAZAAAAAEAAABAAAAAAAAAAAAAAAAAAAAAAAAAAAAAAAAAAAAAAAAAAAAAAAAAAAAAAAAAAAAAAAAAAAAAAAAAAAAAAAAAAAAAAAAAAAAAAAAAAAAAAAAAAAAAAAAAAAAAFAAAADwAAAAAAAAAAAAAAAAAAAkUAAAAAQAAABQAAAAUAAAAFAAAAAEAAAAAAAAAZAAAAGQAAAAAAAAAZAAAAGQAAAAVAAAAYAAAAAAAAAAAAAAADwAAACADAAAAAAAAAAAAAAEAAACgMgAAVgcAAKr4//8BAAAAf39/AAEAAABkAAAAAAAAABQAAABAHwAAAAAAACYAAAAAAAAAwOD//wAAAAAmAAAAZAAAABYAAABMAAAAAAAAAAAAAAAEAAAAAAAAAAEAAACAgIAKAAAAACgAAAAoAAAAZAAAAGQAAAAAAAAAzMzMAAAAAABQAAAAUAAAAGQAAABkAAAAAAAAABcAAAAUAAAAAAAAAAAAAAD/fwAA/38AAAAAAAAJAAAABAAAAAEAAAAMAAAAEAAAAAAAAAAAAAAAAAAAAAAAAAAeAAAAaAAAAAAAAAAAAAAAAAAAAAAAAAAAAAAAECcAABAnAAAAAAAAAAAAAAAAAAAAAAAAAAAAAAAAAAAAAAAAAAAAABQAAAAAAAAAwMD/AAAAAABkAAAAMgAAAAAAAABkAAAAAAAAAH9/fwAKAAAAHwAAAFQAAAAAAAAFAAAAAQAAAAAAAAAAAAAAAAAAAAAAAAAAAAAAAAAAAAAAAAAAAAAAAn9/fwAAAAADzMzMAMDA/wB/f38AAAAAAAAAAAAAAAAAAAAAAAAAAAAhAAAAGAAAABQAAAA4EwAAGycAAAglAABZKQAAAAAAACYAAAAIAAAAAAAAAAAAAAA="/>
+                <pr:smNativeData xmlns:pr="smNativeData" val="SMDATA_13_pLXxXhMAAAAlAAAAZAAAAA8BAAAAkAAAAEgAAACQAAAASAAAAAAAAAABAAAAAAAAAAEAAABQAAAAAAAAAAAA4D8AAAAAAADgPwAAAAAAAOA/AAAAAAAA4D8AAAAAAADgPwAAAAAAAOA/AAAAAAAA4D8AAAAAAADgPwAAAAAAAOA/AAAAAAAA4D8CAAAAjAAAAAAAAAAAAAAAu+DjDP///wgAAAAAAAAAAAAAAAAAAAAAAAAAAAAAAAAAAAAAZAAAAAEAAABAAAAAAAAAAAAAAAAAAAAAAAAAAAAAAAAAAAAAAAAAAAAAAAAAAAAAAAAAAAAAAAAAAAAAAAAAAAAAAAAAAAAAAAAAAAAAAAAAAAAAAAAAAAAAAAAAAAAAFAAAADwAAAAAAAAAAAAAAAAAAAkUAAAAAQAAABQAAAAUAAAAFAAAAAEAAAAAAAAAZAAAAGQAAAAAAAAAZAAAAGQAAAAVAAAAYAAAAAAAAAAAAAAADwAAACADAAAAAAAAAAAAAAEAAACgMgAAVgcAAKr4//8BAAAAf39/AAEAAABkAAAAAAAAABQAAABAHwAAAAAAACYAAAAAAAAAwOD//wAAAAAmAAAAZAAAABYAAABMAAAAAAAAAAAAAAAEAAAAAAAAAAEAAACAgIAKAAAAACgAAAAoAAAAZAAAAGQAAAAAAAAAzMzMAAAAAABQAAAAUAAAAGQAAABkAAAAAAAAABcAAAAUAAAAAAAAAAAAAAD/fwAA/38AAAAAAAAJAAAABAAAAAEAAAAMAAAAEAAAAAAAAAAAAAAAAAAAAAAAAAAeAAAAaAAAAAAAAAAAAAAAAAAAAAAAAAAAAAAAECcAABAnAAAAAAAAAAAAAAAAAAAAAAAAAAAAAAAAAAAAAAAAAAAAABQAAAAAAAAAwMD/AAAAAABkAAAAMgAAAAAAAABkAAAAAAAAAH9/fwAKAAAAHwAAAFQAAAAAAAAFAAAAAQAAAAAAAAAAAAAAAAAAAAAAAAAAAAAAAAAAAAAAAAAAAAAAAn9/fwAAAAADzMzMAMDA/wB/f38AAAAAAAAAAAAAAAAAAAAAAAAAAAAhAAAAGAAAABQAAAA4EwAAGycAAAglAABZKQAAAAAAACYAAAAIAAAAAAAAAAAAAAA="/>
               </a:ext>
             </a:extLst>
           </p:cNvSpPr>
@@ -2165,7 +2169,7 @@
             <a:spLocks noGrp="1" noChangeArrowheads="1"/>
             <a:extLst>
               <a:ext uri="smNativeData">
-                <pr:smNativeData xmlns:pr="smNativeData" val="SMDATA_13_lazxXhMAAAAlAAAAZAAAAA8BAAAAkAAAAEgAAACQAAAASAAAAAAAAAABAAAAAAAAAAEAAABQAAAAAAAAAAAA4D8AAAAAAADgPwAAAAAAAOA/AAAAAAAA4D8AAAAAAADgPwAAAAAAAOA/AAAAAAAA4D8AAAAAAADgPwAAAAAAAOA/AAAAAAAA4D8CAAAAjAAAAAAAAAAAAAAAu+DjDP///wgAAAAAAAAAAAAAAAAAAAAAAAAAAAAAAAAAAAAAZAAAAAEAAABAAAAAAAAAAAAAAAAAAAAAAAAAAAAAAAAAAAAAAAAAAAAAAAAAAAAAAAAAAAAAAAAAAAAAAAAAAAAAAAAAAAAAAAAAAAAAAAAAAAAAAAAAAAAAAAAAAAAAFAAAADwAAAAAAAAAAAAAAAAAAAkUAAAAAQAAABQAAAAUAAAAFAAAAAEAAAAAAAAAZAAAAGQAAAAAAAAAZAAAAGQAAAAVAAAAYAAAAAAAAAAAAAAADwAAACADAAAAAAAAAAAAAAEAAACgMgAAVgcAAKr4//8BAAAAf39/AAEAAABkAAAAAAAAABQAAABAHwAAAAAAACYAAAAAAAAAwOD//wAAAAAmAAAAZAAAABYAAABMAAAAAAAAAAAAAAAEAAAAAAAAAAEAAACAgIAKAAAAACgAAAAoAAAAZAAAAGQAAAAAAAAAzMzMAAAAAABQAAAAUAAAAGQAAABkAAAAAAAAABcAAAAUAAAAAAAAAAAAAAD/fwAA/38AAAAAAAAJAAAABAAAAAAAAAAMAAAAEAAAAAAAAAAAAAAAAAAAAAAAAAAeAAAAaAAAAAAAAAAAAAAAAAAAAAAAAAAAAAAAECcAABAnAAAAAAAAAAAAAAAAAAAAAAAAAAAAAAAAAAAAAAAAAAAAABQAAAAAAAAAwMD/AAAAAABkAAAAMgAAAAAAAABkAAAAAAAAAH9/fwAKAAAAHwAAAFQAAAAAAAAFAAAAAQAAAAAAAAAAAAAAAAAAAAAAAAAAAAAAAAAAAAAAAAAAAAAAAn9/fwAAAAADzMzMAMDA/wB/f38AAAAAAAAAAAAAAAAAAAAAAAAAAAAhAAAAGAAAABQAAABQKAAAGycAAHA1AABZKQAAAAAAACYAAAAIAAAAAAAAAAAAAAA="/>
+                <pr:smNativeData xmlns:pr="smNativeData" val="SMDATA_13_pLXxXhMAAAAlAAAAZAAAAA8BAAAAkAAAAEgAAACQAAAASAAAAAAAAAABAAAAAAAAAAEAAABQAAAAAAAAAAAA4D8AAAAAAADgPwAAAAAAAOA/AAAAAAAA4D8AAAAAAADgPwAAAAAAAOA/AAAAAAAA4D8AAAAAAADgPwAAAAAAAOA/AAAAAAAA4D8CAAAAjAAAAAAAAAAAAAAAu+DjDP///wgAAAAAAAAAAAAAAAAAAAAAAAAAAAAAAAAAAAAAZAAAAAEAAABAAAAAAAAAAAAAAAAAAAAAAAAAAAAAAAAAAAAAAAAAAAAAAAAAAAAAAAAAAAAAAAAAAAAAAAAAAAAAAAAAAAAAAAAAAAAAAAAAAAAAAAAAAAAAAAAAAAAAFAAAADwAAAAAAAAAAAAAAAAAAAkUAAAAAQAAABQAAAAUAAAAFAAAAAEAAAAAAAAAZAAAAGQAAAAAAAAAZAAAAGQAAAAVAAAAYAAAAAAAAAAAAAAADwAAACADAAAAAAAAAAAAAAEAAACgMgAAVgcAAKr4//8BAAAAf39/AAEAAABkAAAAAAAAABQAAABAHwAAAAAAACYAAAAAAAAAwOD//wAAAAAmAAAAZAAAABYAAABMAAAAAAAAAAAAAAAEAAAAAAAAAAEAAACAgIAKAAAAACgAAAAoAAAAZAAAAGQAAAAAAAAAzMzMAAAAAABQAAAAUAAAAGQAAABkAAAAAAAAABcAAAAUAAAAAAAAAAAAAAD/fwAA/38AAAAAAAAJAAAABAAAAAAAAAAMAAAAEAAAAAAAAAAAAAAAAAAAAAAAAAAeAAAAaAAAAAAAAAAAAAAAAAAAAAAAAAAAAAAAECcAABAnAAAAAAAAAAAAAAAAAAAAAAAAAAAAAAAAAAAAAAAAAAAAABQAAAAAAAAAwMD/AAAAAABkAAAAMgAAAAAAAABkAAAAAAAAAH9/fwAKAAAAHwAAAFQAAAAAAAAFAAAAAQAAAAAAAAAAAAAAAAAAAAAAAAAAAAAAAAAAAAAAAAAAAAAAAn9/fwAAAAADzMzMAMDA/wB/f38AAAAAAAAAAAAAAAAAAAAAAAAAAAAhAAAAGAAAABQAAABQKAAAGycAAHA1AABZKQAAAAAAACYAAAAIAAAAAAAAAAAAAAA="/>
               </a:ext>
             </a:extLst>
           </p:cNvSpPr>
@@ -2179,7 +2183,7 @@
           <a:lstStyle/>
           <a:p>
             <a:pPr/>
-            <a:fld id="{3F23FB6E-20D2-760D-9C9B-D658B5D56A83}" type="slidenum">
+            <a:fld id="{3F0FC081-CFD2-5A36-9CB7-39638EF96A6C}" type="slidenum">
               <a:t/>
             </a:fld>
           </a:p>
@@ -2217,7 +2221,7 @@
             <a:spLocks noGrp="1" noChangeArrowheads="1"/>
             <a:extLst>
               <a:ext uri="smNativeData">
-                <pr:smNativeData xmlns:pr="smNativeData" val="SMDATA_13_lazxXhMAAAAlAAAAZAAAAA8BAAAAkAAAAEgAAACQAAAASAAAAAAAAAACAAAAAAAAAAEAAABQAAAAAAAAAAAA4D8AAAAAAADgPwAAAAAAAOA/AAAAAAAA4D8AAAAAAADgPwAAAAAAAOA/AAAAAAAA4D8AAAAAAADgPwAAAAAAAOA/AAAAAAAA4D8CAAAAjAAAAAAAAAAAAAAAu+DjDP///wgAAAAAAAAAAAAAAAAAAAAAAAAAAAAAAAAAAAAAZAAAAAEAAABAAAAAAAAAAAAAAAAAAAAAAAAAAAAAAAAAAAAAAAAAAAAAAAAAAAAAAAAAAAAAAAAAAAAAAAAAAAAAAAAAAAAAAAAAAAAAAAAAAAAAAAAAAAAAAAAAAAAAFAAAADwAAAAAAAAAAAAAAAAAAAkUAAAAAQAAABQAAAAUAAAAFAAAAAEAAAAAAAAAZAAAAGQAAAAAAAAAZAAAAGQAAAAVAAAAYAAAAAAAAAAAAAAADwAAACADAAAAAAAAAAAAAAEAAACgMgAAVgcAAKr4//8BAAAAf39/AAEAAABkAAAAAAAAABQAAABAHwAAAAAAACYAAAAAAAAAwOD//wAAAAAmAAAAZAAAABYAAABMAAAAAAAAAAAAAAAEAAAAAAAAAAEAAACAgIAKAAAAACgAAAAoAAAAZAAAAGQAAAAAAAAAzMzMAAAAAABQAAAAUAAAAGQAAABkAAAAAAAAABcAAAAUAAAAAAAAAAAAAAD/fwAA/38AAAAAAAAJAAAABAAAAGUAcwAMAAAAEAAAAAAAAAAAAAAAAAAAAAAAAAAeAAAAaAAAAAAAAAAAAAAAAAAAAAAAAAAAAAAAECcAABAnAAAAAAAAAAAAAAAAAAAAAAAAAAAAAAAAAAAAAAAAAAAAABQAAAAAAAAAwMD/AAAAAABkAAAAMgAAAAAAAABkAAAAAAAAAH9/fwAKAAAAHwAAAFQAAAAAAAAFAAAAAQAAAAAAAAAAAAAAAAAAAAAAAAAAAAAAAAAAAAAAAAAAAAAAAn9/fwAAAAADzMzMAMDA/wB/f38AAAAAAAAAAAAAAAAAAAAAAAAAAAAhAAAAGAAAABQAAADQAgAArgEAAFIVAADUCAAAAAAAACYAAAAIAAAAgYAAAAAAAAA="/>
+                <pr:smNativeData xmlns:pr="smNativeData" val="SMDATA_13_pLXxXhMAAAAlAAAAZAAAAA8BAAAAkAAAAEgAAACQAAAASAAAAAAAAAACAAAAAAAAAAEAAABQAAAAAAAAAAAA4D8AAAAAAADgPwAAAAAAAOA/AAAAAAAA4D8AAAAAAADgPwAAAAAAAOA/AAAAAAAA4D8AAAAAAADgPwAAAAAAAOA/AAAAAAAA4D8CAAAAjAAAAAAAAAAAAAAAu+DjDP///wgAAAAAAAAAAAAAAAAAAAAAAAAAAAAAAAAAAAAAZAAAAAEAAABAAAAAAAAAAAAAAAAAAAAAAAAAAAAAAAAAAAAAAAAAAAAAAAAAAAAAAAAAAAAAAAAAAAAAAAAAAAAAAAAAAAAAAAAAAAAAAAAAAAAAAAAAAAAAAAAAAAAAFAAAADwAAAAAAAAAAAAAAAAAAAkUAAAAAQAAABQAAAAUAAAAFAAAAAEAAAAAAAAAZAAAAGQAAAAAAAAAZAAAAGQAAAAVAAAAYAAAAAAAAAAAAAAADwAAACADAAAAAAAAAAAAAAEAAACgMgAAVgcAAKr4//8BAAAAf39/AAEAAABkAAAAAAAAABQAAABAHwAAAAAAACYAAAAAAAAAwOD//wAAAAAmAAAAZAAAABYAAABMAAAAAAAAAAAAAAAEAAAAAAAAAAEAAACAgIAKAAAAACgAAAAoAAAAZAAAAGQAAAAAAAAAzMzMAAAAAABQAAAAUAAAAGQAAABkAAAAAAAAABcAAAAUAAAAAAAAAAAAAAD/fwAA/38AAAAAAAAJAAAABAAAAGUAcwAMAAAAEAAAAAAAAAAAAAAAAAAAAAAAAAAeAAAAaAAAAAAAAAAAAAAAAAAAAAAAAAAAAAAAECcAABAnAAAAAAAAAAAAAAAAAAAAAAAAAAAAAAAAAAAAAAAAAAAAABQAAAAAAAAAwMD/AAAAAABkAAAAMgAAAAAAAABkAAAAAAAAAH9/fwAKAAAAHwAAAFQAAAAAAAAFAAAAAQAAAAAAAAAAAAAAAAAAAAAAAAAAAAAAAAAAAAAAAAAAAAAAAn9/fwAAAAADzMzMAMDA/wB/f38AAAAAAAAAAAAAAAAAAAAAAAAAAAAhAAAAGAAAABQAAADQAgAArgEAAFIVAADUCAAAAAAAACYAAAAIAAAAgYAAAAAAAAA="/>
               </a:ext>
             </a:extLst>
           </p:cNvSpPr>
@@ -2257,7 +2261,7 @@
             <a:spLocks noGrp="1" noChangeArrowheads="1"/>
             <a:extLst>
               <a:ext uri="smNativeData">
-                <pr:smNativeData xmlns:pr="smNativeData" val="SMDATA_13_lazxXhMAAAAlAAAAZAAAAA8BAAAAkAAAAEgAAACQAAAASAAAAAAAAAAAAAAAAAAAAAEAAABQAAAAAAAAAAAA4D8AAAAAAADgPwAAAAAAAOA/AAAAAAAA4D8AAAAAAADgPwAAAAAAAOA/AAAAAAAA4D8AAAAAAADgPwAAAAAAAOA/AAAAAAAA4D8CAAAAjAAAAAAAAAAAAAAAu+DjDP///wgAAAAAAAAAAAAAAAAAAAAAAAAAAAAAAAAAAAAAZAAAAAEAAABAAAAAAAAAAAAAAAAAAAAAAAAAAAAAAAAAAAAAAAAAAAAAAAAAAAAAAAAAAAAAAAAAAAAAAAAAAAAAAAAAAAAAAAAAAAAAAAAAAAAAAAAAAAAAAAAAAAAAFAAAADwAAAAAAAAAAAAAAAAAAAkUAAAAAQAAABQAAAAUAAAAFAAAAAEAAAAAAAAAZAAAAGQAAAAAAAAAZAAAAGQAAAAVAAAAYAAAAAAAAAAAAAAADwAAACADAAAAAAAAAAAAAAEAAACgMgAAVgcAAKr4//8BAAAAf39/AAEAAABkAAAAAAAAABQAAABAHwAAAAAAACYAAAAAAAAAwOD//wAAAAAmAAAAZAAAABYAAABMAAAAAAAAAAAAAAAEAAAAAAAAAAEAAACAgIAKAAAAACgAAAAoAAAAZAAAAGQAAAAAAAAAzMzMAAAAAABQAAAAUAAAAGQAAABkAAAAAAAAABcAAAAUAAAAAAAAAAAAAAD/fwAA/38AAAAAAAAJAAAABAAAAAAAAAAMAAAAEAAAAAAAAAAAAAAAAAAAAAAAAAAeAAAAaAAAAAAAAAAAAAAAAAAAAAAAAAAAAAAAECcAABAnAAAAAAAAAAAAAAAAAAAAAAAAAAAAAAAAAAAAAAAAAAAAABQAAAAAAAAAwMD/AAAAAABkAAAAMgAAAAAAAABkAAAAAAAAAH9/fwAKAAAAHwAAAFQAAAAAAAAFAAAAAQAAAAAAAAAAAAAAAAAAAAAAAAAAAAAAAAAAAAAAAAAAAAAAAn9/fwAAAAADzMzMAMDA/wB/f38AAAAAAAAAAAAAAAAAAAAAAAAAAAAhAAAAGAAAABQAAAD+FQAArgEAAHA1AACwJQAAAAAAACYAAAAIAAAAAYAAAAAAAAA="/>
+                <pr:smNativeData xmlns:pr="smNativeData" val="SMDATA_13_pLXxXhMAAAAlAAAAZAAAAA8BAAAAkAAAAEgAAACQAAAASAAAAAAAAAAAAAAAAAAAAAEAAABQAAAAAAAAAAAA4D8AAAAAAADgPwAAAAAAAOA/AAAAAAAA4D8AAAAAAADgPwAAAAAAAOA/AAAAAAAA4D8AAAAAAADgPwAAAAAAAOA/AAAAAAAA4D8CAAAAjAAAAAAAAAAAAAAAu+DjDP///wgAAAAAAAAAAAAAAAAAAAAAAAAAAAAAAAAAAAAAZAAAAAEAAABAAAAAAAAAAAAAAAAAAAAAAAAAAAAAAAAAAAAAAAAAAAAAAAAAAAAAAAAAAAAAAAAAAAAAAAAAAAAAAAAAAAAAAAAAAAAAAAAAAAAAAAAAAAAAAAAAAAAAFAAAADwAAAAAAAAAAAAAAAAAAAkUAAAAAQAAABQAAAAUAAAAFAAAAAEAAAAAAAAAZAAAAGQAAAAAAAAAZAAAAGQAAAAVAAAAYAAAAAAAAAAAAAAADwAAACADAAAAAAAAAAAAAAEAAACgMgAAVgcAAKr4//8BAAAAf39/AAEAAABkAAAAAAAAABQAAABAHwAAAAAAACYAAAAAAAAAwOD//wAAAAAmAAAAZAAAABYAAABMAAAAAAAAAAAAAAAEAAAAAAAAAAEAAACAgIAKAAAAACgAAAAoAAAAZAAAAGQAAAAAAAAAzMzMAAAAAABQAAAAUAAAAGQAAABkAAAAAAAAABcAAAAUAAAAAAAAAAAAAAD/fwAA/38AAAAAAAAJAAAABAAAAAAAAAAMAAAAEAAAAAAAAAAAAAAAAAAAAAAAAAAeAAAAaAAAAAAAAAAAAAAAAAAAAAAAAAAAAAAAECcAABAnAAAAAAAAAAAAAAAAAAAAAAAAAAAAAAAAAAAAAAAAAAAAABQAAAAAAAAAwMD/AAAAAABkAAAAMgAAAAAAAABkAAAAAAAAAH9/fwAKAAAAHwAAAFQAAAAAAAAFAAAAAQAAAAAAAAAAAAAAAAAAAAAAAAAAAAAAAAAAAAAAAAAAAAAAAn9/fwAAAAADzMzMAMDA/wB/f38AAAAAAAAAAAAAAAAAAAAAAAAAAAAhAAAAGAAAABQAAAD+FQAArgEAAHA1AACwJQAAAAAAACYAAAAIAAAAAYAAAAAAAAA="/>
               </a:ext>
             </a:extLst>
           </p:cNvSpPr>
@@ -2341,7 +2345,7 @@
             <a:spLocks noGrp="1" noChangeArrowheads="1"/>
             <a:extLst>
               <a:ext uri="smNativeData">
-                <pr:smNativeData xmlns:pr="smNativeData" val="SMDATA_13_lazxXhMAAAAlAAAAZAAAAA8BAAAAkAAAAEgAAACQAAAASAAAAAAAAAAAAAAAAAAAAAEAAABQAAAAAAAAAAAA4D8AAAAAAADgPwAAAAAAAOA/AAAAAAAA4D8AAAAAAADgPwAAAAAAAOA/AAAAAAAA4D8AAAAAAADgPwAAAAAAAOA/AAAAAAAA4D8CAAAAjAAAAAAAAAAAAAAAu+DjDP///wgAAAAAAAAAAAAAAAAAAAAAAAAAAAAAAAAAAAAAZAAAAAEAAABAAAAAAAAAAAAAAAAAAAAAAAAAAAAAAAAAAAAAAAAAAAAAAAAAAAAAAAAAAAAAAAAAAAAAAAAAAAAAAAAAAAAAAAAAAAAAAAAAAAAAAAAAAAAAAAAAAAAAFAAAADwAAAAAAAAAAAAAAAAAAAkUAAAAAQAAABQAAAAUAAAAFAAAAAEAAAAAAAAAZAAAAGQAAAAAAAAAZAAAAGQAAAAVAAAAYAAAAAAAAAAAAAAADwAAACADAAAAAAAAAAAAAAEAAACgMgAAVgcAAKr4//8BAAAAf39/AAEAAABkAAAAAAAAABQAAABAHwAAAAAAACYAAAAAAAAAwOD//wAAAAAmAAAAZAAAABYAAABMAAAAAAAAAAAAAAAEAAAAAAAAAAEAAACAgIAKAAAAACgAAAAoAAAAZAAAAGQAAAAAAAAAzMzMAAAAAABQAAAAUAAAAGQAAABkAAAAAAAAABcAAAAUAAAAAAAAAAAAAAD/fwAA/38AAAAAAAAJAAAABAAAAAAAAAAMAAAAEAAAAAAAAAAAAAAAAAAAAAAAAAAeAAAAaAAAAAAAAAAAAAAAAAAAAAAAAAAAAAAAECcAABAnAAAAAAAAAAAAAAAAAAAAAAAAAAAAAAAAAAAAAAAAAAAAABQAAAAAAAAAwMD/AAAAAABkAAAAMgAAAAAAAABkAAAAAAAAAH9/fwAKAAAAHwAAAFQAAAAAAAAFAAAAAQAAAAAAAAAAAAAAAAAAAAAAAAAAAAAAAAAAAAAAAAAAAAAAAn9/fwAAAAADzMzMAMDA/wB/f38AAAAAAAAAAAAAAAAAAAAAAAAAAAAhAAAAGAAAABQAAADQAgAA1AgAAFIVAACwJQAAAAAAACYAAAAIAAAAAYAAAAAAAAA="/>
+                <pr:smNativeData xmlns:pr="smNativeData" val="SMDATA_13_pLXxXhMAAAAlAAAAZAAAAA8BAAAAkAAAAEgAAACQAAAASAAAAAAAAAAAAAAAAAAAAAEAAABQAAAAAAAAAAAA4D8AAAAAAADgPwAAAAAAAOA/AAAAAAAA4D8AAAAAAADgPwAAAAAAAOA/AAAAAAAA4D8AAAAAAADgPwAAAAAAAOA/AAAAAAAA4D8CAAAAjAAAAAAAAAAAAAAAu+DjDP///wgAAAAAAAAAAAAAAAAAAAAAAAAAAAAAAAAAAAAAZAAAAAEAAABAAAAAAAAAAAAAAAAAAAAAAAAAAAAAAAAAAAAAAAAAAAAAAAAAAAAAAAAAAAAAAAAAAAAAAAAAAAAAAAAAAAAAAAAAAAAAAAAAAAAAAAAAAAAAAAAAAAAAFAAAADwAAAAAAAAAAAAAAAAAAAkUAAAAAQAAABQAAAAUAAAAFAAAAAEAAAAAAAAAZAAAAGQAAAAAAAAAZAAAAGQAAAAVAAAAYAAAAAAAAAAAAAAADwAAACADAAAAAAAAAAAAAAEAAACgMgAAVgcAAKr4//8BAAAAf39/AAEAAABkAAAAAAAAABQAAABAHwAAAAAAACYAAAAAAAAAwOD//wAAAAAmAAAAZAAAABYAAABMAAAAAAAAAAAAAAAEAAAAAAAAAAEAAACAgIAKAAAAACgAAAAoAAAAZAAAAGQAAAAAAAAAzMzMAAAAAABQAAAAUAAAAGQAAABkAAAAAAAAABcAAAAUAAAAAAAAAAAAAAD/fwAA/38AAAAAAAAJAAAABAAAAAAAAAAMAAAAEAAAAAAAAAAAAAAAAAAAAAAAAAAeAAAAaAAAAAAAAAAAAAAAAAAAAAAAAAAAAAAAECcAABAnAAAAAAAAAAAAAAAAAAAAAAAAAAAAAAAAAAAAAAAAAAAAABQAAAAAAAAAwMD/AAAAAABkAAAAMgAAAAAAAABkAAAAAAAAAH9/fwAKAAAAHwAAAFQAAAAAAAAFAAAAAQAAAAAAAAAAAAAAAAAAAAAAAAAAAAAAAAAAAAAAAAAAAAAAAn9/fwAAAAADzMzMAMDA/wB/f38AAAAAAAAAAAAAAAAAAAAAAAAAAAAhAAAAGAAAABQAAADQAgAA1AgAAFIVAACwJQAAAAAAACYAAAAIAAAAAYAAAAAAAAA="/>
               </a:ext>
             </a:extLst>
           </p:cNvSpPr>
@@ -2410,7 +2414,7 @@
             <a:spLocks noGrp="1" noChangeArrowheads="1"/>
             <a:extLst>
               <a:ext uri="smNativeData">
-                <pr:smNativeData xmlns:pr="smNativeData" val="SMDATA_13_lazxXhMAAAAlAAAAZAAAAA8BAAAAkAAAAEgAAACQAAAASAAAAAAAAAABAAAAAAAAAAEAAABQAAAAAAAAAAAA4D8AAAAAAADgPwAAAAAAAOA/AAAAAAAA4D8AAAAAAADgPwAAAAAAAOA/AAAAAAAA4D8AAAAAAADgPwAAAAAAAOA/AAAAAAAA4D8CAAAAjAAAAAAAAAAAAAAAu+DjDP///wgAAAAAAAAAAAAAAAAAAAAAAAAAAAAAAAAAAAAAZAAAAAEAAABAAAAAAAAAAAAAAAAAAAAAAAAAAAAAAAAAAAAAAAAAAAAAAAAAAAAAAAAAAAAAAAAAAAAAAAAAAAAAAAAAAAAAAAAAAAAAAAAAAAAAAAAAAAAAAAAAAAAAFAAAADwAAAAAAAAAAAAAAAAAAAkUAAAAAQAAABQAAAAUAAAAFAAAAAEAAAAAAAAAZAAAAGQAAAAAAAAAZAAAAGQAAAAVAAAAYAAAAAAAAAAAAAAADwAAACADAAAAAAAAAAAAAAEAAACgMgAAVgcAAKr4//8BAAAAf39/AAEAAABkAAAAAAAAABQAAABAHwAAAAAAACYAAAAAAAAAwOD//wAAAAAmAAAAZAAAABYAAABMAAAAAAAAAAAAAAAEAAAAAAAAAAEAAACAgIAKAAAAACgAAAAoAAAAZAAAAGQAAAAAAAAAzMzMAAAAAABQAAAAUAAAAGQAAABkAAAAAAAAABcAAAAUAAAAAAAAAAAAAAD/fwAA/38AAAAAAAAJAAAABAAAAAAAAAAMAAAAEAAAAAAAAAAAAAAAAAAAAAAAAAAeAAAAaAAAAAAAAAAAAAAAAAAAAAAAAAAAAAAAECcAABAnAAAAAAAAAAAAAAAAAAAAAAAAAAAAAAAAAAAAAAAAAAAAABQAAAAAAAAAwMD/AAAAAABkAAAAMgAAAAAAAABkAAAAAAAAAH9/fwAKAAAAHwAAAFQAAAAAAAAFAAAAAQAAAAAAAAAAAAAAAAAAAAAAAAAAAAAAAAAAAAAAAAAAAAAAAn9/fwAAAAADzMzMAMDA/wB/f38AAAAAAAAAAAAAAAAAAAAAAAAAAAAhAAAAGAAAABQAAADQAgAAGycAAPAPAABZKQAAAAAAACYAAAAIAAAAAAAAAAAAAAA="/>
+                <pr:smNativeData xmlns:pr="smNativeData" val="SMDATA_13_pLXxXhMAAAAlAAAAZAAAAA8BAAAAkAAAAEgAAACQAAAASAAAAAAAAAABAAAAAAAAAAEAAABQAAAAAAAAAAAA4D8AAAAAAADgPwAAAAAAAOA/AAAAAAAA4D8AAAAAAADgPwAAAAAAAOA/AAAAAAAA4D8AAAAAAADgPwAAAAAAAOA/AAAAAAAA4D8CAAAAjAAAAAAAAAAAAAAAu+DjDP///wgAAAAAAAAAAAAAAAAAAAAAAAAAAAAAAAAAAAAAZAAAAAEAAABAAAAAAAAAAAAAAAAAAAAAAAAAAAAAAAAAAAAAAAAAAAAAAAAAAAAAAAAAAAAAAAAAAAAAAAAAAAAAAAAAAAAAAAAAAAAAAAAAAAAAAAAAAAAAAAAAAAAAFAAAADwAAAAAAAAAAAAAAAAAAAkUAAAAAQAAABQAAAAUAAAAFAAAAAEAAAAAAAAAZAAAAGQAAAAAAAAAZAAAAGQAAAAVAAAAYAAAAAAAAAAAAAAADwAAACADAAAAAAAAAAAAAAEAAACgMgAAVgcAAKr4//8BAAAAf39/AAEAAABkAAAAAAAAABQAAABAHwAAAAAAACYAAAAAAAAAwOD//wAAAAAmAAAAZAAAABYAAABMAAAAAAAAAAAAAAAEAAAAAAAAAAEAAACAgIAKAAAAACgAAAAoAAAAZAAAAGQAAAAAAAAAzMzMAAAAAABQAAAAUAAAAGQAAABkAAAAAAAAABcAAAAUAAAAAAAAAAAAAAD/fwAA/38AAAAAAAAJAAAABAAAAAAAAAAMAAAAEAAAAAAAAAAAAAAAAAAAAAAAAAAeAAAAaAAAAAAAAAAAAAAAAAAAAAAAAAAAAAAAECcAABAnAAAAAAAAAAAAAAAAAAAAAAAAAAAAAAAAAAAAAAAAAAAAABQAAAAAAAAAwMD/AAAAAABkAAAAMgAAAAAAAABkAAAAAAAAAH9/fwAKAAAAHwAAAFQAAAAAAAAFAAAAAQAAAAAAAAAAAAAAAAAAAAAAAAAAAAAAAAAAAAAAAAAAAAAAAn9/fwAAAAADzMzMAMDA/wB/f38AAAAAAAAAAAAAAAAAAAAAAAAAAAAhAAAAGAAAABQAAADQAgAAGycAAPAPAABZKQAAAAAAACYAAAAIAAAAAAAAAAAAAAA="/>
               </a:ext>
             </a:extLst>
           </p:cNvSpPr>
@@ -2424,7 +2428,7 @@
           <a:lstStyle/>
           <a:p>
             <a:pPr/>
-            <a:fld id="{3F23849B-D5D2-7672-9C9B-2327CAD56A76}" type="datetime1">
+            <a:fld id="{3F0F91A0-EED2-5A67-9CB7-1832DFF96A4D}" type="datetime1">
               <a:t/>
             </a:fld>
           </a:p>
@@ -2437,7 +2441,7 @@
             <a:spLocks noGrp="1" noChangeArrowheads="1"/>
             <a:extLst>
               <a:ext uri="smNativeData">
-                <pr:smNativeData xmlns:pr="smNativeData" val="SMDATA_13_lazxXhMAAAAlAAAAZAAAAA8BAAAAkAAAAEgAAACQAAAASAAAAAAAAAABAAAAAAAAAAEAAABQAAAAAAAAAAAA4D8AAAAAAADgPwAAAAAAAOA/AAAAAAAA4D8AAAAAAADgPwAAAAAAAOA/AAAAAAAA4D8AAAAAAADgPwAAAAAAAOA/AAAAAAAA4D8CAAAAjAAAAAAAAAAAAAAAu+DjDP///wgAAAAAAAAAAAAAAAAAAAAAAAAAAAAAAAAAAAAAZAAAAAEAAABAAAAAAAAAAAAAAAAAAAAAAAAAAAAAAAAAAAAAAAAAAAAAAAAAAAAAAAAAAAAAAAAAAAAAAAAAAAAAAAAAAAAAAAAAAAAAAAAAAAAAAAAAAAAAAAAAAAAAFAAAADwAAAAAAAAAAAAAAAAAAAkUAAAAAQAAABQAAAAUAAAAFAAAAAEAAAAAAAAAZAAAAGQAAAAAAAAAZAAAAGQAAAAVAAAAYAAAAAAAAAAAAAAADwAAACADAAAAAAAAAAAAAAEAAACgMgAAVgcAAKr4//8BAAAAf39/AAEAAABkAAAAAAAAABQAAABAHwAAAAAAACYAAAAAAAAAwOD//wAAAAAmAAAAZAAAABYAAABMAAAAAAAAAAAAAAAEAAAAAAAAAAEAAACAgIAKAAAAACgAAAAoAAAAZAAAAGQAAAAAAAAAzMzMAAAAAABQAAAAUAAAAGQAAABkAAAAAAAAABcAAAAUAAAAAAAAAAAAAAD/fwAA/38AAAAAAAAJAAAABAAAABQdyAwMAAAAEAAAAAAAAAAAAAAAAAAAAAAAAAAeAAAAaAAAAAAAAAAAAAAAAAAAAAAAAAAAAAAAECcAABAnAAAAAAAAAAAAAAAAAAAAAAAAAAAAAAAAAAAAAAAAAAAAABQAAAAAAAAAwMD/AAAAAABkAAAAMgAAAAAAAABkAAAAAAAAAH9/fwAKAAAAHwAAAFQAAAAAAAAFAAAAAQAAAAAAAAAAAAAAAAAAAAAAAAAAAAAAAAAAAAAAAAAAAAAAAn9/fwAAAAADzMzMAMDA/wB/f38AAAAAAAAAAAAAAAAAAAAAAAAAAAAhAAAAGAAAABQAAAA4EwAAGycAAAglAABZKQAAAAAAACYAAAAIAAAAAAAAAAAAAAA="/>
+                <pr:smNativeData xmlns:pr="smNativeData" val="SMDATA_13_pLXxXhMAAAAlAAAAZAAAAA8BAAAAkAAAAEgAAACQAAAASAAAAAAAAAABAAAAAAAAAAEAAABQAAAAAAAAAAAA4D8AAAAAAADgPwAAAAAAAOA/AAAAAAAA4D8AAAAAAADgPwAAAAAAAOA/AAAAAAAA4D8AAAAAAADgPwAAAAAAAOA/AAAAAAAA4D8CAAAAjAAAAAAAAAAAAAAAu+DjDP///wgAAAAAAAAAAAAAAAAAAAAAAAAAAAAAAAAAAAAAZAAAAAEAAABAAAAAAAAAAAAAAAAAAAAAAAAAAAAAAAAAAAAAAAAAAAAAAAAAAAAAAAAAAAAAAAAAAAAAAAAAAAAAAAAAAAAAAAAAAAAAAAAAAAAAAAAAAAAAAAAAAAAAFAAAADwAAAAAAAAAAAAAAAAAAAkUAAAAAQAAABQAAAAUAAAAFAAAAAEAAAAAAAAAZAAAAGQAAAAAAAAAZAAAAGQAAAAVAAAAYAAAAAAAAAAAAAAADwAAACADAAAAAAAAAAAAAAEAAACgMgAAVgcAAKr4//8BAAAAf39/AAEAAABkAAAAAAAAABQAAABAHwAAAAAAACYAAAAAAAAAwOD//wAAAAAmAAAAZAAAABYAAABMAAAAAAAAAAAAAAAEAAAAAAAAAAEAAACAgIAKAAAAACgAAAAoAAAAZAAAAGQAAAAAAAAAzMzMAAAAAABQAAAAUAAAAGQAAABkAAAAAAAAABcAAAAUAAAAAAAAAAAAAAD/fwAA/38AAAAAAAAJAAAABAAAABQdyAwMAAAAEAAAAAAAAAAAAAAAAAAAAAAAAAAeAAAAaAAAAAAAAAAAAAAAAAAAAAAAAAAAAAAAECcAABAnAAAAAAAAAAAAAAAAAAAAAAAAAAAAAAAAAAAAAAAAAAAAABQAAAAAAAAAwMD/AAAAAABkAAAAMgAAAAAAAABkAAAAAAAAAH9/fwAKAAAAHwAAAFQAAAAAAAAFAAAAAQAAAAAAAAAAAAAAAAAAAAAAAAAAAAAAAAAAAAAAAAAAAAAAAn9/fwAAAAADzMzMAMDA/wB/f38AAAAAAAAAAAAAAAAAAAAAAAAAAAAhAAAAGAAAABQAAAA4EwAAGycAAAglAABZKQAAAAAAACYAAAAIAAAAAAAAAAAAAAA="/>
               </a:ext>
             </a:extLst>
           </p:cNvSpPr>
@@ -2464,7 +2468,7 @@
             <a:spLocks noGrp="1" noChangeArrowheads="1"/>
             <a:extLst>
               <a:ext uri="smNativeData">
-                <pr:smNativeData xmlns:pr="smNativeData" val="SMDATA_13_lazxXhMAAAAlAAAAZAAAAA8BAAAAkAAAAEgAAACQAAAASAAAAAAAAAABAAAAAAAAAAEAAABQAAAAAAAAAAAA4D8AAAAAAADgPwAAAAAAAOA/AAAAAAAA4D8AAAAAAADgPwAAAAAAAOA/AAAAAAAA4D8AAAAAAADgPwAAAAAAAOA/AAAAAAAA4D8CAAAAjAAAAAAAAAAAAAAAu+DjDP///wgAAAAAAAAAAAAAAAAAAAAAAAAAAAAAAAAAAAAAZAAAAAEAAABAAAAAAAAAAAAAAAAAAAAAAAAAAAAAAAAAAAAAAAAAAAAAAAAAAAAAAAAAAAAAAAAAAAAAAAAAAAAAAAAAAAAAAAAAAAAAAAAAAAAAAAAAAAAAAAAAAAAAFAAAADwAAAAAAAAAAAAAAAAAAAkUAAAAAQAAABQAAAAUAAAAFAAAAAEAAAAAAAAAZAAAAGQAAAAAAAAAZAAAAGQAAAAVAAAAYAAAAAAAAAAAAAAADwAAACADAAAAAAAAAAAAAAEAAACgMgAAVgcAAKr4//8BAAAAf39/AAEAAABkAAAAAAAAABQAAABAHwAAAAAAACYAAAAAAAAAwOD//wAAAAAmAAAAZAAAABYAAABMAAAAAAAAAAAAAAAEAAAAAAAAAAEAAACAgIAKAAAAACgAAAAoAAAAZAAAAGQAAAAAAAAAzMzMAAAAAABQAAAAUAAAAGQAAABkAAAAAAAAABcAAAAUAAAAAAAAAAAAAAD/fwAA/38AAAAAAAAJAAAABAAAAAAAAAAMAAAAEAAAAAAAAAAAAAAAAAAAAAAAAAAeAAAAaAAAAAAAAAAAAAAAAAAAAAAAAAAAAAAAECcAABAnAAAAAAAAAAAAAAAAAAAAAAAAAAAAAAAAAAAAAAAAAAAAABQAAAAAAAAAwMD/AAAAAABkAAAAMgAAAAAAAABkAAAAAAAAAH9/fwAKAAAAHwAAAFQAAAAAAAAFAAAAAQAAAAAAAAAAAAAAAAAAAAAAAAAAAAAAAAAAAAAAAAAAAAAAAn9/fwAAAAADzMzMAMDA/wB/f38AAAAAAAAAAAAAAAAAAAAAAAAAAAAhAAAAGAAAABQAAABQKAAAGycAAHA1AABZKQAAAAAAACYAAAAIAAAAAAAAAAAAAAA="/>
+                <pr:smNativeData xmlns:pr="smNativeData" val="SMDATA_13_pLXxXhMAAAAlAAAAZAAAAA8BAAAAkAAAAEgAAACQAAAASAAAAAAAAAABAAAAAAAAAAEAAABQAAAAAAAAAAAA4D8AAAAAAADgPwAAAAAAAOA/AAAAAAAA4D8AAAAAAADgPwAAAAAAAOA/AAAAAAAA4D8AAAAAAADgPwAAAAAAAOA/AAAAAAAA4D8CAAAAjAAAAAAAAAAAAAAAu+DjDP///wgAAAAAAAAAAAAAAAAAAAAAAAAAAAAAAAAAAAAAZAAAAAEAAABAAAAAAAAAAAAAAAAAAAAAAAAAAAAAAAAAAAAAAAAAAAAAAAAAAAAAAAAAAAAAAAAAAAAAAAAAAAAAAAAAAAAAAAAAAAAAAAAAAAAAAAAAAAAAAAAAAAAAFAAAADwAAAAAAAAAAAAAAAAAAAkUAAAAAQAAABQAAAAUAAAAFAAAAAEAAAAAAAAAZAAAAGQAAAAAAAAAZAAAAGQAAAAVAAAAYAAAAAAAAAAAAAAADwAAACADAAAAAAAAAAAAAAEAAACgMgAAVgcAAKr4//8BAAAAf39/AAEAAABkAAAAAAAAABQAAABAHwAAAAAAACYAAAAAAAAAwOD//wAAAAAmAAAAZAAAABYAAABMAAAAAAAAAAAAAAAEAAAAAAAAAAEAAACAgIAKAAAAACgAAAAoAAAAZAAAAGQAAAAAAAAAzMzMAAAAAABQAAAAUAAAAGQAAABkAAAAAAAAABcAAAAUAAAAAAAAAAAAAAD/fwAA/38AAAAAAAAJAAAABAAAAAAAAAAMAAAAEAAAAAAAAAAAAAAAAAAAAAAAAAAeAAAAaAAAAAAAAAAAAAAAAAAAAAAAAAAAAAAAECcAABAnAAAAAAAAAAAAAAAAAAAAAAAAAAAAAAAAAAAAAAAAAAAAABQAAAAAAAAAwMD/AAAAAABkAAAAMgAAAAAAAABkAAAAAAAAAH9/fwAKAAAAHwAAAFQAAAAAAAAFAAAAAQAAAAAAAAAAAAAAAAAAAAAAAAAAAAAAAAAAAAAAAAAAAAAAAn9/fwAAAAADzMzMAMDA/wB/f38AAAAAAAAAAAAAAAAAAAAAAAAAAAAhAAAAGAAAABQAAABQKAAAGycAAHA1AABZKQAAAAAAACYAAAAIAAAAAAAAAAAAAAA="/>
               </a:ext>
             </a:extLst>
           </p:cNvSpPr>
@@ -2478,7 +2482,7 @@
           <a:lstStyle/>
           <a:p>
             <a:pPr/>
-            <a:fld id="{3F23C2C6-88D2-7634-9C9B-7E618CD56A2B}" type="slidenum">
+            <a:fld id="{3F0FEF68-26D2-5A19-9CB7-D04CA1F96A85}" type="slidenum">
               <a:t/>
             </a:fld>
           </a:p>
@@ -2516,7 +2520,7 @@
             <a:spLocks noGrp="1" noChangeArrowheads="1"/>
             <a:extLst>
               <a:ext uri="smNativeData">
-                <pr:smNativeData xmlns:pr="smNativeData" val="SMDATA_13_lazxXhMAAAAlAAAAZAAAAA8BAAAAkAAAAEgAAACQAAAASAAAAAAAAAACAAAAAAAAAAEAAABQAAAAAAAAAAAA4D8AAAAAAADgPwAAAAAAAOA/AAAAAAAA4D8AAAAAAADgPwAAAAAAAOA/AAAAAAAA4D8AAAAAAADgPwAAAAAAAOA/AAAAAAAA4D8CAAAAjAAAAAAAAAAAAAAAu+DjDP///wgAAAAAAAAAAAAAAAAAAAAAAAAAAAAAAAAAAAAAZAAAAAEAAABAAAAAAAAAAAAAAAAAAAAAAAAAAAAAAAAAAAAAAAAAAAAAAAAAAAAAAAAAAAAAAAAAAAAAAAAAAAAAAAAAAAAAAAAAAAAAAAAAAAAAAAAAAAAAAAAAAAAAFAAAADwAAAAAAAAAAAAAAAAAAAkUAAAAAQAAABQAAAAUAAAAFAAAAAEAAAAAAAAAZAAAAGQAAAAAAAAAZAAAAGQAAAAVAAAAYAAAAAAAAAAAAAAADwAAACADAAAAAAAAAAAAAAEAAACgMgAAVgcAAKr4//8BAAAAf39/AAEAAABkAAAAAAAAABQAAABAHwAAAAAAACYAAAAAAAAAwOD//wAAAAAmAAAAZAAAABYAAABMAAAAAAAAAAAAAAAEAAAAAAAAAAEAAACAgIAKAAAAACgAAAAoAAAAZAAAAGQAAAAAAAAAzMzMAAAAAABQAAAAUAAAAGQAAABkAAAAAAAAABcAAAAUAAAAAAAAAAAAAAD/fwAA/38AAAAAAAAJAAAABAAAAAAAAAAMAAAAEAAAAAAAAAAAAAAAAAAAAAAAAAAeAAAAaAAAAAAAAAAAAAAAAAAAAAAAAAAAAAAAECcAABAnAAAAAAAAAAAAAAAAAAAAAAAAAAAAAAAAAAAAAAAAAAAAABQAAAAAAAAAwMD/AAAAAABkAAAAMgAAAAAAAABkAAAAAAAAAH9/fwAKAAAAHwAAAFQAAAAAAAAFAAAAAQAAAAAAAAAAAAAAAAAAAAAAAAAAAAAAAAAAAAAAAAAAAAAAAn9/fwAAAAADzMzMAMDA/wB/f38AAAAAAAAAAAAAAAAAAAAAAAAAAAAhAAAAGAAAABQAAAAGCwAAiB0AAMYsAAAEIQAAAAAAACYAAAAIAAAAgYAAAAAAAAA="/>
+                <pr:smNativeData xmlns:pr="smNativeData" val="SMDATA_13_pLXxXhMAAAAlAAAAZAAAAA8BAAAAkAAAAEgAAACQAAAASAAAAAAAAAACAAAAAAAAAAEAAABQAAAAAAAAAAAA4D8AAAAAAADgPwAAAAAAAOA/AAAAAAAA4D8AAAAAAADgPwAAAAAAAOA/AAAAAAAA4D8AAAAAAADgPwAAAAAAAOA/AAAAAAAA4D8CAAAAjAAAAAAAAAAAAAAAu+DjDP///wgAAAAAAAAAAAAAAAAAAAAAAAAAAAAAAAAAAAAAZAAAAAEAAABAAAAAAAAAAAAAAAAAAAAAAAAAAAAAAAAAAAAAAAAAAAAAAAAAAAAAAAAAAAAAAAAAAAAAAAAAAAAAAAAAAAAAAAAAAAAAAAAAAAAAAAAAAAAAAAAAAAAAFAAAADwAAAAAAAAAAAAAAAAAAAkUAAAAAQAAABQAAAAUAAAAFAAAAAEAAAAAAAAAZAAAAGQAAAAAAAAAZAAAAGQAAAAVAAAAYAAAAAAAAAAAAAAADwAAACADAAAAAAAAAAAAAAEAAACgMgAAVgcAAKr4//8BAAAAf39/AAEAAABkAAAAAAAAABQAAABAHwAAAAAAACYAAAAAAAAAwOD//wAAAAAmAAAAZAAAABYAAABMAAAAAAAAAAAAAAAEAAAAAAAAAAEAAACAgIAKAAAAACgAAAAoAAAAZAAAAGQAAAAAAAAAzMzMAAAAAABQAAAAUAAAAGQAAABkAAAAAAAAABcAAAAUAAAAAAAAAAAAAAD/fwAA/38AAAAAAAAJAAAABAAAAAAAAAAMAAAAEAAAAAAAAAAAAAAAAAAAAAAAAAAeAAAAaAAAAAAAAAAAAAAAAAAAAAAAAAAAAAAAECcAABAnAAAAAAAAAAAAAAAAAAAAAAAAAAAAAAAAAAAAAAAAAAAAABQAAAAAAAAAwMD/AAAAAABkAAAAMgAAAAAAAABkAAAAAAAAAH9/fwAKAAAAHwAAAFQAAAAAAAAFAAAAAQAAAAAAAAAAAAAAAAAAAAAAAAAAAAAAAAAAAAAAAAAAAAAAAn9/fwAAAAADzMzMAMDA/wB/f38AAAAAAAAAAAAAAAAAAAAAAAAAAAAhAAAAGAAAABQAAAAGCwAAiB0AAMYsAAAEIQAAAAAAACYAAAAIAAAAgYAAAAAAAAA="/>
               </a:ext>
             </a:extLst>
           </p:cNvSpPr>
@@ -2556,7 +2560,7 @@
             <a:spLocks noGrp="1" noChangeArrowheads="1"/>
             <a:extLst>
               <a:ext uri="smNativeData">
-                <pr:smNativeData xmlns:pr="smNativeData" val="SMDATA_13_lazxXhMAAAAlAAAAZAAAAA8BAAAAkAAAAEgAAACQAAAASAAAAAAAAAAAAAAAAAAAAAEAAABQAAAAAAAAAAAA4D8AAAAAAADgPwAAAAAAAOA/AAAAAAAA4D8AAAAAAADgPwAAAAAAAOA/AAAAAAAA4D8AAAAAAADgPwAAAAAAAOA/AAAAAAAA4D8CAAAAjAAAAAAAAAAAAAAAu+DjDP///wgAAAAAAAAAAAAAAAAAAAAAAAAAAAAAAAAAAAAAZAAAAAEAAABAAAAAAAAAAAAAAAAAAAAAAAAAAAAAAAAAAAAAAAAAAAAAAAAAAAAAAAAAAAAAAAAAAAAAAAAAAAAAAAAAAAAAAAAAAAAAAAAAAAAAAAAAAAAAAAAAAAAAFAAAADwAAAAAAAAAAAAAAAAAAAkUAAAAAQAAABQAAAAUAAAAFAAAAAEAAAAAAAAAZAAAAGQAAAAAAAAAZAAAAGQAAAAVAAAAYAAAAAAAAAAAAAAADwAAACADAAAAAAAAAAAAAAEAAACgMgAAVgcAAKr4//8BAAAAf39/AAEAAABkAAAAAAAAABQAAABAHwAAAAAAACYAAAAAAAAAwOD//wAAAAAmAAAAZAAAABYAAABMAAAAAAAAAAAAAAAEAAAAAAAAAAEAAACAgIAKAAAAACgAAAAoAAAAZAAAAGQAAAAAAAAAzMzMAAAAAABQAAAAUAAAAGQAAABkAAAAAAAAABcAAAAUAAAAAAAAAAAAAAD/fwAA/38AAAAAAAAJAAAABAAAAN0AAAAMAAAAEAAAAAAAAAAAAAAAAAAAAAAAAAAeAAAAaAAAAAAAAAAAAAAAAAAAAAAAAAAAAAAAECcAABAnAAAAAAAAAAAAAAAAAAAAAAAAAAAAAAAAAAAAAAAAAAAAABQAAAAAAAAAwMD/AAAAAABkAAAAMgAAAAAAAABkAAAAAAAAAH9/fwAKAAAAHwAAAFQAAAAAAAAFAAAAAQAAAAAAAAAAAAAAAAAAAAAAAAAAAAAAAAAAAAAAAAAAAAAAAn9/fwAAAAADzMzMAMDA/wB/f38AAAAAAAAAAAAAAAAAAAAAAAAAAAAhAAAAGAAAABQAAAAGCwAAxgMAAMYsAAAWHQAAAAAAACYAAAAIAAAAAYAAAAAAAAA="/>
+                <pr:smNativeData xmlns:pr="smNativeData" val="SMDATA_13_pLXxXhMAAAAlAAAAZAAAAA8BAAAAkAAAAEgAAACQAAAASAAAAAAAAAAAAAAAAAAAAAEAAABQAAAAAAAAAAAA4D8AAAAAAADgPwAAAAAAAOA/AAAAAAAA4D8AAAAAAADgPwAAAAAAAOA/AAAAAAAA4D8AAAAAAADgPwAAAAAAAOA/AAAAAAAA4D8CAAAAjAAAAAAAAAAAAAAAu+DjDP///wgAAAAAAAAAAAAAAAAAAAAAAAAAAAAAAAAAAAAAZAAAAAEAAABAAAAAAAAAAAAAAAAAAAAAAAAAAAAAAAAAAAAAAAAAAAAAAAAAAAAAAAAAAAAAAAAAAAAAAAAAAAAAAAAAAAAAAAAAAAAAAAAAAAAAAAAAAAAAAAAAAAAAFAAAADwAAAAAAAAAAAAAAAAAAAkUAAAAAQAAABQAAAAUAAAAFAAAAAEAAAAAAAAAZAAAAGQAAAAAAAAAZAAAAGQAAAAVAAAAYAAAAAAAAAAAAAAADwAAACADAAAAAAAAAAAAAAEAAACgMgAAVgcAAKr4//8BAAAAf39/AAEAAABkAAAAAAAAABQAAABAHwAAAAAAACYAAAAAAAAAwOD//wAAAAAmAAAAZAAAABYAAABMAAAAAAAAAAAAAAAEAAAAAAAAAAEAAACAgIAKAAAAACgAAAAoAAAAZAAAAGQAAAAAAAAAzMzMAAAAAABQAAAAUAAAAGQAAABkAAAAAAAAABcAAAAUAAAAAAAAAAAAAAD/fwAA/38AAAAAAAAJAAAABAAAAN0AAAAMAAAAEAAAAAAAAAAAAAAAAAAAAAAAAAAeAAAAaAAAAAAAAAAAAAAAAAAAAAAAAAAAAAAAECcAABAnAAAAAAAAAAAAAAAAAAAAAAAAAAAAAAAAAAAAAAAAAAAAABQAAAAAAAAAwMD/AAAAAABkAAAAMgAAAAAAAABkAAAAAAAAAH9/fwAKAAAAHwAAAFQAAAAAAAAFAAAAAQAAAAAAAAAAAAAAAAAAAAAAAAAAAAAAAAAAAAAAAAAAAAAAAn9/fwAAAAADzMzMAMDA/wB/f38AAAAAAAAAAAAAAAAAAAAAAAAAAAAhAAAAGAAAABQAAAAGCwAAxgMAAMYsAAAWHQAAAAAAACYAAAAIAAAAAYAAAAAAAAA="/>
               </a:ext>
             </a:extLst>
           </p:cNvSpPr>
@@ -2625,7 +2629,7 @@
             <a:spLocks noGrp="1" noChangeArrowheads="1"/>
             <a:extLst>
               <a:ext uri="smNativeData">
-                <pr:smNativeData xmlns:pr="smNativeData" val="SMDATA_13_lazxXhMAAAAlAAAAZAAAAA8BAAAAkAAAAEgAAACQAAAASAAAAAAAAAAAAAAAAAAAAAEAAABQAAAAAAAAAAAA4D8AAAAAAADgPwAAAAAAAOA/AAAAAAAA4D8AAAAAAADgPwAAAAAAAOA/AAAAAAAA4D8AAAAAAADgPwAAAAAAAOA/AAAAAAAA4D8CAAAAjAAAAAAAAAAAAAAAu+DjDP///wgAAAAAAAAAAAAAAAAAAAAAAAAAAAAAAAAAAAAAZAAAAAEAAABAAAAAAAAAAAAAAAAAAAAAAAAAAAAAAAAAAAAAAAAAAAAAAAAAAAAAAAAAAAAAAAAAAAAAAAAAAAAAAAAAAAAAAAAAAAAAAAAAAAAAAAAAAAAAAAAAAAAAFAAAADwAAAAAAAAAAAAAAAAAAAkUAAAAAQAAABQAAAAUAAAAFAAAAAEAAAAAAAAAZAAAAGQAAAAAAAAAZAAAAGQAAAAVAAAAYAAAAAAAAAAAAAAADwAAACADAAAAAAAAAAAAAAEAAACgMgAAVgcAAKr4//8BAAAAf39/AAEAAABkAAAAAAAAABQAAABAHwAAAAAAACYAAAAAAAAAwOD//wAAAAAmAAAAZAAAABYAAABMAAAAAAAAAAAAAAAEAAAAAAAAAAEAAACAgIAKAAAAACgAAAAoAAAAZAAAAGQAAAAAAAAAzMzMAAAAAABQAAAAUAAAAGQAAABkAAAAAAAAABcAAAAUAAAAAAAAAAAAAAD/fwAA/38AAAAAAAAJAAAABAAAAAAAAAAMAAAAEAAAAAAAAAAAAAAAAAAAAAAAAAAeAAAAaAAAAAAAAAAAAAAAAAAAAAAAAAAAAAAAECcAABAnAAAAAAAAAAAAAAAAAAAAAAAAAAAAAAAAAAAAAAAAAAAAABQAAAAAAAAAwMD/AAAAAABkAAAAMgAAAAAAAABkAAAAAAAAAH9/fwAKAAAAHwAAAFQAAAAAAAAFAAAAAQAAAAAAAAAAAAAAAAAAAAAAAAAAAAAAAAAAAAAAAAAAAAAAAn9/fwAAAAADzMzMAMDA/wB/f38AAAAAAAAAAAAAAAAAAAAAAAAAAAAhAAAAGAAAABQAAAAGCwAABCEAAMYsAAD4JQAAAAAAACYAAAAIAAAAAYAAAAAAAAA="/>
+                <pr:smNativeData xmlns:pr="smNativeData" val="SMDATA_13_pLXxXhMAAAAlAAAAZAAAAA8BAAAAkAAAAEgAAACQAAAASAAAAAAAAAAAAAAAAAAAAAEAAABQAAAAAAAAAAAA4D8AAAAAAADgPwAAAAAAAOA/AAAAAAAA4D8AAAAAAADgPwAAAAAAAOA/AAAAAAAA4D8AAAAAAADgPwAAAAAAAOA/AAAAAAAA4D8CAAAAjAAAAAAAAAAAAAAAu+DjDP///wgAAAAAAAAAAAAAAAAAAAAAAAAAAAAAAAAAAAAAZAAAAAEAAABAAAAAAAAAAAAAAAAAAAAAAAAAAAAAAAAAAAAAAAAAAAAAAAAAAAAAAAAAAAAAAAAAAAAAAAAAAAAAAAAAAAAAAAAAAAAAAAAAAAAAAAAAAAAAAAAAAAAAFAAAADwAAAAAAAAAAAAAAAAAAAkUAAAAAQAAABQAAAAUAAAAFAAAAAEAAAAAAAAAZAAAAGQAAAAAAAAAZAAAAGQAAAAVAAAAYAAAAAAAAAAAAAAADwAAACADAAAAAAAAAAAAAAEAAACgMgAAVgcAAKr4//8BAAAAf39/AAEAAABkAAAAAAAAABQAAABAHwAAAAAAACYAAAAAAAAAwOD//wAAAAAmAAAAZAAAABYAAABMAAAAAAAAAAAAAAAEAAAAAAAAAAEAAACAgIAKAAAAACgAAAAoAAAAZAAAAGQAAAAAAAAAzMzMAAAAAABQAAAAUAAAAGQAAABkAAAAAAAAABcAAAAUAAAAAAAAAAAAAAD/fwAA/38AAAAAAAAJAAAABAAAAAAAAAAMAAAAEAAAAAAAAAAAAAAAAAAAAAAAAAAeAAAAaAAAAAAAAAAAAAAAAAAAAAAAAAAAAAAAECcAABAnAAAAAAAAAAAAAAAAAAAAAAAAAAAAAAAAAAAAAAAAAAAAABQAAAAAAAAAwMD/AAAAAABkAAAAMgAAAAAAAABkAAAAAAAAAH9/fwAKAAAAHwAAAFQAAAAAAAAFAAAAAQAAAAAAAAAAAAAAAAAAAAAAAAAAAAAAAAAAAAAAAAAAAAAAAn9/fwAAAAADzMzMAMDA/wB/f38AAAAAAAAAAAAAAAAAAAAAAAAAAAAhAAAAGAAAABQAAAAGCwAABCEAAMYsAAD4JQAAAAAAACYAAAAIAAAAAYAAAAAAAAA="/>
               </a:ext>
             </a:extLst>
           </p:cNvSpPr>
@@ -2694,7 +2698,7 @@
             <a:spLocks noGrp="1" noChangeArrowheads="1"/>
             <a:extLst>
               <a:ext uri="smNativeData">
-                <pr:smNativeData xmlns:pr="smNativeData" val="SMDATA_13_lazxXhMAAAAlAAAAZAAAAA8BAAAAkAAAAEgAAACQAAAASAAAAAAAAAABAAAAAAAAAAEAAABQAAAAAAAAAAAA4D8AAAAAAADgPwAAAAAAAOA/AAAAAAAA4D8AAAAAAADgPwAAAAAAAOA/AAAAAAAA4D8AAAAAAADgPwAAAAAAAOA/AAAAAAAA4D8CAAAAjAAAAAAAAAAAAAAAu+DjDP///wgAAAAAAAAAAAAAAAAAAAAAAAAAAAAAAAAAAAAAZAAAAAEAAABAAAAAAAAAAAAAAAAAAAAAAAAAAAAAAAAAAAAAAAAAAAAAAAAAAAAAAAAAAAAAAAAAAAAAAAAAAAAAAAAAAAAAAAAAAAAAAAAAAAAAAAAAAAAAAAAAAAAAFAAAADwAAAAAAAAAAAAAAAAAAAkUAAAAAQAAABQAAAAUAAAAFAAAAAEAAAAAAAAAZAAAAGQAAAAAAAAAZAAAAGQAAAAVAAAAYAAAAAAAAAAAAAAADwAAACADAAAAAAAAAAAAAAEAAACgMgAAVgcAAKr4//8BAAAAf39/AAEAAABkAAAAAAAAABQAAABAHwAAAAAAACYAAAAAAAAAwOD//wAAAAAmAAAAZAAAABYAAABMAAAAAAAAAAAAAAAEAAAAAAAAAAEAAACAgIAKAAAAACgAAAAoAAAAZAAAAGQAAAAAAAAAzMzMAAAAAABQAAAAUAAAAGQAAABkAAAAAAAAABcAAAAUAAAAAAAAAAAAAAD/fwAA/38AAAAAAAAJAAAABAAAAC4AcgAMAAAAEAAAAAAAAAAAAAAAAAAAAAAAAAAeAAAAaAAAAAAAAAAAAAAAAAAAAAAAAAAAAAAAECcAABAnAAAAAAAAAAAAAAAAAAAAAAAAAAAAAAAAAAAAAAAAAAAAABQAAAAAAAAAwMD/AAAAAABkAAAAMgAAAAAAAABkAAAAAAAAAH9/fwAKAAAAHwAAAFQAAAAAAAAFAAAAAQAAAAAAAAAAAAAAAAAAAAAAAAAAAAAAAAAAAAAAAAAAAAAAAn9/fwAAAAADzMzMAMDA/wB/f38AAAAAAAAAAAAAAAAAAAAAAAAAAAAhAAAAGAAAABQAAADQAgAAGycAAPAPAABZKQAAAAAAACYAAAAIAAAAAAAAAAAAAAA="/>
+                <pr:smNativeData xmlns:pr="smNativeData" val="SMDATA_13_pLXxXhMAAAAlAAAAZAAAAA8BAAAAkAAAAEgAAACQAAAASAAAAAAAAAABAAAAAAAAAAEAAABQAAAAAAAAAAAA4D8AAAAAAADgPwAAAAAAAOA/AAAAAAAA4D8AAAAAAADgPwAAAAAAAOA/AAAAAAAA4D8AAAAAAADgPwAAAAAAAOA/AAAAAAAA4D8CAAAAjAAAAAAAAAAAAAAAu+DjDP///wgAAAAAAAAAAAAAAAAAAAAAAAAAAAAAAAAAAAAAZAAAAAEAAABAAAAAAAAAAAAAAAAAAAAAAAAAAAAAAAAAAAAAAAAAAAAAAAAAAAAAAAAAAAAAAAAAAAAAAAAAAAAAAAAAAAAAAAAAAAAAAAAAAAAAAAAAAAAAAAAAAAAAFAAAADwAAAAAAAAAAAAAAAAAAAkUAAAAAQAAABQAAAAUAAAAFAAAAAEAAAAAAAAAZAAAAGQAAAAAAAAAZAAAAGQAAAAVAAAAYAAAAAAAAAAAAAAADwAAACADAAAAAAAAAAAAAAEAAACgMgAAVgcAAKr4//8BAAAAf39/AAEAAABkAAAAAAAAABQAAABAHwAAAAAAACYAAAAAAAAAwOD//wAAAAAmAAAAZAAAABYAAABMAAAAAAAAAAAAAAAEAAAAAAAAAAEAAACAgIAKAAAAACgAAAAoAAAAZAAAAGQAAAAAAAAAzMzMAAAAAABQAAAAUAAAAGQAAABkAAAAAAAAABcAAAAUAAAAAAAAAAAAAAD/fwAA/38AAAAAAAAJAAAABAAAAC4AcgAMAAAAEAAAAAAAAAAAAAAAAAAAAAAAAAAeAAAAaAAAAAAAAAAAAAAAAAAAAAAAAAAAAAAAECcAABAnAAAAAAAAAAAAAAAAAAAAAAAAAAAAAAAAAAAAAAAAAAAAABQAAAAAAAAAwMD/AAAAAABkAAAAMgAAAAAAAABkAAAAAAAAAH9/fwAKAAAAHwAAAFQAAAAAAAAFAAAAAQAAAAAAAAAAAAAAAAAAAAAAAAAAAAAAAAAAAAAAAAAAAAAAAn9/fwAAAAADzMzMAMDA/wB/f38AAAAAAAAAAAAAAAAAAAAAAAAAAAAhAAAAGAAAABQAAADQAgAAGycAAPAPAABZKQAAAAAAACYAAAAIAAAAAAAAAAAAAAA="/>
               </a:ext>
             </a:extLst>
           </p:cNvSpPr>
@@ -2708,7 +2712,7 @@
           <a:lstStyle/>
           <a:p>
             <a:pPr/>
-            <a:fld id="{3F23EB14-5AD2-761D-9C9B-AC48A5D56AF9}" type="datetime1">
+            <a:fld id="{3F0FFAB9-F7D2-5A0C-9CB7-0159B4F96A54}" type="datetime1">
               <a:t/>
             </a:fld>
           </a:p>
@@ -2721,7 +2725,7 @@
             <a:spLocks noGrp="1" noChangeArrowheads="1"/>
             <a:extLst>
               <a:ext uri="smNativeData">
-                <pr:smNativeData xmlns:pr="smNativeData" val="SMDATA_13_lazxXhMAAAAlAAAAZAAAAA8BAAAAkAAAAEgAAACQAAAASAAAAAAAAAABAAAAAAAAAAEAAABQAAAAAAAAAAAA4D8AAAAAAADgPwAAAAAAAOA/AAAAAAAA4D8AAAAAAADgPwAAAAAAAOA/AAAAAAAA4D8AAAAAAADgPwAAAAAAAOA/AAAAAAAA4D8CAAAAjAAAAAAAAAAAAAAAu+DjDP///wgAAAAAAAAAAAAAAAAAAAAAAAAAAAAAAAAAAAAAZAAAAAEAAABAAAAAAAAAAAAAAAAAAAAAAAAAAAAAAAAAAAAAAAAAAAAAAAAAAAAAAAAAAAAAAAAAAAAAAAAAAAAAAAAAAAAAAAAAAAAAAAAAAAAAAAAAAAAAAAAAAAAAFAAAADwAAAAAAAAAAAAAAAAAAAkUAAAAAQAAABQAAAAUAAAAFAAAAAEAAAAAAAAAZAAAAGQAAAAAAAAAZAAAAGQAAAAVAAAAYAAAAAAAAAAAAAAADwAAACADAAAAAAAAAAAAAAEAAACgMgAAVgcAAKr4//8BAAAAf39/AAEAAABkAAAAAAAAABQAAABAHwAAAAAAACYAAAAAAAAAwOD//wAAAAAmAAAAZAAAABYAAABMAAAAAAAAAAAAAAAEAAAAAAAAAAEAAACAgIAKAAAAACgAAAAoAAAAZAAAAGQAAAAAAAAAzMzMAAAAAABQAAAAUAAAAGQAAABkAAAAAAAAABcAAAAUAAAAAAAAAAAAAAD/fwAA/38AAAAAAAAJAAAABAAAAG8AcgAMAAAAEAAAAAAAAAAAAAAAAAAAAAAAAAAeAAAAaAAAAAAAAAAAAAAAAAAAAAAAAAAAAAAAECcAABAnAAAAAAAAAAAAAAAAAAAAAAAAAAAAAAAAAAAAAAAAAAAAABQAAAAAAAAAwMD/AAAAAABkAAAAMgAAAAAAAABkAAAAAAAAAH9/fwAKAAAAHwAAAFQAAAAAAAAFAAAAAQAAAAAAAAAAAAAAAAAAAAAAAAAAAAAAAAAAAAAAAAAAAAAAAn9/fwAAAAADzMzMAMDA/wB/f38AAAAAAAAAAAAAAAAAAAAAAAAAAAAhAAAAGAAAABQAAAA4EwAAGycAAAglAABZKQAAAAAAACYAAAAIAAAAAAAAAAAAAAA="/>
+                <pr:smNativeData xmlns:pr="smNativeData" val="SMDATA_13_pLXxXhMAAAAlAAAAZAAAAA8BAAAAkAAAAEgAAACQAAAASAAAAAAAAAABAAAAAAAAAAEAAABQAAAAAAAAAAAA4D8AAAAAAADgPwAAAAAAAOA/AAAAAAAA4D8AAAAAAADgPwAAAAAAAOA/AAAAAAAA4D8AAAAAAADgPwAAAAAAAOA/AAAAAAAA4D8CAAAAjAAAAAAAAAAAAAAAu+DjDP///wgAAAAAAAAAAAAAAAAAAAAAAAAAAAAAAAAAAAAAZAAAAAEAAABAAAAAAAAAAAAAAAAAAAAAAAAAAAAAAAAAAAAAAAAAAAAAAAAAAAAAAAAAAAAAAAAAAAAAAAAAAAAAAAAAAAAAAAAAAAAAAAAAAAAAAAAAAAAAAAAAAAAAFAAAADwAAAAAAAAAAAAAAAAAAAkUAAAAAQAAABQAAAAUAAAAFAAAAAEAAAAAAAAAZAAAAGQAAAAAAAAAZAAAAGQAAAAVAAAAYAAAAAAAAAAAAAAADwAAACADAAAAAAAAAAAAAAEAAACgMgAAVgcAAKr4//8BAAAAf39/AAEAAABkAAAAAAAAABQAAABAHwAAAAAAACYAAAAAAAAAwOD//wAAAAAmAAAAZAAAABYAAABMAAAAAAAAAAAAAAAEAAAAAAAAAAEAAACAgIAKAAAAACgAAAAoAAAAZAAAAGQAAAAAAAAAzMzMAAAAAABQAAAAUAAAAGQAAABkAAAAAAAAABcAAAAUAAAAAAAAAAAAAAD/fwAA/38AAAAAAAAJAAAABAAAAG8AcgAMAAAAEAAAAAAAAAAAAAAAAAAAAAAAAAAeAAAAaAAAAAAAAAAAAAAAAAAAAAAAAAAAAAAAECcAABAnAAAAAAAAAAAAAAAAAAAAAAAAAAAAAAAAAAAAAAAAAAAAABQAAAAAAAAAwMD/AAAAAABkAAAAMgAAAAAAAABkAAAAAAAAAH9/fwAKAAAAHwAAAFQAAAAAAAAFAAAAAQAAAAAAAAAAAAAAAAAAAAAAAAAAAAAAAAAAAAAAAAAAAAAAAn9/fwAAAAADzMzMAMDA/wB/f38AAAAAAAAAAAAAAAAAAAAAAAAAAAAhAAAAGAAAABQAAAA4EwAAGycAAAglAABZKQAAAAAAACYAAAAIAAAAAAAAAAAAAAA="/>
               </a:ext>
             </a:extLst>
           </p:cNvSpPr>
@@ -2748,7 +2752,7 @@
             <a:spLocks noGrp="1" noChangeArrowheads="1"/>
             <a:extLst>
               <a:ext uri="smNativeData">
-                <pr:smNativeData xmlns:pr="smNativeData" val="SMDATA_13_lazxXhMAAAAlAAAAZAAAAA8BAAAAkAAAAEgAAACQAAAASAAAAAAAAAABAAAAAAAAAAEAAABQAAAAAAAAAAAA4D8AAAAAAADgPwAAAAAAAOA/AAAAAAAA4D8AAAAAAADgPwAAAAAAAOA/AAAAAAAA4D8AAAAAAADgPwAAAAAAAOA/AAAAAAAA4D8CAAAAjAAAAAAAAAAAAAAAu+DjDP///wgAAAAAAAAAAAAAAAAAAAAAAAAAAAAAAAAAAAAAZAAAAAEAAABAAAAAAAAAAAAAAAAAAAAAAAAAAAAAAAAAAAAAAAAAAAAAAAAAAAAAAAAAAAAAAAAAAAAAAAAAAAAAAAAAAAAAAAAAAAAAAAAAAAAAAAAAAAAAAAAAAAAAFAAAADwAAAAAAAAAAAAAAAAAAAkUAAAAAQAAABQAAAAUAAAAFAAAAAEAAAAAAAAAZAAAAGQAAAAAAAAAZAAAAGQAAAAVAAAAYAAAAAAAAAAAAAAADwAAACADAAAAAAAAAAAAAAEAAACgMgAAVgcAAKr4//8BAAAAf39/AAEAAABkAAAAAAAAABQAAABAHwAAAAAAACYAAAAAAAAAwOD//wAAAAAmAAAAZAAAABYAAABMAAAAAAAAAAAAAAAEAAAAAAAAAAEAAACAgIAKAAAAACgAAAAoAAAAZAAAAGQAAAAAAAAAzMzMAAAAAABQAAAAUAAAAGQAAABkAAAAAAAAABcAAAAUAAAAAAAAAAAAAAD/fwAA/38AAAAAAAAJAAAABAAAAP////8MAAAAEAAAAAAAAAAAAAAAAAAAAAAAAAAeAAAAaAAAAAAAAAAAAAAAAAAAAAAAAAAAAAAAECcAABAnAAAAAAAAAAAAAAAAAAAAAAAAAAAAAAAAAAAAAAAAAAAAABQAAAAAAAAAwMD/AAAAAABkAAAAMgAAAAAAAABkAAAAAAAAAH9/fwAKAAAAHwAAAFQAAAAAAAAFAAAAAQAAAAAAAAAAAAAAAAAAAAAAAAAAAAAAAAAAAAAAAAAAAAAAAn9/fwAAAAADzMzMAMDA/wB/f38AAAAAAAAAAAAAAAAAAAAAAAAAAAAhAAAAGAAAABQAAABQKAAAGycAAHA1AABZKQAAAAAAACYAAAAIAAAAAAAAAAAAAAA="/>
+                <pr:smNativeData xmlns:pr="smNativeData" val="SMDATA_13_pLXxXhMAAAAlAAAAZAAAAA8BAAAAkAAAAEgAAACQAAAASAAAAAAAAAABAAAAAAAAAAEAAABQAAAAAAAAAAAA4D8AAAAAAADgPwAAAAAAAOA/AAAAAAAA4D8AAAAAAADgPwAAAAAAAOA/AAAAAAAA4D8AAAAAAADgPwAAAAAAAOA/AAAAAAAA4D8CAAAAjAAAAAAAAAAAAAAAu+DjDP///wgAAAAAAAAAAAAAAAAAAAAAAAAAAAAAAAAAAAAAZAAAAAEAAABAAAAAAAAAAAAAAAAAAAAAAAAAAAAAAAAAAAAAAAAAAAAAAAAAAAAAAAAAAAAAAAAAAAAAAAAAAAAAAAAAAAAAAAAAAAAAAAAAAAAAAAAAAAAAAAAAAAAAFAAAADwAAAAAAAAAAAAAAAAAAAkUAAAAAQAAABQAAAAUAAAAFAAAAAEAAAAAAAAAZAAAAGQAAAAAAAAAZAAAAGQAAAAVAAAAYAAAAAAAAAAAAAAADwAAACADAAAAAAAAAAAAAAEAAACgMgAAVgcAAKr4//8BAAAAf39/AAEAAABkAAAAAAAAABQAAABAHwAAAAAAACYAAAAAAAAAwOD//wAAAAAmAAAAZAAAABYAAABMAAAAAAAAAAAAAAAEAAAAAAAAAAEAAACAgIAKAAAAACgAAAAoAAAAZAAAAGQAAAAAAAAAzMzMAAAAAABQAAAAUAAAAGQAAABkAAAAAAAAABcAAAAUAAAAAAAAAAAAAAD/fwAA/38AAAAAAAAJAAAABAAAAP////8MAAAAEAAAAAAAAAAAAAAAAAAAAAAAAAAeAAAAaAAAAAAAAAAAAAAAAAAAAAAAAAAAAAAAECcAABAnAAAAAAAAAAAAAAAAAAAAAAAAAAAAAAAAAAAAAAAAAAAAABQAAAAAAAAAwMD/AAAAAABkAAAAMgAAAAAAAABkAAAAAAAAAH9/fwAKAAAAHwAAAFQAAAAAAAAFAAAAAQAAAAAAAAAAAAAAAAAAAAAAAAAAAAAAAAAAAAAAAAAAAAAAAn9/fwAAAAADzMzMAMDA/wB/f38AAAAAAAAAAAAAAAAAAAAAAAAAAAAhAAAAGAAAABQAAABQKAAAGycAAHA1AABZKQAAAAAAACYAAAAIAAAAAAAAAAAAAAA="/>
               </a:ext>
             </a:extLst>
           </p:cNvSpPr>
@@ -2762,7 +2766,7 @@
           <a:lstStyle/>
           <a:p>
             <a:pPr/>
-            <a:fld id="{3F23F365-2BD2-7605-9C9B-DD50BDD56A88}" type="slidenum">
+            <a:fld id="{3F0FEE0B-45D2-5A18-9CB7-B34DA0F96AE6}" type="slidenum">
               <a:t/>
             </a:fld>
           </a:p>
@@ -2808,7 +2812,7 @@
             <a:spLocks noGrp="1" noChangeArrowheads="1"/>
             <a:extLst>
               <a:ext uri="smNativeData">
-                <pr:smNativeData xmlns:pr="smNativeData" val="SMDATA_13_lazxXhMAAAAlAAAAZAAAAA8BAAAAkAAAAEgAAACQAAAASAAAAAAAAAABAAAAAAAAAAEAAABQAAAAAAAAAAAA4D8AAAAAAADgPwAAAAAAAOA/AAAAAAAA4D8AAAAAAADgPwAAAAAAAOA/AAAAAAAA4D8AAAAAAADgPwAAAAAAAOA/AAAAAAAA4D8CAAAAjAAAAAAAAAAAAAAAu+DjDP///wgAAAAAAAAAAAAAAAAAAAAAAAAAAAAAAAAAAAAAZAAAAAEAAABAAAAAAAAAAAAAAAAAAAAAAAAAAAAAAAAAAAAAAAAAAAAAAAAAAAAAAAAAAAAAAAAAAAAAAAAAAAAAAAAAAAAAAAAAAAAAAAAAAAAAAAAAAAAAAAAAAAAAFAAAADwAAAAAAAAAAAAAAAAAAAkUAAAAAQAAABQAAAAUAAAAFAAAAAEAAAAAAAAAZAAAAGQAAAAAAAAAZAAAAGQAAAAVAAAAYAAAAAAAAAAAAAAADwAAACADAAAAAAAAAAAAAAEAAACgMgAAVgcAAKr4//8BAAAAf39/AAEAAABkAAAAAAAAABQAAABAHwAAAAAAACYAAAAAAAAAwOD//wAAAAAmAAAAZAAAABYAAABMAAAAAAAAAAAAAAAEAAAAAAAAAAEAAACAgIAKAAAAACgAAAAoAAAAZAAAAGQAAAAAAAAAzMzMAAAAAABQAAAAUAAAAGQAAABkAAAAAAAAABcAAAAUAAAAAAAAAAAAAAD/fwAA/38AAAAAAAAJAAAABAAAAAAAAAAMAAAAEAAAAAAAAAAAAAAAAAAAAAAAAAAeAAAAaAAAAAAAAAAAAAAAAAAAAAAAAAAAAAAAECcAABAnAAAAAAAAAAAAAAAAAAAAAAAAAAAAAAAAAAAAAAAAAAAAABQAAAAAAAAAwMD/AAAAAABkAAAAMgAAAAAAAABkAAAAAAAAAH9/fwAKAAAAHwAAAFQAAAAAAAAFAAAAAQAAAAAAAAAAAAAAAAAAAAAAAAAAAAAAAAAAAAAAAAAAAAAAAn9/fwAAAAADzMzMAMDA/wB/f38AAAAAAAAAAAAAAAAAAAAAAAAAAAAhAAAAGAAAABQAAADQAgAAsAEAAHA1AAC4CAAAAAAAACYAAAAIAAAA//////////8="/>
+                <pr:smNativeData xmlns:pr="smNativeData" val="SMDATA_13_pLXxXhMAAAAlAAAAZAAAAA8BAAAAkAAAAEgAAACQAAAASAAAAAAAAAABAAAAAAAAAAEAAABQAAAAAAAAAAAA4D8AAAAAAADgPwAAAAAAAOA/AAAAAAAA4D8AAAAAAADgPwAAAAAAAOA/AAAAAAAA4D8AAAAAAADgPwAAAAAAAOA/AAAAAAAA4D8CAAAAjAAAAAAAAAAAAAAAu+DjDP///wgAAAAAAAAAAAAAAAAAAAAAAAAAAAAAAAAAAAAAZAAAAAEAAABAAAAAAAAAAAAAAAAAAAAAAAAAAAAAAAAAAAAAAAAAAAAAAAAAAAAAAAAAAAAAAAAAAAAAAAAAAAAAAAAAAAAAAAAAAAAAAAAAAAAAAAAAAAAAAAAAAAAAFAAAADwAAAAAAAAAAAAAAAAAAAkUAAAAAQAAABQAAAAUAAAAFAAAAAEAAAAAAAAAZAAAAGQAAAAAAAAAZAAAAGQAAAAVAAAAYAAAAAAAAAAAAAAADwAAACADAAAAAAAAAAAAAAEAAACgMgAAVgcAAKr4//8BAAAAf39/AAEAAABkAAAAAAAAABQAAABAHwAAAAAAACYAAAAAAAAAwOD//wAAAAAmAAAAZAAAABYAAABMAAAAAAAAAAAAAAAEAAAAAAAAAAEAAACAgIAKAAAAACgAAAAoAAAAZAAAAGQAAAAAAAAAzMzMAAAAAABQAAAAUAAAAGQAAABkAAAAAAAAABcAAAAUAAAAAAAAAAAAAAD/fwAA/38AAAAAAAAJAAAABAAAAAAAAAAMAAAAEAAAAAAAAAAAAAAAAAAAAAAAAAAeAAAAaAAAAAAAAAAAAAAAAAAAAAAAAAAAAAAAECcAABAnAAAAAAAAAAAAAAAAAAAAAAAAAAAAAAAAAAAAAAAAAAAAABQAAAAAAAAAwMD/AAAAAABkAAAAMgAAAAAAAABkAAAAAAAAAH9/fwAKAAAAHwAAAFQAAAAAAAAFAAAAAQAAAAAAAAAAAAAAAAAAAAAAAAAAAAAAAAAAAAAAAAAAAAAAAn9/fwAAAAADzMzMAMDA/wB/f38AAAAAAAAAAAAAAAAAAAAAAAAAAAAhAAAAGAAAABQAAADQAgAAsAEAAHA1AAC4CAAAAAAAACYAAAAIAAAA//////////8="/>
               </a:ext>
             </a:extLst>
           </p:cNvSpPr>
@@ -2852,7 +2856,7 @@
             <a:spLocks noGrp="1" noChangeArrowheads="1"/>
             <a:extLst>
               <a:ext uri="smNativeData">
-                <pr:smNativeData xmlns:pr="smNativeData" val="SMDATA_13_lazxXhMAAAAlAAAAZAAAAA8BAAAAkAAAAEgAAACQAAAASAAAAAAAAAAAAAAAAAAAAAEAAABQAAAAAAAAAAAA4D8AAAAAAADgPwAAAAAAAOA/AAAAAAAA4D8AAAAAAADgPwAAAAAAAOA/AAAAAAAA4D8AAAAAAADgPwAAAAAAAOA/AAAAAAAA4D8CAAAAjAAAAAAAAAAAAAAAu+DjDP///wgAAAAAAAAAAAAAAAAAAAAAAAAAAAAAAAAAAAAAZAAAAAEAAABAAAAAAAAAAAAAAAAAAAAAAAAAAAAAAAAAAAAAAAAAAAAAAAAAAAAAAAAAAAAAAAAAAAAAAAAAAAAAAAAAAAAAAAAAAAAAAAAAAAAAAAAAAAAAAAAAAAAAFAAAADwAAAAAAAAAAAAAAAAAAAkUAAAAAQAAABQAAAAUAAAAFAAAAAEAAAAAAAAAZAAAAGQAAAAAAAAAZAAAAGQAAAAVAAAAYAAAAAAAAAAAAAAADwAAACADAAAAAAAAAAAAAAEAAACgMgAAVgcAAKr4//8BAAAAf39/AAEAAABkAAAAAAAAABQAAABAHwAAAAAAACYAAAAAAAAAwOD//wAAAAAmAAAAZAAAABYAAABMAAAAAAAAAAAAAAAEAAAAAAAAAAEAAACAgIAKAAAAACgAAAAoAAAAZAAAAGQAAAAAAAAAzMzMAAAAAABQAAAAUAAAAGQAAABkAAAAAAAAABcAAAAUAAAAAAAAAAAAAAD/fwAA/38AAAAAAAAJAAAABAAAAAAAAAAMAAAAEAAAAAAAAAAAAAAAAAAAAAAAAAAeAAAAaAAAAAAAAAAAAAAAAAAAAAAAAAAAAAAAECcAABAnAAAAAAAAAAAAAAAAAAAAAAAAAAAAAAAAAAAAAAAAAAAAABQAAAAAAAAAwMD/AAAAAABkAAAAMgAAAAAAAABkAAAAAAAAAH9/fwAKAAAAHwAAAFQAAAAAAAAFAAAAAQAAAAAAAAAAAAAAAAAAAAAAAAAAAAAAAAAAAAAAAAAAAAAAAn9/fwAAAAADzMzMAMDA/wB/f38AAAAAAAAAAAAAAAAAAAAAAAAAAAAhAAAAGAAAABQAAADQAgAA2AkAAHA1AACwJQAAAAAAACYAAAAIAAAA//////////8="/>
+                <pr:smNativeData xmlns:pr="smNativeData" val="SMDATA_13_pLXxXhMAAAAlAAAAZAAAAA8BAAAAkAAAAEgAAACQAAAASAAAAAAAAAAAAAAAAAAAAAEAAABQAAAAAAAAAAAA4D8AAAAAAADgPwAAAAAAAOA/AAAAAAAA4D8AAAAAAADgPwAAAAAAAOA/AAAAAAAA4D8AAAAAAADgPwAAAAAAAOA/AAAAAAAA4D8CAAAAjAAAAAAAAAAAAAAAu+DjDP///wgAAAAAAAAAAAAAAAAAAAAAAAAAAAAAAAAAAAAAZAAAAAEAAABAAAAAAAAAAAAAAAAAAAAAAAAAAAAAAAAAAAAAAAAAAAAAAAAAAAAAAAAAAAAAAAAAAAAAAAAAAAAAAAAAAAAAAAAAAAAAAAAAAAAAAAAAAAAAAAAAAAAAFAAAADwAAAAAAAAAAAAAAAAAAAkUAAAAAQAAABQAAAAUAAAAFAAAAAEAAAAAAAAAZAAAAGQAAAAAAAAAZAAAAGQAAAAVAAAAYAAAAAAAAAAAAAAADwAAACADAAAAAAAAAAAAAAEAAACgMgAAVgcAAKr4//8BAAAAf39/AAEAAABkAAAAAAAAABQAAABAHwAAAAAAACYAAAAAAAAAwOD//wAAAAAmAAAAZAAAABYAAABMAAAAAAAAAAAAAAAEAAAAAAAAAAEAAACAgIAKAAAAACgAAAAoAAAAZAAAAGQAAAAAAAAAzMzMAAAAAABQAAAAUAAAAGQAAABkAAAAAAAAABcAAAAUAAAAAAAAAAAAAAD/fwAA/38AAAAAAAAJAAAABAAAAAAAAAAMAAAAEAAAAAAAAAAAAAAAAAAAAAAAAAAeAAAAaAAAAAAAAAAAAAAAAAAAAAAAAAAAAAAAECcAABAnAAAAAAAAAAAAAAAAAAAAAAAAAAAAAAAAAAAAAAAAAAAAABQAAAAAAAAAwMD/AAAAAABkAAAAMgAAAAAAAABkAAAAAAAAAH9/fwAKAAAAHwAAAFQAAAAAAAAFAAAAAQAAAAAAAAAAAAAAAAAAAAAAAAAAAAAAAAAAAAAAAAAAAAAAAn9/fwAAAAADzMzMAMDA/wB/f38AAAAAAAAAAAAAAAAAAAAAAAAAAAAhAAAAGAAAABQAAADQAgAA2AkAAHA1AACwJQAAAAAAACYAAAAIAAAA//////////8="/>
               </a:ext>
             </a:extLst>
           </p:cNvSpPr>
@@ -2920,7 +2924,7 @@
             <a:spLocks noGrp="1" noChangeArrowheads="1"/>
             <a:extLst>
               <a:ext uri="smNativeData">
-                <pr:smNativeData xmlns:pr="smNativeData" val="SMDATA_13_lazxXhMAAAAlAAAAZAAAAA8BAAAAkAAAAEgAAACQAAAASAAAAAAAAAABAAAAAAAAAAEAAABQAAAAAAAAAAAA4D8AAAAAAADgPwAAAAAAAOA/AAAAAAAA4D8AAAAAAADgPwAAAAAAAOA/AAAAAAAA4D8AAAAAAADgPwAAAAAAAOA/AAAAAAAA4D8CAAAAjAAAAAAAAAAAAAAAu+DjDP///wgAAAAAAAAAAAAAAAAAAAAAAAAAAAAAAAAAAAAAZAAAAAEAAABAAAAAAAAAAAAAAAAAAAAAAAAAAAAAAAAAAAAAAAAAAAAAAAAAAAAAAAAAAAAAAAAAAAAAAAAAAAAAAAAAAAAAAAAAAAAAAAAAAAAAAAAAAAAAAAAAAAAAFAAAADwAAAAAAAAAAAAAAAAAAAkUAAAAAQAAABQAAAAUAAAAFAAAAAEAAAAAAAAAZAAAAGQAAAAAAAAAZAAAAGQAAAAVAAAAYAAAAAAAAAAAAAAADwAAACADAAAAAAAAAAAAAAEAAACgMgAAVgcAAKr4//8BAAAAf39/AAEAAABkAAAAAAAAABQAAABAHwAAAAAAACYAAAAAAAAAwOD//wAAAAAmAAAAZAAAABYAAABMAAAAAAAAAAAAAAAEAAAAAAAAAAEAAACAgIAKAAAAACgAAAAoAAAAZAAAAGQAAAAAAAAAzMzMAAAAAABQAAAAUAAAAGQAAABkAAAAAAAAABcAAAAUAAAAAAAAAAAAAAD/fwAA/38AAAAAAAAJAAAABAAAAAAAAAAMAAAAEAAAAAAAAAAAAAAAAAAAAAAAAAAeAAAAaAAAAAAAAAAAAAAAAAAAAAAAAAAAAAAAECcAABAnAAAAAAAAAAAAAAAAAAAAAAAAAAAAAAAAAAAAAAAAAAAAABQAAAAAAAAAwMD/AAAAAABkAAAAMgAAAAAAAABkAAAAAAAAAH9/fwAKAAAAHwAAAFQAAAAAAAAFAAAAAQAAAAAAAAAAAAAAAAAAAAAAAAAAAAAAAAAAAAAAAAAAAAAAAn9/fwAAAAADzMzMAMDA/wB/f38AAAAAAAAAAAAAAAAAAAAAAAAAAAAhAAAAGAAAABQAAADQAgAAGycAAPAPAABZKQAAAAAAACYAAAAIAAAA//////////8="/>
+                <pr:smNativeData xmlns:pr="smNativeData" val="SMDATA_13_pLXxXhMAAAAlAAAAZAAAAA8BAAAAkAAAAEgAAACQAAAASAAAAAAAAAABAAAAAAAAAAEAAABQAAAAAAAAAAAA4D8AAAAAAADgPwAAAAAAAOA/AAAAAAAA4D8AAAAAAADgPwAAAAAAAOA/AAAAAAAA4D8AAAAAAADgPwAAAAAAAOA/AAAAAAAA4D8CAAAAjAAAAAAAAAAAAAAAu+DjDP///wgAAAAAAAAAAAAAAAAAAAAAAAAAAAAAAAAAAAAAZAAAAAEAAABAAAAAAAAAAAAAAAAAAAAAAAAAAAAAAAAAAAAAAAAAAAAAAAAAAAAAAAAAAAAAAAAAAAAAAAAAAAAAAAAAAAAAAAAAAAAAAAAAAAAAAAAAAAAAAAAAAAAAFAAAADwAAAAAAAAAAAAAAAAAAAkUAAAAAQAAABQAAAAUAAAAFAAAAAEAAAAAAAAAZAAAAGQAAAAAAAAAZAAAAGQAAAAVAAAAYAAAAAAAAAAAAAAADwAAACADAAAAAAAAAAAAAAEAAACgMgAAVgcAAKr4//8BAAAAf39/AAEAAABkAAAAAAAAABQAAABAHwAAAAAAACYAAAAAAAAAwOD//wAAAAAmAAAAZAAAABYAAABMAAAAAAAAAAAAAAAEAAAAAAAAAAEAAACAgIAKAAAAACgAAAAoAAAAZAAAAGQAAAAAAAAAzMzMAAAAAABQAAAAUAAAAGQAAABkAAAAAAAAABcAAAAUAAAAAAAAAAAAAAD/fwAA/38AAAAAAAAJAAAABAAAAAAAAAAMAAAAEAAAAAAAAAAAAAAAAAAAAAAAAAAeAAAAaAAAAAAAAAAAAAAAAAAAAAAAAAAAAAAAECcAABAnAAAAAAAAAAAAAAAAAAAAAAAAAAAAAAAAAAAAAAAAAAAAABQAAAAAAAAAwMD/AAAAAABkAAAAMgAAAAAAAABkAAAAAAAAAH9/fwAKAAAAHwAAAFQAAAAAAAAFAAAAAQAAAAAAAAAAAAAAAAAAAAAAAAAAAAAAAAAAAAAAAAAAAAAAAn9/fwAAAAADzMzMAMDA/wB/f38AAAAAAAAAAAAAAAAAAAAAAAAAAAAhAAAAGAAAABQAAADQAgAAGycAAPAPAABZKQAAAAAAACYAAAAIAAAA//////////8="/>
               </a:ext>
             </a:extLst>
           </p:cNvSpPr>
@@ -2955,7 +2959,7 @@
           </a:lstStyle>
           <a:p>
             <a:pPr/>
-            <a:fld id="{3F23B0D2-9CD2-7646-9C9B-6A13FED56A3F}" type="datetime1">
+            <a:fld id="{3F0FE426-68D2-5A12-9CB7-9E47AAF96ACB}" type="datetime1">
               <a:t/>
             </a:fld>
           </a:p>
@@ -2968,7 +2972,7 @@
             <a:spLocks noGrp="1" noChangeArrowheads="1"/>
             <a:extLst>
               <a:ext uri="smNativeData">
-                <pr:smNativeData xmlns:pr="smNativeData" val="SMDATA_13_lazxXhMAAAAlAAAAZAAAAA8BAAAAkAAAAEgAAACQAAAASAAAAAAAAAABAAAAAAAAAAEAAABQAAAAAAAAAAAA4D8AAAAAAADgPwAAAAAAAOA/AAAAAAAA4D8AAAAAAADgPwAAAAAAAOA/AAAAAAAA4D8AAAAAAADgPwAAAAAAAOA/AAAAAAAA4D8CAAAAjAAAAAAAAAAAAAAAu+DjDP///wgAAAAAAAAAAAAAAAAAAAAAAAAAAAAAAAAAAAAAZAAAAAEAAABAAAAAAAAAAAAAAAAAAAAAAAAAAAAAAAAAAAAAAAAAAAAAAAAAAAAAAAAAAAAAAAAAAAAAAAAAAAAAAAAAAAAAAAAAAAAAAAAAAAAAAAAAAAAAAAAAAAAAFAAAADwAAAAAAAAAAAAAAAAAAAkUAAAAAQAAABQAAAAUAAAAFAAAAAEAAAAAAAAAZAAAAGQAAAAAAAAAZAAAAGQAAAAVAAAAYAAAAAAAAAAAAAAADwAAACADAAAAAAAAAAAAAAEAAACgMgAAVgcAAKr4//8BAAAAf39/AAEAAABkAAAAAAAAABQAAABAHwAAAAAAACYAAAAAAAAAwOD//wAAAAAmAAAAZAAAABYAAABMAAAAAAAAAAAAAAAEAAAAAAAAAAEAAACAgIAKAAAAACgAAAAoAAAAZAAAAGQAAAAAAAAAzMzMAAAAAABQAAAAUAAAAGQAAABkAAAAAAAAABcAAAAUAAAAAAAAAAAAAAD/fwAA/38AAAAAAAAJAAAABAAAAAAAAAAMAAAAEAAAAAAAAAAAAAAAAAAAAAAAAAAeAAAAaAAAAAAAAAAAAAAAAAAAAAAAAAAAAAAAECcAABAnAAAAAAAAAAAAAAAAAAAAAAAAAAAAAAAAAAAAAAAAAAAAABQAAAAAAAAAwMD/AAAAAABkAAAAMgAAAAAAAABkAAAAAAAAAH9/fwAKAAAAHwAAAFQAAAAAAAAFAAAAAQAAAAAAAAAAAAAAAAAAAAAAAAAAAAAAAAAAAAAAAAAAAAAAAn9/fwAAAAADzMzMAMDA/wB/f38AAAAAAAAAAAAAAAAAAAAAAAAAAAAhAAAAGAAAABQAAAA4EwAAGycAAAglAABZKQAAAAAAACYAAAAIAAAA//////////8="/>
+                <pr:smNativeData xmlns:pr="smNativeData" val="SMDATA_13_pLXxXhMAAAAlAAAAZAAAAA8BAAAAkAAAAEgAAACQAAAASAAAAAAAAAABAAAAAAAAAAEAAABQAAAAAAAAAAAA4D8AAAAAAADgPwAAAAAAAOA/AAAAAAAA4D8AAAAAAADgPwAAAAAAAOA/AAAAAAAA4D8AAAAAAADgPwAAAAAAAOA/AAAAAAAA4D8CAAAAjAAAAAAAAAAAAAAAu+DjDP///wgAAAAAAAAAAAAAAAAAAAAAAAAAAAAAAAAAAAAAZAAAAAEAAABAAAAAAAAAAAAAAAAAAAAAAAAAAAAAAAAAAAAAAAAAAAAAAAAAAAAAAAAAAAAAAAAAAAAAAAAAAAAAAAAAAAAAAAAAAAAAAAAAAAAAAAAAAAAAAAAAAAAAFAAAADwAAAAAAAAAAAAAAAAAAAkUAAAAAQAAABQAAAAUAAAAFAAAAAEAAAAAAAAAZAAAAGQAAAAAAAAAZAAAAGQAAAAVAAAAYAAAAAAAAAAAAAAADwAAACADAAAAAAAAAAAAAAEAAACgMgAAVgcAAKr4//8BAAAAf39/AAEAAABkAAAAAAAAABQAAABAHwAAAAAAACYAAAAAAAAAwOD//wAAAAAmAAAAZAAAABYAAABMAAAAAAAAAAAAAAAEAAAAAAAAAAEAAACAgIAKAAAAACgAAAAoAAAAZAAAAGQAAAAAAAAAzMzMAAAAAABQAAAAUAAAAGQAAABkAAAAAAAAABcAAAAUAAAAAAAAAAAAAAD/fwAA/38AAAAAAAAJAAAABAAAAAAAAAAMAAAAEAAAAAAAAAAAAAAAAAAAAAAAAAAeAAAAaAAAAAAAAAAAAAAAAAAAAAAAAAAAAAAAECcAABAnAAAAAAAAAAAAAAAAAAAAAAAAAAAAAAAAAAAAAAAAAAAAABQAAAAAAAAAwMD/AAAAAABkAAAAMgAAAAAAAABkAAAAAAAAAH9/fwAKAAAAHwAAAFQAAAAAAAAFAAAAAQAAAAAAAAAAAAAAAAAAAAAAAAAAAAAAAAAAAAAAAAAAAAAAAn9/fwAAAAADzMzMAMDA/wB/f38AAAAAAAAAAAAAAAAAAAAAAAAAAAAhAAAAGAAAABQAAAA4EwAAGycAAAglAABZKQAAAAAAACYAAAAIAAAA//////////8="/>
               </a:ext>
             </a:extLst>
           </p:cNvSpPr>
@@ -3016,7 +3020,7 @@
             <a:spLocks noGrp="1" noChangeArrowheads="1"/>
             <a:extLst>
               <a:ext uri="smNativeData">
-                <pr:smNativeData xmlns:pr="smNativeData" val="SMDATA_13_lazxXhMAAAAlAAAAZAAAAA8BAAAAkAAAAEgAAACQAAAASAAAAAAAAAABAAAAAAAAAAEAAABQAAAAAAAAAAAA4D8AAAAAAADgPwAAAAAAAOA/AAAAAAAA4D8AAAAAAADgPwAAAAAAAOA/AAAAAAAA4D8AAAAAAADgPwAAAAAAAOA/AAAAAAAA4D8CAAAAjAAAAAAAAAAAAAAAu+DjDP///wgAAAAAAAAAAAAAAAAAAAAAAAAAAAAAAAAAAAAAZAAAAAEAAABAAAAAAAAAAAAAAAAAAAAAAAAAAAAAAAAAAAAAAAAAAAAAAAAAAAAAAAAAAAAAAAAAAAAAAAAAAAAAAAAAAAAAAAAAAAAAAAAAAAAAAAAAAAAAAAAAAAAAFAAAADwAAAAAAAAAAAAAAAAAAAkUAAAAAQAAABQAAAAUAAAAFAAAAAEAAAAAAAAAZAAAAGQAAAAAAAAAZAAAAGQAAAAVAAAAYAAAAAAAAAAAAAAADwAAACADAAAAAAAAAAAAAAEAAACgMgAAVgcAAKr4//8BAAAAf39/AAEAAABkAAAAAAAAABQAAABAHwAAAAAAACYAAAAAAAAAwOD//wAAAAAmAAAAZAAAABYAAABMAAAAAAAAAAAAAAAEAAAAAAAAAAEAAACAgIAKAAAAACgAAAAoAAAAZAAAAGQAAAAAAAAAzMzMAAAAAABQAAAAUAAAAGQAAABkAAAAAAAAABcAAAAUAAAAAAAAAAAAAAD/fwAA/38AAAAAAAAJAAAABAAAAN0AAAAMAAAAEAAAAAAAAAAAAAAAAAAAAAAAAAAeAAAAaAAAAAAAAAAAAAAAAAAAAAAAAAAAAAAAECcAABAnAAAAAAAAAAAAAAAAAAAAAAAAAAAAAAAAAAAAAAAAAAAAABQAAAAAAAAAwMD/AAAAAABkAAAAMgAAAAAAAABkAAAAAAAAAH9/fwAKAAAAHwAAAFQAAAAAAAAFAAAAAQAAAAAAAAAAAAAAAAAAAAAAAAAAAAAAAAAAAAAAAAAAAAAAAn9/fwAAAAADzMzMAMDA/wB/f38AAAAAAAAAAAAAAAAAAAAAAAAAAAAhAAAAGAAAABQAAABQKAAAGycAAHA1AABZKQAAAAAAACYAAAAIAAAA//////////8="/>
+                <pr:smNativeData xmlns:pr="smNativeData" val="SMDATA_13_pLXxXhMAAAAlAAAAZAAAAA8BAAAAkAAAAEgAAACQAAAASAAAAAAAAAABAAAAAAAAAAEAAABQAAAAAAAAAAAA4D8AAAAAAADgPwAAAAAAAOA/AAAAAAAA4D8AAAAAAADgPwAAAAAAAOA/AAAAAAAA4D8AAAAAAADgPwAAAAAAAOA/AAAAAAAA4D8CAAAAjAAAAAAAAAAAAAAAu+DjDP///wgAAAAAAAAAAAAAAAAAAAAAAAAAAAAAAAAAAAAAZAAAAAEAAABAAAAAAAAAAAAAAAAAAAAAAAAAAAAAAAAAAAAAAAAAAAAAAAAAAAAAAAAAAAAAAAAAAAAAAAAAAAAAAAAAAAAAAAAAAAAAAAAAAAAAAAAAAAAAAAAAAAAAFAAAADwAAAAAAAAAAAAAAAAAAAkUAAAAAQAAABQAAAAUAAAAFAAAAAEAAAAAAAAAZAAAAGQAAAAAAAAAZAAAAGQAAAAVAAAAYAAAAAAAAAAAAAAADwAAACADAAAAAAAAAAAAAAEAAACgMgAAVgcAAKr4//8BAAAAf39/AAEAAABkAAAAAAAAABQAAABAHwAAAAAAACYAAAAAAAAAwOD//wAAAAAmAAAAZAAAABYAAABMAAAAAAAAAAAAAAAEAAAAAAAAAAEAAACAgIAKAAAAACgAAAAoAAAAZAAAAGQAAAAAAAAAzMzMAAAAAABQAAAAUAAAAGQAAABkAAAAAAAAABcAAAAUAAAAAAAAAAAAAAD/fwAA/38AAAAAAAAJAAAABAAAAN0AAAAMAAAAEAAAAAAAAAAAAAAAAAAAAAAAAAAeAAAAaAAAAAAAAAAAAAAAAAAAAAAAAAAAAAAAECcAABAnAAAAAAAAAAAAAAAAAAAAAAAAAAAAAAAAAAAAAAAAAAAAABQAAAAAAAAAwMD/AAAAAABkAAAAMgAAAAAAAABkAAAAAAAAAH9/fwAKAAAAHwAAAFQAAAAAAAAFAAAAAQAAAAAAAAAAAAAAAAAAAAAAAAAAAAAAAAAAAAAAAAAAAAAAAn9/fwAAAAADzMzMAMDA/wB/f38AAAAAAAAAAAAAAAAAAAAAAAAAAAAhAAAAGAAAABQAAABQKAAAGycAAHA1AABZKQAAAAAAACYAAAAIAAAA//////////8="/>
               </a:ext>
             </a:extLst>
           </p:cNvSpPr>
@@ -3051,7 +3055,7 @@
           </a:lstStyle>
           <a:p>
             <a:pPr/>
-            <a:fld id="{3F23BA62-2CD2-764C-9C9B-DA19F4D56A8F}" type="slidenum">
+            <a:fld id="{3F0FFDA9-E7D2-5A0B-9CB7-115EB3F96A44}" type="slidenum">
               <a:t/>
             </a:fld>
           </a:p>
@@ -3554,7 +3558,7 @@
             <a:spLocks noGrp="1" noChangeArrowheads="1"/>
             <a:extLst>
               <a:ext uri="smNativeData">
-                <pr:smNativeData xmlns:pr="smNativeData" val="SMDATA_13_lazxXhMAAAAlAAAAZAAAAA8BAAAAkAAAAEgAAACQAAAASAAAAAAAAAABAAAAAAAAAAEAAABQAAAAAAAAAAAA4D8AAAAAAADgPwAAAAAAAOA/AAAAAAAA4D8AAAAAAADgPwAAAAAAAOA/AAAAAAAA4D8AAAAAAADgPwAAAAAAAOA/AAAAAAAA4D8CAAAAjAAAAAAAAAAAAAAAu+DjDP///wgAAAAAAAAAAAAAAAAAAAAAAAAAAAAAAAAAAAAAZAAAAAEAAABAAAAAAAAAAAAAAAAAAAAAAAAAAAAAAAAAAAAAAAAAAAAAAAAAAAAAAAAAAAAAAAAAAAAAAAAAAAAAAAAAAAAAAAAAAAAAAAAAAAAAAAAAAAAAAAAAAAAAFAAAADwAAAAAAAAAAAAAAAAAAAkUAAAAAQAAABQAAAAUAAAAFAAAAAEAAAAAAAAAZAAAAGQAAAAAAAAAZAAAAGQAAAAVAAAAYAAAAAAAAAAAAAAADwAAACADAAAAAAAAAAAAAAEAAACgMgAAVgcAAKr4//8BAAAAf39/AAEAAABkAAAAAAAAABQAAABAHwAAAAAAACYAAAAAAAAAwOD//wAAAAAmAAAAZAAAABYAAABMAAAAAAAAAAAAAAAEAAAAAAAAAAEAAACAgIAKAAAAACgAAAAoAAAAZAAAAGQAAAAAAAAAzMzMAAAAAABQAAAAUAAAAGQAAABkAAAAAAAAABcAAAAUAAAAAAAAAAAAAAD/fwAA/38AAAAAAAAJAAAABAAAAAAAAAAMAAAAEAAAAAAAAAAAAAAAAAAAAAAAAAAeAAAAaAAAAAAAAAAAAAAAAAAAAAAAAAAAAAAAECcAABAnAAAAAAAAAAAAAAAAAAAAAAAAAAAAAAAAAAAAAAAAAAAAABQAAAAAAAAAwMD/AAAAAABkAAAAMgAAAAAAAABkAAAAAAAAAH9/fwAKAAAAHwAAAFQAAAC74OMF////AQAAAAAAAAAAAAAAAAAAAAAAAAAAAAAAAAAAAAAAAAAAAAAAAn9/fwCAgIADzMzMAMDA/wB/f38AAAAAAAAAAAAAAAAAAAAAAAAAAAAhAAAAGAAAABQAAAA4BAAAGg0AAAg0AAAmFgAAAAAAACYAAAAIAAAAAAAAAAAAAAA="/>
+                <pr:smNativeData xmlns:pr="smNativeData" val="SMDATA_13_pLXxXhMAAAAlAAAAZAAAAA8BAAAAkAAAAEgAAACQAAAASAAAAAAAAAABAAAAAAAAAAEAAABQAAAAAAAAAAAA4D8AAAAAAADgPwAAAAAAAOA/AAAAAAAA4D8AAAAAAADgPwAAAAAAAOA/AAAAAAAA4D8AAAAAAADgPwAAAAAAAOA/AAAAAAAA4D8CAAAAjAAAAAAAAAAAAAAAu+DjDP///wgAAAAAAAAAAAAAAAAAAAAAAAAAAAAAAAAAAAAAZAAAAAEAAABAAAAAAAAAAAAAAAAAAAAAAAAAAAAAAAAAAAAAAAAAAAAAAAAAAAAAAAAAAAAAAAAAAAAAAAAAAAAAAAAAAAAAAAAAAAAAAAAAAAAAAAAAAAAAAAAAAAAAFAAAADwAAAAAAAAAAAAAAAAAAAkUAAAAAQAAABQAAAAUAAAAFAAAAAEAAAAAAAAAZAAAAGQAAAAAAAAAZAAAAGQAAAAVAAAAYAAAAAAAAAAAAAAADwAAACADAAAAAAAAAAAAAAEAAACgMgAAVgcAAKr4//8BAAAAf39/AAEAAABkAAAAAAAAABQAAABAHwAAAAAAACYAAAAAAAAAwOD//wAAAAAmAAAAZAAAABYAAABMAAAAAAAAAAAAAAAEAAAAAAAAAAEAAACAgIAKAAAAACgAAAAoAAAAZAAAAGQAAAAAAAAAzMzMAAAAAABQAAAAUAAAAGQAAABkAAAAAAAAABcAAAAUAAAAAAAAAAAAAAD/fwAA/38AAAAAAAAJAAAABAAAAAAAAAAMAAAAEAAAAAAAAAAAAAAAAAAAAAAAAAAeAAAAaAAAAAAAAAAAAAAAAAAAAAAAAAAAAAAAECcAABAnAAAAAAAAAAAAAAAAAAAAAAAAAAAAAAAAAAAAAAAAAAAAABQAAAAAAAAAwMD/AAAAAABkAAAAMgAAAAAAAABkAAAAAAAAAH9/fwAKAAAAHwAAAFQAAAC74OMF////AQAAAAAAAAAAAAAAAAAAAAAAAAAAAAAAAAAAAAAAAAAAAAAAAn9/fwCAgIADzMzMAMDA/wB/f38AAAAAAAAAAAAAAAAAAAAAAAAAAAAhAAAAGAAAABQAAAA4BAAAGg0AAAg0AAAmFgAAAAAAACYAAAAIAAAAAAAAAAAAAAA="/>
               </a:ext>
             </a:extLst>
           </p:cNvSpPr>
@@ -3581,7 +3585,7 @@
             <a:spLocks noGrp="1" noChangeArrowheads="1"/>
             <a:extLst>
               <a:ext uri="smNativeData">
-                <pr:smNativeData xmlns:pr="smNativeData" val="SMDATA_13_lazxXhMAAAAlAAAAZAAAAA8BAAAAkAAAAEgAAACQAAAASAAAAAAAAAAAAAAAAAAAAAEAAABQAAAAAAAAAAAA4D8AAAAAAADgPwAAAAAAAOA/AAAAAAAA4D8AAAAAAADgPwAAAAAAAOA/AAAAAAAA4D8AAAAAAADgPwAAAAAAAOA/AAAAAAAA4D8CAAAAjAAAAAAAAAAAAAAAu+DjDP///wgAAAAAAAAAAAAAAAAAAAAAAAAAAAAAAAAAAAAAZAAAAAEAAABAAAAAAAAAAAAAAAAAAAAAAAAAAAAAAAAAAAAAAAAAAAAAAAAAAAAAAAAAAAAAAAAAAAAAAAAAAAAAAAAAAAAAAAAAAAAAAAAAAAAAAAAAAAAAAAAAAAAAFAAAADwAAAAAAAAAAAAAAAAAAAkUAAAAAQAAABQAAAAUAAAAFAAAAAEAAAAAAAAAZAAAAGQAAAAAAAAAZAAAAGQAAAAVAAAAYAAAAAAAAAAAAAAADwAAACADAAAAAAAAAAAAAAEAAACgMgAAVgcAAKr4//8BAAAAf39/AAEAAABkAAAAAAAAABQAAABAHwAAAAAAACYAAAAAAAAAwOD//wAAAAAmAAAAZAAAABYAAABMAAAAAAAAAAAAAAAEAAAAAAAAAAEAAACAgIAKAAAAACgAAAAoAAAAZAAAAGQAAAAAAAAAzMzMAAAAAABQAAAAUAAAAGQAAABkAAAAAAAAABcAAAAUAAAAAAAAAAAAAAD/fwAA/38AAAAAAAAJAAAABAAAAAAAAAAMAAAAEAAAAAAAAAAAAAAAAAAAAAAAAAAeAAAAaAAAAAAAAAAAAAAAAAAAAAAAAAAAAAAAECcAABAnAAAAAAAAAAAAAAAAAAAAAAAAAAAAAAAAAAAAAAAAAAAAABQAAAAAAAAAwMD/AAAAAABkAAAAMgAAAAAAAABkAAAAAAAAAH9/fwAKAAAAHwAAAFQAAAC74OMF////AQAAAAAAAAAAAAAAAAAAAAAAAAAAAAAAAAAAAAAAAAAAAAAAAn9/fwCAgIADzMzMAMDA/wB/f38AAAAAAAAAAAAAAAAAAAAAAAAAAAAhAAAAGAAAABQAAABwCAAA6BcAANAvAACwIgAAAAAAACYAAAAIAAAAAAAAAAAAAAA="/>
+                <pr:smNativeData xmlns:pr="smNativeData" val="SMDATA_13_pLXxXhMAAAAlAAAAZAAAAA8BAAAAkAAAAEgAAACQAAAASAAAAAAAAAAAAAAAAAAAAAEAAABQAAAAAAAAAAAA4D8AAAAAAADgPwAAAAAAAOA/AAAAAAAA4D8AAAAAAADgPwAAAAAAAOA/AAAAAAAA4D8AAAAAAADgPwAAAAAAAOA/AAAAAAAA4D8CAAAAjAAAAAAAAAAAAAAAu+DjDP///wgAAAAAAAAAAAAAAAAAAAAAAAAAAAAAAAAAAAAAZAAAAAEAAABAAAAAAAAAAAAAAAAAAAAAAAAAAAAAAAAAAAAAAAAAAAAAAAAAAAAAAAAAAAAAAAAAAAAAAAAAAAAAAAAAAAAAAAAAAAAAAAAAAAAAAAAAAAAAAAAAAAAAFAAAADwAAAAAAAAAAAAAAAAAAAkUAAAAAQAAABQAAAAUAAAAFAAAAAEAAAAAAAAAZAAAAGQAAAAAAAAAZAAAAGQAAAAVAAAAYAAAAAAAAAAAAAAADwAAACADAAAAAAAAAAAAAAEAAACgMgAAVgcAAKr4//8BAAAAf39/AAEAAABkAAAAAAAAABQAAABAHwAAAAAAACYAAAAAAAAAwOD//wAAAAAmAAAAZAAAABYAAABMAAAAAAAAAAAAAAAEAAAAAAAAAAEAAACAgIAKAAAAACgAAAAoAAAAZAAAAGQAAAAAAAAAzMzMAAAAAABQAAAAUAAAAGQAAABkAAAAAAAAABcAAAAUAAAAAAAAAAAAAAD/fwAA/38AAAAAAAAJAAAABAAAAAAAAAAMAAAAEAAAAAAAAAAAAAAAAAAAAAAAAAAeAAAAaAAAAAAAAAAAAAAAAAAAAAAAAAAAAAAAECcAABAnAAAAAAAAAAAAAAAAAAAAAAAAAAAAAAAAAAAAAAAAAAAAABQAAAAAAAAAwMD/AAAAAABkAAAAMgAAAAAAAABkAAAAAAAAAH9/fwAKAAAAHwAAAFQAAAC74OMF////AQAAAAAAAAAAAAAAAAAAAAAAAAAAAAAAAAAAAAAAAAAAAAAAAn9/fwCAgIADzMzMAMDA/wB/f38AAAAAAAAAAAAAAAAAAAAAAAAAAAAhAAAAGAAAABQAAABwCAAA6BcAANAvAACwIgAAAAAAACYAAAAIAAAAAAAAAAAAAAA="/>
               </a:ext>
             </a:extLst>
           </p:cNvSpPr>
@@ -3646,7 +3650,7 @@
             <a:spLocks noGrp="1" noChangeArrowheads="1"/>
             <a:extLst>
               <a:ext uri="smNativeData">
-                <pr:smNativeData xmlns:pr="smNativeData" val="SMDATA_13_lazxXhMAAAAlAAAAZAAAAA8BAAAAkAAAAEgAAACQAAAASAAAAAAAAAABAAAAAAAAAAEAAABQAAAAAAAAAAAA4D8AAAAAAADgPwAAAAAAAOA/AAAAAAAA4D8AAAAAAADgPwAAAAAAAOA/AAAAAAAA4D8AAAAAAADgPwAAAAAAAOA/AAAAAAAA4D8CAAAAjAAAAAAAAAAAAAAAu+DjDP///wgAAAAAAAAAAAAAAAAAAAAAAAAAAAAAAAAAAAAAZAAAAAEAAABAAAAAAAAAAAAAAAAAAAAAAAAAAAAAAAAAAAAAAAAAAAAAAAAAAAAAAAAAAAAAAAAAAAAAAAAAAAAAAAAAAAAAAAAAAAAAAAAAAAAAAAAAAAAAAAAAAAAAFAAAADwAAAAAAAAAAAAAAAAAAAkUAAAAAQAAABQAAAAUAAAAFAAAAAEAAAAAAAAAZAAAAGQAAAAAAAAAZAAAAGQAAAAVAAAAYAAAAAAAAAAAAAAADwAAACADAAAAAAAAAAAAAAEAAACgMgAAVgcAAKr4//8BAAAAf39/AAEAAABkAAAAAAAAABQAAABAHwAAAAAAACYAAAAAAAAAwOD//wAAAAAmAAAAZAAAABYAAABMAAAAAAAAAAAAAAAEAAAAAAAAAAEAAACAgIAKAAAAACgAAAAoAAAAZAAAAGQAAAAAAAAAzMzMAAAAAABQAAAAUAAAAGQAAABkAAAAAAAAABcAAAAUAAAAAAAAAAAAAAD/fwAA/38AAAAAAAAJAAAABAAAAAAAAAAMAAAAEAAAAAAAAAAAAAAAAAAAAAAAAAAeAAAAaAAAAAAAAAAAAAAAAAAAAAAAAAAAAAAAECcAABAnAAAAAAAAAAAAAAAAAAAAAAAAAAAAAAAAAAAAAAAAAAAAABQAAAAAAAAAwMD/AAAAAABkAAAAMgAAAAAAAABkAAAAAAAAAH9/fwAKAAAAHwAAAFQAAAC74OMF////AQAAAAAAAAAAAAAAAAAAAAAAAAAAAAAAAAAAAAAAAAAAAAAAAn9/fwCAgIADzMzMAMDA/wB/f38AAAAAAAAAAAAAAAAAAAAAAAAAAAAhAAAAGAAAABQAAADQAgAAsAEAAHA1AAC4CAAAAAAAACYAAAAIAAAAAAAAAAAAAAA="/>
+                <pr:smNativeData xmlns:pr="smNativeData" val="SMDATA_13_pLXxXhMAAAAlAAAAZAAAAA8BAAAAkAAAAEgAAACQAAAASAAAAAAAAAABAAAAAAAAAAEAAABQAAAAAAAAAAAA4D8AAAAAAADgPwAAAAAAAOA/AAAAAAAA4D8AAAAAAADgPwAAAAAAAOA/AAAAAAAA4D8AAAAAAADgPwAAAAAAAOA/AAAAAAAA4D8CAAAAjAAAAAAAAAAAAAAAu+DjDP///wgAAAAAAAAAAAAAAAAAAAAAAAAAAAAAAAAAAAAAZAAAAAEAAABAAAAAAAAAAAAAAAAAAAAAAAAAAAAAAAAAAAAAAAAAAAAAAAAAAAAAAAAAAAAAAAAAAAAAAAAAAAAAAAAAAAAAAAAAAAAAAAAAAAAAAAAAAAAAAAAAAAAAFAAAADwAAAAAAAAAAAAAAAAAAAkUAAAAAQAAABQAAAAUAAAAFAAAAAEAAAAAAAAAZAAAAGQAAAAAAAAAZAAAAGQAAAAVAAAAYAAAAAAAAAAAAAAADwAAACADAAAAAAAAAAAAAAEAAACgMgAAVgcAAKr4//8BAAAAf39/AAEAAABkAAAAAAAAABQAAABAHwAAAAAAACYAAAAAAAAAwOD//wAAAAAmAAAAZAAAABYAAABMAAAAAAAAAAAAAAAEAAAAAAAAAAEAAACAgIAKAAAAACgAAAAoAAAAZAAAAGQAAAAAAAAAzMzMAAAAAABQAAAAUAAAAGQAAABkAAAAAAAAABcAAAAUAAAAAAAAAAAAAAD/fwAA/38AAAAAAAAJAAAABAAAAAAAAAAMAAAAEAAAAAAAAAAAAAAAAAAAAAAAAAAeAAAAaAAAAAAAAAAAAAAAAAAAAAAAAAAAAAAAECcAABAnAAAAAAAAAAAAAAAAAAAAAAAAAAAAAAAAAAAAAAAAAAAAABQAAAAAAAAAwMD/AAAAAABkAAAAMgAAAAAAAABkAAAAAAAAAH9/fwAKAAAAHwAAAFQAAAC74OMF////AQAAAAAAAAAAAAAAAAAAAAAAAAAAAAAAAAAAAAAAAAAAAAAAAn9/fwCAgIADzMzMAMDA/wB/f38AAAAAAAAAAAAAAAAAAAAAAAAAAAAhAAAAGAAAABQAAADQAgAAsAEAAHA1AAC4CAAAAAAAACYAAAAIAAAAAAAAAAAAAAA="/>
               </a:ext>
             </a:extLst>
           </p:cNvSpPr>
@@ -3672,7 +3676,7 @@
           <p:cNvSpPr txBox="1">
             <a:extLst>
               <a:ext uri="smNativeData">
-                <pr:smNativeData xmlns:pr="smNativeData" val="SMDATA_13_lazxXhMAAAAlAAAAEgAAAE8BAAAAkAAAAEgAAACQAAAASAAAAAAAAAAAAAAAAAAAAAEAAABQAAAAAAAAAAAA4D8AAAAAAADgPwAAAAAAAOA/AAAAAAAA4D8AAAAAAADgPwAAAAAAAOA/AAAAAAAA4D8AAAAAAADgPwAAAAAAAOA/AAAAAAAA4D8CAAAAjAAAAAAAAAAAAAAAu+DjDP///wgAAAAAAAAAAAAAAAAAAAAAAAAAAAAAAAAAAAAAZAAAAAEAAABAAAAAAAAAAAAAAAAAAAAAAAAAAAAAAAAAAAAAAAAAAAAAAAAAAAAAAAAAAAAAAAAAAAAAAAAAAAAAAAAAAAAAAAAAAAAAAAAAAAAAAAAAAAAAAAAAAAAAFAAAADwAAAAAAAAAAAAAAAAAAAkUAAAAAQAAABQAAAAUAAAAFAAAAAEAAAAAAAAAZAAAAGQAAAAAAAAAZAAAAGQAAAAVAAAAYAAAAAAAAAAAAAAADwAAACADAAAAAAAAAAAAAAEAAACgMgAAVgcAAKr4//8BAAAAf39/AAEAAABkAAAAAAAAABQAAABAHwAAAAAAACYAAAAAAAAAwOD//wAAAAAmAAAAZAAAABYAAABMAAAAAAAAAAAAAAAEAAAAAAAAAAEAAACAgIAKAAAAACgAAAAoAAAAZAAAAGQAAAAAAAAAzMzMAAAAAABQAAAAUAAAAGQAAABkAAAAAAAAABcAAAAUAAAAAAAAACIdAAD/fwAA/38AAAAAAAAJAAAABAAAAAAAAAAMAAAAEAAAAAAAAAAAAAAAAAAAAAAAAAAeAAAAaAAAAAAAAAAAAAAAAAAAAAAAAAAAAAAAECcAABAnAAAAAAAAAAAAAAAAAAAAAAAAAAAAAAAAAAAAAAAAAAAAABQAAAAAAAAAwMD/AAAAAABkAAAAMgAAAAAAAABkAAAAAAAAAH9/fwAKAAAAHwAAAFQAAAC74OMF////AQAAAAAAAAAAAAAAAAAAAAAAAAAAAAAAAAAAAAAAAAAAAAAAAn9/fwCAgIADzMzMAMDA/wB/f38AAAAAAAAAAAAAAAAAAAAAAAAAAAAhAAAAGAAAABQAAAAXAwAACQsAAGk1AAA5IwAAACAAACYAAAAIAAAA//////////8="/>
+                <pr:smNativeData xmlns:pr="smNativeData" val="SMDATA_13_pLXxXhMAAAAlAAAAEgAAAE8BAAAAkAAAAEgAAACQAAAASAAAAAAAAAAAAAAAAAAAAAEAAABQAAAAAAAAAAAA4D8AAAAAAADgPwAAAAAAAOA/AAAAAAAA4D8AAAAAAADgPwAAAAAAAOA/AAAAAAAA4D8AAAAAAADgPwAAAAAAAOA/AAAAAAAA4D8CAAAAjAAAAAAAAAAAAAAAu+DjDP///wgAAAAAAAAAAAAAAAAAAAAAAAAAAAAAAAAAAAAAZAAAAAEAAABAAAAAAAAAAAAAAAAAAAAAAAAAAAAAAAAAAAAAAAAAAAAAAAAAAAAAAAAAAAAAAAAAAAAAAAAAAAAAAAAAAAAAAAAAAAAAAAAAAAAAAAAAAAAAAAAAAAAAFAAAADwAAAAAAAAAAAAAAAAAAAkUAAAAAQAAABQAAAAUAAAAFAAAAAEAAAAAAAAAZAAAAGQAAAAAAAAAZAAAAGQAAAAVAAAAYAAAAAAAAAAAAAAADwAAACADAAAAAAAAAAAAAAEAAACgMgAAVgcAAKr4//8BAAAAf39/AAEAAABkAAAAAAAAABQAAABAHwAAAAAAACYAAAAAAAAAwOD//wAAAAAmAAAAZAAAABYAAABMAAAAAAAAAAAAAAAEAAAAAAAAAAEAAACAgIAKAAAAACgAAAAoAAAAZAAAAGQAAAAAAAAAzMzMAAAAAABQAAAAUAAAAGQAAABkAAAAAAAAABcAAAAUAAAAAAAAACIdAAD/fwAA/38AAAAAAAAJAAAABAAAAAAAAAAMAAAAEAAAAAAAAAAAAAAAAAAAAAAAAAAeAAAAaAAAAAAAAAAAAAAAAAAAAAAAAAAAAAAAECcAABAnAAAAAAAAAAAAAAAAAAAAAAAAAAAAAAAAAAAAAAAAAAAAABQAAAAAAAAAwMD/AAAAAABkAAAAMgAAAAAAAABkAAAAAAAAAH9/fwAKAAAAHwAAAFQAAAC74OMF////AQAAAAAAAAAAAAAAAAAAAAAAAAAAAAAAAAAAAAAAAAAAAAAAAn9/fwCAgIADzMzMAMDA/wB/f38AAAAAAAAAAAAAAAAAAAAAAAAAAAAhAAAAGAAAABQAAAAXAwAACQsAAGk1AAA5IwAAACAAACYAAAAIAAAA//////////8="/>
               </a:ext>
             </a:extLst>
           </p:cNvSpPr>
@@ -3760,6 +3764,324 @@
           </a:p>
         </p:txBody>
       </p:sp>
+    </p:spTree>
+  </p:cSld>
+  <p:clrMapOvr>
+    <a:masterClrMapping/>
+  </p:clrMapOvr>
+  <p:timing>
+    <p:tnLst>
+      <p:par>
+        <p:cTn id="1" dur="indefinite" restart="never" nodeType="tmRoot"/>
+      </p:par>
+    </p:tnLst>
+  </p:timing>
+</p:sld>
+</file>
+
+<file path=ppt/slides/slide3.xml><?xml version="1.0" encoding="utf-8"?>
+<p:sld xmlns:p="http://schemas.openxmlformats.org/presentationml/2006/main" xmlns:p14="http://schemas.microsoft.com/office/powerpoint/2010/main" xmlns:r="http://schemas.openxmlformats.org/officeDocument/2006/relationships" xmlns:a="http://schemas.openxmlformats.org/drawingml/2006/main">
+  <p:cSld>
+    <p:spTree>
+      <p:nvGrpSpPr>
+        <p:cNvPr id="1" name=""/>
+        <p:cNvGrpSpPr/>
+        <p:nvPr/>
+      </p:nvGrpSpPr>
+      <p:grpSpPr>
+        <a:xfrm>
+          <a:off x="0" y="0"/>
+          <a:ext cx="0" cy="0"/>
+          <a:chOff x="0" y="0"/>
+          <a:chExt cx="0" cy="0"/>
+        </a:xfrm>
+      </p:grpSpPr>
+      <p:sp>
+        <p:nvSpPr>
+          <p:cNvPr id="2" name="SlideTitle1"/>
+          <p:cNvSpPr>
+            <a:spLocks noGrp="1" noChangeArrowheads="1"/>
+            <a:extLst>
+              <a:ext uri="smNativeData">
+                <pr:smNativeData xmlns:pr="smNativeData" val="SMDATA_13_pLXxXhMAAAAlAAAAZAAAAA8BAAAAkAAAAEgAAACQAAAASAAAAAAAAAABAAAAAAAAAAEAAABQAAAAAAAAAAAA4D8AAAAAAADgPwAAAAAAAOA/AAAAAAAA4D8AAAAAAADgPwAAAAAAAOA/AAAAAAAA4D8AAAAAAADgPwAAAAAAAOA/AAAAAAAA4D8CAAAAjAAAAAAAAAAAAAAAu+DjDP///wgAAAAAAAAAAAAAAAAAAAAAAAAAAAAAAAAAAAAAZAAAAAEAAABAAAAAAAAAAAAAAAAAAAAAAAAAAAAAAAAAAAAAAAAAAAAAAAAAAAAAAAAAAAAAAAAAAAAAAAAAAAAAAAAAAAAAAAAAAAAAAAAAAAAAAAAAAAAAAAAAAAAAFAAAADwAAAAAAAAAAAAAAAAAAAkUAAAAAQAAABQAAAAUAAAAFAAAAAEAAAAAAAAAZAAAAGQAAAAAAAAAZAAAAGQAAAAVAAAAYAAAAAAAAAAAAAAADwAAACADAAAAAAAAAAAAAAEAAACgMgAAVgcAAKr4//8BAAAAf39/AAEAAABkAAAAAAAAABQAAABAHwAAAAAAACYAAAAAAAAAwOD//wAAAAAmAAAAZAAAABYAAABMAAAAAAAAAAAAAAAEAAAAAAAAAAEAAACAgIAKAAAAACgAAAAoAAAAZAAAAGQAAAAAAAAAzMzMAAAAAABQAAAAUAAAAGQAAABkAAAAAAAAABcAAAAUAAAAAAAAAAAAAAD/fwAA/38AAAAAAAAJAAAABAAAAEwAYQAMAAAAEAAAAAAAAAAAAAAAAAAAAAAAAAAeAAAAaAAAAAAAAAAAAAAAAAAAAAAAAAAAAAAAECcAABAnAAAAAAAAAAAAAAAAAAAAAAAAAAAAAAAAAAAAAAAAAAAAABQAAAAAAAAAwMD/AAAAAABkAAAAMgAAAAAAAABkAAAAAAAAAH9/fwAKAAAAHwAAAFQAAAC74OMF////AQAAAAAAAAAAAAAAAAAAAAAAAAAAAAAAAAAAAAAAAAAAAAAAAn9/fwCAgIADzMzMAMDA/wB/f38AAAAAAAAAAAAAAAAAAAAAAAAAAAAhAAAAGAAAABQAAADQAgAAsAEAAHA1AAC4CAAAAAAAACYAAAAIAAAAAAAAAAAAAAA="/>
+              </a:ext>
+            </a:extLst>
+          </p:cNvSpPr>
+          <p:nvPr>
+            <p:ph type="title"/>
+          </p:nvPr>
+        </p:nvSpPr>
+        <p:spPr/>
+        <p:txBody>
+          <a:bodyPr/>
+          <a:lstStyle/>
+          <a:p>
+            <a:pPr/>
+            <a:r>
+              <a:t>Visual Studio</a:t>
+            </a:r>
+          </a:p>
+        </p:txBody>
+      </p:sp>
+      <p:pic>
+        <p:nvPicPr>
+          <p:cNvPr id="3" name="Picture1"/>
+          <p:cNvPicPr>
+            <a:picLocks noChangeAspect="1"/>
+            <a:extLst>
+              <a:ext uri="smNativeData">
+                <pr:smNativeData xmlns:pr="smNativeData" val="SMDATA_15_pLXxXhMAAAAlAAAAEQAAAC8BAAAAkAAAAEgAAACQAAAASAAAAAAAAAAAAAAAAAAAAAEAAABQAAAAAAAAAAAA4D8AAAAAAADgPwAAAAAAAOA/AAAAAAAA4D8AAAAAAADgPwAAAAAAAOA/AAAAAAAA4D8AAAAAAADgPwAAAAAAAOA/AAAAAAAA4D8CAAAAjAAAAAAAAAAAAAAAu+DjDP///wgAAAAAAAAAAAAAAAAAAAAAAAAAAAAAAAAAAAAAZAAAAAEAAABAAAAAAAAAAAAAAAAAAAAAAAAAAAAAAAAAAAAAAAAAAAAAAAAAAAAAAAAAAAAAAAAAAAAAAAAAAAAAAAAAAAAAAAAAAAAAAAAAAAAAAAAAAAAAAAAAAAAAFAAAADwAAAAAAAAAAAAAAAAAAAkUAAAAAQAAABQAAAAUAAAAFAAAAAEAAAAAAAAAZAAAAGQAAAAAAAAAZAAAAGQAAAAVAAAAYAAAAAAAAAAAAAAADwAAACADAAAAAAAAAAAAAAEAAACgMgAAVgcAAKr4//8BAAAAf39/AAEAAABkAAAAAAAAABQAAABAHwAAAAAAACYAAAAAAAAAwOD//wAAAAAmAAAAZAAAABYAAABMAAAAAAAAAAAAAAAEAAAAAAAAAAEAAACAgIAKAAAAACgAAAAoAAAAZAAAAGQAAAAAAAAAzMzMAAAAAABQAAAAUAAAAGQAAABkAAAAAAAAAAcAAAA4AAAAAAAAAAAAAAAAAAAA////AAAAAAAAAAAAAAAAAAAAAAAAAAAAAAAAAAAAAABkAAAAZAAAAAAAAAAjAAAABAAAAGQAAAAXAAAAFAAAAAAAAAAAAAAA/38AAP9/AAAAAAAACQAAAAQAAADw/f//DAAAABAAAAAAAAAAAAAAAAAAAAAAAAAAHgAAAGgAAAAAAAAAAAAAAAAAAAAAAAAAAAAAABAnAAAQJwAAAAAAAAAAAAAAAAAAAAAAAAAAAAAAAAAAAAAAAAAAAAAUAAAAAAAAAMDA/wAAAAAAZAAAADIAAAAAAAAAZAAAAAAAAAB/f38ACgAAAB8AAABUAAAAu+DjBf///wEAAAAAAAAAAAAAAAAAAAAAAAAAAAAAAAAAAAAAAAAAAAAAAAJ/f38AgICAA8zMzADAwP8Af39/AAAAAAAAAAAAAAAAAP///wAAAAAAIQAAABgAAAAUAAAA1AgAAEAKAADDMgAAMCoAAAAAAAAmAAAACAAAAP//////////"/>
+              </a:ext>
+            </a:extLst>
+          </p:cNvPicPr>
+          <p:nvPr/>
+        </p:nvPicPr>
+        <p:blipFill>
+          <a:blip r:embed="rId2"/>
+          <a:stretch>
+            <a:fillRect/>
+          </a:stretch>
+        </p:blipFill>
+        <p:spPr>
+          <a:xfrm>
+            <a:off x="1435100" y="1666240"/>
+            <a:ext cx="6816725" cy="5191760"/>
+          </a:xfrm>
+          <a:prstGeom prst="rect">
+            <a:avLst/>
+          </a:prstGeom>
+          <a:noFill/>
+          <a:ln>
+            <a:noFill/>
+          </a:ln>
+          <a:effectLst/>
+        </p:spPr>
+      </p:pic>
+    </p:spTree>
+  </p:cSld>
+  <p:clrMapOvr>
+    <a:masterClrMapping/>
+  </p:clrMapOvr>
+  <p:timing>
+    <p:tnLst>
+      <p:par>
+        <p:cTn id="1" dur="indefinite" restart="never" nodeType="tmRoot"/>
+      </p:par>
+    </p:tnLst>
+  </p:timing>
+</p:sld>
+</file>
+
+<file path=ppt/slides/slide4.xml><?xml version="1.0" encoding="utf-8"?>
+<p:sld xmlns:p="http://schemas.openxmlformats.org/presentationml/2006/main" xmlns:p14="http://schemas.microsoft.com/office/powerpoint/2010/main" xmlns:r="http://schemas.openxmlformats.org/officeDocument/2006/relationships" xmlns:a="http://schemas.openxmlformats.org/drawingml/2006/main">
+  <p:cSld>
+    <p:spTree>
+      <p:nvGrpSpPr>
+        <p:cNvPr id="1" name=""/>
+        <p:cNvGrpSpPr/>
+        <p:nvPr/>
+      </p:nvGrpSpPr>
+      <p:grpSpPr>
+        <a:xfrm>
+          <a:off x="0" y="0"/>
+          <a:ext cx="0" cy="0"/>
+          <a:chOff x="0" y="0"/>
+          <a:chExt cx="0" cy="0"/>
+        </a:xfrm>
+      </p:grpSpPr>
+      <p:sp>
+        <p:nvSpPr>
+          <p:cNvPr id="2" name="SlideTitle1"/>
+          <p:cNvSpPr>
+            <a:spLocks noGrp="1" noChangeArrowheads="1"/>
+            <a:extLst>
+              <a:ext uri="smNativeData">
+                <pr:smNativeData xmlns:pr="smNativeData" val="SMDATA_13_pLXxXhMAAAAlAAAAZAAAAA8BAAAAkAAAAEgAAACQAAAASAAAAAAAAAABAAAAAAAAAAEAAABQAAAAAAAAAAAA4D8AAAAAAADgPwAAAAAAAOA/AAAAAAAA4D8AAAAAAADgPwAAAAAAAOA/AAAAAAAA4D8AAAAAAADgPwAAAAAAAOA/AAAAAAAA4D8CAAAAjAAAAAAAAAAAAAAAu+DjDP///wgAAAAAAAAAAAAAAAAAAAAAAAAAAAAAAAAAAAAAZAAAAAEAAABAAAAAAAAAAAAAAAAAAAAAAAAAAAAAAAAAAAAAAAAAAAAAAAAAAAAAAAAAAAAAAAAAAAAAAAAAAAAAAAAAAAAAAAAAAAAAAAAAAAAAAAAAAAAAAAAAAAAAFAAAADwAAAAAAAAAAAAAAAAAAAkUAAAAAQAAABQAAAAUAAAAFAAAAAEAAAAAAAAAZAAAAGQAAAAAAAAAZAAAAGQAAAAVAAAAYAAAAAAAAAAAAAAADwAAACADAAAAAAAAAAAAAAEAAACgMgAAVgcAAKr4//8BAAAAf39/AAEAAABkAAAAAAAAABQAAABAHwAAAAAAACYAAAAAAAAAwOD//wAAAAAmAAAAZAAAABYAAABMAAAAAAAAAAAAAAAEAAAAAAAAAAEAAACAgIAKAAAAACgAAAAoAAAAZAAAAGQAAAAAAAAAzMzMAAAAAABQAAAAUAAAAGQAAABkAAAAAAAAABcAAAAUAAAAAAAAAAAAAAD/fwAA/38AAAAAAAAJAAAABAAAAAAuAE4MAAAAEAAAAAAAAAAAAAAAAAAAAAAAAAAeAAAAaAAAAAAAAAAAAAAAAAAAAAAAAAAAAAAAECcAABAnAAAAAAAAAAAAAAAAAAAAAAAAAAAAAAAAAAAAAAAAAAAAABQAAAAAAAAAwMD/AAAAAABkAAAAMgAAAAAAAABkAAAAAAAAAH9/fwAKAAAAHwAAAFQAAAC74OMF////AQAAAAAAAAAAAAAAAAAAAAAAAAAAAAAAAAAAAAAAAAAAAAAAAn9/fwCAgIADzMzMAMDA/wB/f38AAAAAAAAAAAAAAAAAAAAAAAAAAAAhAAAAGAAAABQAAADQAgAAsAEAAHA1AAC4CAAAAAAAACYAAAAIAAAAAAAAAAAAAAA="/>
+              </a:ext>
+            </a:extLst>
+          </p:cNvSpPr>
+          <p:nvPr>
+            <p:ph type="title"/>
+          </p:nvPr>
+        </p:nvSpPr>
+        <p:spPr/>
+        <p:txBody>
+          <a:bodyPr/>
+          <a:lstStyle/>
+          <a:p>
+            <a:pPr/>
+            <a:r>
+              <a:t>Low-Code</a:t>
+            </a:r>
+          </a:p>
+        </p:txBody>
+      </p:sp>
+      <p:pic>
+        <p:nvPicPr>
+          <p:cNvPr id="3" name="Picture1"/>
+          <p:cNvPicPr>
+            <a:picLocks noChangeAspect="1"/>
+            <a:extLst>
+              <a:ext uri="smNativeData">
+                <pr:smNativeData xmlns:pr="smNativeData" val="SMDATA_15_pLXxXhMAAAAlAAAAEQAAAC8BAAAAkAAAAEgAAACQAAAASAAAAAAAAAAAAAAAAAAAAAEAAABQAAAAAAAAAAAA4D8AAAAAAADgPwAAAAAAAOA/AAAAAAAA4D8AAAAAAADgPwAAAAAAAOA/AAAAAAAA4D8AAAAAAADgPwAAAAAAAOA/AAAAAAAA4D8CAAAAjAAAAAAAAAAAAAAAu+DjDP///wgAAAAAAAAAAAAAAAAAAAAAAAAAAAAAAAAAAAAAZAAAAAEAAABAAAAAAAAAAAAAAAAAAAAAAAAAAAAAAAAAAAAAAAAAAAAAAAAAAAAAAAAAAAAAAAAAAAAAAAAAAAAAAAAAAAAAAAAAAAAAAAAAAAAAAAAAAAAAAAAAAAAAFAAAADwAAAAAAAAAAAAAAAAAAAkUAAAAAQAAABQAAAAUAAAAFAAAAAEAAAAAAAAAZAAAAGQAAAAAAAAAZAAAAGQAAAAVAAAAYAAAAAAAAAAAAAAADwAAACADAAAAAAAAAAAAAAEAAACgMgAAVgcAAKr4//8BAAAAf39/AAEAAABkAAAAAAAAABQAAABAHwAAAAAAACYAAAAAAAAAwOD//wAAAAAmAAAAZAAAABYAAABMAAAAAAAAAAAAAAAEAAAAAAAAAAEAAACAgIAKAAAAACgAAAAoAAAAZAAAAGQAAAAAAAAAzMzMAAAAAABQAAAAUAAAAGQAAABkAAAAAAAAAAcAAAA4AAAAAAAAAAAAAAAAAAAA////AAAAAAAAAAAAAAAAAAAAAAAAAAAAAAAAAAAAAABkAAAAZAAAAAAAAAAjAAAABAAAAGQAAAAXAAAAFAAAAAAAAAAAAAAA/38AAP9/AAAAAAAACQAAAAQAAAAAAAAADAAAABAAAAAAAAAAAAAAAAAAAAAAAAAAHgAAAGgAAAAAAAAAAAAAAAAAAAAAAAAAAAAAABAnAAAQJwAAAAAAAAAAAAAAAAAAAAAAAAAAAAAAAAAAAAAAAAAAAAAUAAAAAAAAAMDA/wAAAAAAZAAAADIAAAAAAAAAZAAAAAAAAAB/f38ACgAAAB8AAABUAAAAu+DjBf///wEAAAAAAAAAAAAAAAAAAAAAAAAAAAAAAAAAAAAAAAAAAAAAAAJ/f38AgICAA8zMzADAwP8Af39/AAAAAAAAAAAAAAAAAP///wAAAAAAIQAAABgAAAAUAAAA0gIAAHoLAABpNQAAwCgAAAAAAAAmAAAACAAAAP//////////"/>
+              </a:ext>
+            </a:extLst>
+          </p:cNvPicPr>
+          <p:nvPr/>
+        </p:nvPicPr>
+        <p:blipFill>
+          <a:blip r:embed="rId2"/>
+          <a:stretch>
+            <a:fillRect/>
+          </a:stretch>
+        </p:blipFill>
+        <p:spPr>
+          <a:xfrm>
+            <a:off x="458470" y="1865630"/>
+            <a:ext cx="8223885" cy="4758690"/>
+          </a:xfrm>
+          <a:prstGeom prst="rect">
+            <a:avLst/>
+          </a:prstGeom>
+          <a:noFill/>
+          <a:ln>
+            <a:noFill/>
+          </a:ln>
+          <a:effectLst/>
+        </p:spPr>
+      </p:pic>
+    </p:spTree>
+  </p:cSld>
+  <p:clrMapOvr>
+    <a:masterClrMapping/>
+  </p:clrMapOvr>
+  <p:timing>
+    <p:tnLst>
+      <p:par>
+        <p:cTn id="1" dur="indefinite" restart="never" nodeType="tmRoot"/>
+      </p:par>
+    </p:tnLst>
+  </p:timing>
+</p:sld>
+</file>
+
+<file path=ppt/slides/slide5.xml><?xml version="1.0" encoding="utf-8"?>
+<p:sld xmlns:p="http://schemas.openxmlformats.org/presentationml/2006/main" xmlns:p14="http://schemas.microsoft.com/office/powerpoint/2010/main" xmlns:r="http://schemas.openxmlformats.org/officeDocument/2006/relationships" xmlns:a="http://schemas.openxmlformats.org/drawingml/2006/main">
+  <p:cSld>
+    <p:spTree>
+      <p:nvGrpSpPr>
+        <p:cNvPr id="1" name=""/>
+        <p:cNvGrpSpPr/>
+        <p:nvPr/>
+      </p:nvGrpSpPr>
+      <p:grpSpPr>
+        <a:xfrm>
+          <a:off x="0" y="0"/>
+          <a:ext cx="0" cy="0"/>
+          <a:chOff x="0" y="0"/>
+          <a:chExt cx="0" cy="0"/>
+        </a:xfrm>
+      </p:grpSpPr>
+      <p:pic>
+        <p:nvPicPr>
+          <p:cNvPr id="2" name="Picture1"/>
+          <p:cNvPicPr>
+            <a:picLocks noChangeAspect="1"/>
+            <a:extLst>
+              <a:ext uri="smNativeData">
+                <pr:smNativeData xmlns:pr="smNativeData" val="SMDATA_15_pLXxXhMAAAAlAAAAEQAAAC8BAAAAkAAAAEgAAACQAAAASAAAAAAAAAAAAAAAAAAAAAEAAABQAAAAAAAAAAAA4D8AAAAAAADgPwAAAAAAAOA/AAAAAAAA4D8AAAAAAADgPwAAAAAAAOA/AAAAAAAA4D8AAAAAAADgPwAAAAAAAOA/AAAAAAAA4D8CAAAAjAAAAAAAAAAAAAAAu+DjDP///wgAAAAAAAAAAAAAAAAAAAAAAAAAAAAAAAAAAAAAZAAAAAEAAABAAAAAAAAAAAAAAAAAAAAAAAAAAAAAAAAAAAAAAAAAAAAAAAAAAAAAAAAAAAAAAAAAAAAAAAAAAAAAAAAAAAAAAAAAAAAAAAAAAAAAAAAAAAAAAAAAAAAAFAAAADwAAAAAAAAAAAAAAAAAAAkUAAAAAQAAABQAAAAUAAAAFAAAAAEAAAAAAAAAZAAAAGQAAAAAAAAAZAAAAGQAAAAVAAAAYAAAAAAAAAAAAAAADwAAACADAAAAAAAAAAAAAAEAAACgMgAAVgcAAKr4//8BAAAAf39/AAEAAABkAAAAAAAAABQAAABAHwAAAAAAACYAAAAAAAAAwOD//wAAAAAmAAAAZAAAABYAAABMAAAAAAAAAAAAAAAEAAAAAAAAAAEAAACAgIAKAAAAACgAAAAoAAAAZAAAAGQAAAAAAAAAzMzMAAAAAABQAAAAUAAAAGQAAABkAAAAAAAAAAcAAAA4AAAAAAAAAAAAAAAAAAAA////AAAAAAAAAAAAAAAAAAAAAAAAAAAAAAAAAAAAAABkAAAAZAAAAAAAAAAjAAAABAAAAGQAAAAXAAAAFAAAAAAAAAAAAAAA/38AAP9/AAAAAAAACQAAAAQAAAAAAAAADAAAABAAAAAAAAAAAAAAAAAAAAAAAAAAHgAAAGgAAAAAAAAAAAAAAAAAAAAAAAAAAAAAABAnAAAQJwAAAAAAAAAAAAAAAAAAAAAAAAAAAAAAAAAAAAAAAAAAAAAUAAAAAAAAAMDA/wAAAAAAZAAAADIAAAAAAAAAZAAAAAAAAAB/f38ACgAAAB8AAABUAAAAu+DjBf///wEAAAAAAAAAAAAAAAAAAAAAAAAAAAAAAAAAAAAAAAAAAAAAAAJ/f38AgICAA8zMzADAwP8Af39/AAAAAAAAAAAAAAAAAP///wAAAAAAIQAAABgAAAAUAAAA6AAAAAYFAAAtNwAAwiQAAAAAAAAmAAAACAAAAP//////////"/>
+              </a:ext>
+            </a:extLst>
+          </p:cNvPicPr>
+          <p:nvPr/>
+        </p:nvPicPr>
+        <p:blipFill>
+          <a:blip r:embed="rId2"/>
+          <a:stretch>
+            <a:fillRect/>
+          </a:stretch>
+        </p:blipFill>
+        <p:spPr>
+          <a:xfrm>
+            <a:off x="147320" y="816610"/>
+            <a:ext cx="8822055" cy="5158740"/>
+          </a:xfrm>
+          <a:prstGeom prst="rect">
+            <a:avLst/>
+          </a:prstGeom>
+          <a:noFill/>
+          <a:ln>
+            <a:noFill/>
+          </a:ln>
+          <a:effectLst/>
+        </p:spPr>
+      </p:pic>
+    </p:spTree>
+  </p:cSld>
+  <p:clrMapOvr>
+    <a:masterClrMapping/>
+  </p:clrMapOvr>
+  <p:timing>
+    <p:tnLst>
+      <p:par>
+        <p:cTn id="1" dur="indefinite" restart="never" nodeType="tmRoot"/>
+      </p:par>
+    </p:tnLst>
+  </p:timing>
+</p:sld>
+</file>
+
+<file path=ppt/slides/slide6.xml><?xml version="1.0" encoding="utf-8"?>
+<p:sld xmlns:p="http://schemas.openxmlformats.org/presentationml/2006/main" xmlns:p14="http://schemas.microsoft.com/office/powerpoint/2010/main" xmlns:r="http://schemas.openxmlformats.org/officeDocument/2006/relationships" xmlns:a="http://schemas.openxmlformats.org/drawingml/2006/main">
+  <p:cSld>
+    <p:spTree>
+      <p:nvGrpSpPr>
+        <p:cNvPr id="1" name=""/>
+        <p:cNvGrpSpPr/>
+        <p:nvPr/>
+      </p:nvGrpSpPr>
+      <p:grpSpPr>
+        <a:xfrm>
+          <a:off x="0" y="0"/>
+          <a:ext cx="0" cy="0"/>
+          <a:chOff x="0" y="0"/>
+          <a:chExt cx="0" cy="0"/>
+        </a:xfrm>
+      </p:grpSpPr>
+      <p:pic>
+        <p:nvPicPr>
+          <p:cNvPr id="2" name="Picture1"/>
+          <p:cNvPicPr>
+            <a:picLocks noChangeAspect="1"/>
+            <a:extLst>
+              <a:ext uri="smNativeData">
+                <pr:smNativeData xmlns:pr="smNativeData" val="SMDATA_15_pLXxXhMAAAAlAAAAEQAAAC8BAAAAkAAAAEgAAACQAAAASAAAAAAAAAAAAAAAAAAAAAEAAABQAAAAAAAAAAAA4D8AAAAAAADgPwAAAAAAAOA/AAAAAAAA4D8AAAAAAADgPwAAAAAAAOA/AAAAAAAA4D8AAAAAAADgPwAAAAAAAOA/AAAAAAAA4D8CAAAAjAAAAAAAAAAAAAAAu+DjDP///wgAAAAAAAAAAAAAAAAAAAAAAAAAAAAAAAAAAAAAZAAAAAEAAABAAAAAAAAAAAAAAAAAAAAAAAAAAAAAAAAAAAAAAAAAAAAAAAAAAAAAAAAAAAAAAAAAAAAAAAAAAAAAAAAAAAAAAAAAAAAAAAAAAAAAAAAAAAAAAAAAAAAAFAAAADwAAAAAAAAAAAAAAAAAAAkUAAAAAQAAABQAAAAUAAAAFAAAAAEAAAAAAAAAZAAAAGQAAAAAAAAAZAAAAGQAAAAVAAAAYAAAAAAAAAAAAAAADwAAACADAAAAAAAAAAAAAAEAAACgMgAAVgcAAKr4//8BAAAAf39/AAEAAABkAAAAAAAAABQAAABAHwAAAAAAACYAAAAAAAAAwOD//wAAAAAmAAAAZAAAABYAAABMAAAAAAAAAAAAAAAEAAAAAAAAAAEAAACAgIAKAAAAACgAAAAoAAAAZAAAAGQAAAAAAAAAzMzMAAAAAABQAAAAUAAAAGQAAABkAAAAAAAAAAcAAAA4AAAAAAAAAAAAAAAAAAAA////AAAAAAAAAAAAAAAAAAAAAAAAAAAAAAAAAAAAAABkAAAAZAAAAAAAAAAjAAAABAAAAGQAAAAXAAAAFAAAAAAAAAAAAAAA/38AAP9/AAAAAAAACQAAAAQAAAAAAAAADAAAABAAAAAAAAAAAAAAAAAAAAAAAAAAHgAAAGgAAAAAAAAAAAAAAAAAAAAAAAAAAAAAABAnAAAQJwAAAAAAAAAAAAAAAAAAAAAAAAAAAAAAAAAAAAAAAAAAAAAUAAAAAAAAAMDA/wAAAAAAZAAAADIAAAAAAAAAZAAAAAAAAAB/f38ACgAAAB8AAABUAAAAu+DjBf///wEAAAAAAAAAAAAAAAAAAAAAAAAAAAAAAAAAAAAAAAAAAAAAAAJ/f38AgICAA8zMzADAwP8Af39/AAAAAAAAAAAAAAAAAP///wAAAAAAIQAAABgAAAAUAAAAMgMAADIDAACzNgAAQiAAAAAAAAAmAAAACAAAAP//////////"/>
+              </a:ext>
+            </a:extLst>
+          </p:cNvPicPr>
+          <p:nvPr/>
+        </p:nvPicPr>
+        <p:blipFill>
+          <a:blip r:embed="rId2"/>
+          <a:stretch>
+            <a:fillRect/>
+          </a:stretch>
+        </p:blipFill>
+        <p:spPr>
+          <a:xfrm>
+            <a:off x="519430" y="519430"/>
+            <a:ext cx="8372475" cy="4724400"/>
+          </a:xfrm>
+          <a:prstGeom prst="rect">
+            <a:avLst/>
+          </a:prstGeom>
+          <a:noFill/>
+          <a:ln>
+            <a:noFill/>
+          </a:ln>
+          <a:effectLst/>
+        </p:spPr>
+      </p:pic>
     </p:spTree>
   </p:cSld>
   <p:clrMapOvr>
